--- a/study/15_Hash Set, Hash Map.pptx
+++ b/study/15_Hash Set, Hash Map.pptx
@@ -5,7 +5,7 @@
     <p:sldMasterId id="2147483648" r:id="rId1"/>
   </p:sldMasterIdLst>
   <p:notesMasterIdLst>
-    <p:notesMasterId r:id="rId19"/>
+    <p:notesMasterId r:id="rId17"/>
   </p:notesMasterIdLst>
   <p:sldIdLst>
     <p:sldId id="256" r:id="rId2"/>
@@ -16,15 +16,13 @@
     <p:sldId id="531" r:id="rId7"/>
     <p:sldId id="548" r:id="rId8"/>
     <p:sldId id="519" r:id="rId9"/>
-    <p:sldId id="549" r:id="rId10"/>
-    <p:sldId id="493" r:id="rId11"/>
-    <p:sldId id="542" r:id="rId12"/>
-    <p:sldId id="543" r:id="rId13"/>
-    <p:sldId id="544" r:id="rId14"/>
-    <p:sldId id="545" r:id="rId15"/>
-    <p:sldId id="540" r:id="rId16"/>
-    <p:sldId id="541" r:id="rId17"/>
-    <p:sldId id="298" r:id="rId18"/>
+    <p:sldId id="550" r:id="rId10"/>
+    <p:sldId id="551" r:id="rId11"/>
+    <p:sldId id="552" r:id="rId12"/>
+    <p:sldId id="553" r:id="rId13"/>
+    <p:sldId id="549" r:id="rId14"/>
+    <p:sldId id="554" r:id="rId15"/>
+    <p:sldId id="298" r:id="rId16"/>
   </p:sldIdLst>
   <p:sldSz cx="12192000" cy="6858000"/>
   <p:notesSz cx="6858000" cy="9144000"/>
@@ -3908,10 +3906,10 @@
       </p:cxnSp>
       <p:sp>
         <p:nvSpPr>
-          <p:cNvPr id="6" name="TextBox 5">
-            <a:extLst>
-              <a:ext uri="{FF2B5EF4-FFF2-40B4-BE49-F238E27FC236}">
-                <a16:creationId xmlns:a16="http://schemas.microsoft.com/office/drawing/2014/main" id="{E41F2829-87A0-45BE-BDE2-225724BCA145}"/>
+          <p:cNvPr id="8" name="TextBox 7">
+            <a:extLst>
+              <a:ext uri="{FF2B5EF4-FFF2-40B4-BE49-F238E27FC236}">
+                <a16:creationId xmlns:a16="http://schemas.microsoft.com/office/drawing/2014/main" id="{C1B467EB-524B-46DA-BB98-9E2C915734A1}"/>
               </a:ext>
             </a:extLst>
           </p:cNvPr>
@@ -3921,7 +3919,7 @@
         <p:spPr>
           <a:xfrm>
             <a:off x="331694" y="177505"/>
-            <a:ext cx="7603363" cy="523220"/>
+            <a:ext cx="4908716" cy="523220"/>
           </a:xfrm>
           <a:prstGeom prst="rect">
             <a:avLst/>
@@ -3939,82 +3937,635 @@
                 <a:latin typeface="나눔스퀘어 Bold" panose="020B0600000101010101" pitchFamily="50" charset="-127"/>
                 <a:ea typeface="나눔스퀘어 Bold" panose="020B0600000101010101" pitchFamily="50" charset="-127"/>
               </a:rPr>
-              <a:t>Minimum Spanning Tree – 1922 </a:t>
+              <a:t>Hash Set / Map – 11652 </a:t>
             </a:r>
             <a:r>
               <a:rPr lang="ko-KR" altLang="en-US" sz="2800" dirty="0">
                 <a:latin typeface="나눔스퀘어 Bold" panose="020B0600000101010101" pitchFamily="50" charset="-127"/>
                 <a:ea typeface="나눔스퀘어 Bold" panose="020B0600000101010101" pitchFamily="50" charset="-127"/>
               </a:rPr>
-              <a:t>네트워크 연결</a:t>
-            </a:r>
-          </a:p>
-        </p:txBody>
-      </p:sp>
-      <p:pic>
-        <p:nvPicPr>
-          <p:cNvPr id="8" name="그림 7">
-            <a:extLst>
-              <a:ext uri="{FF2B5EF4-FFF2-40B4-BE49-F238E27FC236}">
-                <a16:creationId xmlns:a16="http://schemas.microsoft.com/office/drawing/2014/main" id="{9D7D2798-C020-43A3-8354-B61DED92E02B}"/>
-              </a:ext>
-            </a:extLst>
-          </p:cNvPr>
-          <p:cNvPicPr>
-            <a:picLocks noChangeAspect="1"/>
-          </p:cNvPicPr>
+              <a:t>카드</a:t>
+            </a:r>
+          </a:p>
+        </p:txBody>
+      </p:sp>
+      <p:sp>
+        <p:nvSpPr>
+          <p:cNvPr id="4" name="TextBox 3">
+            <a:extLst>
+              <a:ext uri="{FF2B5EF4-FFF2-40B4-BE49-F238E27FC236}">
+                <a16:creationId xmlns:a16="http://schemas.microsoft.com/office/drawing/2014/main" id="{BBF8457C-6582-263A-0A91-F494D4A669B3}"/>
+              </a:ext>
+            </a:extLst>
+          </p:cNvPr>
+          <p:cNvSpPr txBox="1"/>
           <p:nvPr/>
-        </p:nvPicPr>
-        <p:blipFill>
-          <a:blip r:embed="rId2"/>
-          <a:stretch>
-            <a:fillRect/>
-          </a:stretch>
-        </p:blipFill>
-        <p:spPr>
-          <a:xfrm>
-            <a:off x="7815978" y="296220"/>
-            <a:ext cx="238158" cy="285790"/>
+        </p:nvSpPr>
+        <p:spPr>
+          <a:xfrm>
+            <a:off x="942387" y="1352030"/>
+            <a:ext cx="10237694" cy="369332"/>
           </a:xfrm>
           <a:prstGeom prst="rect">
             <a:avLst/>
           </a:prstGeom>
-        </p:spPr>
-      </p:pic>
-      <p:pic>
-        <p:nvPicPr>
-          <p:cNvPr id="3" name="그림 2">
-            <a:extLst>
-              <a:ext uri="{FF2B5EF4-FFF2-40B4-BE49-F238E27FC236}">
-                <a16:creationId xmlns:a16="http://schemas.microsoft.com/office/drawing/2014/main" id="{6D392FFE-C88F-4E30-9C21-CAFEB2FB648E}"/>
-              </a:ext>
-            </a:extLst>
-          </p:cNvPr>
-          <p:cNvPicPr>
-            <a:picLocks noChangeAspect="1"/>
-          </p:cNvPicPr>
+          <a:noFill/>
+        </p:spPr>
+        <p:txBody>
+          <a:bodyPr wrap="square" rtlCol="0">
+            <a:spAutoFit/>
+          </a:bodyPr>
+          <a:lstStyle/>
+          <a:p>
+            <a:r>
+              <a:rPr lang="ko-KR" altLang="en-US" dirty="0">
+                <a:latin typeface="나눔스퀘어 Light" panose="020B0600000101010101" pitchFamily="50" charset="-127"/>
+                <a:ea typeface="나눔스퀘어 Light" panose="020B0600000101010101" pitchFamily="50" charset="-127"/>
+              </a:rPr>
+              <a:t>여기서 </a:t>
+            </a:r>
+            <a:r>
+              <a:rPr lang="en-US" altLang="ko-KR" dirty="0">
+                <a:latin typeface="나눔스퀘어 Light" panose="020B0600000101010101" pitchFamily="50" charset="-127"/>
+                <a:ea typeface="나눔스퀘어 Light" panose="020B0600000101010101" pitchFamily="50" charset="-127"/>
+              </a:rPr>
+              <a:t>Map</a:t>
+            </a:r>
+            <a:r>
+              <a:rPr lang="ko-KR" altLang="en-US" dirty="0">
+                <a:latin typeface="나눔스퀘어 Light" panose="020B0600000101010101" pitchFamily="50" charset="-127"/>
+                <a:ea typeface="나눔스퀘어 Light" panose="020B0600000101010101" pitchFamily="50" charset="-127"/>
+              </a:rPr>
+              <a:t>을 사용하여 </a:t>
+            </a:r>
+            <a:r>
+              <a:rPr lang="en-US" altLang="ko-KR" dirty="0">
+                <a:latin typeface="나눔스퀘어 Light" panose="020B0600000101010101" pitchFamily="50" charset="-127"/>
+                <a:ea typeface="나눔스퀘어 Light" panose="020B0600000101010101" pitchFamily="50" charset="-127"/>
+              </a:rPr>
+              <a:t>Key</a:t>
+            </a:r>
+            <a:r>
+              <a:rPr lang="ko-KR" altLang="en-US" dirty="0">
+                <a:latin typeface="나눔스퀘어 Light" panose="020B0600000101010101" pitchFamily="50" charset="-127"/>
+                <a:ea typeface="나눔스퀘어 Light" panose="020B0600000101010101" pitchFamily="50" charset="-127"/>
+              </a:rPr>
+              <a:t>로 카드 번호</a:t>
+            </a:r>
+            <a:r>
+              <a:rPr lang="en-US" altLang="ko-KR" dirty="0">
+                <a:latin typeface="나눔스퀘어 Light" panose="020B0600000101010101" pitchFamily="50" charset="-127"/>
+                <a:ea typeface="나눔스퀘어 Light" panose="020B0600000101010101" pitchFamily="50" charset="-127"/>
+              </a:rPr>
+              <a:t>, Value</a:t>
+            </a:r>
+            <a:r>
+              <a:rPr lang="ko-KR" altLang="en-US" dirty="0">
+                <a:latin typeface="나눔스퀘어 Light" panose="020B0600000101010101" pitchFamily="50" charset="-127"/>
+                <a:ea typeface="나눔스퀘어 Light" panose="020B0600000101010101" pitchFamily="50" charset="-127"/>
+              </a:rPr>
+              <a:t>로 나온 횟수를 관리하면 좋을 것 같음</a:t>
+            </a:r>
+          </a:p>
+        </p:txBody>
+      </p:sp>
+      <p:sp>
+        <p:nvSpPr>
+          <p:cNvPr id="2" name="TextBox 1">
+            <a:extLst>
+              <a:ext uri="{FF2B5EF4-FFF2-40B4-BE49-F238E27FC236}">
+                <a16:creationId xmlns:a16="http://schemas.microsoft.com/office/drawing/2014/main" id="{06D2549A-EE72-195B-0993-83DD8B5B2987}"/>
+              </a:ext>
+            </a:extLst>
+          </p:cNvPr>
+          <p:cNvSpPr txBox="1"/>
           <p:nvPr/>
-        </p:nvPicPr>
-        <p:blipFill>
-          <a:blip r:embed="rId3"/>
-          <a:stretch>
-            <a:fillRect/>
-          </a:stretch>
-        </p:blipFill>
-        <p:spPr>
-          <a:xfrm>
-            <a:off x="331694" y="1006220"/>
-            <a:ext cx="10936226" cy="5391902"/>
+        </p:nvSpPr>
+        <p:spPr>
+          <a:xfrm>
+            <a:off x="942387" y="1721362"/>
+            <a:ext cx="10237694" cy="369332"/>
           </a:xfrm>
           <a:prstGeom prst="rect">
             <a:avLst/>
           </a:prstGeom>
-        </p:spPr>
-      </p:pic>
+          <a:noFill/>
+        </p:spPr>
+        <p:txBody>
+          <a:bodyPr wrap="square" rtlCol="0">
+            <a:spAutoFit/>
+          </a:bodyPr>
+          <a:lstStyle/>
+          <a:p>
+            <a:r>
+              <a:rPr lang="ko-KR" altLang="en-US" dirty="0">
+                <a:latin typeface="나눔스퀘어 Light" panose="020B0600000101010101" pitchFamily="50" charset="-127"/>
+                <a:ea typeface="나눔스퀘어 Light" panose="020B0600000101010101" pitchFamily="50" charset="-127"/>
+              </a:rPr>
+              <a:t>또</a:t>
+            </a:r>
+            <a:r>
+              <a:rPr lang="en-US" altLang="ko-KR" dirty="0">
+                <a:latin typeface="나눔스퀘어 Light" panose="020B0600000101010101" pitchFamily="50" charset="-127"/>
+                <a:ea typeface="나눔스퀘어 Light" panose="020B0600000101010101" pitchFamily="50" charset="-127"/>
+              </a:rPr>
+              <a:t>, </a:t>
+            </a:r>
+            <a:r>
+              <a:rPr lang="ko-KR" altLang="en-US" dirty="0">
+                <a:latin typeface="나눔스퀘어 Light" panose="020B0600000101010101" pitchFamily="50" charset="-127"/>
+                <a:ea typeface="나눔스퀘어 Light" panose="020B0600000101010101" pitchFamily="50" charset="-127"/>
+              </a:rPr>
+              <a:t>굳이 정렬된 순서를 유지할 필요는 없으니 </a:t>
+            </a:r>
+            <a:r>
+              <a:rPr lang="en-US" altLang="ko-KR" dirty="0">
+                <a:latin typeface="나눔스퀘어 Light" panose="020B0600000101010101" pitchFamily="50" charset="-127"/>
+                <a:ea typeface="나눔스퀘어 Light" panose="020B0600000101010101" pitchFamily="50" charset="-127"/>
+              </a:rPr>
+              <a:t>Ordered Map </a:t>
+            </a:r>
+            <a:r>
+              <a:rPr lang="ko-KR" altLang="en-US" dirty="0">
+                <a:latin typeface="나눔스퀘어 Light" panose="020B0600000101010101" pitchFamily="50" charset="-127"/>
+                <a:ea typeface="나눔스퀘어 Light" panose="020B0600000101010101" pitchFamily="50" charset="-127"/>
+              </a:rPr>
+              <a:t>보단 </a:t>
+            </a:r>
+            <a:r>
+              <a:rPr lang="en-US" altLang="ko-KR" dirty="0">
+                <a:latin typeface="나눔스퀘어 Light" panose="020B0600000101010101" pitchFamily="50" charset="-127"/>
+                <a:ea typeface="나눔스퀘어 Light" panose="020B0600000101010101" pitchFamily="50" charset="-127"/>
+              </a:rPr>
+              <a:t>Hash(Unordered) Map</a:t>
+            </a:r>
+            <a:r>
+              <a:rPr lang="ko-KR" altLang="en-US" dirty="0">
+                <a:latin typeface="나눔스퀘어 Light" panose="020B0600000101010101" pitchFamily="50" charset="-127"/>
+                <a:ea typeface="나눔스퀘어 Light" panose="020B0600000101010101" pitchFamily="50" charset="-127"/>
+              </a:rPr>
+              <a:t>을 사용하는 게</a:t>
+            </a:r>
+          </a:p>
+        </p:txBody>
+      </p:sp>
+      <p:sp>
+        <p:nvSpPr>
+          <p:cNvPr id="3" name="TextBox 2">
+            <a:extLst>
+              <a:ext uri="{FF2B5EF4-FFF2-40B4-BE49-F238E27FC236}">
+                <a16:creationId xmlns:a16="http://schemas.microsoft.com/office/drawing/2014/main" id="{26719D1D-49AF-6B77-0995-58A80C46C310}"/>
+              </a:ext>
+            </a:extLst>
+          </p:cNvPr>
+          <p:cNvSpPr txBox="1"/>
+          <p:nvPr/>
+        </p:nvSpPr>
+        <p:spPr>
+          <a:xfrm>
+            <a:off x="942387" y="2090694"/>
+            <a:ext cx="10237694" cy="369332"/>
+          </a:xfrm>
+          <a:prstGeom prst="rect">
+            <a:avLst/>
+          </a:prstGeom>
+          <a:noFill/>
+        </p:spPr>
+        <p:txBody>
+          <a:bodyPr wrap="square" rtlCol="0">
+            <a:spAutoFit/>
+          </a:bodyPr>
+          <a:lstStyle/>
+          <a:p>
+            <a:r>
+              <a:rPr lang="ko-KR" altLang="en-US" dirty="0">
+                <a:latin typeface="나눔스퀘어 Light" panose="020B0600000101010101" pitchFamily="50" charset="-127"/>
+                <a:ea typeface="나눔스퀘어 Light" panose="020B0600000101010101" pitchFamily="50" charset="-127"/>
+              </a:rPr>
+              <a:t>성능상의 이점을 가져다 줄 것으로 보임</a:t>
+            </a:r>
+          </a:p>
+        </p:txBody>
+      </p:sp>
+      <mc:AlternateContent xmlns:mc="http://schemas.openxmlformats.org/markup-compatibility/2006">
+        <mc:Choice xmlns:a14="http://schemas.microsoft.com/office/drawing/2010/main" Requires="a14">
+          <p:sp>
+            <p:nvSpPr>
+              <p:cNvPr id="6" name="TextBox 5">
+                <a:extLst>
+                  <a:ext uri="{FF2B5EF4-FFF2-40B4-BE49-F238E27FC236}">
+                    <a16:creationId xmlns:a16="http://schemas.microsoft.com/office/drawing/2014/main" id="{8A11933F-126B-2FE5-2788-B8A575B7C25C}"/>
+                  </a:ext>
+                </a:extLst>
+              </p:cNvPr>
+              <p:cNvSpPr txBox="1"/>
+              <p:nvPr/>
+            </p:nvSpPr>
+            <p:spPr>
+              <a:xfrm>
+                <a:off x="942387" y="2460026"/>
+                <a:ext cx="10237694" cy="369332"/>
+              </a:xfrm>
+              <a:prstGeom prst="rect">
+                <a:avLst/>
+              </a:prstGeom>
+              <a:noFill/>
+            </p:spPr>
+            <p:txBody>
+              <a:bodyPr wrap="square" rtlCol="0">
+                <a:spAutoFit/>
+              </a:bodyPr>
+              <a:lstStyle/>
+              <a:p>
+                <a:r>
+                  <a:rPr lang="en-US" altLang="ko-KR" dirty="0">
+                    <a:latin typeface="나눔스퀘어 Light" panose="020B0600000101010101" pitchFamily="50" charset="-127"/>
+                    <a:ea typeface="나눔스퀘어 Light" panose="020B0600000101010101" pitchFamily="50" charset="-127"/>
+                  </a:rPr>
+                  <a:t>(Ordered Map</a:t>
+                </a:r>
+                <a:r>
+                  <a:rPr lang="ko-KR" altLang="en-US" dirty="0">
+                    <a:latin typeface="나눔스퀘어 Light" panose="020B0600000101010101" pitchFamily="50" charset="-127"/>
+                    <a:ea typeface="나눔스퀘어 Light" panose="020B0600000101010101" pitchFamily="50" charset="-127"/>
+                  </a:rPr>
+                  <a:t>의 시간 복잡도는 </a:t>
+                </a:r>
+                <a14:m>
+                  <m:oMath xmlns:m="http://schemas.openxmlformats.org/officeDocument/2006/math">
+                    <m:r>
+                      <a:rPr lang="ko-KR" altLang="en-US" b="0" i="1" smtClean="0">
+                        <a:latin typeface="Cambria Math" panose="02040503050406030204" pitchFamily="18" charset="0"/>
+                        <a:ea typeface="나눔스퀘어 Light" panose="020B0600000101010101" pitchFamily="50" charset="-127"/>
+                      </a:rPr>
+                      <m:t>𝑂</m:t>
+                    </m:r>
+                    <m:r>
+                      <a:rPr lang="en-US" altLang="ko-KR" b="0" i="1" smtClean="0">
+                        <a:latin typeface="Cambria Math" panose="02040503050406030204" pitchFamily="18" charset="0"/>
+                        <a:ea typeface="나눔스퀘어 Light" panose="020B0600000101010101" pitchFamily="50" charset="-127"/>
+                      </a:rPr>
+                      <m:t>(</m:t>
+                    </m:r>
+                    <m:r>
+                      <a:rPr lang="en-US" altLang="ko-KR" b="0" i="1" smtClean="0">
+                        <a:latin typeface="Cambria Math" panose="02040503050406030204" pitchFamily="18" charset="0"/>
+                        <a:ea typeface="나눔스퀘어 Light" panose="020B0600000101010101" pitchFamily="50" charset="-127"/>
+                      </a:rPr>
+                      <m:t>𝑙𝑜𝑔𝑁</m:t>
+                    </m:r>
+                    <m:r>
+                      <a:rPr lang="en-US" altLang="ko-KR" b="0" i="1" smtClean="0">
+                        <a:latin typeface="Cambria Math" panose="02040503050406030204" pitchFamily="18" charset="0"/>
+                        <a:ea typeface="나눔스퀘어 Light" panose="020B0600000101010101" pitchFamily="50" charset="-127"/>
+                      </a:rPr>
+                      <m:t>)</m:t>
+                    </m:r>
+                  </m:oMath>
+                </a14:m>
+                <a:r>
+                  <a:rPr lang="en-US" altLang="ko-KR" b="0" dirty="0">
+                    <a:latin typeface="나눔스퀘어 Light" panose="020B0600000101010101" pitchFamily="50" charset="-127"/>
+                    <a:ea typeface="나눔스퀘어 Light" panose="020B0600000101010101" pitchFamily="50" charset="-127"/>
+                  </a:rPr>
+                  <a:t>, Hash Map</a:t>
+                </a:r>
+                <a:r>
+                  <a:rPr lang="ko-KR" altLang="en-US" b="0" dirty="0">
+                    <a:latin typeface="나눔스퀘어 Light" panose="020B0600000101010101" pitchFamily="50" charset="-127"/>
+                    <a:ea typeface="나눔스퀘어 Light" panose="020B0600000101010101" pitchFamily="50" charset="-127"/>
+                  </a:rPr>
+                  <a:t>의 시간 복잡도는 </a:t>
+                </a:r>
+                <a14:m>
+                  <m:oMath xmlns:m="http://schemas.openxmlformats.org/officeDocument/2006/math">
+                    <m:r>
+                      <a:rPr lang="ko-KR" altLang="en-US" i="1">
+                        <a:latin typeface="Cambria Math" panose="02040503050406030204" pitchFamily="18" charset="0"/>
+                        <a:ea typeface="나눔스퀘어 Light" panose="020B0600000101010101" pitchFamily="50" charset="-127"/>
+                      </a:rPr>
+                      <m:t>𝑂</m:t>
+                    </m:r>
+                    <m:r>
+                      <a:rPr lang="en-US" altLang="ko-KR" i="1">
+                        <a:latin typeface="Cambria Math" panose="02040503050406030204" pitchFamily="18" charset="0"/>
+                        <a:ea typeface="나눔스퀘어 Light" panose="020B0600000101010101" pitchFamily="50" charset="-127"/>
+                      </a:rPr>
+                      <m:t>(</m:t>
+                    </m:r>
+                    <m:r>
+                      <a:rPr lang="en-US" altLang="ko-KR" b="0" i="1" smtClean="0">
+                        <a:latin typeface="Cambria Math" panose="02040503050406030204" pitchFamily="18" charset="0"/>
+                        <a:ea typeface="나눔스퀘어 Light" panose="020B0600000101010101" pitchFamily="50" charset="-127"/>
+                      </a:rPr>
+                      <m:t>1</m:t>
+                    </m:r>
+                    <m:r>
+                      <a:rPr lang="en-US" altLang="ko-KR" i="1">
+                        <a:latin typeface="Cambria Math" panose="02040503050406030204" pitchFamily="18" charset="0"/>
+                        <a:ea typeface="나눔스퀘어 Light" panose="020B0600000101010101" pitchFamily="50" charset="-127"/>
+                      </a:rPr>
+                      <m:t>)</m:t>
+                    </m:r>
+                  </m:oMath>
+                </a14:m>
+                <a:r>
+                  <a:rPr lang="en-US" altLang="ko-KR" dirty="0">
+                    <a:ea typeface="나눔스퀘어 Light" panose="020B0600000101010101" pitchFamily="50" charset="-127"/>
+                  </a:rPr>
+                  <a:t>)</a:t>
+                </a:r>
+              </a:p>
+            </p:txBody>
+          </p:sp>
+        </mc:Choice>
+        <mc:Fallback>
+          <p:sp>
+            <p:nvSpPr>
+              <p:cNvPr id="6" name="TextBox 5">
+                <a:extLst>
+                  <a:ext uri="{FF2B5EF4-FFF2-40B4-BE49-F238E27FC236}">
+                    <a16:creationId xmlns:a16="http://schemas.microsoft.com/office/drawing/2014/main" id="{8A11933F-126B-2FE5-2788-B8A575B7C25C}"/>
+                  </a:ext>
+                </a:extLst>
+              </p:cNvPr>
+              <p:cNvSpPr txBox="1">
+                <a:spLocks noRot="1" noChangeAspect="1" noMove="1" noResize="1" noEditPoints="1" noAdjustHandles="1" noChangeArrowheads="1" noChangeShapeType="1" noTextEdit="1"/>
+              </p:cNvSpPr>
+              <p:nvPr/>
+            </p:nvSpPr>
+            <p:spPr>
+              <a:xfrm>
+                <a:off x="942387" y="2460026"/>
+                <a:ext cx="10237694" cy="369332"/>
+              </a:xfrm>
+              <a:prstGeom prst="rect">
+                <a:avLst/>
+              </a:prstGeom>
+              <a:blipFill>
+                <a:blip r:embed="rId2"/>
+                <a:stretch>
+                  <a:fillRect l="-536" t="-13333" b="-28333"/>
+                </a:stretch>
+              </a:blipFill>
+            </p:spPr>
+            <p:txBody>
+              <a:bodyPr/>
+              <a:lstStyle/>
+              <a:p>
+                <a:r>
+                  <a:rPr lang="ko-KR" altLang="en-US">
+                    <a:noFill/>
+                  </a:rPr>
+                  <a:t> </a:t>
+                </a:r>
+              </a:p>
+            </p:txBody>
+          </p:sp>
+        </mc:Fallback>
+      </mc:AlternateContent>
+      <p:sp>
+        <p:nvSpPr>
+          <p:cNvPr id="10" name="TextBox 9">
+            <a:extLst>
+              <a:ext uri="{FF2B5EF4-FFF2-40B4-BE49-F238E27FC236}">
+                <a16:creationId xmlns:a16="http://schemas.microsoft.com/office/drawing/2014/main" id="{769D9539-ADB0-BAD0-4382-20AA67863529}"/>
+              </a:ext>
+            </a:extLst>
+          </p:cNvPr>
+          <p:cNvSpPr txBox="1"/>
+          <p:nvPr/>
+        </p:nvSpPr>
+        <p:spPr>
+          <a:xfrm>
+            <a:off x="942387" y="2829358"/>
+            <a:ext cx="10237694" cy="369332"/>
+          </a:xfrm>
+          <a:prstGeom prst="rect">
+            <a:avLst/>
+          </a:prstGeom>
+          <a:noFill/>
+        </p:spPr>
+        <p:txBody>
+          <a:bodyPr wrap="square" rtlCol="0">
+            <a:spAutoFit/>
+          </a:bodyPr>
+          <a:lstStyle/>
+          <a:p>
+            <a:r>
+              <a:rPr lang="en-US" altLang="ko-KR" dirty="0">
+                <a:latin typeface="나눔스퀘어 Light" panose="020B0600000101010101" pitchFamily="50" charset="-127"/>
+                <a:ea typeface="나눔스퀘어 Light" panose="020B0600000101010101" pitchFamily="50" charset="-127"/>
+              </a:rPr>
+              <a:t>(</a:t>
+            </a:r>
+            <a:r>
+              <a:rPr lang="ko-KR" altLang="en-US" dirty="0">
+                <a:latin typeface="나눔스퀘어 Light" panose="020B0600000101010101" pitchFamily="50" charset="-127"/>
+                <a:ea typeface="나눔스퀘어 Light" panose="020B0600000101010101" pitchFamily="50" charset="-127"/>
+              </a:rPr>
+              <a:t>문제 마지막에서 정렬의 필요성이 있을 수도 있는데</a:t>
+            </a:r>
+            <a:endParaRPr lang="en-US" altLang="ko-KR" dirty="0">
+              <a:ea typeface="나눔스퀘어 Light" panose="020B0600000101010101" pitchFamily="50" charset="-127"/>
+            </a:endParaRPr>
+          </a:p>
+        </p:txBody>
+      </p:sp>
+      <p:sp>
+        <p:nvSpPr>
+          <p:cNvPr id="12" name="TextBox 11">
+            <a:extLst>
+              <a:ext uri="{FF2B5EF4-FFF2-40B4-BE49-F238E27FC236}">
+                <a16:creationId xmlns:a16="http://schemas.microsoft.com/office/drawing/2014/main" id="{86B6D976-7CEE-6A7F-BADF-FBF28A5C4929}"/>
+              </a:ext>
+            </a:extLst>
+          </p:cNvPr>
+          <p:cNvSpPr txBox="1"/>
+          <p:nvPr/>
+        </p:nvSpPr>
+        <p:spPr>
+          <a:xfrm>
+            <a:off x="942387" y="3198690"/>
+            <a:ext cx="10237694" cy="369332"/>
+          </a:xfrm>
+          <a:prstGeom prst="rect">
+            <a:avLst/>
+          </a:prstGeom>
+          <a:noFill/>
+        </p:spPr>
+        <p:txBody>
+          <a:bodyPr wrap="square" rtlCol="0">
+            <a:spAutoFit/>
+          </a:bodyPr>
+          <a:lstStyle/>
+          <a:p>
+            <a:r>
+              <a:rPr lang="en-US" altLang="ko-KR" dirty="0">
+                <a:latin typeface="나눔스퀘어 Light" panose="020B0600000101010101" pitchFamily="50" charset="-127"/>
+                <a:ea typeface="나눔스퀘어 Light" panose="020B0600000101010101" pitchFamily="50" charset="-127"/>
+              </a:rPr>
+              <a:t>	(</a:t>
+            </a:r>
+            <a:r>
+              <a:rPr lang="ko-KR" altLang="en-US" dirty="0">
+                <a:latin typeface="나눔스퀘어 Light" panose="020B0600000101010101" pitchFamily="50" charset="-127"/>
+                <a:ea typeface="나눔스퀘어 Light" panose="020B0600000101010101" pitchFamily="50" charset="-127"/>
+              </a:rPr>
+              <a:t>만약</a:t>
+            </a:r>
+            <a:r>
+              <a:rPr lang="en-US" altLang="ko-KR" dirty="0">
+                <a:latin typeface="나눔스퀘어 Light" panose="020B0600000101010101" pitchFamily="50" charset="-127"/>
+                <a:ea typeface="나눔스퀘어 Light" panose="020B0600000101010101" pitchFamily="50" charset="-127"/>
+              </a:rPr>
+              <a:t>, </a:t>
+            </a:r>
+            <a:r>
+              <a:rPr lang="ko-KR" altLang="en-US" dirty="0">
+                <a:latin typeface="나눔스퀘어 Light" panose="020B0600000101010101" pitchFamily="50" charset="-127"/>
+                <a:ea typeface="나눔스퀘어 Light" panose="020B0600000101010101" pitchFamily="50" charset="-127"/>
+              </a:rPr>
+              <a:t>가장 많이 가지고 있는 정수가 여러 가지라면</a:t>
+            </a:r>
+            <a:r>
+              <a:rPr lang="en-US" altLang="ko-KR" dirty="0">
+                <a:latin typeface="나눔스퀘어 Light" panose="020B0600000101010101" pitchFamily="50" charset="-127"/>
+                <a:ea typeface="나눔스퀘어 Light" panose="020B0600000101010101" pitchFamily="50" charset="-127"/>
+              </a:rPr>
+              <a:t>, </a:t>
+            </a:r>
+            <a:r>
+              <a:rPr lang="ko-KR" altLang="en-US" dirty="0">
+                <a:latin typeface="나눔스퀘어 Light" panose="020B0600000101010101" pitchFamily="50" charset="-127"/>
+                <a:ea typeface="나눔스퀘어 Light" panose="020B0600000101010101" pitchFamily="50" charset="-127"/>
+              </a:rPr>
+              <a:t>작은 것을 출력</a:t>
+            </a:r>
+            <a:r>
+              <a:rPr lang="en-US" altLang="ko-KR" dirty="0">
+                <a:latin typeface="나눔스퀘어 Light" panose="020B0600000101010101" pitchFamily="50" charset="-127"/>
+                <a:ea typeface="나눔스퀘어 Light" panose="020B0600000101010101" pitchFamily="50" charset="-127"/>
+              </a:rPr>
+              <a:t>)</a:t>
+            </a:r>
+            <a:endParaRPr lang="en-US" altLang="ko-KR" dirty="0">
+              <a:ea typeface="나눔스퀘어 Light" panose="020B0600000101010101" pitchFamily="50" charset="-127"/>
+            </a:endParaRPr>
+          </a:p>
+        </p:txBody>
+      </p:sp>
+      <p:sp>
+        <p:nvSpPr>
+          <p:cNvPr id="13" name="TextBox 12">
+            <a:extLst>
+              <a:ext uri="{FF2B5EF4-FFF2-40B4-BE49-F238E27FC236}">
+                <a16:creationId xmlns:a16="http://schemas.microsoft.com/office/drawing/2014/main" id="{F29CC258-884E-3D19-6248-96F99152D577}"/>
+              </a:ext>
+            </a:extLst>
+          </p:cNvPr>
+          <p:cNvSpPr txBox="1"/>
+          <p:nvPr/>
+        </p:nvSpPr>
+        <p:spPr>
+          <a:xfrm>
+            <a:off x="942387" y="3568022"/>
+            <a:ext cx="10237694" cy="369332"/>
+          </a:xfrm>
+          <a:prstGeom prst="rect">
+            <a:avLst/>
+          </a:prstGeom>
+          <a:noFill/>
+        </p:spPr>
+        <p:txBody>
+          <a:bodyPr wrap="square" rtlCol="0">
+            <a:spAutoFit/>
+          </a:bodyPr>
+          <a:lstStyle/>
+          <a:p>
+            <a:r>
+              <a:rPr lang="ko-KR" altLang="en-US" dirty="0">
+                <a:ea typeface="나눔스퀘어 Light" panose="020B0600000101010101" pitchFamily="50" charset="-127"/>
+              </a:rPr>
+              <a:t>마지막에 가서 필요하면 정렬하면 되지</a:t>
+            </a:r>
+            <a:r>
+              <a:rPr lang="en-US" altLang="ko-KR" dirty="0">
+                <a:ea typeface="나눔스퀘어 Light" panose="020B0600000101010101" pitchFamily="50" charset="-127"/>
+              </a:rPr>
+              <a:t>, </a:t>
+            </a:r>
+            <a:r>
+              <a:rPr lang="ko-KR" altLang="en-US" dirty="0">
+                <a:ea typeface="나눔스퀘어 Light" panose="020B0600000101010101" pitchFamily="50" charset="-127"/>
+              </a:rPr>
+              <a:t>굳이 정렬된 순서를 유지하며 삽입</a:t>
+            </a:r>
+            <a:r>
+              <a:rPr lang="en-US" altLang="ko-KR" dirty="0">
+                <a:ea typeface="나눔스퀘어 Light" panose="020B0600000101010101" pitchFamily="50" charset="-127"/>
+              </a:rPr>
+              <a:t>/</a:t>
+            </a:r>
+            <a:r>
+              <a:rPr lang="ko-KR" altLang="en-US" dirty="0">
+                <a:ea typeface="나눔스퀘어 Light" panose="020B0600000101010101" pitchFamily="50" charset="-127"/>
+              </a:rPr>
+              <a:t>탐색을 하여 성능을 떨어뜨릴</a:t>
+            </a:r>
+            <a:endParaRPr lang="en-US" altLang="ko-KR" dirty="0">
+              <a:ea typeface="나눔스퀘어 Light" panose="020B0600000101010101" pitchFamily="50" charset="-127"/>
+            </a:endParaRPr>
+          </a:p>
+        </p:txBody>
+      </p:sp>
+      <p:sp>
+        <p:nvSpPr>
+          <p:cNvPr id="15" name="TextBox 14">
+            <a:extLst>
+              <a:ext uri="{FF2B5EF4-FFF2-40B4-BE49-F238E27FC236}">
+                <a16:creationId xmlns:a16="http://schemas.microsoft.com/office/drawing/2014/main" id="{277B735C-5834-E5A1-5782-E81911292997}"/>
+              </a:ext>
+            </a:extLst>
+          </p:cNvPr>
+          <p:cNvSpPr txBox="1"/>
+          <p:nvPr/>
+        </p:nvSpPr>
+        <p:spPr>
+          <a:xfrm>
+            <a:off x="942387" y="3937354"/>
+            <a:ext cx="10237694" cy="369332"/>
+          </a:xfrm>
+          <a:prstGeom prst="rect">
+            <a:avLst/>
+          </a:prstGeom>
+          <a:noFill/>
+        </p:spPr>
+        <p:txBody>
+          <a:bodyPr wrap="square" rtlCol="0">
+            <a:spAutoFit/>
+          </a:bodyPr>
+          <a:lstStyle/>
+          <a:p>
+            <a:r>
+              <a:rPr lang="ko-KR" altLang="en-US" dirty="0">
+                <a:ea typeface="나눔스퀘어 Light" panose="020B0600000101010101" pitchFamily="50" charset="-127"/>
+              </a:rPr>
+              <a:t>필요는 없다</a:t>
+            </a:r>
+            <a:r>
+              <a:rPr lang="en-US" altLang="ko-KR" dirty="0">
+                <a:ea typeface="나눔스퀘어 Light" panose="020B0600000101010101" pitchFamily="50" charset="-127"/>
+              </a:rPr>
+              <a:t>.)</a:t>
+            </a:r>
+          </a:p>
+        </p:txBody>
+      </p:sp>
     </p:spTree>
     <p:extLst>
       <p:ext uri="{BB962C8B-B14F-4D97-AF65-F5344CB8AC3E}">
-        <p14:creationId xmlns:p14="http://schemas.microsoft.com/office/powerpoint/2010/main" val="1588991416"/>
+        <p14:creationId xmlns:p14="http://schemas.microsoft.com/office/powerpoint/2010/main" val="4124374360"/>
       </p:ext>
     </p:extLst>
   </p:cSld>
@@ -4087,10 +4638,10 @@
       </p:cxnSp>
       <p:sp>
         <p:nvSpPr>
-          <p:cNvPr id="6" name="TextBox 5">
-            <a:extLst>
-              <a:ext uri="{FF2B5EF4-FFF2-40B4-BE49-F238E27FC236}">
-                <a16:creationId xmlns:a16="http://schemas.microsoft.com/office/drawing/2014/main" id="{E41F2829-87A0-45BE-BDE2-225724BCA145}"/>
+          <p:cNvPr id="8" name="TextBox 7">
+            <a:extLst>
+              <a:ext uri="{FF2B5EF4-FFF2-40B4-BE49-F238E27FC236}">
+                <a16:creationId xmlns:a16="http://schemas.microsoft.com/office/drawing/2014/main" id="{C1B467EB-524B-46DA-BB98-9E2C915734A1}"/>
               </a:ext>
             </a:extLst>
           </p:cNvPr>
@@ -4100,7 +4651,7 @@
         <p:spPr>
           <a:xfrm>
             <a:off x="331694" y="177505"/>
-            <a:ext cx="7603363" cy="523220"/>
+            <a:ext cx="4908716" cy="523220"/>
           </a:xfrm>
           <a:prstGeom prst="rect">
             <a:avLst/>
@@ -4118,24 +4669,115 @@
                 <a:latin typeface="나눔스퀘어 Bold" panose="020B0600000101010101" pitchFamily="50" charset="-127"/>
                 <a:ea typeface="나눔스퀘어 Bold" panose="020B0600000101010101" pitchFamily="50" charset="-127"/>
               </a:rPr>
-              <a:t>Minimum Spanning Tree – 1922 </a:t>
+              <a:t>Hash Set / Map – 11652 </a:t>
             </a:r>
             <a:r>
               <a:rPr lang="ko-KR" altLang="en-US" sz="2800" dirty="0">
                 <a:latin typeface="나눔스퀘어 Bold" panose="020B0600000101010101" pitchFamily="50" charset="-127"/>
                 <a:ea typeface="나눔스퀘어 Bold" panose="020B0600000101010101" pitchFamily="50" charset="-127"/>
               </a:rPr>
-              <a:t>네트워크 연결</a:t>
-            </a:r>
+              <a:t>카드</a:t>
+            </a:r>
+          </a:p>
+        </p:txBody>
+      </p:sp>
+      <p:sp>
+        <p:nvSpPr>
+          <p:cNvPr id="4" name="TextBox 3">
+            <a:extLst>
+              <a:ext uri="{FF2B5EF4-FFF2-40B4-BE49-F238E27FC236}">
+                <a16:creationId xmlns:a16="http://schemas.microsoft.com/office/drawing/2014/main" id="{BBF8457C-6582-263A-0A91-F494D4A669B3}"/>
+              </a:ext>
+            </a:extLst>
+          </p:cNvPr>
+          <p:cNvSpPr txBox="1"/>
+          <p:nvPr/>
+        </p:nvSpPr>
+        <p:spPr>
+          <a:xfrm>
+            <a:off x="942387" y="1352030"/>
+            <a:ext cx="10237694" cy="369332"/>
+          </a:xfrm>
+          <a:prstGeom prst="rect">
+            <a:avLst/>
+          </a:prstGeom>
+          <a:noFill/>
+        </p:spPr>
+        <p:txBody>
+          <a:bodyPr wrap="square" rtlCol="0">
+            <a:spAutoFit/>
+          </a:bodyPr>
+          <a:lstStyle/>
+          <a:p>
+            <a:r>
+              <a:rPr lang="ko-KR" altLang="en-US" dirty="0">
+                <a:latin typeface="나눔스퀘어 Light" panose="020B0600000101010101" pitchFamily="50" charset="-127"/>
+                <a:ea typeface="나눔스퀘어 Light" panose="020B0600000101010101" pitchFamily="50" charset="-127"/>
+              </a:rPr>
+              <a:t>해시 </a:t>
+            </a:r>
+            <a:r>
+              <a:rPr lang="ko-KR" altLang="en-US" dirty="0" err="1">
+                <a:latin typeface="나눔스퀘어 Light" panose="020B0600000101010101" pitchFamily="50" charset="-127"/>
+                <a:ea typeface="나눔스퀘어 Light" panose="020B0600000101010101" pitchFamily="50" charset="-127"/>
+              </a:rPr>
+              <a:t>맵을</a:t>
+            </a:r>
+            <a:r>
+              <a:rPr lang="ko-KR" altLang="en-US" dirty="0">
+                <a:latin typeface="나눔스퀘어 Light" panose="020B0600000101010101" pitchFamily="50" charset="-127"/>
+                <a:ea typeface="나눔스퀘어 Light" panose="020B0600000101010101" pitchFamily="50" charset="-127"/>
+              </a:rPr>
+              <a:t> 사용하여 카드 값을 </a:t>
+            </a:r>
+            <a:r>
+              <a:rPr lang="en-US" altLang="ko-KR" dirty="0">
+                <a:latin typeface="나눔스퀘어 Light" panose="020B0600000101010101" pitchFamily="50" charset="-127"/>
+                <a:ea typeface="나눔스퀘어 Light" panose="020B0600000101010101" pitchFamily="50" charset="-127"/>
+              </a:rPr>
+              <a:t>Key</a:t>
+            </a:r>
+            <a:r>
+              <a:rPr lang="ko-KR" altLang="en-US" dirty="0">
+                <a:latin typeface="나눔스퀘어 Light" panose="020B0600000101010101" pitchFamily="50" charset="-127"/>
+                <a:ea typeface="나눔스퀘어 Light" panose="020B0600000101010101" pitchFamily="50" charset="-127"/>
+              </a:rPr>
+              <a:t>로 받고 카드가 주어질 때 마다 </a:t>
+            </a:r>
+            <a:r>
+              <a:rPr lang="en-US" altLang="ko-KR" dirty="0">
+                <a:latin typeface="나눔스퀘어 Light" panose="020B0600000101010101" pitchFamily="50" charset="-127"/>
+                <a:ea typeface="나눔스퀘어 Light" panose="020B0600000101010101" pitchFamily="50" charset="-127"/>
+              </a:rPr>
+              <a:t>Value</a:t>
+            </a:r>
+            <a:r>
+              <a:rPr lang="ko-KR" altLang="en-US" dirty="0">
+                <a:latin typeface="나눔스퀘어 Light" panose="020B0600000101010101" pitchFamily="50" charset="-127"/>
+                <a:ea typeface="나눔스퀘어 Light" panose="020B0600000101010101" pitchFamily="50" charset="-127"/>
+              </a:rPr>
+              <a:t>로 나온 횟수를 </a:t>
+            </a:r>
+            <a:r>
+              <a:rPr lang="ko-KR" altLang="en-US" dirty="0" err="1">
+                <a:latin typeface="나눔스퀘어 Light" panose="020B0600000101010101" pitchFamily="50" charset="-127"/>
+                <a:ea typeface="나눔스퀘어 Light" panose="020B0600000101010101" pitchFamily="50" charset="-127"/>
+              </a:rPr>
+              <a:t>카운팅</a:t>
+            </a:r>
+            <a:endParaRPr lang="ko-KR" altLang="en-US" dirty="0">
+              <a:latin typeface="나눔스퀘어 Light" panose="020B0600000101010101" pitchFamily="50" charset="-127"/>
+              <a:ea typeface="나눔스퀘어 Light" panose="020B0600000101010101" pitchFamily="50" charset="-127"/>
+            </a:endParaRPr>
           </a:p>
         </p:txBody>
       </p:sp>
       <p:pic>
         <p:nvPicPr>
-          <p:cNvPr id="8" name="그림 7">
-            <a:extLst>
-              <a:ext uri="{FF2B5EF4-FFF2-40B4-BE49-F238E27FC236}">
-                <a16:creationId xmlns:a16="http://schemas.microsoft.com/office/drawing/2014/main" id="{9D7D2798-C020-43A3-8354-B61DED92E02B}"/>
+          <p:cNvPr id="9" name="그림 8">
+            <a:extLst>
+              <a:ext uri="{FF2B5EF4-FFF2-40B4-BE49-F238E27FC236}">
+                <a16:creationId xmlns:a16="http://schemas.microsoft.com/office/drawing/2014/main" id="{1185069B-17F2-A99C-CE9C-4DD55AE9F71D}"/>
               </a:ext>
             </a:extLst>
           </p:cNvPr>
@@ -4152,184 +4794,18 @@
         </p:blipFill>
         <p:spPr>
           <a:xfrm>
-            <a:off x="7815978" y="296220"/>
-            <a:ext cx="238158" cy="285790"/>
+            <a:off x="942387" y="1721361"/>
+            <a:ext cx="5153613" cy="3787125"/>
           </a:xfrm>
           <a:prstGeom prst="rect">
             <a:avLst/>
           </a:prstGeom>
         </p:spPr>
       </p:pic>
-      <p:sp>
-        <p:nvSpPr>
-          <p:cNvPr id="7" name="TextBox 6">
-            <a:extLst>
-              <a:ext uri="{FF2B5EF4-FFF2-40B4-BE49-F238E27FC236}">
-                <a16:creationId xmlns:a16="http://schemas.microsoft.com/office/drawing/2014/main" id="{79A54275-9CF2-404B-9C10-496314A444C3}"/>
-              </a:ext>
-            </a:extLst>
-          </p:cNvPr>
-          <p:cNvSpPr txBox="1"/>
-          <p:nvPr/>
-        </p:nvSpPr>
-        <p:spPr>
-          <a:xfrm>
-            <a:off x="942387" y="1352034"/>
-            <a:ext cx="10237694" cy="369332"/>
-          </a:xfrm>
-          <a:prstGeom prst="rect">
-            <a:avLst/>
-          </a:prstGeom>
-          <a:noFill/>
-        </p:spPr>
-        <p:txBody>
-          <a:bodyPr wrap="square" rtlCol="0">
-            <a:spAutoFit/>
-          </a:bodyPr>
-          <a:lstStyle/>
-          <a:p>
-            <a:r>
-              <a:rPr lang="ko-KR" altLang="en-US" dirty="0">
-                <a:latin typeface="나눔스퀘어 Light" panose="020B0600000101010101" pitchFamily="50" charset="-127"/>
-                <a:ea typeface="나눔스퀘어 Light" panose="020B0600000101010101" pitchFamily="50" charset="-127"/>
-              </a:rPr>
-              <a:t>앞서 본 문제와 </a:t>
-            </a:r>
-            <a:r>
-              <a:rPr lang="ko-KR" altLang="en-US" dirty="0" err="1">
-                <a:latin typeface="나눔스퀘어 Light" panose="020B0600000101010101" pitchFamily="50" charset="-127"/>
-                <a:ea typeface="나눔스퀘어 Light" panose="020B0600000101010101" pitchFamily="50" charset="-127"/>
-              </a:rPr>
-              <a:t>다를게</a:t>
-            </a:r>
-            <a:r>
-              <a:rPr lang="ko-KR" altLang="en-US" dirty="0">
-                <a:latin typeface="나눔스퀘어 Light" panose="020B0600000101010101" pitchFamily="50" charset="-127"/>
-                <a:ea typeface="나눔스퀘어 Light" panose="020B0600000101010101" pitchFamily="50" charset="-127"/>
-              </a:rPr>
-              <a:t> 없는 문제</a:t>
-            </a:r>
-            <a:r>
-              <a:rPr lang="en-US" altLang="ko-KR" dirty="0">
-                <a:latin typeface="나눔스퀘어 Light" panose="020B0600000101010101" pitchFamily="50" charset="-127"/>
-                <a:ea typeface="나눔스퀘어 Light" panose="020B0600000101010101" pitchFamily="50" charset="-127"/>
-              </a:rPr>
-              <a:t> </a:t>
-            </a:r>
-            <a:r>
-              <a:rPr lang="ko-KR" altLang="en-US" dirty="0">
-                <a:latin typeface="나눔스퀘어 Light" panose="020B0600000101010101" pitchFamily="50" charset="-127"/>
-                <a:ea typeface="나눔스퀘어 Light" panose="020B0600000101010101" pitchFamily="50" charset="-127"/>
-              </a:rPr>
-              <a:t>→ 똑같이 </a:t>
-            </a:r>
-            <a:r>
-              <a:rPr lang="ko-KR" altLang="en-US" dirty="0" err="1">
-                <a:latin typeface="나눔스퀘어 Light" panose="020B0600000101010101" pitchFamily="50" charset="-127"/>
-                <a:ea typeface="나눔스퀘어 Light" panose="020B0600000101010101" pitchFamily="50" charset="-127"/>
-              </a:rPr>
-              <a:t>크루스칼</a:t>
-            </a:r>
-            <a:r>
-              <a:rPr lang="ko-KR" altLang="en-US" dirty="0">
-                <a:latin typeface="나눔스퀘어 Light" panose="020B0600000101010101" pitchFamily="50" charset="-127"/>
-                <a:ea typeface="나눔스퀘어 Light" panose="020B0600000101010101" pitchFamily="50" charset="-127"/>
-              </a:rPr>
-              <a:t> 알고리즘으로 </a:t>
-            </a:r>
-            <a:r>
-              <a:rPr lang="en-US" altLang="ko-KR" dirty="0">
-                <a:latin typeface="나눔스퀘어 Light" panose="020B0600000101010101" pitchFamily="50" charset="-127"/>
-                <a:ea typeface="나눔스퀘어 Light" panose="020B0600000101010101" pitchFamily="50" charset="-127"/>
-              </a:rPr>
-              <a:t>MST</a:t>
-            </a:r>
-            <a:r>
-              <a:rPr lang="ko-KR" altLang="en-US" dirty="0">
-                <a:latin typeface="나눔스퀘어 Light" panose="020B0600000101010101" pitchFamily="50" charset="-127"/>
-                <a:ea typeface="나눔스퀘어 Light" panose="020B0600000101010101" pitchFamily="50" charset="-127"/>
-              </a:rPr>
-              <a:t>를 구성하며 가중치 합을 구함</a:t>
-            </a:r>
-          </a:p>
-        </p:txBody>
-      </p:sp>
-      <p:pic>
-        <p:nvPicPr>
-          <p:cNvPr id="4" name="그림 3">
-            <a:extLst>
-              <a:ext uri="{FF2B5EF4-FFF2-40B4-BE49-F238E27FC236}">
-                <a16:creationId xmlns:a16="http://schemas.microsoft.com/office/drawing/2014/main" id="{A6EC56ED-A3E3-4934-B733-339FEEDD8F39}"/>
-              </a:ext>
-            </a:extLst>
-          </p:cNvPr>
-          <p:cNvPicPr>
-            <a:picLocks noChangeAspect="1"/>
-          </p:cNvPicPr>
-          <p:nvPr/>
-        </p:nvPicPr>
-        <p:blipFill>
-          <a:blip r:embed="rId3"/>
-          <a:stretch>
-            <a:fillRect/>
-          </a:stretch>
-        </p:blipFill>
-        <p:spPr>
-          <a:xfrm>
-            <a:off x="942387" y="1721366"/>
-            <a:ext cx="6361524" cy="5033180"/>
-          </a:xfrm>
-          <a:prstGeom prst="rect">
-            <a:avLst/>
-          </a:prstGeom>
-        </p:spPr>
-      </p:pic>
-      <p:sp>
-        <p:nvSpPr>
-          <p:cNvPr id="9" name="TextBox 8">
-            <a:extLst>
-              <a:ext uri="{FF2B5EF4-FFF2-40B4-BE49-F238E27FC236}">
-                <a16:creationId xmlns:a16="http://schemas.microsoft.com/office/drawing/2014/main" id="{FB9F11A1-2C16-4433-915C-C90F1C90B49E}"/>
-              </a:ext>
-            </a:extLst>
-          </p:cNvPr>
-          <p:cNvSpPr txBox="1"/>
-          <p:nvPr/>
-        </p:nvSpPr>
-        <p:spPr>
-          <a:xfrm>
-            <a:off x="7687733" y="2096153"/>
-            <a:ext cx="3492348" cy="369332"/>
-          </a:xfrm>
-          <a:prstGeom prst="rect">
-            <a:avLst/>
-          </a:prstGeom>
-          <a:noFill/>
-        </p:spPr>
-        <p:txBody>
-          <a:bodyPr wrap="square" rtlCol="0">
-            <a:spAutoFit/>
-          </a:bodyPr>
-          <a:lstStyle/>
-          <a:p>
-            <a:r>
-              <a:rPr lang="ko-KR" altLang="en-US">
-                <a:latin typeface="나눔스퀘어 Light" panose="020B0600000101010101" pitchFamily="50" charset="-127"/>
-                <a:ea typeface="나눔스퀘어 Light" panose="020B0600000101010101" pitchFamily="50" charset="-127"/>
-              </a:rPr>
-              <a:t>간선 클래스를 만듦</a:t>
-            </a:r>
-            <a:endParaRPr lang="ko-KR" altLang="en-US" dirty="0">
-              <a:latin typeface="나눔스퀘어 Light" panose="020B0600000101010101" pitchFamily="50" charset="-127"/>
-              <a:ea typeface="나눔스퀘어 Light" panose="020B0600000101010101" pitchFamily="50" charset="-127"/>
-            </a:endParaRPr>
-          </a:p>
-        </p:txBody>
-      </p:sp>
     </p:spTree>
     <p:extLst>
       <p:ext uri="{BB962C8B-B14F-4D97-AF65-F5344CB8AC3E}">
-        <p14:creationId xmlns:p14="http://schemas.microsoft.com/office/powerpoint/2010/main" val="901450692"/>
+        <p14:creationId xmlns:p14="http://schemas.microsoft.com/office/powerpoint/2010/main" val="981821425"/>
       </p:ext>
     </p:extLst>
   </p:cSld>
@@ -4402,10 +4878,10 @@
       </p:cxnSp>
       <p:sp>
         <p:nvSpPr>
-          <p:cNvPr id="6" name="TextBox 5">
-            <a:extLst>
-              <a:ext uri="{FF2B5EF4-FFF2-40B4-BE49-F238E27FC236}">
-                <a16:creationId xmlns:a16="http://schemas.microsoft.com/office/drawing/2014/main" id="{E41F2829-87A0-45BE-BDE2-225724BCA145}"/>
+          <p:cNvPr id="8" name="TextBox 7">
+            <a:extLst>
+              <a:ext uri="{FF2B5EF4-FFF2-40B4-BE49-F238E27FC236}">
+                <a16:creationId xmlns:a16="http://schemas.microsoft.com/office/drawing/2014/main" id="{C1B467EB-524B-46DA-BB98-9E2C915734A1}"/>
               </a:ext>
             </a:extLst>
           </p:cNvPr>
@@ -4415,7 +4891,7 @@
         <p:spPr>
           <a:xfrm>
             <a:off x="331694" y="177505"/>
-            <a:ext cx="7603363" cy="523220"/>
+            <a:ext cx="4908716" cy="523220"/>
           </a:xfrm>
           <a:prstGeom prst="rect">
             <a:avLst/>
@@ -4433,24 +4909,90 @@
                 <a:latin typeface="나눔스퀘어 Bold" panose="020B0600000101010101" pitchFamily="50" charset="-127"/>
                 <a:ea typeface="나눔스퀘어 Bold" panose="020B0600000101010101" pitchFamily="50" charset="-127"/>
               </a:rPr>
-              <a:t>Minimum Spanning Tree – 1922 </a:t>
+              <a:t>Hash Set / Map – 11652 </a:t>
             </a:r>
             <a:r>
               <a:rPr lang="ko-KR" altLang="en-US" sz="2800" dirty="0">
                 <a:latin typeface="나눔스퀘어 Bold" panose="020B0600000101010101" pitchFamily="50" charset="-127"/>
                 <a:ea typeface="나눔스퀘어 Bold" panose="020B0600000101010101" pitchFamily="50" charset="-127"/>
               </a:rPr>
-              <a:t>네트워크 연결</a:t>
+              <a:t>카드</a:t>
+            </a:r>
+          </a:p>
+        </p:txBody>
+      </p:sp>
+      <p:sp>
+        <p:nvSpPr>
+          <p:cNvPr id="4" name="TextBox 3">
+            <a:extLst>
+              <a:ext uri="{FF2B5EF4-FFF2-40B4-BE49-F238E27FC236}">
+                <a16:creationId xmlns:a16="http://schemas.microsoft.com/office/drawing/2014/main" id="{BBF8457C-6582-263A-0A91-F494D4A669B3}"/>
+              </a:ext>
+            </a:extLst>
+          </p:cNvPr>
+          <p:cNvSpPr txBox="1"/>
+          <p:nvPr/>
+        </p:nvSpPr>
+        <p:spPr>
+          <a:xfrm>
+            <a:off x="942387" y="1352030"/>
+            <a:ext cx="10237694" cy="369332"/>
+          </a:xfrm>
+          <a:prstGeom prst="rect">
+            <a:avLst/>
+          </a:prstGeom>
+          <a:noFill/>
+        </p:spPr>
+        <p:txBody>
+          <a:bodyPr wrap="square" rtlCol="0">
+            <a:spAutoFit/>
+          </a:bodyPr>
+          <a:lstStyle/>
+          <a:p>
+            <a:r>
+              <a:rPr lang="ko-KR" altLang="en-US" dirty="0">
+                <a:latin typeface="나눔스퀘어 Light" panose="020B0600000101010101" pitchFamily="50" charset="-127"/>
+                <a:ea typeface="나눔스퀘어 Light" panose="020B0600000101010101" pitchFamily="50" charset="-127"/>
+              </a:rPr>
+              <a:t>해시 </a:t>
+            </a:r>
+            <a:r>
+              <a:rPr lang="ko-KR" altLang="en-US" dirty="0" err="1">
+                <a:latin typeface="나눔스퀘어 Light" panose="020B0600000101010101" pitchFamily="50" charset="-127"/>
+                <a:ea typeface="나눔스퀘어 Light" panose="020B0600000101010101" pitchFamily="50" charset="-127"/>
+              </a:rPr>
+              <a:t>맵을</a:t>
+            </a:r>
+            <a:r>
+              <a:rPr lang="ko-KR" altLang="en-US" dirty="0">
+                <a:latin typeface="나눔스퀘어 Light" panose="020B0600000101010101" pitchFamily="50" charset="-127"/>
+                <a:ea typeface="나눔스퀘어 Light" panose="020B0600000101010101" pitchFamily="50" charset="-127"/>
+              </a:rPr>
+              <a:t> 리스트</a:t>
+            </a:r>
+            <a:r>
+              <a:rPr lang="en-US" altLang="ko-KR" dirty="0">
+                <a:latin typeface="나눔스퀘어 Light" panose="020B0600000101010101" pitchFamily="50" charset="-127"/>
+                <a:ea typeface="나눔스퀘어 Light" panose="020B0600000101010101" pitchFamily="50" charset="-127"/>
+              </a:rPr>
+              <a:t>(vector)</a:t>
+            </a:r>
+            <a:r>
+              <a:rPr lang="ko-KR" altLang="en-US" dirty="0">
+                <a:latin typeface="나눔스퀘어 Light" panose="020B0600000101010101" pitchFamily="50" charset="-127"/>
+                <a:ea typeface="나눔스퀘어 Light" panose="020B0600000101010101" pitchFamily="50" charset="-127"/>
+              </a:rPr>
+              <a:t>로 만들어 정렬해서 가장 많이 나왔던 카드를 찾음</a:t>
             </a:r>
           </a:p>
         </p:txBody>
       </p:sp>
       <p:pic>
         <p:nvPicPr>
-          <p:cNvPr id="8" name="그림 7">
-            <a:extLst>
-              <a:ext uri="{FF2B5EF4-FFF2-40B4-BE49-F238E27FC236}">
-                <a16:creationId xmlns:a16="http://schemas.microsoft.com/office/drawing/2014/main" id="{9D7D2798-C020-43A3-8354-B61DED92E02B}"/>
+          <p:cNvPr id="3" name="그림 2">
+            <a:extLst>
+              <a:ext uri="{FF2B5EF4-FFF2-40B4-BE49-F238E27FC236}">
+                <a16:creationId xmlns:a16="http://schemas.microsoft.com/office/drawing/2014/main" id="{2893B02B-355E-1672-8D3F-DEB45AA1CBAA}"/>
               </a:ext>
             </a:extLst>
           </p:cNvPr>
@@ -4467,8 +5009,8 @@
         </p:blipFill>
         <p:spPr>
           <a:xfrm>
-            <a:off x="7815978" y="296220"/>
-            <a:ext cx="238158" cy="285790"/>
+            <a:off x="942387" y="1721362"/>
+            <a:ext cx="10237694" cy="2988905"/>
           </a:xfrm>
           <a:prstGeom prst="rect">
             <a:avLst/>
@@ -4480,7 +5022,7 @@
           <p:cNvPr id="7" name="TextBox 6">
             <a:extLst>
               <a:ext uri="{FF2B5EF4-FFF2-40B4-BE49-F238E27FC236}">
-                <a16:creationId xmlns:a16="http://schemas.microsoft.com/office/drawing/2014/main" id="{79A54275-9CF2-404B-9C10-496314A444C3}"/>
+                <a16:creationId xmlns:a16="http://schemas.microsoft.com/office/drawing/2014/main" id="{8F32B12C-2F66-56F8-0353-F4CE9518F78B}"/>
               </a:ext>
             </a:extLst>
           </p:cNvPr>
@@ -4489,7 +5031,7 @@
         </p:nvSpPr>
         <p:spPr>
           <a:xfrm>
-            <a:off x="942387" y="1352034"/>
+            <a:off x="942387" y="5079599"/>
             <a:ext cx="10237694" cy="369332"/>
           </a:xfrm>
           <a:prstGeom prst="rect">
@@ -4508,45 +5050,43 @@
                 <a:latin typeface="나눔스퀘어 Light" panose="020B0600000101010101" pitchFamily="50" charset="-127"/>
                 <a:ea typeface="나눔스퀘어 Light" panose="020B0600000101010101" pitchFamily="50" charset="-127"/>
               </a:rPr>
-              <a:t>간선들을 입력함</a:t>
-            </a:r>
-          </a:p>
-        </p:txBody>
-      </p:sp>
-      <p:pic>
-        <p:nvPicPr>
-          <p:cNvPr id="3" name="그림 2">
-            <a:extLst>
-              <a:ext uri="{FF2B5EF4-FFF2-40B4-BE49-F238E27FC236}">
-                <a16:creationId xmlns:a16="http://schemas.microsoft.com/office/drawing/2014/main" id="{F063301C-0143-487C-ABBA-A396480DA801}"/>
-              </a:ext>
-            </a:extLst>
-          </p:cNvPr>
-          <p:cNvPicPr>
-            <a:picLocks noChangeAspect="1"/>
-          </p:cNvPicPr>
-          <p:nvPr/>
-        </p:nvPicPr>
-        <p:blipFill>
-          <a:blip r:embed="rId3"/>
-          <a:stretch>
-            <a:fillRect/>
-          </a:stretch>
-        </p:blipFill>
-        <p:spPr>
-          <a:xfrm>
-            <a:off x="1011919" y="1721366"/>
-            <a:ext cx="6190376" cy="4114990"/>
-          </a:xfrm>
-          <a:prstGeom prst="rect">
-            <a:avLst/>
-          </a:prstGeom>
-        </p:spPr>
-      </p:pic>
+              <a:t>참고로</a:t>
+            </a:r>
+            <a:r>
+              <a:rPr lang="en-US" altLang="ko-KR" dirty="0">
+                <a:latin typeface="나눔스퀘어 Light" panose="020B0600000101010101" pitchFamily="50" charset="-127"/>
+                <a:ea typeface="나눔스퀘어 Light" panose="020B0600000101010101" pitchFamily="50" charset="-127"/>
+              </a:rPr>
+              <a:t>, </a:t>
+            </a:r>
+            <a:r>
+              <a:rPr lang="ko-KR" altLang="en-US" dirty="0">
+                <a:latin typeface="나눔스퀘어 Light" panose="020B0600000101010101" pitchFamily="50" charset="-127"/>
+                <a:ea typeface="나눔스퀘어 Light" panose="020B0600000101010101" pitchFamily="50" charset="-127"/>
+              </a:rPr>
+              <a:t>꼭 해시 </a:t>
+            </a:r>
+            <a:r>
+              <a:rPr lang="ko-KR" altLang="en-US" dirty="0" err="1">
+                <a:latin typeface="나눔스퀘어 Light" panose="020B0600000101010101" pitchFamily="50" charset="-127"/>
+                <a:ea typeface="나눔스퀘어 Light" panose="020B0600000101010101" pitchFamily="50" charset="-127"/>
+              </a:rPr>
+              <a:t>맵으로</a:t>
+            </a:r>
+            <a:r>
+              <a:rPr lang="ko-KR" altLang="en-US" dirty="0">
+                <a:latin typeface="나눔스퀘어 Light" panose="020B0600000101010101" pitchFamily="50" charset="-127"/>
+                <a:ea typeface="나눔스퀘어 Light" panose="020B0600000101010101" pitchFamily="50" charset="-127"/>
+              </a:rPr>
+              <a:t> 풀어야만 하는 문제는 아님</a:t>
+            </a:r>
+          </a:p>
+        </p:txBody>
+      </p:sp>
     </p:spTree>
     <p:extLst>
       <p:ext uri="{BB962C8B-B14F-4D97-AF65-F5344CB8AC3E}">
-        <p14:creationId xmlns:p14="http://schemas.microsoft.com/office/powerpoint/2010/main" val="19294300"/>
+        <p14:creationId xmlns:p14="http://schemas.microsoft.com/office/powerpoint/2010/main" val="1497022188"/>
       </p:ext>
     </p:extLst>
   </p:cSld>
@@ -4619,10 +5159,10 @@
       </p:cxnSp>
       <p:sp>
         <p:nvSpPr>
-          <p:cNvPr id="6" name="TextBox 5">
-            <a:extLst>
-              <a:ext uri="{FF2B5EF4-FFF2-40B4-BE49-F238E27FC236}">
-                <a16:creationId xmlns:a16="http://schemas.microsoft.com/office/drawing/2014/main" id="{E41F2829-87A0-45BE-BDE2-225724BCA145}"/>
+          <p:cNvPr id="8" name="TextBox 7">
+            <a:extLst>
+              <a:ext uri="{FF2B5EF4-FFF2-40B4-BE49-F238E27FC236}">
+                <a16:creationId xmlns:a16="http://schemas.microsoft.com/office/drawing/2014/main" id="{C1B467EB-524B-46DA-BB98-9E2C915734A1}"/>
               </a:ext>
             </a:extLst>
           </p:cNvPr>
@@ -4632,7 +5172,7 @@
         <p:spPr>
           <a:xfrm>
             <a:off x="331694" y="177505"/>
-            <a:ext cx="7603363" cy="523220"/>
+            <a:ext cx="6503703" cy="523220"/>
           </a:xfrm>
           <a:prstGeom prst="rect">
             <a:avLst/>
@@ -4650,24 +5190,24 @@
                 <a:latin typeface="나눔스퀘어 Bold" panose="020B0600000101010101" pitchFamily="50" charset="-127"/>
                 <a:ea typeface="나눔스퀘어 Bold" panose="020B0600000101010101" pitchFamily="50" charset="-127"/>
               </a:rPr>
-              <a:t>Minimum Spanning Tree – 1922 </a:t>
+              <a:t>Hash Set / Map – 7785 </a:t>
             </a:r>
             <a:r>
               <a:rPr lang="ko-KR" altLang="en-US" sz="2800" dirty="0">
                 <a:latin typeface="나눔스퀘어 Bold" panose="020B0600000101010101" pitchFamily="50" charset="-127"/>
                 <a:ea typeface="나눔스퀘어 Bold" panose="020B0600000101010101" pitchFamily="50" charset="-127"/>
               </a:rPr>
-              <a:t>네트워크 연결</a:t>
+              <a:t>회사에 있는 사람</a:t>
             </a:r>
           </a:p>
         </p:txBody>
       </p:sp>
       <p:pic>
         <p:nvPicPr>
-          <p:cNvPr id="8" name="그림 7">
-            <a:extLst>
-              <a:ext uri="{FF2B5EF4-FFF2-40B4-BE49-F238E27FC236}">
-                <a16:creationId xmlns:a16="http://schemas.microsoft.com/office/drawing/2014/main" id="{9D7D2798-C020-43A3-8354-B61DED92E02B}"/>
+          <p:cNvPr id="4" name="그림 3">
+            <a:extLst>
+              <a:ext uri="{FF2B5EF4-FFF2-40B4-BE49-F238E27FC236}">
+                <a16:creationId xmlns:a16="http://schemas.microsoft.com/office/drawing/2014/main" id="{CF668906-F33F-0E2E-15AE-6FFB50E0A05A}"/>
               </a:ext>
             </a:extLst>
           </p:cNvPr>
@@ -4684,113 +5224,8 @@
         </p:blipFill>
         <p:spPr>
           <a:xfrm>
-            <a:off x="7815978" y="296220"/>
-            <a:ext cx="238158" cy="285790"/>
-          </a:xfrm>
-          <a:prstGeom prst="rect">
-            <a:avLst/>
-          </a:prstGeom>
-        </p:spPr>
-      </p:pic>
-      <p:sp>
-        <p:nvSpPr>
-          <p:cNvPr id="7" name="TextBox 6">
-            <a:extLst>
-              <a:ext uri="{FF2B5EF4-FFF2-40B4-BE49-F238E27FC236}">
-                <a16:creationId xmlns:a16="http://schemas.microsoft.com/office/drawing/2014/main" id="{79A54275-9CF2-404B-9C10-496314A444C3}"/>
-              </a:ext>
-            </a:extLst>
-          </p:cNvPr>
-          <p:cNvSpPr txBox="1"/>
-          <p:nvPr/>
-        </p:nvSpPr>
-        <p:spPr>
-          <a:xfrm>
-            <a:off x="942387" y="1352034"/>
-            <a:ext cx="10237694" cy="369332"/>
-          </a:xfrm>
-          <a:prstGeom prst="rect">
-            <a:avLst/>
-          </a:prstGeom>
-          <a:noFill/>
-        </p:spPr>
-        <p:txBody>
-          <a:bodyPr wrap="square" rtlCol="0">
-            <a:spAutoFit/>
-          </a:bodyPr>
-          <a:lstStyle/>
-          <a:p>
-            <a:r>
-              <a:rPr lang="ko-KR" altLang="en-US" dirty="0" err="1">
-                <a:latin typeface="나눔스퀘어 Light" panose="020B0600000101010101" pitchFamily="50" charset="-127"/>
-                <a:ea typeface="나눔스퀘어 Light" panose="020B0600000101010101" pitchFamily="50" charset="-127"/>
-              </a:rPr>
-              <a:t>크루스칼</a:t>
-            </a:r>
-            <a:r>
-              <a:rPr lang="ko-KR" altLang="en-US" dirty="0">
-                <a:latin typeface="나눔스퀘어 Light" panose="020B0600000101010101" pitchFamily="50" charset="-127"/>
-                <a:ea typeface="나눔스퀘어 Light" panose="020B0600000101010101" pitchFamily="50" charset="-127"/>
-              </a:rPr>
-              <a:t> 알고리즘을 위해 분리 집합 자료구조 클래스를 만듦</a:t>
-            </a:r>
-          </a:p>
-        </p:txBody>
-      </p:sp>
-      <p:pic>
-        <p:nvPicPr>
-          <p:cNvPr id="4" name="그림 3">
-            <a:extLst>
-              <a:ext uri="{FF2B5EF4-FFF2-40B4-BE49-F238E27FC236}">
-                <a16:creationId xmlns:a16="http://schemas.microsoft.com/office/drawing/2014/main" id="{25B59598-C72D-4D59-8F29-042AAA6D3E02}"/>
-              </a:ext>
-            </a:extLst>
-          </p:cNvPr>
-          <p:cNvPicPr>
-            <a:picLocks noChangeAspect="1"/>
-          </p:cNvPicPr>
-          <p:nvPr/>
-        </p:nvPicPr>
-        <p:blipFill>
-          <a:blip r:embed="rId3"/>
-          <a:stretch>
-            <a:fillRect/>
-          </a:stretch>
-        </p:blipFill>
-        <p:spPr>
-          <a:xfrm>
-            <a:off x="942387" y="1721366"/>
-            <a:ext cx="5524139" cy="4476234"/>
-          </a:xfrm>
-          <a:prstGeom prst="rect">
-            <a:avLst/>
-          </a:prstGeom>
-        </p:spPr>
-      </p:pic>
-      <p:pic>
-        <p:nvPicPr>
-          <p:cNvPr id="10" name="그림 9">
-            <a:extLst>
-              <a:ext uri="{FF2B5EF4-FFF2-40B4-BE49-F238E27FC236}">
-                <a16:creationId xmlns:a16="http://schemas.microsoft.com/office/drawing/2014/main" id="{39DD1F6B-2C8B-4BC9-AB1D-0CCB20B216E4}"/>
-              </a:ext>
-            </a:extLst>
-          </p:cNvPr>
-          <p:cNvPicPr>
-            <a:picLocks noChangeAspect="1"/>
-          </p:cNvPicPr>
-          <p:nvPr/>
-        </p:nvPicPr>
-        <p:blipFill>
-          <a:blip r:embed="rId4"/>
-          <a:stretch>
-            <a:fillRect/>
-          </a:stretch>
-        </p:blipFill>
-        <p:spPr>
-          <a:xfrm>
-            <a:off x="6899820" y="1721366"/>
-            <a:ext cx="4280261" cy="4474818"/>
+            <a:off x="331694" y="946790"/>
+            <a:ext cx="8886286" cy="5911210"/>
           </a:xfrm>
           <a:prstGeom prst="rect">
             <a:avLst/>
@@ -4800,7 +5235,7 @@
     </p:spTree>
     <p:extLst>
       <p:ext uri="{BB962C8B-B14F-4D97-AF65-F5344CB8AC3E}">
-        <p14:creationId xmlns:p14="http://schemas.microsoft.com/office/powerpoint/2010/main" val="648774644"/>
+        <p14:creationId xmlns:p14="http://schemas.microsoft.com/office/powerpoint/2010/main" val="2916007040"/>
       </p:ext>
     </p:extLst>
   </p:cSld>
@@ -4873,10 +5308,10 @@
       </p:cxnSp>
       <p:sp>
         <p:nvSpPr>
-          <p:cNvPr id="6" name="TextBox 5">
-            <a:extLst>
-              <a:ext uri="{FF2B5EF4-FFF2-40B4-BE49-F238E27FC236}">
-                <a16:creationId xmlns:a16="http://schemas.microsoft.com/office/drawing/2014/main" id="{E41F2829-87A0-45BE-BDE2-225724BCA145}"/>
+          <p:cNvPr id="8" name="TextBox 7">
+            <a:extLst>
+              <a:ext uri="{FF2B5EF4-FFF2-40B4-BE49-F238E27FC236}">
+                <a16:creationId xmlns:a16="http://schemas.microsoft.com/office/drawing/2014/main" id="{C1B467EB-524B-46DA-BB98-9E2C915734A1}"/>
               </a:ext>
             </a:extLst>
           </p:cNvPr>
@@ -4886,7 +5321,7 @@
         <p:spPr>
           <a:xfrm>
             <a:off x="331694" y="177505"/>
-            <a:ext cx="7603363" cy="523220"/>
+            <a:ext cx="6503703" cy="523220"/>
           </a:xfrm>
           <a:prstGeom prst="rect">
             <a:avLst/>
@@ -4904,24 +5339,150 @@
                 <a:latin typeface="나눔스퀘어 Bold" panose="020B0600000101010101" pitchFamily="50" charset="-127"/>
                 <a:ea typeface="나눔스퀘어 Bold" panose="020B0600000101010101" pitchFamily="50" charset="-127"/>
               </a:rPr>
-              <a:t>Minimum Spanning Tree – 1922 </a:t>
+              <a:t>Hash Set / Map – 7785 </a:t>
             </a:r>
             <a:r>
               <a:rPr lang="ko-KR" altLang="en-US" sz="2800" dirty="0">
                 <a:latin typeface="나눔스퀘어 Bold" panose="020B0600000101010101" pitchFamily="50" charset="-127"/>
                 <a:ea typeface="나눔스퀘어 Bold" panose="020B0600000101010101" pitchFamily="50" charset="-127"/>
               </a:rPr>
-              <a:t>네트워크 연결</a:t>
-            </a:r>
+              <a:t>회사에 있는 사람</a:t>
+            </a:r>
+          </a:p>
+        </p:txBody>
+      </p:sp>
+      <p:sp>
+        <p:nvSpPr>
+          <p:cNvPr id="3" name="TextBox 2">
+            <a:extLst>
+              <a:ext uri="{FF2B5EF4-FFF2-40B4-BE49-F238E27FC236}">
+                <a16:creationId xmlns:a16="http://schemas.microsoft.com/office/drawing/2014/main" id="{6A0DD698-D59A-7B32-EF4B-D6EE38E16569}"/>
+              </a:ext>
+            </a:extLst>
+          </p:cNvPr>
+          <p:cNvSpPr txBox="1"/>
+          <p:nvPr/>
+        </p:nvSpPr>
+        <p:spPr>
+          <a:xfrm>
+            <a:off x="942387" y="1352030"/>
+            <a:ext cx="10237694" cy="369332"/>
+          </a:xfrm>
+          <a:prstGeom prst="rect">
+            <a:avLst/>
+          </a:prstGeom>
+          <a:noFill/>
+        </p:spPr>
+        <p:txBody>
+          <a:bodyPr wrap="square" rtlCol="0">
+            <a:spAutoFit/>
+          </a:bodyPr>
+          <a:lstStyle/>
+          <a:p>
+            <a:r>
+              <a:rPr lang="en-US" altLang="ko-KR" dirty="0">
+                <a:latin typeface="나눔스퀘어 Light" panose="020B0600000101010101" pitchFamily="50" charset="-127"/>
+                <a:ea typeface="나눔스퀘어 Light" panose="020B0600000101010101" pitchFamily="50" charset="-127"/>
+              </a:rPr>
+              <a:t>Set</a:t>
+            </a:r>
+            <a:r>
+              <a:rPr lang="ko-KR" altLang="en-US" dirty="0">
+                <a:latin typeface="나눔스퀘어 Light" panose="020B0600000101010101" pitchFamily="50" charset="-127"/>
+                <a:ea typeface="나눔스퀘어 Light" panose="020B0600000101010101" pitchFamily="50" charset="-127"/>
+              </a:rPr>
+              <a:t>을 사용하여 회사에 있는</a:t>
+            </a:r>
+            <a:r>
+              <a:rPr lang="en-US" altLang="ko-KR" dirty="0">
+                <a:latin typeface="나눔스퀘어 Light" panose="020B0600000101010101" pitchFamily="50" charset="-127"/>
+                <a:ea typeface="나눔스퀘어 Light" panose="020B0600000101010101" pitchFamily="50" charset="-127"/>
+              </a:rPr>
+              <a:t>(</a:t>
+            </a:r>
+            <a:r>
+              <a:rPr lang="ko-KR" altLang="en-US" dirty="0">
+                <a:latin typeface="나눔스퀘어 Light" panose="020B0600000101010101" pitchFamily="50" charset="-127"/>
+                <a:ea typeface="나눔스퀘어 Light" panose="020B0600000101010101" pitchFamily="50" charset="-127"/>
+              </a:rPr>
+              <a:t>출근</a:t>
+            </a:r>
+            <a:r>
+              <a:rPr lang="en-US" altLang="ko-KR" dirty="0">
+                <a:latin typeface="나눔스퀘어 Light" panose="020B0600000101010101" pitchFamily="50" charset="-127"/>
+                <a:ea typeface="나눔스퀘어 Light" panose="020B0600000101010101" pitchFamily="50" charset="-127"/>
+              </a:rPr>
+              <a:t>)</a:t>
+            </a:r>
+            <a:r>
+              <a:rPr lang="ko-KR" altLang="en-US" dirty="0">
+                <a:latin typeface="나눔스퀘어 Light" panose="020B0600000101010101" pitchFamily="50" charset="-127"/>
+                <a:ea typeface="나눔스퀘어 Light" panose="020B0600000101010101" pitchFamily="50" charset="-127"/>
+              </a:rPr>
+              <a:t> 사람들은 집합에 넣고</a:t>
+            </a:r>
+            <a:r>
+              <a:rPr lang="en-US" altLang="ko-KR" dirty="0">
+                <a:latin typeface="나눔스퀘어 Light" panose="020B0600000101010101" pitchFamily="50" charset="-127"/>
+                <a:ea typeface="나눔스퀘어 Light" panose="020B0600000101010101" pitchFamily="50" charset="-127"/>
+              </a:rPr>
+              <a:t>, </a:t>
+            </a:r>
+            <a:r>
+              <a:rPr lang="ko-KR" altLang="en-US" dirty="0">
+                <a:latin typeface="나눔스퀘어 Light" panose="020B0600000101010101" pitchFamily="50" charset="-127"/>
+                <a:ea typeface="나눔스퀘어 Light" panose="020B0600000101010101" pitchFamily="50" charset="-127"/>
+              </a:rPr>
+              <a:t>없는</a:t>
+            </a:r>
+            <a:r>
+              <a:rPr lang="en-US" altLang="ko-KR" dirty="0">
+                <a:latin typeface="나눔스퀘어 Light" panose="020B0600000101010101" pitchFamily="50" charset="-127"/>
+                <a:ea typeface="나눔스퀘어 Light" panose="020B0600000101010101" pitchFamily="50" charset="-127"/>
+              </a:rPr>
+              <a:t>(</a:t>
+            </a:r>
+            <a:r>
+              <a:rPr lang="ko-KR" altLang="en-US" dirty="0">
+                <a:latin typeface="나눔스퀘어 Light" panose="020B0600000101010101" pitchFamily="50" charset="-127"/>
+                <a:ea typeface="나눔스퀘어 Light" panose="020B0600000101010101" pitchFamily="50" charset="-127"/>
+              </a:rPr>
+              <a:t>퇴근</a:t>
+            </a:r>
+            <a:r>
+              <a:rPr lang="en-US" altLang="ko-KR" dirty="0">
+                <a:latin typeface="나눔스퀘어 Light" panose="020B0600000101010101" pitchFamily="50" charset="-127"/>
+                <a:ea typeface="나눔스퀘어 Light" panose="020B0600000101010101" pitchFamily="50" charset="-127"/>
+              </a:rPr>
+              <a:t>) </a:t>
+            </a:r>
+            <a:r>
+              <a:rPr lang="ko-KR" altLang="en-US" dirty="0">
+                <a:latin typeface="나눔스퀘어 Light" panose="020B0600000101010101" pitchFamily="50" charset="-127"/>
+                <a:ea typeface="나눔스퀘어 Light" panose="020B0600000101010101" pitchFamily="50" charset="-127"/>
+              </a:rPr>
+              <a:t>사람들은 집합에서 빼면 </a:t>
+            </a:r>
+            <a:r>
+              <a:rPr lang="ko-KR" altLang="en-US" dirty="0" err="1">
+                <a:latin typeface="나눔스퀘어 Light" panose="020B0600000101010101" pitchFamily="50" charset="-127"/>
+                <a:ea typeface="나눔스퀘어 Light" panose="020B0600000101010101" pitchFamily="50" charset="-127"/>
+              </a:rPr>
+              <a:t>될듯</a:t>
+            </a:r>
+            <a:endParaRPr lang="ko-KR" altLang="en-US" dirty="0">
+              <a:latin typeface="나눔스퀘어 Light" panose="020B0600000101010101" pitchFamily="50" charset="-127"/>
+              <a:ea typeface="나눔스퀘어 Light" panose="020B0600000101010101" pitchFamily="50" charset="-127"/>
+            </a:endParaRPr>
           </a:p>
         </p:txBody>
       </p:sp>
       <p:pic>
         <p:nvPicPr>
-          <p:cNvPr id="8" name="그림 7">
-            <a:extLst>
-              <a:ext uri="{FF2B5EF4-FFF2-40B4-BE49-F238E27FC236}">
-                <a16:creationId xmlns:a16="http://schemas.microsoft.com/office/drawing/2014/main" id="{9D7D2798-C020-43A3-8354-B61DED92E02B}"/>
+          <p:cNvPr id="9" name="그림 8">
+            <a:extLst>
+              <a:ext uri="{FF2B5EF4-FFF2-40B4-BE49-F238E27FC236}">
+                <a16:creationId xmlns:a16="http://schemas.microsoft.com/office/drawing/2014/main" id="{33F4A308-00EF-5CCA-D698-D22AB3DE687C}"/>
               </a:ext>
             </a:extLst>
           </p:cNvPr>
@@ -4938,191 +5499,18 @@
         </p:blipFill>
         <p:spPr>
           <a:xfrm>
-            <a:off x="7815978" y="296220"/>
-            <a:ext cx="238158" cy="285790"/>
+            <a:off x="942387" y="1721362"/>
+            <a:ext cx="10237694" cy="3560936"/>
           </a:xfrm>
           <a:prstGeom prst="rect">
             <a:avLst/>
           </a:prstGeom>
         </p:spPr>
       </p:pic>
-      <p:sp>
-        <p:nvSpPr>
-          <p:cNvPr id="7" name="TextBox 6">
-            <a:extLst>
-              <a:ext uri="{FF2B5EF4-FFF2-40B4-BE49-F238E27FC236}">
-                <a16:creationId xmlns:a16="http://schemas.microsoft.com/office/drawing/2014/main" id="{79A54275-9CF2-404B-9C10-496314A444C3}"/>
-              </a:ext>
-            </a:extLst>
-          </p:cNvPr>
-          <p:cNvSpPr txBox="1"/>
-          <p:nvPr/>
-        </p:nvSpPr>
-        <p:spPr>
-          <a:xfrm>
-            <a:off x="942387" y="1352034"/>
-            <a:ext cx="10237694" cy="369332"/>
-          </a:xfrm>
-          <a:prstGeom prst="rect">
-            <a:avLst/>
-          </a:prstGeom>
-          <a:noFill/>
-        </p:spPr>
-        <p:txBody>
-          <a:bodyPr wrap="square" rtlCol="0">
-            <a:spAutoFit/>
-          </a:bodyPr>
-          <a:lstStyle/>
-          <a:p>
-            <a:r>
-              <a:rPr lang="ko-KR" altLang="en-US" dirty="0">
-                <a:latin typeface="나눔스퀘어 Light" panose="020B0600000101010101" pitchFamily="50" charset="-127"/>
-                <a:ea typeface="나눔스퀘어 Light" panose="020B0600000101010101" pitchFamily="50" charset="-127"/>
-              </a:rPr>
-              <a:t>유니온 </a:t>
-            </a:r>
-            <a:r>
-              <a:rPr lang="ko-KR" altLang="en-US" dirty="0" err="1">
-                <a:latin typeface="나눔스퀘어 Light" panose="020B0600000101010101" pitchFamily="50" charset="-127"/>
-                <a:ea typeface="나눔스퀘어 Light" panose="020B0600000101010101" pitchFamily="50" charset="-127"/>
-              </a:rPr>
-              <a:t>파인드</a:t>
-            </a:r>
-            <a:r>
-              <a:rPr lang="ko-KR" altLang="en-US" dirty="0">
-                <a:latin typeface="나눔스퀘어 Light" panose="020B0600000101010101" pitchFamily="50" charset="-127"/>
-                <a:ea typeface="나눔스퀘어 Light" panose="020B0600000101010101" pitchFamily="50" charset="-127"/>
-              </a:rPr>
-              <a:t> 자료구조를 초기화하고 간선 배열을 </a:t>
-            </a:r>
-            <a:r>
-              <a:rPr lang="en-US" altLang="ko-KR" dirty="0">
-                <a:latin typeface="나눔스퀘어 Light" panose="020B0600000101010101" pitchFamily="50" charset="-127"/>
-                <a:ea typeface="나눔스퀘어 Light" panose="020B0600000101010101" pitchFamily="50" charset="-127"/>
-              </a:rPr>
-              <a:t>(</a:t>
-            </a:r>
-            <a:r>
-              <a:rPr lang="ko-KR" altLang="en-US" dirty="0">
-                <a:latin typeface="나눔스퀘어 Light" panose="020B0600000101010101" pitchFamily="50" charset="-127"/>
-                <a:ea typeface="나눔스퀘어 Light" panose="020B0600000101010101" pitchFamily="50" charset="-127"/>
-              </a:rPr>
-              <a:t>가중치 오름차순</a:t>
-            </a:r>
-            <a:r>
-              <a:rPr lang="en-US" altLang="ko-KR" dirty="0">
-                <a:latin typeface="나눔스퀘어 Light" panose="020B0600000101010101" pitchFamily="50" charset="-127"/>
-                <a:ea typeface="나눔스퀘어 Light" panose="020B0600000101010101" pitchFamily="50" charset="-127"/>
-              </a:rPr>
-              <a:t>) </a:t>
-            </a:r>
-            <a:r>
-              <a:rPr lang="ko-KR" altLang="en-US" dirty="0">
-                <a:latin typeface="나눔스퀘어 Light" panose="020B0600000101010101" pitchFamily="50" charset="-127"/>
-                <a:ea typeface="나눔스퀘어 Light" panose="020B0600000101010101" pitchFamily="50" charset="-127"/>
-              </a:rPr>
-              <a:t>정렬</a:t>
-            </a:r>
-            <a:r>
-              <a:rPr lang="en-US" altLang="ko-KR" dirty="0">
-                <a:latin typeface="나눔스퀘어 Light" panose="020B0600000101010101" pitchFamily="50" charset="-127"/>
-                <a:ea typeface="나눔스퀘어 Light" panose="020B0600000101010101" pitchFamily="50" charset="-127"/>
-              </a:rPr>
-              <a:t>,</a:t>
-            </a:r>
-            <a:endParaRPr lang="ko-KR" altLang="en-US" dirty="0">
-              <a:latin typeface="나눔스퀘어 Light" panose="020B0600000101010101" pitchFamily="50" charset="-127"/>
-              <a:ea typeface="나눔스퀘어 Light" panose="020B0600000101010101" pitchFamily="50" charset="-127"/>
-            </a:endParaRPr>
-          </a:p>
-        </p:txBody>
-      </p:sp>
-      <p:pic>
-        <p:nvPicPr>
-          <p:cNvPr id="3" name="그림 2">
-            <a:extLst>
-              <a:ext uri="{FF2B5EF4-FFF2-40B4-BE49-F238E27FC236}">
-                <a16:creationId xmlns:a16="http://schemas.microsoft.com/office/drawing/2014/main" id="{CE78DEAD-D3CB-4326-93E0-F07A467D6083}"/>
-              </a:ext>
-            </a:extLst>
-          </p:cNvPr>
-          <p:cNvPicPr>
-            <a:picLocks noChangeAspect="1"/>
-          </p:cNvPicPr>
-          <p:nvPr/>
-        </p:nvPicPr>
-        <p:blipFill>
-          <a:blip r:embed="rId3"/>
-          <a:stretch>
-            <a:fillRect/>
-          </a:stretch>
-        </p:blipFill>
-        <p:spPr>
-          <a:xfrm>
-            <a:off x="942386" y="2185894"/>
-            <a:ext cx="8310189" cy="3994307"/>
-          </a:xfrm>
-          <a:prstGeom prst="rect">
-            <a:avLst/>
-          </a:prstGeom>
-        </p:spPr>
-      </p:pic>
-      <p:sp>
-        <p:nvSpPr>
-          <p:cNvPr id="11" name="TextBox 10">
-            <a:extLst>
-              <a:ext uri="{FF2B5EF4-FFF2-40B4-BE49-F238E27FC236}">
-                <a16:creationId xmlns:a16="http://schemas.microsoft.com/office/drawing/2014/main" id="{D5047F09-24B1-428E-BCE7-D5C084A2775A}"/>
-              </a:ext>
-            </a:extLst>
-          </p:cNvPr>
-          <p:cNvSpPr txBox="1"/>
-          <p:nvPr/>
-        </p:nvSpPr>
-        <p:spPr>
-          <a:xfrm>
-            <a:off x="942387" y="1721366"/>
-            <a:ext cx="10237694" cy="369332"/>
-          </a:xfrm>
-          <a:prstGeom prst="rect">
-            <a:avLst/>
-          </a:prstGeom>
-          <a:noFill/>
-        </p:spPr>
-        <p:txBody>
-          <a:bodyPr wrap="square" rtlCol="0">
-            <a:spAutoFit/>
-          </a:bodyPr>
-          <a:lstStyle/>
-          <a:p>
-            <a:r>
-              <a:rPr lang="ko-KR" altLang="en-US" dirty="0">
-                <a:latin typeface="나눔스퀘어 Light" panose="020B0600000101010101" pitchFamily="50" charset="-127"/>
-                <a:ea typeface="나눔스퀘어 Light" panose="020B0600000101010101" pitchFamily="50" charset="-127"/>
-              </a:rPr>
-              <a:t>사이클이 발생하지 않는 간선들을 </a:t>
-            </a:r>
-            <a:r>
-              <a:rPr lang="ko-KR" altLang="en-US" dirty="0" err="1">
-                <a:latin typeface="나눔스퀘어 Light" panose="020B0600000101010101" pitchFamily="50" charset="-127"/>
-                <a:ea typeface="나눔스퀘어 Light" panose="020B0600000101010101" pitchFamily="50" charset="-127"/>
-              </a:rPr>
-              <a:t>합쳐나가며</a:t>
-            </a:r>
-            <a:r>
-              <a:rPr lang="ko-KR" altLang="en-US" dirty="0">
-                <a:latin typeface="나눔스퀘어 Light" panose="020B0600000101010101" pitchFamily="50" charset="-127"/>
-                <a:ea typeface="나눔스퀘어 Light" panose="020B0600000101010101" pitchFamily="50" charset="-127"/>
-              </a:rPr>
-              <a:t> 가중치 합을 구함</a:t>
-            </a:r>
-          </a:p>
-        </p:txBody>
-      </p:sp>
     </p:spTree>
     <p:extLst>
       <p:ext uri="{BB962C8B-B14F-4D97-AF65-F5344CB8AC3E}">
-        <p14:creationId xmlns:p14="http://schemas.microsoft.com/office/powerpoint/2010/main" val="2121721952"/>
+        <p14:creationId xmlns:p14="http://schemas.microsoft.com/office/powerpoint/2010/main" val="2029551240"/>
       </p:ext>
     </p:extLst>
   </p:cSld>
@@ -5133,424 +5521,6 @@
 </file>
 
 <file path=ppt/slides/slide15.xml><?xml version="1.0" encoding="utf-8"?>
-<p:sld xmlns:a="http://schemas.openxmlformats.org/drawingml/2006/main" xmlns:r="http://schemas.openxmlformats.org/officeDocument/2006/relationships" xmlns:p="http://schemas.openxmlformats.org/presentationml/2006/main">
-  <p:cSld>
-    <p:spTree>
-      <p:nvGrpSpPr>
-        <p:cNvPr id="1" name=""/>
-        <p:cNvGrpSpPr/>
-        <p:nvPr/>
-      </p:nvGrpSpPr>
-      <p:grpSpPr>
-        <a:xfrm>
-          <a:off x="0" y="0"/>
-          <a:ext cx="0" cy="0"/>
-          <a:chOff x="0" y="0"/>
-          <a:chExt cx="0" cy="0"/>
-        </a:xfrm>
-      </p:grpSpPr>
-      <p:cxnSp>
-        <p:nvCxnSpPr>
-          <p:cNvPr id="5" name="직선 연결선 4">
-            <a:extLst>
-              <a:ext uri="{FF2B5EF4-FFF2-40B4-BE49-F238E27FC236}">
-                <a16:creationId xmlns:a16="http://schemas.microsoft.com/office/drawing/2014/main" id="{164C2827-EFCE-69A4-D037-1A218415F568}"/>
-              </a:ext>
-            </a:extLst>
-          </p:cNvPr>
-          <p:cNvCxnSpPr/>
-          <p:nvPr/>
-        </p:nvCxnSpPr>
-        <p:spPr>
-          <a:xfrm>
-            <a:off x="0" y="887505"/>
-            <a:ext cx="10237694" cy="0"/>
-          </a:xfrm>
-          <a:prstGeom prst="line">
-            <a:avLst/>
-          </a:prstGeom>
-          <a:ln w="76200">
-            <a:solidFill>
-              <a:schemeClr val="tx1">
-                <a:lumMod val="75000"/>
-                <a:lumOff val="25000"/>
-              </a:schemeClr>
-            </a:solidFill>
-          </a:ln>
-        </p:spPr>
-        <p:style>
-          <a:lnRef idx="1">
-            <a:schemeClr val="accent1"/>
-          </a:lnRef>
-          <a:fillRef idx="0">
-            <a:schemeClr val="accent1"/>
-          </a:fillRef>
-          <a:effectRef idx="0">
-            <a:schemeClr val="accent1"/>
-          </a:effectRef>
-          <a:fontRef idx="minor">
-            <a:schemeClr val="tx1"/>
-          </a:fontRef>
-        </p:style>
-      </p:cxnSp>
-      <p:sp>
-        <p:nvSpPr>
-          <p:cNvPr id="6" name="TextBox 5">
-            <a:extLst>
-              <a:ext uri="{FF2B5EF4-FFF2-40B4-BE49-F238E27FC236}">
-                <a16:creationId xmlns:a16="http://schemas.microsoft.com/office/drawing/2014/main" id="{E41F2829-87A0-45BE-BDE2-225724BCA145}"/>
-              </a:ext>
-            </a:extLst>
-          </p:cNvPr>
-          <p:cNvSpPr txBox="1"/>
-          <p:nvPr/>
-        </p:nvSpPr>
-        <p:spPr>
-          <a:xfrm>
-            <a:off x="331694" y="177505"/>
-            <a:ext cx="7693132" cy="523220"/>
-          </a:xfrm>
-          <a:prstGeom prst="rect">
-            <a:avLst/>
-          </a:prstGeom>
-          <a:noFill/>
-        </p:spPr>
-        <p:txBody>
-          <a:bodyPr wrap="none" rtlCol="0">
-            <a:spAutoFit/>
-          </a:bodyPr>
-          <a:lstStyle/>
-          <a:p>
-            <a:r>
-              <a:rPr lang="en-US" altLang="ko-KR" sz="2800" dirty="0">
-                <a:latin typeface="나눔스퀘어 Bold" panose="020B0600000101010101" pitchFamily="50" charset="-127"/>
-                <a:ea typeface="나눔스퀘어 Bold" panose="020B0600000101010101" pitchFamily="50" charset="-127"/>
-              </a:rPr>
-              <a:t>Minimum Spanning Tree – 1647 </a:t>
-            </a:r>
-            <a:r>
-              <a:rPr lang="ko-KR" altLang="en-US" sz="2800" dirty="0">
-                <a:latin typeface="나눔스퀘어 Bold" panose="020B0600000101010101" pitchFamily="50" charset="-127"/>
-                <a:ea typeface="나눔스퀘어 Bold" panose="020B0600000101010101" pitchFamily="50" charset="-127"/>
-              </a:rPr>
-              <a:t>도시 분할 계획</a:t>
-            </a:r>
-          </a:p>
-        </p:txBody>
-      </p:sp>
-      <p:pic>
-        <p:nvPicPr>
-          <p:cNvPr id="8" name="그림 7">
-            <a:extLst>
-              <a:ext uri="{FF2B5EF4-FFF2-40B4-BE49-F238E27FC236}">
-                <a16:creationId xmlns:a16="http://schemas.microsoft.com/office/drawing/2014/main" id="{9D7D2798-C020-43A3-8354-B61DED92E02B}"/>
-              </a:ext>
-            </a:extLst>
-          </p:cNvPr>
-          <p:cNvPicPr>
-            <a:picLocks noChangeAspect="1"/>
-          </p:cNvPicPr>
-          <p:nvPr/>
-        </p:nvPicPr>
-        <p:blipFill>
-          <a:blip r:embed="rId2"/>
-          <a:stretch>
-            <a:fillRect/>
-          </a:stretch>
-        </p:blipFill>
-        <p:spPr>
-          <a:xfrm>
-            <a:off x="7905747" y="296220"/>
-            <a:ext cx="238158" cy="285790"/>
-          </a:xfrm>
-          <a:prstGeom prst="rect">
-            <a:avLst/>
-          </a:prstGeom>
-        </p:spPr>
-      </p:pic>
-      <p:pic>
-        <p:nvPicPr>
-          <p:cNvPr id="3" name="그림 2">
-            <a:extLst>
-              <a:ext uri="{FF2B5EF4-FFF2-40B4-BE49-F238E27FC236}">
-                <a16:creationId xmlns:a16="http://schemas.microsoft.com/office/drawing/2014/main" id="{239AB4A4-FB92-4E17-B000-1C4D7AB9F55A}"/>
-              </a:ext>
-            </a:extLst>
-          </p:cNvPr>
-          <p:cNvPicPr>
-            <a:picLocks noChangeAspect="1"/>
-          </p:cNvPicPr>
-          <p:nvPr/>
-        </p:nvPicPr>
-        <p:blipFill>
-          <a:blip r:embed="rId3"/>
-          <a:stretch>
-            <a:fillRect/>
-          </a:stretch>
-        </p:blipFill>
-        <p:spPr>
-          <a:xfrm>
-            <a:off x="331694" y="1006220"/>
-            <a:ext cx="10993384" cy="5772956"/>
-          </a:xfrm>
-          <a:prstGeom prst="rect">
-            <a:avLst/>
-          </a:prstGeom>
-        </p:spPr>
-      </p:pic>
-    </p:spTree>
-    <p:extLst>
-      <p:ext uri="{BB962C8B-B14F-4D97-AF65-F5344CB8AC3E}">
-        <p14:creationId xmlns:p14="http://schemas.microsoft.com/office/powerpoint/2010/main" val="710096517"/>
-      </p:ext>
-    </p:extLst>
-  </p:cSld>
-  <p:clrMapOvr>
-    <a:masterClrMapping/>
-  </p:clrMapOvr>
-</p:sld>
-</file>
-
-<file path=ppt/slides/slide16.xml><?xml version="1.0" encoding="utf-8"?>
-<p:sld xmlns:a="http://schemas.openxmlformats.org/drawingml/2006/main" xmlns:r="http://schemas.openxmlformats.org/officeDocument/2006/relationships" xmlns:p="http://schemas.openxmlformats.org/presentationml/2006/main">
-  <p:cSld>
-    <p:spTree>
-      <p:nvGrpSpPr>
-        <p:cNvPr id="1" name=""/>
-        <p:cNvGrpSpPr/>
-        <p:nvPr/>
-      </p:nvGrpSpPr>
-      <p:grpSpPr>
-        <a:xfrm>
-          <a:off x="0" y="0"/>
-          <a:ext cx="0" cy="0"/>
-          <a:chOff x="0" y="0"/>
-          <a:chExt cx="0" cy="0"/>
-        </a:xfrm>
-      </p:grpSpPr>
-      <p:cxnSp>
-        <p:nvCxnSpPr>
-          <p:cNvPr id="5" name="직선 연결선 4">
-            <a:extLst>
-              <a:ext uri="{FF2B5EF4-FFF2-40B4-BE49-F238E27FC236}">
-                <a16:creationId xmlns:a16="http://schemas.microsoft.com/office/drawing/2014/main" id="{164C2827-EFCE-69A4-D037-1A218415F568}"/>
-              </a:ext>
-            </a:extLst>
-          </p:cNvPr>
-          <p:cNvCxnSpPr/>
-          <p:nvPr/>
-        </p:nvCxnSpPr>
-        <p:spPr>
-          <a:xfrm>
-            <a:off x="0" y="887505"/>
-            <a:ext cx="10237694" cy="0"/>
-          </a:xfrm>
-          <a:prstGeom prst="line">
-            <a:avLst/>
-          </a:prstGeom>
-          <a:ln w="76200">
-            <a:solidFill>
-              <a:schemeClr val="tx1">
-                <a:lumMod val="75000"/>
-                <a:lumOff val="25000"/>
-              </a:schemeClr>
-            </a:solidFill>
-          </a:ln>
-        </p:spPr>
-        <p:style>
-          <a:lnRef idx="1">
-            <a:schemeClr val="accent1"/>
-          </a:lnRef>
-          <a:fillRef idx="0">
-            <a:schemeClr val="accent1"/>
-          </a:fillRef>
-          <a:effectRef idx="0">
-            <a:schemeClr val="accent1"/>
-          </a:effectRef>
-          <a:fontRef idx="minor">
-            <a:schemeClr val="tx1"/>
-          </a:fontRef>
-        </p:style>
-      </p:cxnSp>
-      <p:sp>
-        <p:nvSpPr>
-          <p:cNvPr id="6" name="TextBox 5">
-            <a:extLst>
-              <a:ext uri="{FF2B5EF4-FFF2-40B4-BE49-F238E27FC236}">
-                <a16:creationId xmlns:a16="http://schemas.microsoft.com/office/drawing/2014/main" id="{E41F2829-87A0-45BE-BDE2-225724BCA145}"/>
-              </a:ext>
-            </a:extLst>
-          </p:cNvPr>
-          <p:cNvSpPr txBox="1"/>
-          <p:nvPr/>
-        </p:nvSpPr>
-        <p:spPr>
-          <a:xfrm>
-            <a:off x="331694" y="177505"/>
-            <a:ext cx="7693132" cy="523220"/>
-          </a:xfrm>
-          <a:prstGeom prst="rect">
-            <a:avLst/>
-          </a:prstGeom>
-          <a:noFill/>
-        </p:spPr>
-        <p:txBody>
-          <a:bodyPr wrap="none" rtlCol="0">
-            <a:spAutoFit/>
-          </a:bodyPr>
-          <a:lstStyle/>
-          <a:p>
-            <a:r>
-              <a:rPr lang="en-US" altLang="ko-KR" sz="2800" dirty="0">
-                <a:latin typeface="나눔스퀘어 Bold" panose="020B0600000101010101" pitchFamily="50" charset="-127"/>
-                <a:ea typeface="나눔스퀘어 Bold" panose="020B0600000101010101" pitchFamily="50" charset="-127"/>
-              </a:rPr>
-              <a:t>Minimum Spanning Tree – 4386 </a:t>
-            </a:r>
-            <a:r>
-              <a:rPr lang="ko-KR" altLang="en-US" sz="2800" dirty="0">
-                <a:latin typeface="나눔스퀘어 Bold" panose="020B0600000101010101" pitchFamily="50" charset="-127"/>
-                <a:ea typeface="나눔스퀘어 Bold" panose="020B0600000101010101" pitchFamily="50" charset="-127"/>
-              </a:rPr>
-              <a:t>별자리 만들기</a:t>
-            </a:r>
-          </a:p>
-        </p:txBody>
-      </p:sp>
-      <p:pic>
-        <p:nvPicPr>
-          <p:cNvPr id="7" name="그림 6">
-            <a:extLst>
-              <a:ext uri="{FF2B5EF4-FFF2-40B4-BE49-F238E27FC236}">
-                <a16:creationId xmlns:a16="http://schemas.microsoft.com/office/drawing/2014/main" id="{3B59DE02-BC1A-46E7-92C2-305F0F6DE5EE}"/>
-              </a:ext>
-            </a:extLst>
-          </p:cNvPr>
-          <p:cNvPicPr>
-            <a:picLocks noChangeAspect="1"/>
-          </p:cNvPicPr>
-          <p:nvPr/>
-        </p:nvPicPr>
-        <p:blipFill>
-          <a:blip r:embed="rId2"/>
-          <a:stretch>
-            <a:fillRect/>
-          </a:stretch>
-        </p:blipFill>
-        <p:spPr>
-          <a:xfrm>
-            <a:off x="331694" y="1074286"/>
-            <a:ext cx="9392961" cy="4534533"/>
-          </a:xfrm>
-          <a:prstGeom prst="rect">
-            <a:avLst/>
-          </a:prstGeom>
-        </p:spPr>
-      </p:pic>
-      <p:pic>
-        <p:nvPicPr>
-          <p:cNvPr id="10" name="그림 9">
-            <a:extLst>
-              <a:ext uri="{FF2B5EF4-FFF2-40B4-BE49-F238E27FC236}">
-                <a16:creationId xmlns:a16="http://schemas.microsoft.com/office/drawing/2014/main" id="{E49601F1-CFC9-4148-9FE7-FDF95DBA0ABE}"/>
-              </a:ext>
-            </a:extLst>
-          </p:cNvPr>
-          <p:cNvPicPr>
-            <a:picLocks noChangeAspect="1"/>
-          </p:cNvPicPr>
-          <p:nvPr/>
-        </p:nvPicPr>
-        <p:blipFill>
-          <a:blip r:embed="rId3"/>
-          <a:stretch>
-            <a:fillRect/>
-          </a:stretch>
-        </p:blipFill>
-        <p:spPr>
-          <a:xfrm>
-            <a:off x="6182512" y="4760975"/>
-            <a:ext cx="1362265" cy="1695687"/>
-          </a:xfrm>
-          <a:prstGeom prst="rect">
-            <a:avLst/>
-          </a:prstGeom>
-        </p:spPr>
-      </p:pic>
-      <p:pic>
-        <p:nvPicPr>
-          <p:cNvPr id="12" name="그림 11">
-            <a:extLst>
-              <a:ext uri="{FF2B5EF4-FFF2-40B4-BE49-F238E27FC236}">
-                <a16:creationId xmlns:a16="http://schemas.microsoft.com/office/drawing/2014/main" id="{E9B860D7-40EC-4CE0-AD0F-924ED168EB74}"/>
-              </a:ext>
-            </a:extLst>
-          </p:cNvPr>
-          <p:cNvPicPr>
-            <a:picLocks noChangeAspect="1"/>
-          </p:cNvPicPr>
-          <p:nvPr/>
-        </p:nvPicPr>
-        <p:blipFill>
-          <a:blip r:embed="rId4"/>
-          <a:stretch>
-            <a:fillRect/>
-          </a:stretch>
-        </p:blipFill>
-        <p:spPr>
-          <a:xfrm>
-            <a:off x="7786668" y="4760975"/>
-            <a:ext cx="1333686" cy="962159"/>
-          </a:xfrm>
-          <a:prstGeom prst="rect">
-            <a:avLst/>
-          </a:prstGeom>
-        </p:spPr>
-      </p:pic>
-      <p:pic>
-        <p:nvPicPr>
-          <p:cNvPr id="13" name="그림 12">
-            <a:extLst>
-              <a:ext uri="{FF2B5EF4-FFF2-40B4-BE49-F238E27FC236}">
-                <a16:creationId xmlns:a16="http://schemas.microsoft.com/office/drawing/2014/main" id="{286E979C-A2AC-444D-9407-A6C5885AD04F}"/>
-              </a:ext>
-            </a:extLst>
-          </p:cNvPr>
-          <p:cNvPicPr>
-            <a:picLocks noChangeAspect="1"/>
-          </p:cNvPicPr>
-          <p:nvPr/>
-        </p:nvPicPr>
-        <p:blipFill>
-          <a:blip r:embed="rId5"/>
-          <a:stretch>
-            <a:fillRect/>
-          </a:stretch>
-        </p:blipFill>
-        <p:spPr>
-          <a:xfrm>
-            <a:off x="7830061" y="305746"/>
-            <a:ext cx="228632" cy="266737"/>
-          </a:xfrm>
-          <a:prstGeom prst="rect">
-            <a:avLst/>
-          </a:prstGeom>
-        </p:spPr>
-      </p:pic>
-    </p:spTree>
-    <p:extLst>
-      <p:ext uri="{BB962C8B-B14F-4D97-AF65-F5344CB8AC3E}">
-        <p14:creationId xmlns:p14="http://schemas.microsoft.com/office/powerpoint/2010/main" val="2306683549"/>
-      </p:ext>
-    </p:extLst>
-  </p:cSld>
-  <p:clrMapOvr>
-    <a:masterClrMapping/>
-  </p:clrMapOvr>
-</p:sld>
-</file>
-
-<file path=ppt/slides/slide17.xml><?xml version="1.0" encoding="utf-8"?>
 <p:sld xmlns:a="http://schemas.openxmlformats.org/drawingml/2006/main" xmlns:r="http://schemas.openxmlformats.org/officeDocument/2006/relationships" xmlns:p="http://schemas.openxmlformats.org/presentationml/2006/main">
   <p:cSld>
     <p:spTree>
@@ -9011,8 +8981,8 @@
           </p:sp>
         </mc:Fallback>
       </mc:AlternateContent>
-      <mc:AlternateContent xmlns:mc="http://schemas.openxmlformats.org/markup-compatibility/2006">
-        <mc:Choice xmlns:a14="http://schemas.microsoft.com/office/drawing/2010/main" Requires="a14">
+      <mc:AlternateContent xmlns:mc="http://schemas.openxmlformats.org/markup-compatibility/2006" xmlns:a14="http://schemas.microsoft.com/office/drawing/2010/main">
+        <mc:Choice Requires="a14">
           <p:graphicFrame>
             <p:nvGraphicFramePr>
               <p:cNvPr id="13" name="표 13">
@@ -10231,7 +10201,7 @@
             </a:graphic>
           </p:graphicFrame>
         </mc:Choice>
-        <mc:Fallback>
+        <mc:Fallback xmlns="">
           <p:graphicFrame>
             <p:nvGraphicFramePr>
               <p:cNvPr id="13" name="표 13">
@@ -12494,7 +12464,7 @@
         <p:spPr>
           <a:xfrm>
             <a:off x="331694" y="177505"/>
-            <a:ext cx="6503703" cy="523220"/>
+            <a:ext cx="4908716" cy="523220"/>
           </a:xfrm>
           <a:prstGeom prst="rect">
             <a:avLst/>
@@ -12512,24 +12482,121 @@
                 <a:latin typeface="나눔스퀘어 Bold" panose="020B0600000101010101" pitchFamily="50" charset="-127"/>
                 <a:ea typeface="나눔스퀘어 Bold" panose="020B0600000101010101" pitchFamily="50" charset="-127"/>
               </a:rPr>
-              <a:t>Hash Set / Map – 7785 </a:t>
+              <a:t>Hash Set / Map – 11652 </a:t>
             </a:r>
             <a:r>
               <a:rPr lang="ko-KR" altLang="en-US" sz="2800" dirty="0">
                 <a:latin typeface="나눔스퀘어 Bold" panose="020B0600000101010101" pitchFamily="50" charset="-127"/>
                 <a:ea typeface="나눔스퀘어 Bold" panose="020B0600000101010101" pitchFamily="50" charset="-127"/>
               </a:rPr>
-              <a:t>회사에 있는 사람</a:t>
+              <a:t>카드</a:t>
+            </a:r>
+          </a:p>
+        </p:txBody>
+      </p:sp>
+      <p:sp>
+        <p:nvSpPr>
+          <p:cNvPr id="4" name="TextBox 3">
+            <a:extLst>
+              <a:ext uri="{FF2B5EF4-FFF2-40B4-BE49-F238E27FC236}">
+                <a16:creationId xmlns:a16="http://schemas.microsoft.com/office/drawing/2014/main" id="{BBF8457C-6582-263A-0A91-F494D4A669B3}"/>
+              </a:ext>
+            </a:extLst>
+          </p:cNvPr>
+          <p:cNvSpPr txBox="1"/>
+          <p:nvPr/>
+        </p:nvSpPr>
+        <p:spPr>
+          <a:xfrm>
+            <a:off x="942387" y="1352030"/>
+            <a:ext cx="10237694" cy="369332"/>
+          </a:xfrm>
+          <a:prstGeom prst="rect">
+            <a:avLst/>
+          </a:prstGeom>
+          <a:noFill/>
+        </p:spPr>
+        <p:txBody>
+          <a:bodyPr wrap="square" rtlCol="0">
+            <a:spAutoFit/>
+          </a:bodyPr>
+          <a:lstStyle/>
+          <a:p>
+            <a:r>
+              <a:rPr lang="ko-KR" altLang="en-US" dirty="0">
+                <a:latin typeface="나눔스퀘어 Light" panose="020B0600000101010101" pitchFamily="50" charset="-127"/>
+                <a:ea typeface="나눔스퀘어 Light" panose="020B0600000101010101" pitchFamily="50" charset="-127"/>
+              </a:rPr>
+              <a:t>만약 카드에 </a:t>
+            </a:r>
+            <a:r>
+              <a:rPr lang="ko-KR" altLang="en-US" dirty="0" err="1">
+                <a:latin typeface="나눔스퀘어 Light" panose="020B0600000101010101" pitchFamily="50" charset="-127"/>
+                <a:ea typeface="나눔스퀘어 Light" panose="020B0600000101010101" pitchFamily="50" charset="-127"/>
+              </a:rPr>
+              <a:t>적혀있는</a:t>
+            </a:r>
+            <a:r>
+              <a:rPr lang="ko-KR" altLang="en-US" dirty="0">
+                <a:latin typeface="나눔스퀘어 Light" panose="020B0600000101010101" pitchFamily="50" charset="-127"/>
+                <a:ea typeface="나눔스퀘어 Light" panose="020B0600000101010101" pitchFamily="50" charset="-127"/>
+              </a:rPr>
+              <a:t> 수 범위가 너무 크지만 않았더라면</a:t>
+            </a:r>
+          </a:p>
+        </p:txBody>
+      </p:sp>
+      <p:sp>
+        <p:nvSpPr>
+          <p:cNvPr id="7" name="TextBox 6">
+            <a:extLst>
+              <a:ext uri="{FF2B5EF4-FFF2-40B4-BE49-F238E27FC236}">
+                <a16:creationId xmlns:a16="http://schemas.microsoft.com/office/drawing/2014/main" id="{164C69A2-E425-F3EC-4B4E-F2FF1795088D}"/>
+              </a:ext>
+            </a:extLst>
+          </p:cNvPr>
+          <p:cNvSpPr txBox="1"/>
+          <p:nvPr/>
+        </p:nvSpPr>
+        <p:spPr>
+          <a:xfrm>
+            <a:off x="942387" y="1721362"/>
+            <a:ext cx="10237694" cy="369332"/>
+          </a:xfrm>
+          <a:prstGeom prst="rect">
+            <a:avLst/>
+          </a:prstGeom>
+          <a:noFill/>
+        </p:spPr>
+        <p:txBody>
+          <a:bodyPr wrap="square" rtlCol="0">
+            <a:spAutoFit/>
+          </a:bodyPr>
+          <a:lstStyle/>
+          <a:p>
+            <a:r>
+              <a:rPr lang="en-US" altLang="ko-KR" dirty="0">
+                <a:latin typeface="나눔스퀘어 Light" panose="020B0600000101010101" pitchFamily="50" charset="-127"/>
+                <a:ea typeface="나눔스퀘어 Light" panose="020B0600000101010101" pitchFamily="50" charset="-127"/>
+              </a:rPr>
+              <a:t>	</a:t>
+            </a:r>
+            <a:r>
+              <a:rPr lang="ko-KR" altLang="en-US" dirty="0">
+                <a:latin typeface="나눔스퀘어 Light" panose="020B0600000101010101" pitchFamily="50" charset="-127"/>
+                <a:ea typeface="나눔스퀘어 Light" panose="020B0600000101010101" pitchFamily="50" charset="-127"/>
+              </a:rPr>
+              <a:t>카드 수 범위만큼의 배열을 할당하는 것도 좋은 선택일 수도 있음</a:t>
             </a:r>
           </a:p>
         </p:txBody>
       </p:sp>
       <p:pic>
         <p:nvPicPr>
-          <p:cNvPr id="4" name="그림 3">
-            <a:extLst>
-              <a:ext uri="{FF2B5EF4-FFF2-40B4-BE49-F238E27FC236}">
-                <a16:creationId xmlns:a16="http://schemas.microsoft.com/office/drawing/2014/main" id="{CF668906-F33F-0E2E-15AE-6FFB50E0A05A}"/>
+          <p:cNvPr id="11" name="그림 10">
+            <a:extLst>
+              <a:ext uri="{FF2B5EF4-FFF2-40B4-BE49-F238E27FC236}">
+                <a16:creationId xmlns:a16="http://schemas.microsoft.com/office/drawing/2014/main" id="{D6C030E5-30B0-E05F-22AE-0FFE02299B99}"/>
               </a:ext>
             </a:extLst>
           </p:cNvPr>
@@ -12546,18 +12613,180 @@
         </p:blipFill>
         <p:spPr>
           <a:xfrm>
-            <a:off x="331694" y="946790"/>
-            <a:ext cx="8886286" cy="5911210"/>
+            <a:off x="942388" y="2095314"/>
+            <a:ext cx="3777966" cy="2107232"/>
           </a:xfrm>
           <a:prstGeom prst="rect">
             <a:avLst/>
           </a:prstGeom>
         </p:spPr>
       </p:pic>
+      <p:sp>
+        <p:nvSpPr>
+          <p:cNvPr id="14" name="TextBox 13">
+            <a:extLst>
+              <a:ext uri="{FF2B5EF4-FFF2-40B4-BE49-F238E27FC236}">
+                <a16:creationId xmlns:a16="http://schemas.microsoft.com/office/drawing/2014/main" id="{326D59BA-23FC-A469-BC06-A6A7C74339C7}"/>
+              </a:ext>
+            </a:extLst>
+          </p:cNvPr>
+          <p:cNvSpPr txBox="1"/>
+          <p:nvPr/>
+        </p:nvSpPr>
+        <p:spPr>
+          <a:xfrm>
+            <a:off x="942387" y="4571878"/>
+            <a:ext cx="10237694" cy="369332"/>
+          </a:xfrm>
+          <a:prstGeom prst="rect">
+            <a:avLst/>
+          </a:prstGeom>
+          <a:noFill/>
+        </p:spPr>
+        <p:txBody>
+          <a:bodyPr wrap="square" rtlCol="0">
+            <a:spAutoFit/>
+          </a:bodyPr>
+          <a:lstStyle/>
+          <a:p>
+            <a:r>
+              <a:rPr lang="ko-KR" altLang="en-US" dirty="0">
+                <a:latin typeface="나눔스퀘어 Light" panose="020B0600000101010101" pitchFamily="50" charset="-127"/>
+                <a:ea typeface="나눔스퀘어 Light" panose="020B0600000101010101" pitchFamily="50" charset="-127"/>
+              </a:rPr>
+              <a:t>그러나 이 문제에서 저 방법을 쓰려고 하면 수 범위가 너무 크기 때문에 </a:t>
+            </a:r>
+            <a:r>
+              <a:rPr lang="en-US" altLang="ko-KR" dirty="0">
+                <a:latin typeface="나눔스퀘어 Light" panose="020B0600000101010101" pitchFamily="50" charset="-127"/>
+                <a:ea typeface="나눔스퀘어 Light" panose="020B0600000101010101" pitchFamily="50" charset="-127"/>
+              </a:rPr>
+              <a:t>MLE</a:t>
+            </a:r>
+            <a:r>
+              <a:rPr lang="ko-KR" altLang="en-US" dirty="0">
+                <a:latin typeface="나눔스퀘어 Light" panose="020B0600000101010101" pitchFamily="50" charset="-127"/>
+                <a:ea typeface="나눔스퀘어 Light" panose="020B0600000101010101" pitchFamily="50" charset="-127"/>
+              </a:rPr>
+              <a:t>가 날 것으로 보임</a:t>
+            </a:r>
+          </a:p>
+        </p:txBody>
+      </p:sp>
+      <p:pic>
+        <p:nvPicPr>
+          <p:cNvPr id="17" name="그림 16">
+            <a:extLst>
+              <a:ext uri="{FF2B5EF4-FFF2-40B4-BE49-F238E27FC236}">
+                <a16:creationId xmlns:a16="http://schemas.microsoft.com/office/drawing/2014/main" id="{C83212EC-E63C-8F26-1FF0-68D7C27592E5}"/>
+              </a:ext>
+            </a:extLst>
+          </p:cNvPr>
+          <p:cNvPicPr>
+            <a:picLocks noChangeAspect="1"/>
+          </p:cNvPicPr>
+          <p:nvPr/>
+        </p:nvPicPr>
+        <p:blipFill>
+          <a:blip r:embed="rId3"/>
+          <a:stretch>
+            <a:fillRect/>
+          </a:stretch>
+        </p:blipFill>
+        <p:spPr>
+          <a:xfrm>
+            <a:off x="942387" y="4941210"/>
+            <a:ext cx="3777967" cy="337068"/>
+          </a:xfrm>
+          <a:prstGeom prst="rect">
+            <a:avLst/>
+          </a:prstGeom>
+        </p:spPr>
+      </p:pic>
+      <p:sp>
+        <p:nvSpPr>
+          <p:cNvPr id="19" name="TextBox 18">
+            <a:extLst>
+              <a:ext uri="{FF2B5EF4-FFF2-40B4-BE49-F238E27FC236}">
+                <a16:creationId xmlns:a16="http://schemas.microsoft.com/office/drawing/2014/main" id="{9C9D0276-54CC-0236-9CEA-52F3138835BE}"/>
+              </a:ext>
+            </a:extLst>
+          </p:cNvPr>
+          <p:cNvSpPr txBox="1"/>
+          <p:nvPr/>
+        </p:nvSpPr>
+        <p:spPr>
+          <a:xfrm>
+            <a:off x="942387" y="5656483"/>
+            <a:ext cx="10237694" cy="369332"/>
+          </a:xfrm>
+          <a:prstGeom prst="rect">
+            <a:avLst/>
+          </a:prstGeom>
+          <a:noFill/>
+        </p:spPr>
+        <p:txBody>
+          <a:bodyPr wrap="square" rtlCol="0">
+            <a:spAutoFit/>
+          </a:bodyPr>
+          <a:lstStyle/>
+          <a:p>
+            <a:r>
+              <a:rPr lang="ko-KR" altLang="en-US" dirty="0">
+                <a:latin typeface="나눔스퀘어 Light" panose="020B0600000101010101" pitchFamily="50" charset="-127"/>
+                <a:ea typeface="나눔스퀘어 Light" panose="020B0600000101010101" pitchFamily="50" charset="-127"/>
+              </a:rPr>
+              <a:t>따라서 수 범위 만큼의 </a:t>
+            </a:r>
+            <a:r>
+              <a:rPr lang="ko-KR" altLang="en-US" dirty="0" err="1">
+                <a:latin typeface="나눔스퀘어 Light" panose="020B0600000101010101" pitchFamily="50" charset="-127"/>
+                <a:ea typeface="나눔스퀘어 Light" panose="020B0600000101010101" pitchFamily="50" charset="-127"/>
+              </a:rPr>
+              <a:t>카운팅</a:t>
+            </a:r>
+            <a:r>
+              <a:rPr lang="ko-KR" altLang="en-US" dirty="0">
+                <a:latin typeface="나눔스퀘어 Light" panose="020B0600000101010101" pitchFamily="50" charset="-127"/>
+                <a:ea typeface="나눔스퀘어 Light" panose="020B0600000101010101" pitchFamily="50" charset="-127"/>
+              </a:rPr>
+              <a:t> 변수</a:t>
+            </a:r>
+            <a:r>
+              <a:rPr lang="en-US" altLang="ko-KR" dirty="0">
+                <a:latin typeface="나눔스퀘어 Light" panose="020B0600000101010101" pitchFamily="50" charset="-127"/>
+                <a:ea typeface="나눔스퀘어 Light" panose="020B0600000101010101" pitchFamily="50" charset="-127"/>
+              </a:rPr>
+              <a:t>(</a:t>
+            </a:r>
+            <a:r>
+              <a:rPr lang="ko-KR" altLang="en-US" dirty="0">
+                <a:latin typeface="나눔스퀘어 Light" panose="020B0600000101010101" pitchFamily="50" charset="-127"/>
+                <a:ea typeface="나눔스퀘어 Light" panose="020B0600000101010101" pitchFamily="50" charset="-127"/>
+              </a:rPr>
+              <a:t>배열</a:t>
+            </a:r>
+            <a:r>
+              <a:rPr lang="en-US" altLang="ko-KR" dirty="0">
+                <a:latin typeface="나눔스퀘어 Light" panose="020B0600000101010101" pitchFamily="50" charset="-127"/>
+                <a:ea typeface="나눔스퀘어 Light" panose="020B0600000101010101" pitchFamily="50" charset="-127"/>
+              </a:rPr>
+              <a:t>)</a:t>
+            </a:r>
+            <a:r>
+              <a:rPr lang="ko-KR" altLang="en-US" dirty="0">
+                <a:latin typeface="나눔스퀘어 Light" panose="020B0600000101010101" pitchFamily="50" charset="-127"/>
+                <a:ea typeface="나눔스퀘어 Light" panose="020B0600000101010101" pitchFamily="50" charset="-127"/>
+              </a:rPr>
+              <a:t>를 할당하지 않고 수를 셀 수 있는 방법이 필요</a:t>
+            </a:r>
+          </a:p>
+        </p:txBody>
+      </p:sp>
     </p:spTree>
     <p:extLst>
       <p:ext uri="{BB962C8B-B14F-4D97-AF65-F5344CB8AC3E}">
-        <p14:creationId xmlns:p14="http://schemas.microsoft.com/office/powerpoint/2010/main" val="2916007040"/>
+        <p14:creationId xmlns:p14="http://schemas.microsoft.com/office/powerpoint/2010/main" val="3367737415"/>
       </p:ext>
     </p:extLst>
   </p:cSld>

--- a/study/15_Hash Set, Hash Map.pptx
+++ b/study/15_Hash Set, Hash Map.pptx
@@ -5,7 +5,7 @@
     <p:sldMasterId id="2147483648" r:id="rId1"/>
   </p:sldMasterIdLst>
   <p:notesMasterIdLst>
-    <p:notesMasterId r:id="rId17"/>
+    <p:notesMasterId r:id="rId27"/>
   </p:notesMasterIdLst>
   <p:sldIdLst>
     <p:sldId id="256" r:id="rId2"/>
@@ -22,7 +22,17 @@
     <p:sldId id="553" r:id="rId13"/>
     <p:sldId id="549" r:id="rId14"/>
     <p:sldId id="554" r:id="rId15"/>
-    <p:sldId id="298" r:id="rId16"/>
+    <p:sldId id="555" r:id="rId16"/>
+    <p:sldId id="556" r:id="rId17"/>
+    <p:sldId id="557" r:id="rId18"/>
+    <p:sldId id="558" r:id="rId19"/>
+    <p:sldId id="559" r:id="rId20"/>
+    <p:sldId id="560" r:id="rId21"/>
+    <p:sldId id="561" r:id="rId22"/>
+    <p:sldId id="562" r:id="rId23"/>
+    <p:sldId id="563" r:id="rId24"/>
+    <p:sldId id="564" r:id="rId25"/>
+    <p:sldId id="298" r:id="rId26"/>
   </p:sldIdLst>
   <p:sldSz cx="12192000" cy="6858000"/>
   <p:notesSz cx="6858000" cy="9144000"/>
@@ -4147,8 +4157,8 @@
           </a:p>
         </p:txBody>
       </p:sp>
-      <mc:AlternateContent xmlns:mc="http://schemas.openxmlformats.org/markup-compatibility/2006">
-        <mc:Choice xmlns:a14="http://schemas.microsoft.com/office/drawing/2010/main" Requires="a14">
+      <mc:AlternateContent xmlns:mc="http://schemas.openxmlformats.org/markup-compatibility/2006" xmlns:a14="http://schemas.microsoft.com/office/drawing/2010/main">
+        <mc:Choice Requires="a14">
           <p:sp>
             <p:nvSpPr>
               <p:cNvPr id="6" name="TextBox 5">
@@ -4279,7 +4289,7 @@
             </p:txBody>
           </p:sp>
         </mc:Choice>
-        <mc:Fallback>
+        <mc:Fallback xmlns="">
           <p:sp>
             <p:nvSpPr>
               <p:cNvPr id="6" name="TextBox 5">
@@ -5583,10 +5593,10 @@
       </p:cxnSp>
       <p:sp>
         <p:nvSpPr>
-          <p:cNvPr id="6" name="TextBox 5">
-            <a:extLst>
-              <a:ext uri="{FF2B5EF4-FFF2-40B4-BE49-F238E27FC236}">
-                <a16:creationId xmlns:a16="http://schemas.microsoft.com/office/drawing/2014/main" id="{908ED9B9-09D3-CFA8-625A-6F9BB9B6BD23}"/>
+          <p:cNvPr id="8" name="TextBox 7">
+            <a:extLst>
+              <a:ext uri="{FF2B5EF4-FFF2-40B4-BE49-F238E27FC236}">
+                <a16:creationId xmlns:a16="http://schemas.microsoft.com/office/drawing/2014/main" id="{C1B467EB-524B-46DA-BB98-9E2C915734A1}"/>
               </a:ext>
             </a:extLst>
           </p:cNvPr>
@@ -5596,7 +5606,7 @@
         <p:spPr>
           <a:xfrm>
             <a:off x="331694" y="177505"/>
-            <a:ext cx="2006190" cy="523220"/>
+            <a:ext cx="5105885" cy="523220"/>
           </a:xfrm>
           <a:prstGeom prst="rect">
             <a:avLst/>
@@ -5614,481 +5624,24 @@
                 <a:latin typeface="나눔스퀘어 Bold" panose="020B0600000101010101" pitchFamily="50" charset="-127"/>
                 <a:ea typeface="나눔스퀘어 Bold" panose="020B0600000101010101" pitchFamily="50" charset="-127"/>
               </a:rPr>
-              <a:t>Homework</a:t>
-            </a:r>
-            <a:endParaRPr lang="ko-KR" altLang="en-US" sz="2800" dirty="0">
-              <a:latin typeface="나눔스퀘어 Bold" panose="020B0600000101010101" pitchFamily="50" charset="-127"/>
-              <a:ea typeface="나눔스퀘어 Bold" panose="020B0600000101010101" pitchFamily="50" charset="-127"/>
-            </a:endParaRPr>
-          </a:p>
-        </p:txBody>
-      </p:sp>
-      <p:sp>
-        <p:nvSpPr>
-          <p:cNvPr id="7" name="TextBox 6">
-            <a:extLst>
-              <a:ext uri="{FF2B5EF4-FFF2-40B4-BE49-F238E27FC236}">
-                <a16:creationId xmlns:a16="http://schemas.microsoft.com/office/drawing/2014/main" id="{DD092523-43DA-0A5F-0C04-8239F4BF07FC}"/>
-              </a:ext>
-            </a:extLst>
-          </p:cNvPr>
-          <p:cNvSpPr txBox="1"/>
-          <p:nvPr/>
-        </p:nvSpPr>
-        <p:spPr>
-          <a:xfrm>
-            <a:off x="942387" y="1661364"/>
-            <a:ext cx="8553305" cy="369332"/>
-          </a:xfrm>
-          <a:prstGeom prst="rect">
-            <a:avLst/>
-          </a:prstGeom>
-          <a:noFill/>
-        </p:spPr>
-        <p:txBody>
-          <a:bodyPr wrap="square" rtlCol="0">
-            <a:spAutoFit/>
-          </a:bodyPr>
-          <a:lstStyle/>
-          <a:p>
-            <a:r>
-              <a:rPr lang="en-US" altLang="ko-KR" dirty="0">
-                <a:latin typeface="나눔스퀘어 Light" panose="020B0600000101010101" pitchFamily="50" charset="-127"/>
-                <a:ea typeface="나눔스퀘어 Light" panose="020B0600000101010101" pitchFamily="50" charset="-127"/>
-              </a:rPr>
-              <a:t>1. 6497 </a:t>
-            </a:r>
-            <a:r>
-              <a:rPr lang="ko-KR" altLang="en-US" dirty="0">
-                <a:latin typeface="나눔스퀘어 Light" panose="020B0600000101010101" pitchFamily="50" charset="-127"/>
-                <a:ea typeface="나눔스퀘어 Light" panose="020B0600000101010101" pitchFamily="50" charset="-127"/>
-              </a:rPr>
-              <a:t>전력난</a:t>
-            </a:r>
-          </a:p>
-        </p:txBody>
-      </p:sp>
-      <p:sp>
-        <p:nvSpPr>
-          <p:cNvPr id="8" name="TextBox 7">
-            <a:extLst>
-              <a:ext uri="{FF2B5EF4-FFF2-40B4-BE49-F238E27FC236}">
-                <a16:creationId xmlns:a16="http://schemas.microsoft.com/office/drawing/2014/main" id="{80045CCB-6E92-45F3-05E2-D9718BBAEE86}"/>
-              </a:ext>
-            </a:extLst>
-          </p:cNvPr>
-          <p:cNvSpPr txBox="1"/>
-          <p:nvPr/>
-        </p:nvSpPr>
-        <p:spPr>
-          <a:xfrm>
-            <a:off x="942387" y="2031090"/>
-            <a:ext cx="8553305" cy="369332"/>
-          </a:xfrm>
-          <a:prstGeom prst="rect">
-            <a:avLst/>
-          </a:prstGeom>
-          <a:noFill/>
-        </p:spPr>
-        <p:txBody>
-          <a:bodyPr wrap="square" rtlCol="0">
-            <a:spAutoFit/>
-          </a:bodyPr>
-          <a:lstStyle/>
-          <a:p>
-            <a:r>
-              <a:rPr lang="en-US" altLang="ko-KR" dirty="0">
-                <a:latin typeface="나눔스퀘어 Light" panose="020B0600000101010101" pitchFamily="50" charset="-127"/>
-                <a:ea typeface="나눔스퀘어 Light" panose="020B0600000101010101" pitchFamily="50" charset="-127"/>
-              </a:rPr>
-              <a:t>2. 13905 </a:t>
-            </a:r>
-            <a:r>
-              <a:rPr lang="ko-KR" altLang="en-US" dirty="0">
-                <a:latin typeface="나눔스퀘어 Light" panose="020B0600000101010101" pitchFamily="50" charset="-127"/>
-                <a:ea typeface="나눔스퀘어 Light" panose="020B0600000101010101" pitchFamily="50" charset="-127"/>
-              </a:rPr>
-              <a:t>세부</a:t>
-            </a:r>
-          </a:p>
-        </p:txBody>
-      </p:sp>
-      <p:sp>
-        <p:nvSpPr>
-          <p:cNvPr id="9" name="TextBox 8">
-            <a:extLst>
-              <a:ext uri="{FF2B5EF4-FFF2-40B4-BE49-F238E27FC236}">
-                <a16:creationId xmlns:a16="http://schemas.microsoft.com/office/drawing/2014/main" id="{F3F091EF-3E70-16E8-983D-D9C14C2EAD61}"/>
-              </a:ext>
-            </a:extLst>
-          </p:cNvPr>
-          <p:cNvSpPr txBox="1"/>
-          <p:nvPr/>
-        </p:nvSpPr>
-        <p:spPr>
-          <a:xfrm>
-            <a:off x="942387" y="1190024"/>
-            <a:ext cx="8553305" cy="369332"/>
-          </a:xfrm>
-          <a:prstGeom prst="rect">
-            <a:avLst/>
-          </a:prstGeom>
-          <a:noFill/>
-        </p:spPr>
-        <p:txBody>
-          <a:bodyPr wrap="square" rtlCol="0">
-            <a:spAutoFit/>
-          </a:bodyPr>
-          <a:lstStyle/>
-          <a:p>
-            <a:r>
-              <a:rPr lang="ko-KR" altLang="en-US" dirty="0">
+              <a:t>Hash Set / Map – 1920 </a:t>
+            </a:r>
+            <a:r>
+              <a:rPr lang="ko-KR" altLang="en-US" sz="2800" dirty="0">
                 <a:latin typeface="나눔스퀘어 Bold" panose="020B0600000101010101" pitchFamily="50" charset="-127"/>
                 <a:ea typeface="나눔스퀘어 Bold" panose="020B0600000101010101" pitchFamily="50" charset="-127"/>
               </a:rPr>
-              <a:t>아래 문제들에 대해 스스로 생각하고 풀어보세요</a:t>
-            </a:r>
-            <a:r>
-              <a:rPr lang="en-US" altLang="ko-KR" dirty="0">
-                <a:latin typeface="나눔스퀘어 Bold" panose="020B0600000101010101" pitchFamily="50" charset="-127"/>
-                <a:ea typeface="나눔스퀘어 Bold" panose="020B0600000101010101" pitchFamily="50" charset="-127"/>
-              </a:rPr>
-              <a:t>.</a:t>
-            </a:r>
-            <a:r>
-              <a:rPr lang="ko-KR" altLang="en-US" dirty="0">
-                <a:latin typeface="나눔스퀘어 Bold" panose="020B0600000101010101" pitchFamily="50" charset="-127"/>
-                <a:ea typeface="나눔스퀘어 Bold" panose="020B0600000101010101" pitchFamily="50" charset="-127"/>
-              </a:rPr>
-              <a:t> </a:t>
-            </a:r>
-            <a:r>
-              <a:rPr lang="en-US" altLang="ko-KR" dirty="0">
-                <a:latin typeface="나눔스퀘어 Bold" panose="020B0600000101010101" pitchFamily="50" charset="-127"/>
-                <a:ea typeface="나눔스퀘어 Bold" panose="020B0600000101010101" pitchFamily="50" charset="-127"/>
-              </a:rPr>
-              <a:t>(</a:t>
-            </a:r>
-            <a:r>
-              <a:rPr lang="ko-KR" altLang="en-US" dirty="0">
-                <a:latin typeface="나눔스퀘어 Bold" panose="020B0600000101010101" pitchFamily="50" charset="-127"/>
-                <a:ea typeface="나눔스퀘어 Bold" panose="020B0600000101010101" pitchFamily="50" charset="-127"/>
-              </a:rPr>
-              <a:t>해설은 따로 진행하진 않겠습니다</a:t>
-            </a:r>
-            <a:r>
-              <a:rPr lang="en-US" altLang="ko-KR" dirty="0">
-                <a:latin typeface="나눔스퀘어 Bold" panose="020B0600000101010101" pitchFamily="50" charset="-127"/>
-                <a:ea typeface="나눔스퀘어 Bold" panose="020B0600000101010101" pitchFamily="50" charset="-127"/>
-              </a:rPr>
-              <a:t>.)</a:t>
-            </a:r>
-            <a:endParaRPr lang="ko-KR" altLang="en-US" dirty="0">
-              <a:latin typeface="나눔스퀘어 Bold" panose="020B0600000101010101" pitchFamily="50" charset="-127"/>
-              <a:ea typeface="나눔스퀘어 Bold" panose="020B0600000101010101" pitchFamily="50" charset="-127"/>
-            </a:endParaRPr>
-          </a:p>
-        </p:txBody>
-      </p:sp>
-      <p:sp>
-        <p:nvSpPr>
-          <p:cNvPr id="2" name="TextBox 1">
-            <a:extLst>
-              <a:ext uri="{FF2B5EF4-FFF2-40B4-BE49-F238E27FC236}">
-                <a16:creationId xmlns:a16="http://schemas.microsoft.com/office/drawing/2014/main" id="{807C3CD1-8E1B-427F-230D-9C7C2837C1F2}"/>
-              </a:ext>
-            </a:extLst>
-          </p:cNvPr>
-          <p:cNvSpPr txBox="1"/>
-          <p:nvPr/>
-        </p:nvSpPr>
-        <p:spPr>
-          <a:xfrm>
-            <a:off x="942387" y="2401227"/>
-            <a:ext cx="8553305" cy="369332"/>
-          </a:xfrm>
-          <a:prstGeom prst="rect">
-            <a:avLst/>
-          </a:prstGeom>
-          <a:noFill/>
-        </p:spPr>
-        <p:txBody>
-          <a:bodyPr wrap="square" rtlCol="0">
-            <a:spAutoFit/>
-          </a:bodyPr>
-          <a:lstStyle/>
-          <a:p>
-            <a:r>
-              <a:rPr lang="en-US" altLang="ko-KR" dirty="0">
-                <a:latin typeface="나눔스퀘어 Light" panose="020B0600000101010101" pitchFamily="50" charset="-127"/>
-                <a:ea typeface="나눔스퀘어 Light" panose="020B0600000101010101" pitchFamily="50" charset="-127"/>
-              </a:rPr>
-              <a:t>3. 14950 </a:t>
-            </a:r>
-            <a:r>
-              <a:rPr lang="ko-KR" altLang="en-US" dirty="0">
-                <a:latin typeface="나눔스퀘어 Light" panose="020B0600000101010101" pitchFamily="50" charset="-127"/>
-                <a:ea typeface="나눔스퀘어 Light" panose="020B0600000101010101" pitchFamily="50" charset="-127"/>
-              </a:rPr>
-              <a:t>정복자</a:t>
-            </a:r>
-          </a:p>
-        </p:txBody>
-      </p:sp>
-      <p:sp>
-        <p:nvSpPr>
-          <p:cNvPr id="15" name="TextBox 14">
-            <a:extLst>
-              <a:ext uri="{FF2B5EF4-FFF2-40B4-BE49-F238E27FC236}">
-                <a16:creationId xmlns:a16="http://schemas.microsoft.com/office/drawing/2014/main" id="{E5047E6E-1B8F-56C4-3638-635617F6F7C1}"/>
-              </a:ext>
-            </a:extLst>
-          </p:cNvPr>
-          <p:cNvSpPr txBox="1"/>
-          <p:nvPr/>
-        </p:nvSpPr>
-        <p:spPr>
-          <a:xfrm>
-            <a:off x="942387" y="4295125"/>
-            <a:ext cx="10237694" cy="369332"/>
-          </a:xfrm>
-          <a:prstGeom prst="rect">
-            <a:avLst/>
-          </a:prstGeom>
-          <a:noFill/>
-        </p:spPr>
-        <p:txBody>
-          <a:bodyPr wrap="square" rtlCol="0">
-            <a:spAutoFit/>
-          </a:bodyPr>
-          <a:lstStyle/>
-          <a:p>
-            <a:r>
-              <a:rPr lang="ko-KR" altLang="en-US" dirty="0">
-                <a:latin typeface="나눔스퀘어 Bold" panose="020B0600000101010101" pitchFamily="50" charset="-127"/>
-                <a:ea typeface="나눔스퀘어 Bold" panose="020B0600000101010101" pitchFamily="50" charset="-127"/>
-              </a:rPr>
-              <a:t>저희가 지금까지 배운 자료구조에서 탐색을 가장 빨리 하는 방법은 정렬된 배열에서의 </a:t>
-            </a:r>
-            <a:r>
-              <a:rPr lang="ko-KR" altLang="en-US" dirty="0" err="1">
-                <a:latin typeface="나눔스퀘어 Bold" panose="020B0600000101010101" pitchFamily="50" charset="-127"/>
-                <a:ea typeface="나눔스퀘어 Bold" panose="020B0600000101010101" pitchFamily="50" charset="-127"/>
-              </a:rPr>
-              <a:t>이진탐색이였습니다</a:t>
-            </a:r>
-            <a:r>
-              <a:rPr lang="en-US" altLang="ko-KR" dirty="0">
-                <a:latin typeface="나눔스퀘어 Bold" panose="020B0600000101010101" pitchFamily="50" charset="-127"/>
-                <a:ea typeface="나눔스퀘어 Bold" panose="020B0600000101010101" pitchFamily="50" charset="-127"/>
-              </a:rPr>
-              <a:t>.</a:t>
-            </a:r>
-            <a:endParaRPr lang="ko-KR" altLang="en-US" dirty="0">
-              <a:latin typeface="나눔스퀘어 Bold" panose="020B0600000101010101" pitchFamily="50" charset="-127"/>
-              <a:ea typeface="나눔스퀘어 Bold" panose="020B0600000101010101" pitchFamily="50" charset="-127"/>
-            </a:endParaRPr>
-          </a:p>
-        </p:txBody>
-      </p:sp>
-      <p:sp>
-        <p:nvSpPr>
-          <p:cNvPr id="4" name="TextBox 3">
-            <a:extLst>
-              <a:ext uri="{FF2B5EF4-FFF2-40B4-BE49-F238E27FC236}">
-                <a16:creationId xmlns:a16="http://schemas.microsoft.com/office/drawing/2014/main" id="{CE23CD71-E520-1EA9-739C-3261D9278AD6}"/>
-              </a:ext>
-            </a:extLst>
-          </p:cNvPr>
-          <p:cNvSpPr txBox="1"/>
-          <p:nvPr/>
-        </p:nvSpPr>
-        <p:spPr>
-          <a:xfrm>
-            <a:off x="942387" y="4664453"/>
-            <a:ext cx="10237694" cy="369332"/>
-          </a:xfrm>
-          <a:prstGeom prst="rect">
-            <a:avLst/>
-          </a:prstGeom>
-          <a:noFill/>
-        </p:spPr>
-        <p:txBody>
-          <a:bodyPr wrap="square" rtlCol="0">
-            <a:spAutoFit/>
-          </a:bodyPr>
-          <a:lstStyle/>
-          <a:p>
-            <a:r>
-              <a:rPr lang="ko-KR" altLang="en-US" dirty="0">
-                <a:latin typeface="나눔스퀘어 Bold" panose="020B0600000101010101" pitchFamily="50" charset="-127"/>
-                <a:ea typeface="나눔스퀘어 Bold" panose="020B0600000101010101" pitchFamily="50" charset="-127"/>
-              </a:rPr>
-              <a:t>이보다 자료의 삽입 </a:t>
-            </a:r>
-            <a:r>
-              <a:rPr lang="en-US" altLang="ko-KR">
-                <a:latin typeface="나눔스퀘어 Bold" panose="020B0600000101010101" pitchFamily="50" charset="-127"/>
-                <a:ea typeface="나눔스퀘어 Bold" panose="020B0600000101010101" pitchFamily="50" charset="-127"/>
-              </a:rPr>
-              <a:t>/ </a:t>
-            </a:r>
-            <a:r>
-              <a:rPr lang="ko-KR" altLang="en-US">
-                <a:latin typeface="나눔스퀘어 Bold" panose="020B0600000101010101" pitchFamily="50" charset="-127"/>
-                <a:ea typeface="나눔스퀘어 Bold" panose="020B0600000101010101" pitchFamily="50" charset="-127"/>
-              </a:rPr>
-              <a:t>검색을 </a:t>
-            </a:r>
-            <a:r>
-              <a:rPr lang="ko-KR" altLang="en-US" dirty="0">
-                <a:latin typeface="나눔스퀘어 Bold" panose="020B0600000101010101" pitchFamily="50" charset="-127"/>
-                <a:ea typeface="나눔스퀘어 Bold" panose="020B0600000101010101" pitchFamily="50" charset="-127"/>
-              </a:rPr>
-              <a:t>더 빨리 하려면 어떻게 해야 할까요</a:t>
-            </a:r>
-            <a:r>
-              <a:rPr lang="en-US" altLang="ko-KR" dirty="0">
-                <a:latin typeface="나눔스퀘어 Bold" panose="020B0600000101010101" pitchFamily="50" charset="-127"/>
-                <a:ea typeface="나눔스퀘어 Bold" panose="020B0600000101010101" pitchFamily="50" charset="-127"/>
-              </a:rPr>
-              <a:t>?</a:t>
-            </a:r>
-            <a:endParaRPr lang="ko-KR" altLang="en-US" dirty="0">
-              <a:latin typeface="나눔스퀘어 Bold" panose="020B0600000101010101" pitchFamily="50" charset="-127"/>
-              <a:ea typeface="나눔스퀘어 Bold" panose="020B0600000101010101" pitchFamily="50" charset="-127"/>
-            </a:endParaRPr>
-          </a:p>
-        </p:txBody>
-      </p:sp>
-      <p:sp>
-        <p:nvSpPr>
-          <p:cNvPr id="11" name="TextBox 10">
-            <a:extLst>
-              <a:ext uri="{FF2B5EF4-FFF2-40B4-BE49-F238E27FC236}">
-                <a16:creationId xmlns:a16="http://schemas.microsoft.com/office/drawing/2014/main" id="{6DD15401-BAB6-A2E7-77FA-91032D79FADD}"/>
-              </a:ext>
-            </a:extLst>
-          </p:cNvPr>
-          <p:cNvSpPr txBox="1"/>
-          <p:nvPr/>
-        </p:nvSpPr>
-        <p:spPr>
-          <a:xfrm>
-            <a:off x="942387" y="5033781"/>
-            <a:ext cx="10237694" cy="369332"/>
-          </a:xfrm>
-          <a:prstGeom prst="rect">
-            <a:avLst/>
-          </a:prstGeom>
-          <a:noFill/>
-        </p:spPr>
-        <p:txBody>
-          <a:bodyPr wrap="square" rtlCol="0">
-            <a:spAutoFit/>
-          </a:bodyPr>
-          <a:lstStyle/>
-          <a:p>
-            <a:r>
-              <a:rPr lang="ko-KR" altLang="en-US" dirty="0">
-                <a:latin typeface="나눔스퀘어 Bold" panose="020B0600000101010101" pitchFamily="50" charset="-127"/>
-                <a:ea typeface="나눔스퀘어 Bold" panose="020B0600000101010101" pitchFamily="50" charset="-127"/>
-              </a:rPr>
-              <a:t>해시</a:t>
-            </a:r>
-            <a:r>
-              <a:rPr lang="en-US" altLang="ko-KR" dirty="0">
-                <a:latin typeface="나눔스퀘어 Bold" panose="020B0600000101010101" pitchFamily="50" charset="-127"/>
-                <a:ea typeface="나눔스퀘어 Bold" panose="020B0600000101010101" pitchFamily="50" charset="-127"/>
-              </a:rPr>
-              <a:t>, </a:t>
-            </a:r>
-            <a:r>
-              <a:rPr lang="ko-KR" altLang="en-US" dirty="0">
-                <a:latin typeface="나눔스퀘어 Bold" panose="020B0600000101010101" pitchFamily="50" charset="-127"/>
-                <a:ea typeface="나눔스퀘어 Bold" panose="020B0600000101010101" pitchFamily="50" charset="-127"/>
-              </a:rPr>
-              <a:t>해시 맵</a:t>
-            </a:r>
-            <a:r>
-              <a:rPr lang="en-US" altLang="ko-KR" dirty="0">
-                <a:latin typeface="나눔스퀘어 Bold" panose="020B0600000101010101" pitchFamily="50" charset="-127"/>
-                <a:ea typeface="나눔스퀘어 Bold" panose="020B0600000101010101" pitchFamily="50" charset="-127"/>
-              </a:rPr>
-              <a:t>/</a:t>
-            </a:r>
-            <a:r>
-              <a:rPr lang="ko-KR" altLang="en-US" dirty="0">
-                <a:latin typeface="나눔스퀘어 Bold" panose="020B0600000101010101" pitchFamily="50" charset="-127"/>
-                <a:ea typeface="나눔스퀘어 Bold" panose="020B0600000101010101" pitchFamily="50" charset="-127"/>
-              </a:rPr>
-              <a:t>테이블 의 개념을 학습하면 좋을 것 같습니다</a:t>
-            </a:r>
-            <a:r>
-              <a:rPr lang="en-US" altLang="ko-KR" dirty="0">
-                <a:latin typeface="나눔스퀘어 Bold" panose="020B0600000101010101" pitchFamily="50" charset="-127"/>
-                <a:ea typeface="나눔스퀘어 Bold" panose="020B0600000101010101" pitchFamily="50" charset="-127"/>
-              </a:rPr>
-              <a:t>.</a:t>
-            </a:r>
-            <a:endParaRPr lang="ko-KR" altLang="en-US" dirty="0">
-              <a:latin typeface="나눔스퀘어 Bold" panose="020B0600000101010101" pitchFamily="50" charset="-127"/>
-              <a:ea typeface="나눔스퀘어 Bold" panose="020B0600000101010101" pitchFamily="50" charset="-127"/>
-            </a:endParaRPr>
-          </a:p>
-        </p:txBody>
-      </p:sp>
-      <p:sp>
-        <p:nvSpPr>
-          <p:cNvPr id="13" name="TextBox 12">
-            <a:extLst>
-              <a:ext uri="{FF2B5EF4-FFF2-40B4-BE49-F238E27FC236}">
-                <a16:creationId xmlns:a16="http://schemas.microsoft.com/office/drawing/2014/main" id="{ADE67B37-472D-41D3-D2AA-141A208BD34D}"/>
-              </a:ext>
-            </a:extLst>
-          </p:cNvPr>
-          <p:cNvSpPr txBox="1"/>
-          <p:nvPr/>
-        </p:nvSpPr>
-        <p:spPr>
-          <a:xfrm>
-            <a:off x="942387" y="3138427"/>
-            <a:ext cx="10237694" cy="369332"/>
-          </a:xfrm>
-          <a:prstGeom prst="rect">
-            <a:avLst/>
-          </a:prstGeom>
-          <a:noFill/>
-        </p:spPr>
-        <p:txBody>
-          <a:bodyPr wrap="square" rtlCol="0">
-            <a:spAutoFit/>
-          </a:bodyPr>
-          <a:lstStyle/>
-          <a:p>
-            <a:r>
-              <a:rPr lang="en-US" altLang="ko-KR" dirty="0">
-                <a:latin typeface="나눔스퀘어 Light" panose="020B0600000101010101" pitchFamily="50" charset="-127"/>
-                <a:ea typeface="나눔스퀘어 Light" panose="020B0600000101010101" pitchFamily="50" charset="-127"/>
-              </a:rPr>
-              <a:t>5. 21924 </a:t>
-            </a:r>
-            <a:r>
-              <a:rPr lang="ko-KR" altLang="en-US" dirty="0">
-                <a:latin typeface="나눔스퀘어 Light" panose="020B0600000101010101" pitchFamily="50" charset="-127"/>
-                <a:ea typeface="나눔스퀘어 Light" panose="020B0600000101010101" pitchFamily="50" charset="-127"/>
-              </a:rPr>
-              <a:t>도시 건설</a:t>
+              <a:t>수 찾기</a:t>
             </a:r>
           </a:p>
         </p:txBody>
       </p:sp>
       <p:pic>
         <p:nvPicPr>
-          <p:cNvPr id="14" name="그림 13">
-            <a:extLst>
-              <a:ext uri="{FF2B5EF4-FFF2-40B4-BE49-F238E27FC236}">
-                <a16:creationId xmlns:a16="http://schemas.microsoft.com/office/drawing/2014/main" id="{6E38E605-4B33-B720-1CBB-0E1DC23CA71A}"/>
+          <p:cNvPr id="3" name="그림 2">
+            <a:extLst>
+              <a:ext uri="{FF2B5EF4-FFF2-40B4-BE49-F238E27FC236}">
+                <a16:creationId xmlns:a16="http://schemas.microsoft.com/office/drawing/2014/main" id="{5A2DB260-239E-955D-93F8-374D90206D9E}"/>
               </a:ext>
             </a:extLst>
           </p:cNvPr>
@@ -6105,20 +5658,293 @@
         </p:blipFill>
         <p:spPr>
           <a:xfrm>
-            <a:off x="2511730" y="1700071"/>
-            <a:ext cx="238158" cy="285790"/>
+            <a:off x="331694" y="954164"/>
+            <a:ext cx="11758200" cy="5903836"/>
           </a:xfrm>
           <a:prstGeom prst="rect">
             <a:avLst/>
           </a:prstGeom>
         </p:spPr>
       </p:pic>
+    </p:spTree>
+    <p:extLst>
+      <p:ext uri="{BB962C8B-B14F-4D97-AF65-F5344CB8AC3E}">
+        <p14:creationId xmlns:p14="http://schemas.microsoft.com/office/powerpoint/2010/main" val="3678475851"/>
+      </p:ext>
+    </p:extLst>
+  </p:cSld>
+  <p:clrMapOvr>
+    <a:masterClrMapping/>
+  </p:clrMapOvr>
+</p:sld>
+</file>
+
+<file path=ppt/slides/slide16.xml><?xml version="1.0" encoding="utf-8"?>
+<p:sld xmlns:a="http://schemas.openxmlformats.org/drawingml/2006/main" xmlns:r="http://schemas.openxmlformats.org/officeDocument/2006/relationships" xmlns:p="http://schemas.openxmlformats.org/presentationml/2006/main">
+  <p:cSld>
+    <p:spTree>
+      <p:nvGrpSpPr>
+        <p:cNvPr id="1" name=""/>
+        <p:cNvGrpSpPr/>
+        <p:nvPr/>
+      </p:nvGrpSpPr>
+      <p:grpSpPr>
+        <a:xfrm>
+          <a:off x="0" y="0"/>
+          <a:ext cx="0" cy="0"/>
+          <a:chOff x="0" y="0"/>
+          <a:chExt cx="0" cy="0"/>
+        </a:xfrm>
+      </p:grpSpPr>
+      <p:cxnSp>
+        <p:nvCxnSpPr>
+          <p:cNvPr id="5" name="직선 연결선 4">
+            <a:extLst>
+              <a:ext uri="{FF2B5EF4-FFF2-40B4-BE49-F238E27FC236}">
+                <a16:creationId xmlns:a16="http://schemas.microsoft.com/office/drawing/2014/main" id="{164C2827-EFCE-69A4-D037-1A218415F568}"/>
+              </a:ext>
+            </a:extLst>
+          </p:cNvPr>
+          <p:cNvCxnSpPr/>
+          <p:nvPr/>
+        </p:nvCxnSpPr>
+        <p:spPr>
+          <a:xfrm>
+            <a:off x="0" y="887505"/>
+            <a:ext cx="10237694" cy="0"/>
+          </a:xfrm>
+          <a:prstGeom prst="line">
+            <a:avLst/>
+          </a:prstGeom>
+          <a:ln w="76200">
+            <a:solidFill>
+              <a:schemeClr val="tx1">
+                <a:lumMod val="75000"/>
+                <a:lumOff val="25000"/>
+              </a:schemeClr>
+            </a:solidFill>
+          </a:ln>
+        </p:spPr>
+        <p:style>
+          <a:lnRef idx="1">
+            <a:schemeClr val="accent1"/>
+          </a:lnRef>
+          <a:fillRef idx="0">
+            <a:schemeClr val="accent1"/>
+          </a:fillRef>
+          <a:effectRef idx="0">
+            <a:schemeClr val="accent1"/>
+          </a:effectRef>
+          <a:fontRef idx="minor">
+            <a:schemeClr val="tx1"/>
+          </a:fontRef>
+        </p:style>
+      </p:cxnSp>
+      <p:sp>
+        <p:nvSpPr>
+          <p:cNvPr id="8" name="TextBox 7">
+            <a:extLst>
+              <a:ext uri="{FF2B5EF4-FFF2-40B4-BE49-F238E27FC236}">
+                <a16:creationId xmlns:a16="http://schemas.microsoft.com/office/drawing/2014/main" id="{C1B467EB-524B-46DA-BB98-9E2C915734A1}"/>
+              </a:ext>
+            </a:extLst>
+          </p:cNvPr>
+          <p:cNvSpPr txBox="1"/>
+          <p:nvPr/>
+        </p:nvSpPr>
+        <p:spPr>
+          <a:xfrm>
+            <a:off x="331694" y="177505"/>
+            <a:ext cx="5105885" cy="523220"/>
+          </a:xfrm>
+          <a:prstGeom prst="rect">
+            <a:avLst/>
+          </a:prstGeom>
+          <a:noFill/>
+        </p:spPr>
+        <p:txBody>
+          <a:bodyPr wrap="none" rtlCol="0">
+            <a:spAutoFit/>
+          </a:bodyPr>
+          <a:lstStyle/>
+          <a:p>
+            <a:r>
+              <a:rPr lang="en-US" altLang="ko-KR" sz="2800" dirty="0">
+                <a:latin typeface="나눔스퀘어 Bold" panose="020B0600000101010101" pitchFamily="50" charset="-127"/>
+                <a:ea typeface="나눔스퀘어 Bold" panose="020B0600000101010101" pitchFamily="50" charset="-127"/>
+              </a:rPr>
+              <a:t>Hash Set / Map – 1920 </a:t>
+            </a:r>
+            <a:r>
+              <a:rPr lang="ko-KR" altLang="en-US" sz="2800" dirty="0">
+                <a:latin typeface="나눔스퀘어 Bold" panose="020B0600000101010101" pitchFamily="50" charset="-127"/>
+                <a:ea typeface="나눔스퀘어 Bold" panose="020B0600000101010101" pitchFamily="50" charset="-127"/>
+              </a:rPr>
+              <a:t>수 찾기</a:t>
+            </a:r>
+          </a:p>
+        </p:txBody>
+      </p:sp>
+      <p:sp>
+        <p:nvSpPr>
+          <p:cNvPr id="2" name="TextBox 1">
+            <a:extLst>
+              <a:ext uri="{FF2B5EF4-FFF2-40B4-BE49-F238E27FC236}">
+                <a16:creationId xmlns:a16="http://schemas.microsoft.com/office/drawing/2014/main" id="{6CA5317A-6044-8703-E1D7-CF208EB710C6}"/>
+              </a:ext>
+            </a:extLst>
+          </p:cNvPr>
+          <p:cNvSpPr txBox="1"/>
+          <p:nvPr/>
+        </p:nvSpPr>
+        <p:spPr>
+          <a:xfrm>
+            <a:off x="942387" y="1352030"/>
+            <a:ext cx="10237694" cy="369332"/>
+          </a:xfrm>
+          <a:prstGeom prst="rect">
+            <a:avLst/>
+          </a:prstGeom>
+          <a:noFill/>
+        </p:spPr>
+        <p:txBody>
+          <a:bodyPr wrap="square" rtlCol="0">
+            <a:spAutoFit/>
+          </a:bodyPr>
+          <a:lstStyle/>
+          <a:p>
+            <a:r>
+              <a:rPr lang="ko-KR" altLang="en-US" dirty="0">
+                <a:latin typeface="나눔스퀘어 Light" panose="020B0600000101010101" pitchFamily="50" charset="-127"/>
+                <a:ea typeface="나눔스퀘어 Light" panose="020B0600000101010101" pitchFamily="50" charset="-127"/>
+              </a:rPr>
+              <a:t>혹시 문제가 </a:t>
+            </a:r>
+            <a:r>
+              <a:rPr lang="ko-KR" altLang="en-US" dirty="0" err="1">
+                <a:latin typeface="나눔스퀘어 Light" panose="020B0600000101010101" pitchFamily="50" charset="-127"/>
+                <a:ea typeface="나눔스퀘어 Light" panose="020B0600000101010101" pitchFamily="50" charset="-127"/>
+              </a:rPr>
+              <a:t>익숙하신가요</a:t>
+            </a:r>
+            <a:r>
+              <a:rPr lang="en-US" altLang="ko-KR" dirty="0">
+                <a:latin typeface="나눔스퀘어 Light" panose="020B0600000101010101" pitchFamily="50" charset="-127"/>
+                <a:ea typeface="나눔스퀘어 Light" panose="020B0600000101010101" pitchFamily="50" charset="-127"/>
+              </a:rPr>
+              <a:t>? </a:t>
+            </a:r>
+            <a:r>
+              <a:rPr lang="ko-KR" altLang="en-US" dirty="0">
+                <a:latin typeface="나눔스퀘어 Light" panose="020B0600000101010101" pitchFamily="50" charset="-127"/>
+                <a:ea typeface="나눔스퀘어 Light" panose="020B0600000101010101" pitchFamily="50" charset="-127"/>
+              </a:rPr>
+              <a:t>예전에 </a:t>
+            </a:r>
+            <a:r>
+              <a:rPr lang="en-US" altLang="ko-KR" dirty="0">
+                <a:latin typeface="나눔스퀘어 Light" panose="020B0600000101010101" pitchFamily="50" charset="-127"/>
+                <a:ea typeface="나눔스퀘어 Light" panose="020B0600000101010101" pitchFamily="50" charset="-127"/>
+              </a:rPr>
+              <a:t>4_ Sorting, Binary Search </a:t>
+            </a:r>
+            <a:r>
+              <a:rPr lang="ko-KR" altLang="en-US" dirty="0">
+                <a:latin typeface="나눔스퀘어 Light" panose="020B0600000101010101" pitchFamily="50" charset="-127"/>
+                <a:ea typeface="나눔스퀘어 Light" panose="020B0600000101010101" pitchFamily="50" charset="-127"/>
+              </a:rPr>
+              <a:t>파트에서 나왔던 문제입니다</a:t>
+            </a:r>
+            <a:r>
+              <a:rPr lang="en-US" altLang="ko-KR" dirty="0">
+                <a:latin typeface="나눔스퀘어 Light" panose="020B0600000101010101" pitchFamily="50" charset="-127"/>
+                <a:ea typeface="나눔스퀘어 Light" panose="020B0600000101010101" pitchFamily="50" charset="-127"/>
+              </a:rPr>
+              <a:t>.</a:t>
+            </a:r>
+            <a:endParaRPr lang="ko-KR" altLang="en-US" dirty="0">
+              <a:latin typeface="나눔스퀘어 Light" panose="020B0600000101010101" pitchFamily="50" charset="-127"/>
+              <a:ea typeface="나눔스퀘어 Light" panose="020B0600000101010101" pitchFamily="50" charset="-127"/>
+            </a:endParaRPr>
+          </a:p>
+        </p:txBody>
+      </p:sp>
+      <p:sp>
+        <p:nvSpPr>
+          <p:cNvPr id="4" name="TextBox 3">
+            <a:extLst>
+              <a:ext uri="{FF2B5EF4-FFF2-40B4-BE49-F238E27FC236}">
+                <a16:creationId xmlns:a16="http://schemas.microsoft.com/office/drawing/2014/main" id="{C7634B32-F149-9BFC-745A-ABD6527A5178}"/>
+              </a:ext>
+            </a:extLst>
+          </p:cNvPr>
+          <p:cNvSpPr txBox="1"/>
+          <p:nvPr/>
+        </p:nvSpPr>
+        <p:spPr>
+          <a:xfrm>
+            <a:off x="942387" y="1721362"/>
+            <a:ext cx="10237694" cy="369332"/>
+          </a:xfrm>
+          <a:prstGeom prst="rect">
+            <a:avLst/>
+          </a:prstGeom>
+          <a:noFill/>
+        </p:spPr>
+        <p:txBody>
+          <a:bodyPr wrap="square" rtlCol="0">
+            <a:spAutoFit/>
+          </a:bodyPr>
+          <a:lstStyle/>
+          <a:p>
+            <a:r>
+              <a:rPr lang="en-US" altLang="ko-KR" dirty="0">
+                <a:latin typeface="나눔스퀘어 Light" panose="020B0600000101010101" pitchFamily="50" charset="-127"/>
+                <a:ea typeface="나눔스퀘어 Light" panose="020B0600000101010101" pitchFamily="50" charset="-127"/>
+              </a:rPr>
+              <a:t>					(</a:t>
+            </a:r>
+            <a:r>
+              <a:rPr lang="ko-KR" altLang="en-US" dirty="0">
+                <a:latin typeface="나눔스퀘어 Light" panose="020B0600000101010101" pitchFamily="50" charset="-127"/>
+                <a:ea typeface="나눔스퀘어 Light" panose="020B0600000101010101" pitchFamily="50" charset="-127"/>
+              </a:rPr>
+              <a:t>이 문제의 정해는 정렬</a:t>
+            </a:r>
+            <a:r>
+              <a:rPr lang="en-US" altLang="ko-KR" dirty="0">
+                <a:latin typeface="나눔스퀘어 Light" panose="020B0600000101010101" pitchFamily="50" charset="-127"/>
+                <a:ea typeface="나눔스퀘어 Light" panose="020B0600000101010101" pitchFamily="50" charset="-127"/>
+              </a:rPr>
+              <a:t>, </a:t>
+            </a:r>
+            <a:r>
+              <a:rPr lang="ko-KR" altLang="en-US" dirty="0">
+                <a:latin typeface="나눔스퀘어 Light" panose="020B0600000101010101" pitchFamily="50" charset="-127"/>
+                <a:ea typeface="나눔스퀘어 Light" panose="020B0600000101010101" pitchFamily="50" charset="-127"/>
+              </a:rPr>
+              <a:t>이진 탐색 입니다</a:t>
+            </a:r>
+            <a:r>
+              <a:rPr lang="en-US" altLang="ko-KR" dirty="0">
+                <a:latin typeface="나눔스퀘어 Light" panose="020B0600000101010101" pitchFamily="50" charset="-127"/>
+                <a:ea typeface="나눔스퀘어 Light" panose="020B0600000101010101" pitchFamily="50" charset="-127"/>
+              </a:rPr>
+              <a:t>.)</a:t>
+            </a:r>
+            <a:endParaRPr lang="ko-KR" altLang="en-US" dirty="0">
+              <a:latin typeface="나눔스퀘어 Light" panose="020B0600000101010101" pitchFamily="50" charset="-127"/>
+              <a:ea typeface="나눔스퀘어 Light" panose="020B0600000101010101" pitchFamily="50" charset="-127"/>
+            </a:endParaRPr>
+          </a:p>
+        </p:txBody>
+      </p:sp>
       <p:pic>
         <p:nvPicPr>
-          <p:cNvPr id="17" name="그림 16">
-            <a:extLst>
-              <a:ext uri="{FF2B5EF4-FFF2-40B4-BE49-F238E27FC236}">
-                <a16:creationId xmlns:a16="http://schemas.microsoft.com/office/drawing/2014/main" id="{19C2A1EB-1A48-0DD9-6D16-4DA74E2C48E1}"/>
+          <p:cNvPr id="6" name="그림 5">
+            <a:extLst>
+              <a:ext uri="{FF2B5EF4-FFF2-40B4-BE49-F238E27FC236}">
+                <a16:creationId xmlns:a16="http://schemas.microsoft.com/office/drawing/2014/main" id="{FD6C4C9A-441E-C7DD-367E-63DDA01029AE}"/>
               </a:ext>
             </a:extLst>
           </p:cNvPr>
@@ -6135,8 +5961,8 @@
         </p:blipFill>
         <p:spPr>
           <a:xfrm>
-            <a:off x="2651152" y="2421844"/>
-            <a:ext cx="238158" cy="285790"/>
+            <a:off x="942387" y="2460026"/>
+            <a:ext cx="7851550" cy="2112112"/>
           </a:xfrm>
           <a:prstGeom prst="rect">
             <a:avLst/>
@@ -6145,10 +5971,10 @@
       </p:pic>
       <p:sp>
         <p:nvSpPr>
-          <p:cNvPr id="19" name="TextBox 18">
-            <a:extLst>
-              <a:ext uri="{FF2B5EF4-FFF2-40B4-BE49-F238E27FC236}">
-                <a16:creationId xmlns:a16="http://schemas.microsoft.com/office/drawing/2014/main" id="{54E021EF-EEAD-A03E-5A1E-A3D4535D88A0}"/>
+          <p:cNvPr id="9" name="TextBox 8">
+            <a:extLst>
+              <a:ext uri="{FF2B5EF4-FFF2-40B4-BE49-F238E27FC236}">
+                <a16:creationId xmlns:a16="http://schemas.microsoft.com/office/drawing/2014/main" id="{F1F683A3-1C19-2CB1-5F7C-5FB856FD792D}"/>
               </a:ext>
             </a:extLst>
           </p:cNvPr>
@@ -6157,8 +5983,8 @@
         </p:nvSpPr>
         <p:spPr>
           <a:xfrm>
-            <a:off x="942387" y="2769746"/>
-            <a:ext cx="8553305" cy="369332"/>
+            <a:off x="942387" y="4941470"/>
+            <a:ext cx="10237694" cy="369332"/>
           </a:xfrm>
           <a:prstGeom prst="rect">
             <a:avLst/>
@@ -6172,28 +5998,231 @@
           <a:lstStyle/>
           <a:p>
             <a:r>
+              <a:rPr lang="ko-KR" altLang="en-US" dirty="0">
+                <a:latin typeface="나눔스퀘어 Light" panose="020B0600000101010101" pitchFamily="50" charset="-127"/>
+                <a:ea typeface="나눔스퀘어 Light" panose="020B0600000101010101" pitchFamily="50" charset="-127"/>
+              </a:rPr>
+              <a:t>이진 탐색으로 </a:t>
+            </a:r>
+            <a:r>
+              <a:rPr lang="ko-KR" altLang="en-US" dirty="0" err="1">
+                <a:latin typeface="나눔스퀘어 Light" panose="020B0600000101010101" pitchFamily="50" charset="-127"/>
+                <a:ea typeface="나눔스퀘어 Light" panose="020B0600000101010101" pitchFamily="50" charset="-127"/>
+              </a:rPr>
+              <a:t>푸는게</a:t>
+            </a:r>
+            <a:r>
+              <a:rPr lang="ko-KR" altLang="en-US" dirty="0">
+                <a:latin typeface="나눔스퀘어 Light" panose="020B0600000101010101" pitchFamily="50" charset="-127"/>
+                <a:ea typeface="나눔스퀘어 Light" panose="020B0600000101010101" pitchFamily="50" charset="-127"/>
+              </a:rPr>
+              <a:t> 의도된 문제이긴 하지만</a:t>
+            </a:r>
+            <a:r>
               <a:rPr lang="en-US" altLang="ko-KR" dirty="0">
                 <a:latin typeface="나눔스퀘어 Light" panose="020B0600000101010101" pitchFamily="50" charset="-127"/>
                 <a:ea typeface="나눔스퀘어 Light" panose="020B0600000101010101" pitchFamily="50" charset="-127"/>
               </a:rPr>
-              <a:t>4. 16398 </a:t>
+              <a:t>, </a:t>
             </a:r>
             <a:r>
               <a:rPr lang="ko-KR" altLang="en-US" dirty="0">
                 <a:latin typeface="나눔스퀘어 Light" panose="020B0600000101010101" pitchFamily="50" charset="-127"/>
                 <a:ea typeface="나눔스퀘어 Light" panose="020B0600000101010101" pitchFamily="50" charset="-127"/>
               </a:rPr>
-              <a:t>행성 연결</a:t>
+              <a:t>꼭 이진 탐색으로 풀 수 있는 것은 아닙니다</a:t>
+            </a:r>
+            <a:r>
+              <a:rPr lang="en-US" altLang="ko-KR" dirty="0">
+                <a:latin typeface="나눔스퀘어 Light" panose="020B0600000101010101" pitchFamily="50" charset="-127"/>
+                <a:ea typeface="나눔스퀘어 Light" panose="020B0600000101010101" pitchFamily="50" charset="-127"/>
+              </a:rPr>
+              <a:t>.</a:t>
+            </a:r>
+            <a:endParaRPr lang="ko-KR" altLang="en-US" dirty="0">
+              <a:latin typeface="나눔스퀘어 Light" panose="020B0600000101010101" pitchFamily="50" charset="-127"/>
+              <a:ea typeface="나눔스퀘어 Light" panose="020B0600000101010101" pitchFamily="50" charset="-127"/>
+            </a:endParaRPr>
+          </a:p>
+        </p:txBody>
+      </p:sp>
+    </p:spTree>
+    <p:extLst>
+      <p:ext uri="{BB962C8B-B14F-4D97-AF65-F5344CB8AC3E}">
+        <p14:creationId xmlns:p14="http://schemas.microsoft.com/office/powerpoint/2010/main" val="315852882"/>
+      </p:ext>
+    </p:extLst>
+  </p:cSld>
+  <p:clrMapOvr>
+    <a:masterClrMapping/>
+  </p:clrMapOvr>
+</p:sld>
+</file>
+
+<file path=ppt/slides/slide17.xml><?xml version="1.0" encoding="utf-8"?>
+<p:sld xmlns:a="http://schemas.openxmlformats.org/drawingml/2006/main" xmlns:r="http://schemas.openxmlformats.org/officeDocument/2006/relationships" xmlns:p="http://schemas.openxmlformats.org/presentationml/2006/main">
+  <p:cSld>
+    <p:spTree>
+      <p:nvGrpSpPr>
+        <p:cNvPr id="1" name=""/>
+        <p:cNvGrpSpPr/>
+        <p:nvPr/>
+      </p:nvGrpSpPr>
+      <p:grpSpPr>
+        <a:xfrm>
+          <a:off x="0" y="0"/>
+          <a:ext cx="0" cy="0"/>
+          <a:chOff x="0" y="0"/>
+          <a:chExt cx="0" cy="0"/>
+        </a:xfrm>
+      </p:grpSpPr>
+      <p:cxnSp>
+        <p:nvCxnSpPr>
+          <p:cNvPr id="5" name="직선 연결선 4">
+            <a:extLst>
+              <a:ext uri="{FF2B5EF4-FFF2-40B4-BE49-F238E27FC236}">
+                <a16:creationId xmlns:a16="http://schemas.microsoft.com/office/drawing/2014/main" id="{164C2827-EFCE-69A4-D037-1A218415F568}"/>
+              </a:ext>
+            </a:extLst>
+          </p:cNvPr>
+          <p:cNvCxnSpPr/>
+          <p:nvPr/>
+        </p:nvCxnSpPr>
+        <p:spPr>
+          <a:xfrm>
+            <a:off x="0" y="887505"/>
+            <a:ext cx="10237694" cy="0"/>
+          </a:xfrm>
+          <a:prstGeom prst="line">
+            <a:avLst/>
+          </a:prstGeom>
+          <a:ln w="76200">
+            <a:solidFill>
+              <a:schemeClr val="tx1">
+                <a:lumMod val="75000"/>
+                <a:lumOff val="25000"/>
+              </a:schemeClr>
+            </a:solidFill>
+          </a:ln>
+        </p:spPr>
+        <p:style>
+          <a:lnRef idx="1">
+            <a:schemeClr val="accent1"/>
+          </a:lnRef>
+          <a:fillRef idx="0">
+            <a:schemeClr val="accent1"/>
+          </a:fillRef>
+          <a:effectRef idx="0">
+            <a:schemeClr val="accent1"/>
+          </a:effectRef>
+          <a:fontRef idx="minor">
+            <a:schemeClr val="tx1"/>
+          </a:fontRef>
+        </p:style>
+      </p:cxnSp>
+      <p:sp>
+        <p:nvSpPr>
+          <p:cNvPr id="8" name="TextBox 7">
+            <a:extLst>
+              <a:ext uri="{FF2B5EF4-FFF2-40B4-BE49-F238E27FC236}">
+                <a16:creationId xmlns:a16="http://schemas.microsoft.com/office/drawing/2014/main" id="{C1B467EB-524B-46DA-BB98-9E2C915734A1}"/>
+              </a:ext>
+            </a:extLst>
+          </p:cNvPr>
+          <p:cNvSpPr txBox="1"/>
+          <p:nvPr/>
+        </p:nvSpPr>
+        <p:spPr>
+          <a:xfrm>
+            <a:off x="331694" y="177505"/>
+            <a:ext cx="5105885" cy="523220"/>
+          </a:xfrm>
+          <a:prstGeom prst="rect">
+            <a:avLst/>
+          </a:prstGeom>
+          <a:noFill/>
+        </p:spPr>
+        <p:txBody>
+          <a:bodyPr wrap="none" rtlCol="0">
+            <a:spAutoFit/>
+          </a:bodyPr>
+          <a:lstStyle/>
+          <a:p>
+            <a:r>
+              <a:rPr lang="en-US" altLang="ko-KR" sz="2800" dirty="0">
+                <a:latin typeface="나눔스퀘어 Bold" panose="020B0600000101010101" pitchFamily="50" charset="-127"/>
+                <a:ea typeface="나눔스퀘어 Bold" panose="020B0600000101010101" pitchFamily="50" charset="-127"/>
+              </a:rPr>
+              <a:t>Hash Set / Map – 1920 </a:t>
+            </a:r>
+            <a:r>
+              <a:rPr lang="ko-KR" altLang="en-US" sz="2800" dirty="0">
+                <a:latin typeface="나눔스퀘어 Bold" panose="020B0600000101010101" pitchFamily="50" charset="-127"/>
+                <a:ea typeface="나눔스퀘어 Bold" panose="020B0600000101010101" pitchFamily="50" charset="-127"/>
+              </a:rPr>
+              <a:t>수 찾기</a:t>
+            </a:r>
+          </a:p>
+        </p:txBody>
+      </p:sp>
+      <p:sp>
+        <p:nvSpPr>
+          <p:cNvPr id="2" name="TextBox 1">
+            <a:extLst>
+              <a:ext uri="{FF2B5EF4-FFF2-40B4-BE49-F238E27FC236}">
+                <a16:creationId xmlns:a16="http://schemas.microsoft.com/office/drawing/2014/main" id="{6CA5317A-6044-8703-E1D7-CF208EB710C6}"/>
+              </a:ext>
+            </a:extLst>
+          </p:cNvPr>
+          <p:cNvSpPr txBox="1"/>
+          <p:nvPr/>
+        </p:nvSpPr>
+        <p:spPr>
+          <a:xfrm>
+            <a:off x="942387" y="1352030"/>
+            <a:ext cx="10237694" cy="369332"/>
+          </a:xfrm>
+          <a:prstGeom prst="rect">
+            <a:avLst/>
+          </a:prstGeom>
+          <a:noFill/>
+        </p:spPr>
+        <p:txBody>
+          <a:bodyPr wrap="square" rtlCol="0">
+            <a:spAutoFit/>
+          </a:bodyPr>
+          <a:lstStyle/>
+          <a:p>
+            <a:r>
+              <a:rPr lang="ko-KR" altLang="en-US" dirty="0">
+                <a:latin typeface="나눔스퀘어 Light" panose="020B0600000101010101" pitchFamily="50" charset="-127"/>
+                <a:ea typeface="나눔스퀘어 Light" panose="020B0600000101010101" pitchFamily="50" charset="-127"/>
+              </a:rPr>
+              <a:t>해시 </a:t>
+            </a:r>
+            <a:r>
+              <a:rPr lang="ko-KR" altLang="en-US" dirty="0" err="1">
+                <a:latin typeface="나눔스퀘어 Light" panose="020B0600000101010101" pitchFamily="50" charset="-127"/>
+                <a:ea typeface="나눔스퀘어 Light" panose="020B0600000101010101" pitchFamily="50" charset="-127"/>
+              </a:rPr>
+              <a:t>맵을</a:t>
+            </a:r>
+            <a:r>
+              <a:rPr lang="ko-KR" altLang="en-US" dirty="0">
+                <a:latin typeface="나눔스퀘어 Light" panose="020B0600000101010101" pitchFamily="50" charset="-127"/>
+                <a:ea typeface="나눔스퀘어 Light" panose="020B0600000101010101" pitchFamily="50" charset="-127"/>
+              </a:rPr>
+              <a:t> 사용해서 문제를 풀 수도 있음</a:t>
             </a:r>
           </a:p>
         </p:txBody>
       </p:sp>
       <p:pic>
         <p:nvPicPr>
-          <p:cNvPr id="20" name="그림 19">
-            <a:extLst>
-              <a:ext uri="{FF2B5EF4-FFF2-40B4-BE49-F238E27FC236}">
-                <a16:creationId xmlns:a16="http://schemas.microsoft.com/office/drawing/2014/main" id="{2946A7BA-67CE-3E98-219B-2654B971D9E4}"/>
+          <p:cNvPr id="7" name="그림 6">
+            <a:extLst>
+              <a:ext uri="{FF2B5EF4-FFF2-40B4-BE49-F238E27FC236}">
+                <a16:creationId xmlns:a16="http://schemas.microsoft.com/office/drawing/2014/main" id="{02223CA3-F7A3-0989-01E7-3C9B026F3821}"/>
               </a:ext>
             </a:extLst>
           </p:cNvPr>
@@ -6210,20 +6239,139 @@
         </p:blipFill>
         <p:spPr>
           <a:xfrm>
-            <a:off x="2919124" y="2785965"/>
-            <a:ext cx="238158" cy="285790"/>
+            <a:off x="942387" y="1721362"/>
+            <a:ext cx="7098677" cy="4630274"/>
           </a:xfrm>
           <a:prstGeom prst="rect">
             <a:avLst/>
           </a:prstGeom>
         </p:spPr>
       </p:pic>
+    </p:spTree>
+    <p:extLst>
+      <p:ext uri="{BB962C8B-B14F-4D97-AF65-F5344CB8AC3E}">
+        <p14:creationId xmlns:p14="http://schemas.microsoft.com/office/powerpoint/2010/main" val="3524586168"/>
+      </p:ext>
+    </p:extLst>
+  </p:cSld>
+  <p:clrMapOvr>
+    <a:masterClrMapping/>
+  </p:clrMapOvr>
+</p:sld>
+</file>
+
+<file path=ppt/slides/slide18.xml><?xml version="1.0" encoding="utf-8"?>
+<p:sld xmlns:a="http://schemas.openxmlformats.org/drawingml/2006/main" xmlns:r="http://schemas.openxmlformats.org/officeDocument/2006/relationships" xmlns:p="http://schemas.openxmlformats.org/presentationml/2006/main">
+  <p:cSld>
+    <p:spTree>
+      <p:nvGrpSpPr>
+        <p:cNvPr id="1" name=""/>
+        <p:cNvGrpSpPr/>
+        <p:nvPr/>
+      </p:nvGrpSpPr>
+      <p:grpSpPr>
+        <a:xfrm>
+          <a:off x="0" y="0"/>
+          <a:ext cx="0" cy="0"/>
+          <a:chOff x="0" y="0"/>
+          <a:chExt cx="0" cy="0"/>
+        </a:xfrm>
+      </p:grpSpPr>
+      <p:cxnSp>
+        <p:nvCxnSpPr>
+          <p:cNvPr id="5" name="직선 연결선 4">
+            <a:extLst>
+              <a:ext uri="{FF2B5EF4-FFF2-40B4-BE49-F238E27FC236}">
+                <a16:creationId xmlns:a16="http://schemas.microsoft.com/office/drawing/2014/main" id="{164C2827-EFCE-69A4-D037-1A218415F568}"/>
+              </a:ext>
+            </a:extLst>
+          </p:cNvPr>
+          <p:cNvCxnSpPr/>
+          <p:nvPr/>
+        </p:nvCxnSpPr>
+        <p:spPr>
+          <a:xfrm>
+            <a:off x="0" y="887505"/>
+            <a:ext cx="10237694" cy="0"/>
+          </a:xfrm>
+          <a:prstGeom prst="line">
+            <a:avLst/>
+          </a:prstGeom>
+          <a:ln w="76200">
+            <a:solidFill>
+              <a:schemeClr val="tx1">
+                <a:lumMod val="75000"/>
+                <a:lumOff val="25000"/>
+              </a:schemeClr>
+            </a:solidFill>
+          </a:ln>
+        </p:spPr>
+        <p:style>
+          <a:lnRef idx="1">
+            <a:schemeClr val="accent1"/>
+          </a:lnRef>
+          <a:fillRef idx="0">
+            <a:schemeClr val="accent1"/>
+          </a:fillRef>
+          <a:effectRef idx="0">
+            <a:schemeClr val="accent1"/>
+          </a:effectRef>
+          <a:fontRef idx="minor">
+            <a:schemeClr val="tx1"/>
+          </a:fontRef>
+        </p:style>
+      </p:cxnSp>
+      <p:sp>
+        <p:nvSpPr>
+          <p:cNvPr id="8" name="TextBox 7">
+            <a:extLst>
+              <a:ext uri="{FF2B5EF4-FFF2-40B4-BE49-F238E27FC236}">
+                <a16:creationId xmlns:a16="http://schemas.microsoft.com/office/drawing/2014/main" id="{C1B467EB-524B-46DA-BB98-9E2C915734A1}"/>
+              </a:ext>
+            </a:extLst>
+          </p:cNvPr>
+          <p:cNvSpPr txBox="1"/>
+          <p:nvPr/>
+        </p:nvSpPr>
+        <p:spPr>
+          <a:xfrm>
+            <a:off x="331694" y="177505"/>
+            <a:ext cx="5105885" cy="523220"/>
+          </a:xfrm>
+          <a:prstGeom prst="rect">
+            <a:avLst/>
+          </a:prstGeom>
+          <a:noFill/>
+        </p:spPr>
+        <p:txBody>
+          <a:bodyPr wrap="none" rtlCol="0">
+            <a:spAutoFit/>
+          </a:bodyPr>
+          <a:lstStyle/>
+          <a:p>
+            <a:r>
+              <a:rPr lang="en-US" altLang="ko-KR" sz="2800" dirty="0">
+                <a:latin typeface="나눔스퀘어 Bold" panose="020B0600000101010101" pitchFamily="50" charset="-127"/>
+                <a:ea typeface="나눔스퀘어 Bold" panose="020B0600000101010101" pitchFamily="50" charset="-127"/>
+              </a:rPr>
+              <a:t>Hash Set / Map – 4358 </a:t>
+            </a:r>
+            <a:r>
+              <a:rPr lang="ko-KR" altLang="en-US" sz="2800" dirty="0">
+                <a:latin typeface="나눔스퀘어 Bold" panose="020B0600000101010101" pitchFamily="50" charset="-127"/>
+                <a:ea typeface="나눔스퀘어 Bold" panose="020B0600000101010101" pitchFamily="50" charset="-127"/>
+              </a:rPr>
+              <a:t>생태학</a:t>
+            </a:r>
+          </a:p>
+        </p:txBody>
+      </p:sp>
       <p:pic>
         <p:nvPicPr>
-          <p:cNvPr id="18" name="그림 17">
-            <a:extLst>
-              <a:ext uri="{FF2B5EF4-FFF2-40B4-BE49-F238E27FC236}">
-                <a16:creationId xmlns:a16="http://schemas.microsoft.com/office/drawing/2014/main" id="{F6E744A1-B3AD-40F1-86C9-B81AA7A9D062}"/>
+          <p:cNvPr id="4" name="그림 3">
+            <a:extLst>
+              <a:ext uri="{FF2B5EF4-FFF2-40B4-BE49-F238E27FC236}">
+                <a16:creationId xmlns:a16="http://schemas.microsoft.com/office/drawing/2014/main" id="{4527FEE8-5D4F-8E4C-015C-B535B2739881}"/>
               </a:ext>
             </a:extLst>
           </p:cNvPr>
@@ -6240,20 +6388,139 @@
         </p:blipFill>
         <p:spPr>
           <a:xfrm>
-            <a:off x="2458150" y="2072861"/>
-            <a:ext cx="238158" cy="285790"/>
+            <a:off x="331694" y="980017"/>
+            <a:ext cx="11860306" cy="3989680"/>
           </a:xfrm>
           <a:prstGeom prst="rect">
             <a:avLst/>
           </a:prstGeom>
         </p:spPr>
       </p:pic>
+    </p:spTree>
+    <p:extLst>
+      <p:ext uri="{BB962C8B-B14F-4D97-AF65-F5344CB8AC3E}">
+        <p14:creationId xmlns:p14="http://schemas.microsoft.com/office/powerpoint/2010/main" val="1011332109"/>
+      </p:ext>
+    </p:extLst>
+  </p:cSld>
+  <p:clrMapOvr>
+    <a:masterClrMapping/>
+  </p:clrMapOvr>
+</p:sld>
+</file>
+
+<file path=ppt/slides/slide19.xml><?xml version="1.0" encoding="utf-8"?>
+<p:sld xmlns:a="http://schemas.openxmlformats.org/drawingml/2006/main" xmlns:r="http://schemas.openxmlformats.org/officeDocument/2006/relationships" xmlns:p="http://schemas.openxmlformats.org/presentationml/2006/main">
+  <p:cSld>
+    <p:spTree>
+      <p:nvGrpSpPr>
+        <p:cNvPr id="1" name=""/>
+        <p:cNvGrpSpPr/>
+        <p:nvPr/>
+      </p:nvGrpSpPr>
+      <p:grpSpPr>
+        <a:xfrm>
+          <a:off x="0" y="0"/>
+          <a:ext cx="0" cy="0"/>
+          <a:chOff x="0" y="0"/>
+          <a:chExt cx="0" cy="0"/>
+        </a:xfrm>
+      </p:grpSpPr>
+      <p:cxnSp>
+        <p:nvCxnSpPr>
+          <p:cNvPr id="5" name="직선 연결선 4">
+            <a:extLst>
+              <a:ext uri="{FF2B5EF4-FFF2-40B4-BE49-F238E27FC236}">
+                <a16:creationId xmlns:a16="http://schemas.microsoft.com/office/drawing/2014/main" id="{164C2827-EFCE-69A4-D037-1A218415F568}"/>
+              </a:ext>
+            </a:extLst>
+          </p:cNvPr>
+          <p:cNvCxnSpPr/>
+          <p:nvPr/>
+        </p:nvCxnSpPr>
+        <p:spPr>
+          <a:xfrm>
+            <a:off x="0" y="887505"/>
+            <a:ext cx="10237694" cy="0"/>
+          </a:xfrm>
+          <a:prstGeom prst="line">
+            <a:avLst/>
+          </a:prstGeom>
+          <a:ln w="76200">
+            <a:solidFill>
+              <a:schemeClr val="tx1">
+                <a:lumMod val="75000"/>
+                <a:lumOff val="25000"/>
+              </a:schemeClr>
+            </a:solidFill>
+          </a:ln>
+        </p:spPr>
+        <p:style>
+          <a:lnRef idx="1">
+            <a:schemeClr val="accent1"/>
+          </a:lnRef>
+          <a:fillRef idx="0">
+            <a:schemeClr val="accent1"/>
+          </a:fillRef>
+          <a:effectRef idx="0">
+            <a:schemeClr val="accent1"/>
+          </a:effectRef>
+          <a:fontRef idx="minor">
+            <a:schemeClr val="tx1"/>
+          </a:fontRef>
+        </p:style>
+      </p:cxnSp>
+      <p:sp>
+        <p:nvSpPr>
+          <p:cNvPr id="8" name="TextBox 7">
+            <a:extLst>
+              <a:ext uri="{FF2B5EF4-FFF2-40B4-BE49-F238E27FC236}">
+                <a16:creationId xmlns:a16="http://schemas.microsoft.com/office/drawing/2014/main" id="{C1B467EB-524B-46DA-BB98-9E2C915734A1}"/>
+              </a:ext>
+            </a:extLst>
+          </p:cNvPr>
+          <p:cNvSpPr txBox="1"/>
+          <p:nvPr/>
+        </p:nvSpPr>
+        <p:spPr>
+          <a:xfrm>
+            <a:off x="331694" y="177505"/>
+            <a:ext cx="5105885" cy="523220"/>
+          </a:xfrm>
+          <a:prstGeom prst="rect">
+            <a:avLst/>
+          </a:prstGeom>
+          <a:noFill/>
+        </p:spPr>
+        <p:txBody>
+          <a:bodyPr wrap="none" rtlCol="0">
+            <a:spAutoFit/>
+          </a:bodyPr>
+          <a:lstStyle/>
+          <a:p>
+            <a:r>
+              <a:rPr lang="en-US" altLang="ko-KR" sz="2800" dirty="0">
+                <a:latin typeface="나눔스퀘어 Bold" panose="020B0600000101010101" pitchFamily="50" charset="-127"/>
+                <a:ea typeface="나눔스퀘어 Bold" panose="020B0600000101010101" pitchFamily="50" charset="-127"/>
+              </a:rPr>
+              <a:t>Hash Set / Map – 4358 </a:t>
+            </a:r>
+            <a:r>
+              <a:rPr lang="ko-KR" altLang="en-US" sz="2800" dirty="0">
+                <a:latin typeface="나눔스퀘어 Bold" panose="020B0600000101010101" pitchFamily="50" charset="-127"/>
+                <a:ea typeface="나눔스퀘어 Bold" panose="020B0600000101010101" pitchFamily="50" charset="-127"/>
+              </a:rPr>
+              <a:t>생태학</a:t>
+            </a:r>
+          </a:p>
+        </p:txBody>
+      </p:sp>
       <p:pic>
         <p:nvPicPr>
-          <p:cNvPr id="22" name="그림 21">
-            <a:extLst>
-              <a:ext uri="{FF2B5EF4-FFF2-40B4-BE49-F238E27FC236}">
-                <a16:creationId xmlns:a16="http://schemas.microsoft.com/office/drawing/2014/main" id="{21D3F590-F2CF-4FF0-954C-A977749FFFD2}"/>
+          <p:cNvPr id="10" name="그림 9">
+            <a:extLst>
+              <a:ext uri="{FF2B5EF4-FFF2-40B4-BE49-F238E27FC236}">
+                <a16:creationId xmlns:a16="http://schemas.microsoft.com/office/drawing/2014/main" id="{18767D60-B311-2C43-7616-22C08E1C76E2}"/>
               </a:ext>
             </a:extLst>
           </p:cNvPr>
@@ -6270,8 +6537,98 @@
         </p:blipFill>
         <p:spPr>
           <a:xfrm>
-            <a:off x="2919124" y="3174272"/>
-            <a:ext cx="238158" cy="285790"/>
+            <a:off x="331694" y="1385603"/>
+            <a:ext cx="1476581" cy="4086795"/>
+          </a:xfrm>
+          <a:prstGeom prst="rect">
+            <a:avLst/>
+          </a:prstGeom>
+        </p:spPr>
+      </p:pic>
+      <p:pic>
+        <p:nvPicPr>
+          <p:cNvPr id="12" name="그림 11">
+            <a:extLst>
+              <a:ext uri="{FF2B5EF4-FFF2-40B4-BE49-F238E27FC236}">
+                <a16:creationId xmlns:a16="http://schemas.microsoft.com/office/drawing/2014/main" id="{08FDC541-DC51-9FA9-ED00-C81CC849BFB7}"/>
+              </a:ext>
+            </a:extLst>
+          </p:cNvPr>
+          <p:cNvPicPr>
+            <a:picLocks noChangeAspect="1"/>
+          </p:cNvPicPr>
+          <p:nvPr/>
+        </p:nvPicPr>
+        <p:blipFill>
+          <a:blip r:embed="rId3"/>
+          <a:stretch>
+            <a:fillRect/>
+          </a:stretch>
+        </p:blipFill>
+        <p:spPr>
+          <a:xfrm>
+            <a:off x="2054261" y="1795235"/>
+            <a:ext cx="1352739" cy="3677163"/>
+          </a:xfrm>
+          <a:prstGeom prst="rect">
+            <a:avLst/>
+          </a:prstGeom>
+        </p:spPr>
+      </p:pic>
+      <p:pic>
+        <p:nvPicPr>
+          <p:cNvPr id="16" name="그림 15">
+            <a:extLst>
+              <a:ext uri="{FF2B5EF4-FFF2-40B4-BE49-F238E27FC236}">
+                <a16:creationId xmlns:a16="http://schemas.microsoft.com/office/drawing/2014/main" id="{C1D565E9-2788-96BD-6429-96BFE671E0D6}"/>
+              </a:ext>
+            </a:extLst>
+          </p:cNvPr>
+          <p:cNvPicPr>
+            <a:picLocks noChangeAspect="1"/>
+          </p:cNvPicPr>
+          <p:nvPr/>
+        </p:nvPicPr>
+        <p:blipFill>
+          <a:blip r:embed="rId4"/>
+          <a:stretch>
+            <a:fillRect/>
+          </a:stretch>
+        </p:blipFill>
+        <p:spPr>
+          <a:xfrm>
+            <a:off x="5118847" y="1385603"/>
+            <a:ext cx="2057687" cy="4077269"/>
+          </a:xfrm>
+          <a:prstGeom prst="rect">
+            <a:avLst/>
+          </a:prstGeom>
+        </p:spPr>
+      </p:pic>
+      <p:pic>
+        <p:nvPicPr>
+          <p:cNvPr id="18" name="그림 17">
+            <a:extLst>
+              <a:ext uri="{FF2B5EF4-FFF2-40B4-BE49-F238E27FC236}">
+                <a16:creationId xmlns:a16="http://schemas.microsoft.com/office/drawing/2014/main" id="{E917A2A4-8A7D-BD49-DB4F-B94597CE0AED}"/>
+              </a:ext>
+            </a:extLst>
+          </p:cNvPr>
+          <p:cNvPicPr>
+            <a:picLocks noChangeAspect="1"/>
+          </p:cNvPicPr>
+          <p:nvPr/>
+        </p:nvPicPr>
+        <p:blipFill>
+          <a:blip r:embed="rId5"/>
+          <a:stretch>
+            <a:fillRect/>
+          </a:stretch>
+        </p:blipFill>
+        <p:spPr>
+          <a:xfrm>
+            <a:off x="7447375" y="3271816"/>
+            <a:ext cx="2067213" cy="2200582"/>
           </a:xfrm>
           <a:prstGeom prst="rect">
             <a:avLst/>
@@ -6281,7 +6638,7 @@
     </p:spTree>
     <p:extLst>
       <p:ext uri="{BB962C8B-B14F-4D97-AF65-F5344CB8AC3E}">
-        <p14:creationId xmlns:p14="http://schemas.microsoft.com/office/powerpoint/2010/main" val="732558497"/>
+        <p14:creationId xmlns:p14="http://schemas.microsoft.com/office/powerpoint/2010/main" val="2235147806"/>
       </p:ext>
     </p:extLst>
   </p:cSld>
@@ -8104,6 +8461,4704 @@
     <p:extLst>
       <p:ext uri="{BB962C8B-B14F-4D97-AF65-F5344CB8AC3E}">
         <p14:creationId xmlns:p14="http://schemas.microsoft.com/office/powerpoint/2010/main" val="3851950532"/>
+      </p:ext>
+    </p:extLst>
+  </p:cSld>
+  <p:clrMapOvr>
+    <a:masterClrMapping/>
+  </p:clrMapOvr>
+</p:sld>
+</file>
+
+<file path=ppt/slides/slide20.xml><?xml version="1.0" encoding="utf-8"?>
+<p:sld xmlns:a="http://schemas.openxmlformats.org/drawingml/2006/main" xmlns:r="http://schemas.openxmlformats.org/officeDocument/2006/relationships" xmlns:p="http://schemas.openxmlformats.org/presentationml/2006/main">
+  <p:cSld>
+    <p:spTree>
+      <p:nvGrpSpPr>
+        <p:cNvPr id="1" name=""/>
+        <p:cNvGrpSpPr/>
+        <p:nvPr/>
+      </p:nvGrpSpPr>
+      <p:grpSpPr>
+        <a:xfrm>
+          <a:off x="0" y="0"/>
+          <a:ext cx="0" cy="0"/>
+          <a:chOff x="0" y="0"/>
+          <a:chExt cx="0" cy="0"/>
+        </a:xfrm>
+      </p:grpSpPr>
+      <p:cxnSp>
+        <p:nvCxnSpPr>
+          <p:cNvPr id="5" name="직선 연결선 4">
+            <a:extLst>
+              <a:ext uri="{FF2B5EF4-FFF2-40B4-BE49-F238E27FC236}">
+                <a16:creationId xmlns:a16="http://schemas.microsoft.com/office/drawing/2014/main" id="{164C2827-EFCE-69A4-D037-1A218415F568}"/>
+              </a:ext>
+            </a:extLst>
+          </p:cNvPr>
+          <p:cNvCxnSpPr/>
+          <p:nvPr/>
+        </p:nvCxnSpPr>
+        <p:spPr>
+          <a:xfrm>
+            <a:off x="0" y="887505"/>
+            <a:ext cx="10237694" cy="0"/>
+          </a:xfrm>
+          <a:prstGeom prst="line">
+            <a:avLst/>
+          </a:prstGeom>
+          <a:ln w="76200">
+            <a:solidFill>
+              <a:schemeClr val="tx1">
+                <a:lumMod val="75000"/>
+                <a:lumOff val="25000"/>
+              </a:schemeClr>
+            </a:solidFill>
+          </a:ln>
+        </p:spPr>
+        <p:style>
+          <a:lnRef idx="1">
+            <a:schemeClr val="accent1"/>
+          </a:lnRef>
+          <a:fillRef idx="0">
+            <a:schemeClr val="accent1"/>
+          </a:fillRef>
+          <a:effectRef idx="0">
+            <a:schemeClr val="accent1"/>
+          </a:effectRef>
+          <a:fontRef idx="minor">
+            <a:schemeClr val="tx1"/>
+          </a:fontRef>
+        </p:style>
+      </p:cxnSp>
+      <p:sp>
+        <p:nvSpPr>
+          <p:cNvPr id="8" name="TextBox 7">
+            <a:extLst>
+              <a:ext uri="{FF2B5EF4-FFF2-40B4-BE49-F238E27FC236}">
+                <a16:creationId xmlns:a16="http://schemas.microsoft.com/office/drawing/2014/main" id="{C1B467EB-524B-46DA-BB98-9E2C915734A1}"/>
+              </a:ext>
+            </a:extLst>
+          </p:cNvPr>
+          <p:cNvSpPr txBox="1"/>
+          <p:nvPr/>
+        </p:nvSpPr>
+        <p:spPr>
+          <a:xfrm>
+            <a:off x="331694" y="177505"/>
+            <a:ext cx="5105885" cy="523220"/>
+          </a:xfrm>
+          <a:prstGeom prst="rect">
+            <a:avLst/>
+          </a:prstGeom>
+          <a:noFill/>
+        </p:spPr>
+        <p:txBody>
+          <a:bodyPr wrap="none" rtlCol="0">
+            <a:spAutoFit/>
+          </a:bodyPr>
+          <a:lstStyle/>
+          <a:p>
+            <a:r>
+              <a:rPr lang="en-US" altLang="ko-KR" sz="2800" dirty="0">
+                <a:latin typeface="나눔스퀘어 Bold" panose="020B0600000101010101" pitchFamily="50" charset="-127"/>
+                <a:ea typeface="나눔스퀘어 Bold" panose="020B0600000101010101" pitchFamily="50" charset="-127"/>
+              </a:rPr>
+              <a:t>Hash Set / Map – 4358 </a:t>
+            </a:r>
+            <a:r>
+              <a:rPr lang="ko-KR" altLang="en-US" sz="2800" dirty="0">
+                <a:latin typeface="나눔스퀘어 Bold" panose="020B0600000101010101" pitchFamily="50" charset="-127"/>
+                <a:ea typeface="나눔스퀘어 Bold" panose="020B0600000101010101" pitchFamily="50" charset="-127"/>
+              </a:rPr>
+              <a:t>생태학</a:t>
+            </a:r>
+          </a:p>
+        </p:txBody>
+      </p:sp>
+      <p:sp>
+        <p:nvSpPr>
+          <p:cNvPr id="2" name="TextBox 1">
+            <a:extLst>
+              <a:ext uri="{FF2B5EF4-FFF2-40B4-BE49-F238E27FC236}">
+                <a16:creationId xmlns:a16="http://schemas.microsoft.com/office/drawing/2014/main" id="{4DD83B89-D2CD-ECE1-AD70-508341D9EB3C}"/>
+              </a:ext>
+            </a:extLst>
+          </p:cNvPr>
+          <p:cNvSpPr txBox="1"/>
+          <p:nvPr/>
+        </p:nvSpPr>
+        <p:spPr>
+          <a:xfrm>
+            <a:off x="942387" y="1352030"/>
+            <a:ext cx="10237694" cy="369332"/>
+          </a:xfrm>
+          <a:prstGeom prst="rect">
+            <a:avLst/>
+          </a:prstGeom>
+          <a:noFill/>
+        </p:spPr>
+        <p:txBody>
+          <a:bodyPr wrap="square" rtlCol="0">
+            <a:spAutoFit/>
+          </a:bodyPr>
+          <a:lstStyle/>
+          <a:p>
+            <a:r>
+              <a:rPr lang="ko-KR" altLang="en-US" dirty="0">
+                <a:latin typeface="나눔스퀘어 Light" panose="020B0600000101010101" pitchFamily="50" charset="-127"/>
+                <a:ea typeface="나눔스퀘어 Light" panose="020B0600000101010101" pitchFamily="50" charset="-127"/>
+              </a:rPr>
+              <a:t>특정 나무 종 </a:t>
+            </a:r>
+            <a:r>
+              <a:rPr lang="en-US" altLang="ko-KR" dirty="0">
+                <a:latin typeface="나눔스퀘어 Light" panose="020B0600000101010101" pitchFamily="50" charset="-127"/>
+                <a:ea typeface="나눔스퀘어 Light" panose="020B0600000101010101" pitchFamily="50" charset="-127"/>
+              </a:rPr>
+              <a:t>/ </a:t>
+            </a:r>
+            <a:r>
+              <a:rPr lang="ko-KR" altLang="en-US" dirty="0">
+                <a:latin typeface="나눔스퀘어 Light" panose="020B0600000101010101" pitchFamily="50" charset="-127"/>
+                <a:ea typeface="나눔스퀘어 Light" panose="020B0600000101010101" pitchFamily="50" charset="-127"/>
+              </a:rPr>
+              <a:t>전체 나무 수 의 비율을 구함</a:t>
+            </a:r>
+          </a:p>
+        </p:txBody>
+      </p:sp>
+      <p:pic>
+        <p:nvPicPr>
+          <p:cNvPr id="4" name="그림 3">
+            <a:extLst>
+              <a:ext uri="{FF2B5EF4-FFF2-40B4-BE49-F238E27FC236}">
+                <a16:creationId xmlns:a16="http://schemas.microsoft.com/office/drawing/2014/main" id="{8C35D59C-73C8-217B-16B1-24132E25459A}"/>
+              </a:ext>
+            </a:extLst>
+          </p:cNvPr>
+          <p:cNvPicPr>
+            <a:picLocks noChangeAspect="1"/>
+          </p:cNvPicPr>
+          <p:nvPr/>
+        </p:nvPicPr>
+        <p:blipFill>
+          <a:blip r:embed="rId2"/>
+          <a:stretch>
+            <a:fillRect/>
+          </a:stretch>
+        </p:blipFill>
+        <p:spPr>
+          <a:xfrm>
+            <a:off x="331694" y="1721362"/>
+            <a:ext cx="11508372" cy="4351906"/>
+          </a:xfrm>
+          <a:prstGeom prst="rect">
+            <a:avLst/>
+          </a:prstGeom>
+        </p:spPr>
+      </p:pic>
+    </p:spTree>
+    <p:extLst>
+      <p:ext uri="{BB962C8B-B14F-4D97-AF65-F5344CB8AC3E}">
+        <p14:creationId xmlns:p14="http://schemas.microsoft.com/office/powerpoint/2010/main" val="354888661"/>
+      </p:ext>
+    </p:extLst>
+  </p:cSld>
+  <p:clrMapOvr>
+    <a:masterClrMapping/>
+  </p:clrMapOvr>
+</p:sld>
+</file>
+
+<file path=ppt/slides/slide21.xml><?xml version="1.0" encoding="utf-8"?>
+<p:sld xmlns:a="http://schemas.openxmlformats.org/drawingml/2006/main" xmlns:r="http://schemas.openxmlformats.org/officeDocument/2006/relationships" xmlns:p="http://schemas.openxmlformats.org/presentationml/2006/main">
+  <p:cSld>
+    <p:spTree>
+      <p:nvGrpSpPr>
+        <p:cNvPr id="1" name=""/>
+        <p:cNvGrpSpPr/>
+        <p:nvPr/>
+      </p:nvGrpSpPr>
+      <p:grpSpPr>
+        <a:xfrm>
+          <a:off x="0" y="0"/>
+          <a:ext cx="0" cy="0"/>
+          <a:chOff x="0" y="0"/>
+          <a:chExt cx="0" cy="0"/>
+        </a:xfrm>
+      </p:grpSpPr>
+      <p:cxnSp>
+        <p:nvCxnSpPr>
+          <p:cNvPr id="5" name="직선 연결선 4">
+            <a:extLst>
+              <a:ext uri="{FF2B5EF4-FFF2-40B4-BE49-F238E27FC236}">
+                <a16:creationId xmlns:a16="http://schemas.microsoft.com/office/drawing/2014/main" id="{164C2827-EFCE-69A4-D037-1A218415F568}"/>
+              </a:ext>
+            </a:extLst>
+          </p:cNvPr>
+          <p:cNvCxnSpPr/>
+          <p:nvPr/>
+        </p:nvCxnSpPr>
+        <p:spPr>
+          <a:xfrm>
+            <a:off x="0" y="887505"/>
+            <a:ext cx="10237694" cy="0"/>
+          </a:xfrm>
+          <a:prstGeom prst="line">
+            <a:avLst/>
+          </a:prstGeom>
+          <a:ln w="76200">
+            <a:solidFill>
+              <a:schemeClr val="tx1">
+                <a:lumMod val="75000"/>
+                <a:lumOff val="25000"/>
+              </a:schemeClr>
+            </a:solidFill>
+          </a:ln>
+        </p:spPr>
+        <p:style>
+          <a:lnRef idx="1">
+            <a:schemeClr val="accent1"/>
+          </a:lnRef>
+          <a:fillRef idx="0">
+            <a:schemeClr val="accent1"/>
+          </a:fillRef>
+          <a:effectRef idx="0">
+            <a:schemeClr val="accent1"/>
+          </a:effectRef>
+          <a:fontRef idx="minor">
+            <a:schemeClr val="tx1"/>
+          </a:fontRef>
+        </p:style>
+      </p:cxnSp>
+      <p:sp>
+        <p:nvSpPr>
+          <p:cNvPr id="8" name="TextBox 7">
+            <a:extLst>
+              <a:ext uri="{FF2B5EF4-FFF2-40B4-BE49-F238E27FC236}">
+                <a16:creationId xmlns:a16="http://schemas.microsoft.com/office/drawing/2014/main" id="{C1B467EB-524B-46DA-BB98-9E2C915734A1}"/>
+              </a:ext>
+            </a:extLst>
+          </p:cNvPr>
+          <p:cNvSpPr txBox="1"/>
+          <p:nvPr/>
+        </p:nvSpPr>
+        <p:spPr>
+          <a:xfrm>
+            <a:off x="331694" y="177505"/>
+            <a:ext cx="6086923" cy="523220"/>
+          </a:xfrm>
+          <a:prstGeom prst="rect">
+            <a:avLst/>
+          </a:prstGeom>
+          <a:noFill/>
+        </p:spPr>
+        <p:txBody>
+          <a:bodyPr wrap="none" rtlCol="0">
+            <a:spAutoFit/>
+          </a:bodyPr>
+          <a:lstStyle/>
+          <a:p>
+            <a:r>
+              <a:rPr lang="en-US" altLang="ko-KR" sz="2800" dirty="0">
+                <a:latin typeface="나눔스퀘어 Bold" panose="020B0600000101010101" pitchFamily="50" charset="-127"/>
+                <a:ea typeface="나눔스퀘어 Bold" panose="020B0600000101010101" pitchFamily="50" charset="-127"/>
+              </a:rPr>
+              <a:t>Hash Set / Map – 4195 </a:t>
+            </a:r>
+            <a:r>
+              <a:rPr lang="ko-KR" altLang="en-US" sz="2800" dirty="0">
+                <a:latin typeface="나눔스퀘어 Bold" panose="020B0600000101010101" pitchFamily="50" charset="-127"/>
+                <a:ea typeface="나눔스퀘어 Bold" panose="020B0600000101010101" pitchFamily="50" charset="-127"/>
+              </a:rPr>
+              <a:t>친구 네트워크</a:t>
+            </a:r>
+          </a:p>
+        </p:txBody>
+      </p:sp>
+      <p:pic>
+        <p:nvPicPr>
+          <p:cNvPr id="3" name="그림 2">
+            <a:extLst>
+              <a:ext uri="{FF2B5EF4-FFF2-40B4-BE49-F238E27FC236}">
+                <a16:creationId xmlns:a16="http://schemas.microsoft.com/office/drawing/2014/main" id="{B64BB27F-B65B-AB6C-3C29-5CE654E04673}"/>
+              </a:ext>
+            </a:extLst>
+          </p:cNvPr>
+          <p:cNvPicPr>
+            <a:picLocks noChangeAspect="1"/>
+          </p:cNvPicPr>
+          <p:nvPr/>
+        </p:nvPicPr>
+        <p:blipFill>
+          <a:blip r:embed="rId2"/>
+          <a:stretch>
+            <a:fillRect/>
+          </a:stretch>
+        </p:blipFill>
+        <p:spPr>
+          <a:xfrm>
+            <a:off x="331694" y="1128058"/>
+            <a:ext cx="11860306" cy="4476685"/>
+          </a:xfrm>
+          <a:prstGeom prst="rect">
+            <a:avLst/>
+          </a:prstGeom>
+        </p:spPr>
+      </p:pic>
+      <p:pic>
+        <p:nvPicPr>
+          <p:cNvPr id="7" name="그림 6">
+            <a:extLst>
+              <a:ext uri="{FF2B5EF4-FFF2-40B4-BE49-F238E27FC236}">
+                <a16:creationId xmlns:a16="http://schemas.microsoft.com/office/drawing/2014/main" id="{79A01965-A88F-2D7F-635E-2C0150FC2BCA}"/>
+              </a:ext>
+            </a:extLst>
+          </p:cNvPr>
+          <p:cNvPicPr>
+            <a:picLocks noChangeAspect="1"/>
+          </p:cNvPicPr>
+          <p:nvPr/>
+        </p:nvPicPr>
+        <p:blipFill>
+          <a:blip r:embed="rId3"/>
+          <a:stretch>
+            <a:fillRect/>
+          </a:stretch>
+        </p:blipFill>
+        <p:spPr>
+          <a:xfrm>
+            <a:off x="6290011" y="300983"/>
+            <a:ext cx="257211" cy="276264"/>
+          </a:xfrm>
+          <a:prstGeom prst="rect">
+            <a:avLst/>
+          </a:prstGeom>
+        </p:spPr>
+      </p:pic>
+    </p:spTree>
+    <p:extLst>
+      <p:ext uri="{BB962C8B-B14F-4D97-AF65-F5344CB8AC3E}">
+        <p14:creationId xmlns:p14="http://schemas.microsoft.com/office/powerpoint/2010/main" val="4083212147"/>
+      </p:ext>
+    </p:extLst>
+  </p:cSld>
+  <p:clrMapOvr>
+    <a:masterClrMapping/>
+  </p:clrMapOvr>
+</p:sld>
+</file>
+
+<file path=ppt/slides/slide22.xml><?xml version="1.0" encoding="utf-8"?>
+<p:sld xmlns:a="http://schemas.openxmlformats.org/drawingml/2006/main" xmlns:r="http://schemas.openxmlformats.org/officeDocument/2006/relationships" xmlns:p="http://schemas.openxmlformats.org/presentationml/2006/main">
+  <p:cSld>
+    <p:spTree>
+      <p:nvGrpSpPr>
+        <p:cNvPr id="1" name=""/>
+        <p:cNvGrpSpPr/>
+        <p:nvPr/>
+      </p:nvGrpSpPr>
+      <p:grpSpPr>
+        <a:xfrm>
+          <a:off x="0" y="0"/>
+          <a:ext cx="0" cy="0"/>
+          <a:chOff x="0" y="0"/>
+          <a:chExt cx="0" cy="0"/>
+        </a:xfrm>
+      </p:grpSpPr>
+      <p:cxnSp>
+        <p:nvCxnSpPr>
+          <p:cNvPr id="5" name="직선 연결선 4">
+            <a:extLst>
+              <a:ext uri="{FF2B5EF4-FFF2-40B4-BE49-F238E27FC236}">
+                <a16:creationId xmlns:a16="http://schemas.microsoft.com/office/drawing/2014/main" id="{164C2827-EFCE-69A4-D037-1A218415F568}"/>
+              </a:ext>
+            </a:extLst>
+          </p:cNvPr>
+          <p:cNvCxnSpPr/>
+          <p:nvPr/>
+        </p:nvCxnSpPr>
+        <p:spPr>
+          <a:xfrm>
+            <a:off x="0" y="887505"/>
+            <a:ext cx="10237694" cy="0"/>
+          </a:xfrm>
+          <a:prstGeom prst="line">
+            <a:avLst/>
+          </a:prstGeom>
+          <a:ln w="76200">
+            <a:solidFill>
+              <a:schemeClr val="tx1">
+                <a:lumMod val="75000"/>
+                <a:lumOff val="25000"/>
+              </a:schemeClr>
+            </a:solidFill>
+          </a:ln>
+        </p:spPr>
+        <p:style>
+          <a:lnRef idx="1">
+            <a:schemeClr val="accent1"/>
+          </a:lnRef>
+          <a:fillRef idx="0">
+            <a:schemeClr val="accent1"/>
+          </a:fillRef>
+          <a:effectRef idx="0">
+            <a:schemeClr val="accent1"/>
+          </a:effectRef>
+          <a:fontRef idx="minor">
+            <a:schemeClr val="tx1"/>
+          </a:fontRef>
+        </p:style>
+      </p:cxnSp>
+      <p:sp>
+        <p:nvSpPr>
+          <p:cNvPr id="8" name="TextBox 7">
+            <a:extLst>
+              <a:ext uri="{FF2B5EF4-FFF2-40B4-BE49-F238E27FC236}">
+                <a16:creationId xmlns:a16="http://schemas.microsoft.com/office/drawing/2014/main" id="{C1B467EB-524B-46DA-BB98-9E2C915734A1}"/>
+              </a:ext>
+            </a:extLst>
+          </p:cNvPr>
+          <p:cNvSpPr txBox="1"/>
+          <p:nvPr/>
+        </p:nvSpPr>
+        <p:spPr>
+          <a:xfrm>
+            <a:off x="331694" y="177505"/>
+            <a:ext cx="6086923" cy="523220"/>
+          </a:xfrm>
+          <a:prstGeom prst="rect">
+            <a:avLst/>
+          </a:prstGeom>
+          <a:noFill/>
+        </p:spPr>
+        <p:txBody>
+          <a:bodyPr wrap="none" rtlCol="0">
+            <a:spAutoFit/>
+          </a:bodyPr>
+          <a:lstStyle/>
+          <a:p>
+            <a:r>
+              <a:rPr lang="en-US" altLang="ko-KR" sz="2800" dirty="0">
+                <a:latin typeface="나눔스퀘어 Bold" panose="020B0600000101010101" pitchFamily="50" charset="-127"/>
+                <a:ea typeface="나눔스퀘어 Bold" panose="020B0600000101010101" pitchFamily="50" charset="-127"/>
+              </a:rPr>
+              <a:t>Hash Set / Map – 4195 </a:t>
+            </a:r>
+            <a:r>
+              <a:rPr lang="ko-KR" altLang="en-US" sz="2800" dirty="0">
+                <a:latin typeface="나눔스퀘어 Bold" panose="020B0600000101010101" pitchFamily="50" charset="-127"/>
+                <a:ea typeface="나눔스퀘어 Bold" panose="020B0600000101010101" pitchFamily="50" charset="-127"/>
+              </a:rPr>
+              <a:t>친구 네트워크</a:t>
+            </a:r>
+          </a:p>
+        </p:txBody>
+      </p:sp>
+      <p:pic>
+        <p:nvPicPr>
+          <p:cNvPr id="4" name="그림 3">
+            <a:extLst>
+              <a:ext uri="{FF2B5EF4-FFF2-40B4-BE49-F238E27FC236}">
+                <a16:creationId xmlns:a16="http://schemas.microsoft.com/office/drawing/2014/main" id="{F471157D-9435-47C0-A3F0-025FA7BE44E6}"/>
+              </a:ext>
+            </a:extLst>
+          </p:cNvPr>
+          <p:cNvPicPr>
+            <a:picLocks noChangeAspect="1"/>
+          </p:cNvPicPr>
+          <p:nvPr/>
+        </p:nvPicPr>
+        <p:blipFill>
+          <a:blip r:embed="rId2"/>
+          <a:stretch>
+            <a:fillRect/>
+          </a:stretch>
+        </p:blipFill>
+        <p:spPr>
+          <a:xfrm>
+            <a:off x="331694" y="958921"/>
+            <a:ext cx="1905266" cy="3658111"/>
+          </a:xfrm>
+          <a:prstGeom prst="rect">
+            <a:avLst/>
+          </a:prstGeom>
+        </p:spPr>
+      </p:pic>
+      <p:pic>
+        <p:nvPicPr>
+          <p:cNvPr id="7" name="그림 6">
+            <a:extLst>
+              <a:ext uri="{FF2B5EF4-FFF2-40B4-BE49-F238E27FC236}">
+                <a16:creationId xmlns:a16="http://schemas.microsoft.com/office/drawing/2014/main" id="{D66F3C50-4983-D00F-5012-7865E963C9FD}"/>
+              </a:ext>
+            </a:extLst>
+          </p:cNvPr>
+          <p:cNvPicPr>
+            <a:picLocks noChangeAspect="1"/>
+          </p:cNvPicPr>
+          <p:nvPr/>
+        </p:nvPicPr>
+        <p:blipFill>
+          <a:blip r:embed="rId3"/>
+          <a:stretch>
+            <a:fillRect/>
+          </a:stretch>
+        </p:blipFill>
+        <p:spPr>
+          <a:xfrm>
+            <a:off x="2363256" y="921213"/>
+            <a:ext cx="1752845" cy="2695951"/>
+          </a:xfrm>
+          <a:prstGeom prst="rect">
+            <a:avLst/>
+          </a:prstGeom>
+        </p:spPr>
+      </p:pic>
+      <p:pic>
+        <p:nvPicPr>
+          <p:cNvPr id="9" name="그림 8">
+            <a:extLst>
+              <a:ext uri="{FF2B5EF4-FFF2-40B4-BE49-F238E27FC236}">
+                <a16:creationId xmlns:a16="http://schemas.microsoft.com/office/drawing/2014/main" id="{A63B9E9A-C0F3-29F9-F0A5-FEA565408877}"/>
+              </a:ext>
+            </a:extLst>
+          </p:cNvPr>
+          <p:cNvPicPr>
+            <a:picLocks noChangeAspect="1"/>
+          </p:cNvPicPr>
+          <p:nvPr/>
+        </p:nvPicPr>
+        <p:blipFill>
+          <a:blip r:embed="rId4"/>
+          <a:stretch>
+            <a:fillRect/>
+          </a:stretch>
+        </p:blipFill>
+        <p:spPr>
+          <a:xfrm>
+            <a:off x="6290011" y="300983"/>
+            <a:ext cx="257211" cy="276264"/>
+          </a:xfrm>
+          <a:prstGeom prst="rect">
+            <a:avLst/>
+          </a:prstGeom>
+        </p:spPr>
+      </p:pic>
+      <p:sp>
+        <p:nvSpPr>
+          <p:cNvPr id="10" name="타원 9">
+            <a:extLst>
+              <a:ext uri="{FF2B5EF4-FFF2-40B4-BE49-F238E27FC236}">
+                <a16:creationId xmlns:a16="http://schemas.microsoft.com/office/drawing/2014/main" id="{92B8AA84-FF61-4C65-D4F9-12540809E502}"/>
+              </a:ext>
+            </a:extLst>
+          </p:cNvPr>
+          <p:cNvSpPr/>
+          <p:nvPr/>
+        </p:nvSpPr>
+        <p:spPr>
+          <a:xfrm>
+            <a:off x="4693019" y="1017622"/>
+            <a:ext cx="1440000" cy="1440000"/>
+          </a:xfrm>
+          <a:prstGeom prst="ellipse">
+            <a:avLst/>
+          </a:prstGeom>
+          <a:noFill/>
+          <a:ln w="19050">
+            <a:solidFill>
+              <a:schemeClr val="tx1"/>
+            </a:solidFill>
+          </a:ln>
+        </p:spPr>
+        <p:style>
+          <a:lnRef idx="2">
+            <a:schemeClr val="accent1">
+              <a:shade val="50000"/>
+            </a:schemeClr>
+          </a:lnRef>
+          <a:fillRef idx="1">
+            <a:schemeClr val="accent1"/>
+          </a:fillRef>
+          <a:effectRef idx="0">
+            <a:schemeClr val="accent1"/>
+          </a:effectRef>
+          <a:fontRef idx="minor">
+            <a:schemeClr val="lt1"/>
+          </a:fontRef>
+        </p:style>
+        <p:txBody>
+          <a:bodyPr rtlCol="0" anchor="ctr"/>
+          <a:lstStyle/>
+          <a:p>
+            <a:pPr algn="ctr"/>
+            <a:r>
+              <a:rPr lang="en-US" altLang="ko-KR" sz="1600" dirty="0">
+                <a:solidFill>
+                  <a:schemeClr val="tx1"/>
+                </a:solidFill>
+                <a:latin typeface="나눔스퀘어 Bold" panose="020B0600000101010101" pitchFamily="50" charset="-127"/>
+                <a:ea typeface="나눔스퀘어 Bold" panose="020B0600000101010101" pitchFamily="50" charset="-127"/>
+              </a:rPr>
+              <a:t>Fred</a:t>
+            </a:r>
+            <a:endParaRPr lang="ko-KR" altLang="en-US" sz="1600" dirty="0">
+              <a:solidFill>
+                <a:schemeClr val="tx1"/>
+              </a:solidFill>
+              <a:latin typeface="나눔스퀘어 Bold" panose="020B0600000101010101" pitchFamily="50" charset="-127"/>
+              <a:ea typeface="나눔스퀘어 Bold" panose="020B0600000101010101" pitchFamily="50" charset="-127"/>
+            </a:endParaRPr>
+          </a:p>
+        </p:txBody>
+      </p:sp>
+      <p:sp>
+        <p:nvSpPr>
+          <p:cNvPr id="11" name="타원 10">
+            <a:extLst>
+              <a:ext uri="{FF2B5EF4-FFF2-40B4-BE49-F238E27FC236}">
+                <a16:creationId xmlns:a16="http://schemas.microsoft.com/office/drawing/2014/main" id="{A25D5BC1-650C-4E50-FD03-33AA4BB7787A}"/>
+              </a:ext>
+            </a:extLst>
+          </p:cNvPr>
+          <p:cNvSpPr/>
+          <p:nvPr/>
+        </p:nvSpPr>
+        <p:spPr>
+          <a:xfrm>
+            <a:off x="5923634" y="2457622"/>
+            <a:ext cx="1438502" cy="1438502"/>
+          </a:xfrm>
+          <a:prstGeom prst="ellipse">
+            <a:avLst/>
+          </a:prstGeom>
+          <a:noFill/>
+          <a:ln w="19050">
+            <a:solidFill>
+              <a:schemeClr val="tx1"/>
+            </a:solidFill>
+          </a:ln>
+        </p:spPr>
+        <p:style>
+          <a:lnRef idx="2">
+            <a:schemeClr val="accent1">
+              <a:shade val="50000"/>
+            </a:schemeClr>
+          </a:lnRef>
+          <a:fillRef idx="1">
+            <a:schemeClr val="accent1"/>
+          </a:fillRef>
+          <a:effectRef idx="0">
+            <a:schemeClr val="accent1"/>
+          </a:effectRef>
+          <a:fontRef idx="minor">
+            <a:schemeClr val="lt1"/>
+          </a:fontRef>
+        </p:style>
+        <p:txBody>
+          <a:bodyPr rtlCol="0" anchor="ctr"/>
+          <a:lstStyle/>
+          <a:p>
+            <a:pPr algn="ctr"/>
+            <a:r>
+              <a:rPr lang="en-US" altLang="ko-KR" sz="1600" dirty="0">
+                <a:solidFill>
+                  <a:schemeClr val="tx1"/>
+                </a:solidFill>
+                <a:latin typeface="나눔스퀘어 Bold" panose="020B0600000101010101" pitchFamily="50" charset="-127"/>
+                <a:ea typeface="나눔스퀘어 Bold" panose="020B0600000101010101" pitchFamily="50" charset="-127"/>
+              </a:rPr>
+              <a:t>Barney</a:t>
+            </a:r>
+            <a:endParaRPr lang="ko-KR" altLang="en-US" sz="1600" dirty="0">
+              <a:solidFill>
+                <a:schemeClr val="tx1"/>
+              </a:solidFill>
+              <a:latin typeface="나눔스퀘어 Bold" panose="020B0600000101010101" pitchFamily="50" charset="-127"/>
+              <a:ea typeface="나눔스퀘어 Bold" panose="020B0600000101010101" pitchFamily="50" charset="-127"/>
+            </a:endParaRPr>
+          </a:p>
+        </p:txBody>
+      </p:sp>
+      <p:sp>
+        <p:nvSpPr>
+          <p:cNvPr id="12" name="타원 11">
+            <a:extLst>
+              <a:ext uri="{FF2B5EF4-FFF2-40B4-BE49-F238E27FC236}">
+                <a16:creationId xmlns:a16="http://schemas.microsoft.com/office/drawing/2014/main" id="{B51A0E7B-B8C3-4BBD-891E-37805479DDBE}"/>
+              </a:ext>
+            </a:extLst>
+          </p:cNvPr>
+          <p:cNvSpPr/>
+          <p:nvPr/>
+        </p:nvSpPr>
+        <p:spPr>
+          <a:xfrm>
+            <a:off x="7225456" y="1017622"/>
+            <a:ext cx="1440000" cy="1440000"/>
+          </a:xfrm>
+          <a:prstGeom prst="ellipse">
+            <a:avLst/>
+          </a:prstGeom>
+          <a:noFill/>
+          <a:ln w="19050">
+            <a:solidFill>
+              <a:schemeClr val="tx1"/>
+            </a:solidFill>
+          </a:ln>
+        </p:spPr>
+        <p:style>
+          <a:lnRef idx="2">
+            <a:schemeClr val="accent1">
+              <a:shade val="50000"/>
+            </a:schemeClr>
+          </a:lnRef>
+          <a:fillRef idx="1">
+            <a:schemeClr val="accent1"/>
+          </a:fillRef>
+          <a:effectRef idx="0">
+            <a:schemeClr val="accent1"/>
+          </a:effectRef>
+          <a:fontRef idx="minor">
+            <a:schemeClr val="lt1"/>
+          </a:fontRef>
+        </p:style>
+        <p:txBody>
+          <a:bodyPr rtlCol="0" anchor="ctr"/>
+          <a:lstStyle/>
+          <a:p>
+            <a:pPr algn="ctr"/>
+            <a:r>
+              <a:rPr lang="en-US" altLang="ko-KR" sz="1600" dirty="0">
+                <a:solidFill>
+                  <a:schemeClr val="tx1"/>
+                </a:solidFill>
+                <a:latin typeface="나눔스퀘어 Bold" panose="020B0600000101010101" pitchFamily="50" charset="-127"/>
+                <a:ea typeface="나눔스퀘어 Bold" panose="020B0600000101010101" pitchFamily="50" charset="-127"/>
+              </a:rPr>
+              <a:t>Betty</a:t>
+            </a:r>
+            <a:endParaRPr lang="ko-KR" altLang="en-US" sz="1600" dirty="0">
+              <a:solidFill>
+                <a:schemeClr val="tx1"/>
+              </a:solidFill>
+              <a:latin typeface="나눔스퀘어 Bold" panose="020B0600000101010101" pitchFamily="50" charset="-127"/>
+              <a:ea typeface="나눔스퀘어 Bold" panose="020B0600000101010101" pitchFamily="50" charset="-127"/>
+            </a:endParaRPr>
+          </a:p>
+        </p:txBody>
+      </p:sp>
+      <p:cxnSp>
+        <p:nvCxnSpPr>
+          <p:cNvPr id="13" name="직선 연결선 12">
+            <a:extLst>
+              <a:ext uri="{FF2B5EF4-FFF2-40B4-BE49-F238E27FC236}">
+                <a16:creationId xmlns:a16="http://schemas.microsoft.com/office/drawing/2014/main" id="{0D38E534-1B7F-A7BA-D7B6-95E0D45F9173}"/>
+              </a:ext>
+            </a:extLst>
+          </p:cNvPr>
+          <p:cNvCxnSpPr>
+            <a:cxnSpLocks/>
+            <a:stCxn id="11" idx="1"/>
+            <a:endCxn id="10" idx="5"/>
+          </p:cNvCxnSpPr>
+          <p:nvPr/>
+        </p:nvCxnSpPr>
+        <p:spPr>
+          <a:xfrm flipH="1" flipV="1">
+            <a:off x="5922136" y="2246739"/>
+            <a:ext cx="212162" cy="421547"/>
+          </a:xfrm>
+          <a:prstGeom prst="line">
+            <a:avLst/>
+          </a:prstGeom>
+          <a:ln w="19050">
+            <a:solidFill>
+              <a:schemeClr val="tx1"/>
+            </a:solidFill>
+          </a:ln>
+        </p:spPr>
+        <p:style>
+          <a:lnRef idx="1">
+            <a:schemeClr val="accent1"/>
+          </a:lnRef>
+          <a:fillRef idx="0">
+            <a:schemeClr val="accent1"/>
+          </a:fillRef>
+          <a:effectRef idx="0">
+            <a:schemeClr val="accent1"/>
+          </a:effectRef>
+          <a:fontRef idx="minor">
+            <a:schemeClr val="tx1"/>
+          </a:fontRef>
+        </p:style>
+      </p:cxnSp>
+      <p:cxnSp>
+        <p:nvCxnSpPr>
+          <p:cNvPr id="14" name="직선 연결선 13">
+            <a:extLst>
+              <a:ext uri="{FF2B5EF4-FFF2-40B4-BE49-F238E27FC236}">
+                <a16:creationId xmlns:a16="http://schemas.microsoft.com/office/drawing/2014/main" id="{5010BD3A-4AF2-ED03-3FBD-DFC86964FC03}"/>
+              </a:ext>
+            </a:extLst>
+          </p:cNvPr>
+          <p:cNvCxnSpPr>
+            <a:cxnSpLocks/>
+            <a:stCxn id="11" idx="7"/>
+            <a:endCxn id="12" idx="3"/>
+          </p:cNvCxnSpPr>
+          <p:nvPr/>
+        </p:nvCxnSpPr>
+        <p:spPr>
+          <a:xfrm flipV="1">
+            <a:off x="7151472" y="2246739"/>
+            <a:ext cx="284867" cy="421547"/>
+          </a:xfrm>
+          <a:prstGeom prst="line">
+            <a:avLst/>
+          </a:prstGeom>
+          <a:ln w="19050">
+            <a:solidFill>
+              <a:schemeClr val="tx1"/>
+            </a:solidFill>
+          </a:ln>
+        </p:spPr>
+        <p:style>
+          <a:lnRef idx="1">
+            <a:schemeClr val="accent1"/>
+          </a:lnRef>
+          <a:fillRef idx="0">
+            <a:schemeClr val="accent1"/>
+          </a:fillRef>
+          <a:effectRef idx="0">
+            <a:schemeClr val="accent1"/>
+          </a:effectRef>
+          <a:fontRef idx="minor">
+            <a:schemeClr val="tx1"/>
+          </a:fontRef>
+        </p:style>
+      </p:cxnSp>
+      <p:sp>
+        <p:nvSpPr>
+          <p:cNvPr id="41" name="타원 40">
+            <a:extLst>
+              <a:ext uri="{FF2B5EF4-FFF2-40B4-BE49-F238E27FC236}">
+                <a16:creationId xmlns:a16="http://schemas.microsoft.com/office/drawing/2014/main" id="{C3354082-7794-930C-5002-240581E02588}"/>
+              </a:ext>
+            </a:extLst>
+          </p:cNvPr>
+          <p:cNvSpPr/>
+          <p:nvPr/>
+        </p:nvSpPr>
+        <p:spPr>
+          <a:xfrm>
+            <a:off x="8454573" y="2457512"/>
+            <a:ext cx="1440000" cy="1440000"/>
+          </a:xfrm>
+          <a:prstGeom prst="ellipse">
+            <a:avLst/>
+          </a:prstGeom>
+          <a:noFill/>
+          <a:ln w="19050">
+            <a:solidFill>
+              <a:schemeClr val="tx1"/>
+            </a:solidFill>
+          </a:ln>
+        </p:spPr>
+        <p:style>
+          <a:lnRef idx="2">
+            <a:schemeClr val="accent1">
+              <a:shade val="50000"/>
+            </a:schemeClr>
+          </a:lnRef>
+          <a:fillRef idx="1">
+            <a:schemeClr val="accent1"/>
+          </a:fillRef>
+          <a:effectRef idx="0">
+            <a:schemeClr val="accent1"/>
+          </a:effectRef>
+          <a:fontRef idx="minor">
+            <a:schemeClr val="lt1"/>
+          </a:fontRef>
+        </p:style>
+        <p:txBody>
+          <a:bodyPr rtlCol="0" anchor="ctr"/>
+          <a:lstStyle/>
+          <a:p>
+            <a:pPr algn="ctr"/>
+            <a:r>
+              <a:rPr lang="en-US" altLang="ko-KR" sz="1600" dirty="0">
+                <a:solidFill>
+                  <a:schemeClr val="tx1"/>
+                </a:solidFill>
+                <a:latin typeface="나눔스퀘어 Bold" panose="020B0600000101010101" pitchFamily="50" charset="-127"/>
+                <a:ea typeface="나눔스퀘어 Bold" panose="020B0600000101010101" pitchFamily="50" charset="-127"/>
+              </a:rPr>
+              <a:t>Wilma</a:t>
+            </a:r>
+            <a:endParaRPr lang="ko-KR" altLang="en-US" sz="1600" dirty="0">
+              <a:solidFill>
+                <a:schemeClr val="tx1"/>
+              </a:solidFill>
+              <a:latin typeface="나눔스퀘어 Bold" panose="020B0600000101010101" pitchFamily="50" charset="-127"/>
+              <a:ea typeface="나눔스퀘어 Bold" panose="020B0600000101010101" pitchFamily="50" charset="-127"/>
+            </a:endParaRPr>
+          </a:p>
+        </p:txBody>
+      </p:sp>
+      <p:cxnSp>
+        <p:nvCxnSpPr>
+          <p:cNvPr id="42" name="직선 연결선 41">
+            <a:extLst>
+              <a:ext uri="{FF2B5EF4-FFF2-40B4-BE49-F238E27FC236}">
+                <a16:creationId xmlns:a16="http://schemas.microsoft.com/office/drawing/2014/main" id="{7D27505E-760F-FE80-4508-AFF9BE7677A1}"/>
+              </a:ext>
+            </a:extLst>
+          </p:cNvPr>
+          <p:cNvCxnSpPr>
+            <a:cxnSpLocks/>
+            <a:stCxn id="41" idx="1"/>
+            <a:endCxn id="12" idx="5"/>
+          </p:cNvCxnSpPr>
+          <p:nvPr/>
+        </p:nvCxnSpPr>
+        <p:spPr>
+          <a:xfrm flipH="1" flipV="1">
+            <a:off x="8454573" y="2246739"/>
+            <a:ext cx="210883" cy="421656"/>
+          </a:xfrm>
+          <a:prstGeom prst="line">
+            <a:avLst/>
+          </a:prstGeom>
+          <a:ln w="19050">
+            <a:solidFill>
+              <a:schemeClr val="tx1"/>
+            </a:solidFill>
+          </a:ln>
+        </p:spPr>
+        <p:style>
+          <a:lnRef idx="1">
+            <a:schemeClr val="accent1"/>
+          </a:lnRef>
+          <a:fillRef idx="0">
+            <a:schemeClr val="accent1"/>
+          </a:fillRef>
+          <a:effectRef idx="0">
+            <a:schemeClr val="accent1"/>
+          </a:effectRef>
+          <a:fontRef idx="minor">
+            <a:schemeClr val="tx1"/>
+          </a:fontRef>
+        </p:style>
+      </p:cxnSp>
+      <p:sp>
+        <p:nvSpPr>
+          <p:cNvPr id="48" name="TextBox 47">
+            <a:extLst>
+              <a:ext uri="{FF2B5EF4-FFF2-40B4-BE49-F238E27FC236}">
+                <a16:creationId xmlns:a16="http://schemas.microsoft.com/office/drawing/2014/main" id="{130DD62F-CC8F-A710-0302-C791F0F7A0D4}"/>
+              </a:ext>
+            </a:extLst>
+          </p:cNvPr>
+          <p:cNvSpPr txBox="1"/>
+          <p:nvPr/>
+        </p:nvSpPr>
+        <p:spPr>
+          <a:xfrm>
+            <a:off x="5399814" y="2398548"/>
+            <a:ext cx="890197" cy="369332"/>
+          </a:xfrm>
+          <a:prstGeom prst="rect">
+            <a:avLst/>
+          </a:prstGeom>
+          <a:noFill/>
+        </p:spPr>
+        <p:txBody>
+          <a:bodyPr wrap="square" rtlCol="0">
+            <a:spAutoFit/>
+          </a:bodyPr>
+          <a:lstStyle/>
+          <a:p>
+            <a:pPr algn="ctr"/>
+            <a:r>
+              <a:rPr lang="ko-KR" altLang="en-US" dirty="0">
+                <a:solidFill>
+                  <a:srgbClr val="FF0000"/>
+                </a:solidFill>
+                <a:latin typeface="나눔스퀘어 Bold" panose="020B0600000101010101" pitchFamily="50" charset="-127"/>
+                <a:ea typeface="나눔스퀘어 Bold" panose="020B0600000101010101" pitchFamily="50" charset="-127"/>
+              </a:rPr>
+              <a:t>①</a:t>
+            </a:r>
+          </a:p>
+        </p:txBody>
+      </p:sp>
+      <p:sp>
+        <p:nvSpPr>
+          <p:cNvPr id="49" name="TextBox 48">
+            <a:extLst>
+              <a:ext uri="{FF2B5EF4-FFF2-40B4-BE49-F238E27FC236}">
+                <a16:creationId xmlns:a16="http://schemas.microsoft.com/office/drawing/2014/main" id="{40B55954-C72E-4709-0181-2F82C0184742}"/>
+              </a:ext>
+            </a:extLst>
+          </p:cNvPr>
+          <p:cNvSpPr txBox="1"/>
+          <p:nvPr/>
+        </p:nvSpPr>
+        <p:spPr>
+          <a:xfrm>
+            <a:off x="6670364" y="2164946"/>
+            <a:ext cx="890197" cy="369332"/>
+          </a:xfrm>
+          <a:prstGeom prst="rect">
+            <a:avLst/>
+          </a:prstGeom>
+          <a:noFill/>
+        </p:spPr>
+        <p:txBody>
+          <a:bodyPr wrap="square" rtlCol="0">
+            <a:spAutoFit/>
+          </a:bodyPr>
+          <a:lstStyle/>
+          <a:p>
+            <a:pPr algn="ctr"/>
+            <a:r>
+              <a:rPr lang="ko-KR" altLang="en-US" dirty="0">
+                <a:solidFill>
+                  <a:srgbClr val="FF0000"/>
+                </a:solidFill>
+                <a:latin typeface="나눔스퀘어 Bold" panose="020B0600000101010101" pitchFamily="50" charset="-127"/>
+                <a:ea typeface="나눔스퀘어 Bold" panose="020B0600000101010101" pitchFamily="50" charset="-127"/>
+              </a:rPr>
+              <a:t>②</a:t>
+            </a:r>
+          </a:p>
+        </p:txBody>
+      </p:sp>
+      <p:sp>
+        <p:nvSpPr>
+          <p:cNvPr id="50" name="TextBox 49">
+            <a:extLst>
+              <a:ext uri="{FF2B5EF4-FFF2-40B4-BE49-F238E27FC236}">
+                <a16:creationId xmlns:a16="http://schemas.microsoft.com/office/drawing/2014/main" id="{C2254FC5-2B06-743D-25B0-80B9F3141068}"/>
+              </a:ext>
+            </a:extLst>
+          </p:cNvPr>
+          <p:cNvSpPr txBox="1"/>
+          <p:nvPr/>
+        </p:nvSpPr>
+        <p:spPr>
+          <a:xfrm>
+            <a:off x="7976923" y="2359811"/>
+            <a:ext cx="890197" cy="369332"/>
+          </a:xfrm>
+          <a:prstGeom prst="rect">
+            <a:avLst/>
+          </a:prstGeom>
+          <a:noFill/>
+        </p:spPr>
+        <p:txBody>
+          <a:bodyPr wrap="square" rtlCol="0">
+            <a:spAutoFit/>
+          </a:bodyPr>
+          <a:lstStyle/>
+          <a:p>
+            <a:pPr algn="ctr"/>
+            <a:r>
+              <a:rPr lang="ko-KR" altLang="en-US" dirty="0">
+                <a:solidFill>
+                  <a:srgbClr val="FF0000"/>
+                </a:solidFill>
+                <a:latin typeface="나눔스퀘어 Bold" panose="020B0600000101010101" pitchFamily="50" charset="-127"/>
+                <a:ea typeface="나눔스퀘어 Bold" panose="020B0600000101010101" pitchFamily="50" charset="-127"/>
+              </a:rPr>
+              <a:t>③</a:t>
+            </a:r>
+          </a:p>
+        </p:txBody>
+      </p:sp>
+      <p:sp>
+        <p:nvSpPr>
+          <p:cNvPr id="51" name="타원 50">
+            <a:extLst>
+              <a:ext uri="{FF2B5EF4-FFF2-40B4-BE49-F238E27FC236}">
+                <a16:creationId xmlns:a16="http://schemas.microsoft.com/office/drawing/2014/main" id="{0C35A77D-9336-6043-AEC2-70DCD576D839}"/>
+              </a:ext>
+            </a:extLst>
+          </p:cNvPr>
+          <p:cNvSpPr/>
+          <p:nvPr/>
+        </p:nvSpPr>
+        <p:spPr>
+          <a:xfrm>
+            <a:off x="4693019" y="3922191"/>
+            <a:ext cx="1440000" cy="1440000"/>
+          </a:xfrm>
+          <a:prstGeom prst="ellipse">
+            <a:avLst/>
+          </a:prstGeom>
+          <a:noFill/>
+          <a:ln w="19050">
+            <a:solidFill>
+              <a:schemeClr val="tx1"/>
+            </a:solidFill>
+          </a:ln>
+        </p:spPr>
+        <p:style>
+          <a:lnRef idx="2">
+            <a:schemeClr val="accent1">
+              <a:shade val="50000"/>
+            </a:schemeClr>
+          </a:lnRef>
+          <a:fillRef idx="1">
+            <a:schemeClr val="accent1"/>
+          </a:fillRef>
+          <a:effectRef idx="0">
+            <a:schemeClr val="accent1"/>
+          </a:effectRef>
+          <a:fontRef idx="minor">
+            <a:schemeClr val="lt1"/>
+          </a:fontRef>
+        </p:style>
+        <p:txBody>
+          <a:bodyPr rtlCol="0" anchor="ctr"/>
+          <a:lstStyle/>
+          <a:p>
+            <a:pPr algn="ctr"/>
+            <a:r>
+              <a:rPr lang="en-US" altLang="ko-KR" sz="1600" dirty="0">
+                <a:solidFill>
+                  <a:schemeClr val="tx1"/>
+                </a:solidFill>
+                <a:latin typeface="나눔스퀘어 Bold" panose="020B0600000101010101" pitchFamily="50" charset="-127"/>
+                <a:ea typeface="나눔스퀘어 Bold" panose="020B0600000101010101" pitchFamily="50" charset="-127"/>
+              </a:rPr>
+              <a:t>Fred</a:t>
+            </a:r>
+            <a:endParaRPr lang="ko-KR" altLang="en-US" sz="1600" dirty="0">
+              <a:solidFill>
+                <a:schemeClr val="tx1"/>
+              </a:solidFill>
+              <a:latin typeface="나눔스퀘어 Bold" panose="020B0600000101010101" pitchFamily="50" charset="-127"/>
+              <a:ea typeface="나눔스퀘어 Bold" panose="020B0600000101010101" pitchFamily="50" charset="-127"/>
+            </a:endParaRPr>
+          </a:p>
+        </p:txBody>
+      </p:sp>
+      <p:sp>
+        <p:nvSpPr>
+          <p:cNvPr id="52" name="타원 51">
+            <a:extLst>
+              <a:ext uri="{FF2B5EF4-FFF2-40B4-BE49-F238E27FC236}">
+                <a16:creationId xmlns:a16="http://schemas.microsoft.com/office/drawing/2014/main" id="{EEC7F8C5-A477-5960-8800-DDF773263B87}"/>
+              </a:ext>
+            </a:extLst>
+          </p:cNvPr>
+          <p:cNvSpPr/>
+          <p:nvPr/>
+        </p:nvSpPr>
+        <p:spPr>
+          <a:xfrm>
+            <a:off x="5923634" y="5362191"/>
+            <a:ext cx="1438502" cy="1438502"/>
+          </a:xfrm>
+          <a:prstGeom prst="ellipse">
+            <a:avLst/>
+          </a:prstGeom>
+          <a:noFill/>
+          <a:ln w="19050">
+            <a:solidFill>
+              <a:schemeClr val="tx1"/>
+            </a:solidFill>
+          </a:ln>
+        </p:spPr>
+        <p:style>
+          <a:lnRef idx="2">
+            <a:schemeClr val="accent1">
+              <a:shade val="50000"/>
+            </a:schemeClr>
+          </a:lnRef>
+          <a:fillRef idx="1">
+            <a:schemeClr val="accent1"/>
+          </a:fillRef>
+          <a:effectRef idx="0">
+            <a:schemeClr val="accent1"/>
+          </a:effectRef>
+          <a:fontRef idx="minor">
+            <a:schemeClr val="lt1"/>
+          </a:fontRef>
+        </p:style>
+        <p:txBody>
+          <a:bodyPr rtlCol="0" anchor="ctr"/>
+          <a:lstStyle/>
+          <a:p>
+            <a:pPr algn="ctr"/>
+            <a:r>
+              <a:rPr lang="en-US" altLang="ko-KR" sz="1600" dirty="0">
+                <a:solidFill>
+                  <a:schemeClr val="tx1"/>
+                </a:solidFill>
+                <a:latin typeface="나눔스퀘어 Bold" panose="020B0600000101010101" pitchFamily="50" charset="-127"/>
+                <a:ea typeface="나눔스퀘어 Bold" panose="020B0600000101010101" pitchFamily="50" charset="-127"/>
+              </a:rPr>
+              <a:t>Barney</a:t>
+            </a:r>
+            <a:endParaRPr lang="ko-KR" altLang="en-US" sz="1600" dirty="0">
+              <a:solidFill>
+                <a:schemeClr val="tx1"/>
+              </a:solidFill>
+              <a:latin typeface="나눔스퀘어 Bold" panose="020B0600000101010101" pitchFamily="50" charset="-127"/>
+              <a:ea typeface="나눔스퀘어 Bold" panose="020B0600000101010101" pitchFamily="50" charset="-127"/>
+            </a:endParaRPr>
+          </a:p>
+        </p:txBody>
+      </p:sp>
+      <p:sp>
+        <p:nvSpPr>
+          <p:cNvPr id="53" name="타원 52">
+            <a:extLst>
+              <a:ext uri="{FF2B5EF4-FFF2-40B4-BE49-F238E27FC236}">
+                <a16:creationId xmlns:a16="http://schemas.microsoft.com/office/drawing/2014/main" id="{D38D8982-EF1D-4F5B-9641-9BC559FC6EAB}"/>
+              </a:ext>
+            </a:extLst>
+          </p:cNvPr>
+          <p:cNvSpPr/>
+          <p:nvPr/>
+        </p:nvSpPr>
+        <p:spPr>
+          <a:xfrm>
+            <a:off x="7225456" y="3922191"/>
+            <a:ext cx="1440000" cy="1440000"/>
+          </a:xfrm>
+          <a:prstGeom prst="ellipse">
+            <a:avLst/>
+          </a:prstGeom>
+          <a:noFill/>
+          <a:ln w="19050">
+            <a:solidFill>
+              <a:schemeClr val="tx1"/>
+            </a:solidFill>
+          </a:ln>
+        </p:spPr>
+        <p:style>
+          <a:lnRef idx="2">
+            <a:schemeClr val="accent1">
+              <a:shade val="50000"/>
+            </a:schemeClr>
+          </a:lnRef>
+          <a:fillRef idx="1">
+            <a:schemeClr val="accent1"/>
+          </a:fillRef>
+          <a:effectRef idx="0">
+            <a:schemeClr val="accent1"/>
+          </a:effectRef>
+          <a:fontRef idx="minor">
+            <a:schemeClr val="lt1"/>
+          </a:fontRef>
+        </p:style>
+        <p:txBody>
+          <a:bodyPr rtlCol="0" anchor="ctr"/>
+          <a:lstStyle/>
+          <a:p>
+            <a:pPr algn="ctr"/>
+            <a:r>
+              <a:rPr lang="en-US" altLang="ko-KR" sz="1600" dirty="0">
+                <a:solidFill>
+                  <a:schemeClr val="tx1"/>
+                </a:solidFill>
+                <a:latin typeface="나눔스퀘어 Bold" panose="020B0600000101010101" pitchFamily="50" charset="-127"/>
+                <a:ea typeface="나눔스퀘어 Bold" panose="020B0600000101010101" pitchFamily="50" charset="-127"/>
+              </a:rPr>
+              <a:t>Betty</a:t>
+            </a:r>
+            <a:endParaRPr lang="ko-KR" altLang="en-US" sz="1600" dirty="0">
+              <a:solidFill>
+                <a:schemeClr val="tx1"/>
+              </a:solidFill>
+              <a:latin typeface="나눔스퀘어 Bold" panose="020B0600000101010101" pitchFamily="50" charset="-127"/>
+              <a:ea typeface="나눔스퀘어 Bold" panose="020B0600000101010101" pitchFamily="50" charset="-127"/>
+            </a:endParaRPr>
+          </a:p>
+        </p:txBody>
+      </p:sp>
+      <p:cxnSp>
+        <p:nvCxnSpPr>
+          <p:cNvPr id="54" name="직선 연결선 53">
+            <a:extLst>
+              <a:ext uri="{FF2B5EF4-FFF2-40B4-BE49-F238E27FC236}">
+                <a16:creationId xmlns:a16="http://schemas.microsoft.com/office/drawing/2014/main" id="{7DE66780-BDD2-708B-A89A-AC8FD0B61ADD}"/>
+              </a:ext>
+            </a:extLst>
+          </p:cNvPr>
+          <p:cNvCxnSpPr>
+            <a:cxnSpLocks/>
+            <a:stCxn id="52" idx="1"/>
+            <a:endCxn id="51" idx="5"/>
+          </p:cNvCxnSpPr>
+          <p:nvPr/>
+        </p:nvCxnSpPr>
+        <p:spPr>
+          <a:xfrm flipH="1" flipV="1">
+            <a:off x="5922136" y="5151308"/>
+            <a:ext cx="212162" cy="421547"/>
+          </a:xfrm>
+          <a:prstGeom prst="line">
+            <a:avLst/>
+          </a:prstGeom>
+          <a:ln w="19050">
+            <a:solidFill>
+              <a:schemeClr val="tx1"/>
+            </a:solidFill>
+          </a:ln>
+        </p:spPr>
+        <p:style>
+          <a:lnRef idx="1">
+            <a:schemeClr val="accent1"/>
+          </a:lnRef>
+          <a:fillRef idx="0">
+            <a:schemeClr val="accent1"/>
+          </a:fillRef>
+          <a:effectRef idx="0">
+            <a:schemeClr val="accent1"/>
+          </a:effectRef>
+          <a:fontRef idx="minor">
+            <a:schemeClr val="tx1"/>
+          </a:fontRef>
+        </p:style>
+      </p:cxnSp>
+      <p:cxnSp>
+        <p:nvCxnSpPr>
+          <p:cNvPr id="55" name="직선 연결선 54">
+            <a:extLst>
+              <a:ext uri="{FF2B5EF4-FFF2-40B4-BE49-F238E27FC236}">
+                <a16:creationId xmlns:a16="http://schemas.microsoft.com/office/drawing/2014/main" id="{039772A3-03BF-6F5E-539C-89515DF52D5A}"/>
+              </a:ext>
+            </a:extLst>
+          </p:cNvPr>
+          <p:cNvCxnSpPr>
+            <a:cxnSpLocks/>
+            <a:stCxn id="52" idx="7"/>
+            <a:endCxn id="53" idx="3"/>
+          </p:cNvCxnSpPr>
+          <p:nvPr/>
+        </p:nvCxnSpPr>
+        <p:spPr>
+          <a:xfrm flipV="1">
+            <a:off x="7151472" y="5151308"/>
+            <a:ext cx="284867" cy="421547"/>
+          </a:xfrm>
+          <a:prstGeom prst="line">
+            <a:avLst/>
+          </a:prstGeom>
+          <a:ln w="19050">
+            <a:solidFill>
+              <a:schemeClr val="tx1"/>
+            </a:solidFill>
+          </a:ln>
+        </p:spPr>
+        <p:style>
+          <a:lnRef idx="1">
+            <a:schemeClr val="accent1"/>
+          </a:lnRef>
+          <a:fillRef idx="0">
+            <a:schemeClr val="accent1"/>
+          </a:fillRef>
+          <a:effectRef idx="0">
+            <a:schemeClr val="accent1"/>
+          </a:effectRef>
+          <a:fontRef idx="minor">
+            <a:schemeClr val="tx1"/>
+          </a:fontRef>
+        </p:style>
+      </p:cxnSp>
+      <p:sp>
+        <p:nvSpPr>
+          <p:cNvPr id="56" name="타원 55">
+            <a:extLst>
+              <a:ext uri="{FF2B5EF4-FFF2-40B4-BE49-F238E27FC236}">
+                <a16:creationId xmlns:a16="http://schemas.microsoft.com/office/drawing/2014/main" id="{58EE704A-7A42-B071-0125-508ECD1FE860}"/>
+              </a:ext>
+            </a:extLst>
+          </p:cNvPr>
+          <p:cNvSpPr/>
+          <p:nvPr/>
+        </p:nvSpPr>
+        <p:spPr>
+          <a:xfrm>
+            <a:off x="8454573" y="5362081"/>
+            <a:ext cx="1440000" cy="1440000"/>
+          </a:xfrm>
+          <a:prstGeom prst="ellipse">
+            <a:avLst/>
+          </a:prstGeom>
+          <a:noFill/>
+          <a:ln w="19050">
+            <a:solidFill>
+              <a:schemeClr val="tx1"/>
+            </a:solidFill>
+          </a:ln>
+        </p:spPr>
+        <p:style>
+          <a:lnRef idx="2">
+            <a:schemeClr val="accent1">
+              <a:shade val="50000"/>
+            </a:schemeClr>
+          </a:lnRef>
+          <a:fillRef idx="1">
+            <a:schemeClr val="accent1"/>
+          </a:fillRef>
+          <a:effectRef idx="0">
+            <a:schemeClr val="accent1"/>
+          </a:effectRef>
+          <a:fontRef idx="minor">
+            <a:schemeClr val="lt1"/>
+          </a:fontRef>
+        </p:style>
+        <p:txBody>
+          <a:bodyPr rtlCol="0" anchor="ctr"/>
+          <a:lstStyle/>
+          <a:p>
+            <a:pPr algn="ctr"/>
+            <a:r>
+              <a:rPr lang="en-US" altLang="ko-KR" sz="1600" dirty="0">
+                <a:solidFill>
+                  <a:schemeClr val="tx1"/>
+                </a:solidFill>
+                <a:latin typeface="나눔스퀘어 Bold" panose="020B0600000101010101" pitchFamily="50" charset="-127"/>
+                <a:ea typeface="나눔스퀘어 Bold" panose="020B0600000101010101" pitchFamily="50" charset="-127"/>
+              </a:rPr>
+              <a:t>Wilma</a:t>
+            </a:r>
+            <a:endParaRPr lang="ko-KR" altLang="en-US" sz="1600" dirty="0">
+              <a:solidFill>
+                <a:schemeClr val="tx1"/>
+              </a:solidFill>
+              <a:latin typeface="나눔스퀘어 Bold" panose="020B0600000101010101" pitchFamily="50" charset="-127"/>
+              <a:ea typeface="나눔스퀘어 Bold" panose="020B0600000101010101" pitchFamily="50" charset="-127"/>
+            </a:endParaRPr>
+          </a:p>
+        </p:txBody>
+      </p:sp>
+      <p:cxnSp>
+        <p:nvCxnSpPr>
+          <p:cNvPr id="57" name="직선 연결선 56">
+            <a:extLst>
+              <a:ext uri="{FF2B5EF4-FFF2-40B4-BE49-F238E27FC236}">
+                <a16:creationId xmlns:a16="http://schemas.microsoft.com/office/drawing/2014/main" id="{0C8561C5-07E5-81EA-19A1-DA2A4AAC8EF6}"/>
+              </a:ext>
+            </a:extLst>
+          </p:cNvPr>
+          <p:cNvCxnSpPr>
+            <a:cxnSpLocks/>
+            <a:stCxn id="56" idx="1"/>
+            <a:endCxn id="53" idx="5"/>
+          </p:cNvCxnSpPr>
+          <p:nvPr/>
+        </p:nvCxnSpPr>
+        <p:spPr>
+          <a:xfrm flipH="1" flipV="1">
+            <a:off x="8454573" y="5151308"/>
+            <a:ext cx="210883" cy="421656"/>
+          </a:xfrm>
+          <a:prstGeom prst="line">
+            <a:avLst/>
+          </a:prstGeom>
+          <a:ln w="19050">
+            <a:solidFill>
+              <a:schemeClr val="tx1"/>
+            </a:solidFill>
+          </a:ln>
+        </p:spPr>
+        <p:style>
+          <a:lnRef idx="1">
+            <a:schemeClr val="accent1"/>
+          </a:lnRef>
+          <a:fillRef idx="0">
+            <a:schemeClr val="accent1"/>
+          </a:fillRef>
+          <a:effectRef idx="0">
+            <a:schemeClr val="accent1"/>
+          </a:effectRef>
+          <a:fontRef idx="minor">
+            <a:schemeClr val="tx1"/>
+          </a:fontRef>
+        </p:style>
+      </p:cxnSp>
+      <p:sp>
+        <p:nvSpPr>
+          <p:cNvPr id="58" name="TextBox 57">
+            <a:extLst>
+              <a:ext uri="{FF2B5EF4-FFF2-40B4-BE49-F238E27FC236}">
+                <a16:creationId xmlns:a16="http://schemas.microsoft.com/office/drawing/2014/main" id="{A71B55BC-0037-FE4A-565E-A188F0AC7B18}"/>
+              </a:ext>
+            </a:extLst>
+          </p:cNvPr>
+          <p:cNvSpPr txBox="1"/>
+          <p:nvPr/>
+        </p:nvSpPr>
+        <p:spPr>
+          <a:xfrm>
+            <a:off x="5399814" y="5303117"/>
+            <a:ext cx="890197" cy="369332"/>
+          </a:xfrm>
+          <a:prstGeom prst="rect">
+            <a:avLst/>
+          </a:prstGeom>
+          <a:noFill/>
+        </p:spPr>
+        <p:txBody>
+          <a:bodyPr wrap="square" rtlCol="0">
+            <a:spAutoFit/>
+          </a:bodyPr>
+          <a:lstStyle/>
+          <a:p>
+            <a:pPr algn="ctr"/>
+            <a:r>
+              <a:rPr lang="ko-KR" altLang="en-US" dirty="0">
+                <a:solidFill>
+                  <a:srgbClr val="FF0000"/>
+                </a:solidFill>
+                <a:latin typeface="나눔스퀘어 Bold" panose="020B0600000101010101" pitchFamily="50" charset="-127"/>
+                <a:ea typeface="나눔스퀘어 Bold" panose="020B0600000101010101" pitchFamily="50" charset="-127"/>
+              </a:rPr>
+              <a:t>①</a:t>
+            </a:r>
+          </a:p>
+        </p:txBody>
+      </p:sp>
+      <p:sp>
+        <p:nvSpPr>
+          <p:cNvPr id="59" name="TextBox 58">
+            <a:extLst>
+              <a:ext uri="{FF2B5EF4-FFF2-40B4-BE49-F238E27FC236}">
+                <a16:creationId xmlns:a16="http://schemas.microsoft.com/office/drawing/2014/main" id="{8AA0B523-C8AB-2D9D-4A83-937B91F57215}"/>
+              </a:ext>
+            </a:extLst>
+          </p:cNvPr>
+          <p:cNvSpPr txBox="1"/>
+          <p:nvPr/>
+        </p:nvSpPr>
+        <p:spPr>
+          <a:xfrm>
+            <a:off x="6670364" y="5069515"/>
+            <a:ext cx="890197" cy="369332"/>
+          </a:xfrm>
+          <a:prstGeom prst="rect">
+            <a:avLst/>
+          </a:prstGeom>
+          <a:noFill/>
+        </p:spPr>
+        <p:txBody>
+          <a:bodyPr wrap="square" rtlCol="0">
+            <a:spAutoFit/>
+          </a:bodyPr>
+          <a:lstStyle/>
+          <a:p>
+            <a:pPr algn="ctr"/>
+            <a:r>
+              <a:rPr lang="ko-KR" altLang="en-US" dirty="0">
+                <a:solidFill>
+                  <a:srgbClr val="FF0000"/>
+                </a:solidFill>
+                <a:latin typeface="나눔스퀘어 Bold" panose="020B0600000101010101" pitchFamily="50" charset="-127"/>
+                <a:ea typeface="나눔스퀘어 Bold" panose="020B0600000101010101" pitchFamily="50" charset="-127"/>
+              </a:rPr>
+              <a:t>③</a:t>
+            </a:r>
+          </a:p>
+        </p:txBody>
+      </p:sp>
+      <p:sp>
+        <p:nvSpPr>
+          <p:cNvPr id="60" name="TextBox 59">
+            <a:extLst>
+              <a:ext uri="{FF2B5EF4-FFF2-40B4-BE49-F238E27FC236}">
+                <a16:creationId xmlns:a16="http://schemas.microsoft.com/office/drawing/2014/main" id="{7570CDF6-A6EA-DC94-A292-554043E85EDD}"/>
+              </a:ext>
+            </a:extLst>
+          </p:cNvPr>
+          <p:cNvSpPr txBox="1"/>
+          <p:nvPr/>
+        </p:nvSpPr>
+        <p:spPr>
+          <a:xfrm>
+            <a:off x="7976923" y="5264380"/>
+            <a:ext cx="890197" cy="369332"/>
+          </a:xfrm>
+          <a:prstGeom prst="rect">
+            <a:avLst/>
+          </a:prstGeom>
+          <a:noFill/>
+        </p:spPr>
+        <p:txBody>
+          <a:bodyPr wrap="square" rtlCol="0">
+            <a:spAutoFit/>
+          </a:bodyPr>
+          <a:lstStyle/>
+          <a:p>
+            <a:pPr algn="ctr"/>
+            <a:r>
+              <a:rPr lang="ko-KR" altLang="en-US" dirty="0">
+                <a:solidFill>
+                  <a:srgbClr val="FF0000"/>
+                </a:solidFill>
+                <a:latin typeface="나눔스퀘어 Bold" panose="020B0600000101010101" pitchFamily="50" charset="-127"/>
+                <a:ea typeface="나눔스퀘어 Bold" panose="020B0600000101010101" pitchFamily="50" charset="-127"/>
+              </a:rPr>
+              <a:t>②</a:t>
+            </a:r>
+          </a:p>
+        </p:txBody>
+      </p:sp>
+    </p:spTree>
+    <p:extLst>
+      <p:ext uri="{BB962C8B-B14F-4D97-AF65-F5344CB8AC3E}">
+        <p14:creationId xmlns:p14="http://schemas.microsoft.com/office/powerpoint/2010/main" val="1337499413"/>
+      </p:ext>
+    </p:extLst>
+  </p:cSld>
+  <p:clrMapOvr>
+    <a:masterClrMapping/>
+  </p:clrMapOvr>
+</p:sld>
+</file>
+
+<file path=ppt/slides/slide23.xml><?xml version="1.0" encoding="utf-8"?>
+<p:sld xmlns:a="http://schemas.openxmlformats.org/drawingml/2006/main" xmlns:r="http://schemas.openxmlformats.org/officeDocument/2006/relationships" xmlns:p="http://schemas.openxmlformats.org/presentationml/2006/main">
+  <p:cSld>
+    <p:spTree>
+      <p:nvGrpSpPr>
+        <p:cNvPr id="1" name=""/>
+        <p:cNvGrpSpPr/>
+        <p:nvPr/>
+      </p:nvGrpSpPr>
+      <p:grpSpPr>
+        <a:xfrm>
+          <a:off x="0" y="0"/>
+          <a:ext cx="0" cy="0"/>
+          <a:chOff x="0" y="0"/>
+          <a:chExt cx="0" cy="0"/>
+        </a:xfrm>
+      </p:grpSpPr>
+      <p:cxnSp>
+        <p:nvCxnSpPr>
+          <p:cNvPr id="5" name="직선 연결선 4">
+            <a:extLst>
+              <a:ext uri="{FF2B5EF4-FFF2-40B4-BE49-F238E27FC236}">
+                <a16:creationId xmlns:a16="http://schemas.microsoft.com/office/drawing/2014/main" id="{164C2827-EFCE-69A4-D037-1A218415F568}"/>
+              </a:ext>
+            </a:extLst>
+          </p:cNvPr>
+          <p:cNvCxnSpPr/>
+          <p:nvPr/>
+        </p:nvCxnSpPr>
+        <p:spPr>
+          <a:xfrm>
+            <a:off x="0" y="887505"/>
+            <a:ext cx="10237694" cy="0"/>
+          </a:xfrm>
+          <a:prstGeom prst="line">
+            <a:avLst/>
+          </a:prstGeom>
+          <a:ln w="76200">
+            <a:solidFill>
+              <a:schemeClr val="tx1">
+                <a:lumMod val="75000"/>
+                <a:lumOff val="25000"/>
+              </a:schemeClr>
+            </a:solidFill>
+          </a:ln>
+        </p:spPr>
+        <p:style>
+          <a:lnRef idx="1">
+            <a:schemeClr val="accent1"/>
+          </a:lnRef>
+          <a:fillRef idx="0">
+            <a:schemeClr val="accent1"/>
+          </a:fillRef>
+          <a:effectRef idx="0">
+            <a:schemeClr val="accent1"/>
+          </a:effectRef>
+          <a:fontRef idx="minor">
+            <a:schemeClr val="tx1"/>
+          </a:fontRef>
+        </p:style>
+      </p:cxnSp>
+      <p:sp>
+        <p:nvSpPr>
+          <p:cNvPr id="8" name="TextBox 7">
+            <a:extLst>
+              <a:ext uri="{FF2B5EF4-FFF2-40B4-BE49-F238E27FC236}">
+                <a16:creationId xmlns:a16="http://schemas.microsoft.com/office/drawing/2014/main" id="{C1B467EB-524B-46DA-BB98-9E2C915734A1}"/>
+              </a:ext>
+            </a:extLst>
+          </p:cNvPr>
+          <p:cNvSpPr txBox="1"/>
+          <p:nvPr/>
+        </p:nvSpPr>
+        <p:spPr>
+          <a:xfrm>
+            <a:off x="331694" y="177505"/>
+            <a:ext cx="6086923" cy="523220"/>
+          </a:xfrm>
+          <a:prstGeom prst="rect">
+            <a:avLst/>
+          </a:prstGeom>
+          <a:noFill/>
+        </p:spPr>
+        <p:txBody>
+          <a:bodyPr wrap="none" rtlCol="0">
+            <a:spAutoFit/>
+          </a:bodyPr>
+          <a:lstStyle/>
+          <a:p>
+            <a:r>
+              <a:rPr lang="en-US" altLang="ko-KR" sz="2800" dirty="0">
+                <a:latin typeface="나눔스퀘어 Bold" panose="020B0600000101010101" pitchFamily="50" charset="-127"/>
+                <a:ea typeface="나눔스퀘어 Bold" panose="020B0600000101010101" pitchFamily="50" charset="-127"/>
+              </a:rPr>
+              <a:t>Hash Set / Map – 4195 </a:t>
+            </a:r>
+            <a:r>
+              <a:rPr lang="ko-KR" altLang="en-US" sz="2800" dirty="0">
+                <a:latin typeface="나눔스퀘어 Bold" panose="020B0600000101010101" pitchFamily="50" charset="-127"/>
+                <a:ea typeface="나눔스퀘어 Bold" panose="020B0600000101010101" pitchFamily="50" charset="-127"/>
+              </a:rPr>
+              <a:t>친구 네트워크</a:t>
+            </a:r>
+          </a:p>
+        </p:txBody>
+      </p:sp>
+      <p:pic>
+        <p:nvPicPr>
+          <p:cNvPr id="7" name="그림 6">
+            <a:extLst>
+              <a:ext uri="{FF2B5EF4-FFF2-40B4-BE49-F238E27FC236}">
+                <a16:creationId xmlns:a16="http://schemas.microsoft.com/office/drawing/2014/main" id="{79A01965-A88F-2D7F-635E-2C0150FC2BCA}"/>
+              </a:ext>
+            </a:extLst>
+          </p:cNvPr>
+          <p:cNvPicPr>
+            <a:picLocks noChangeAspect="1"/>
+          </p:cNvPicPr>
+          <p:nvPr/>
+        </p:nvPicPr>
+        <p:blipFill>
+          <a:blip r:embed="rId2"/>
+          <a:stretch>
+            <a:fillRect/>
+          </a:stretch>
+        </p:blipFill>
+        <p:spPr>
+          <a:xfrm>
+            <a:off x="6290011" y="300983"/>
+            <a:ext cx="257211" cy="276264"/>
+          </a:xfrm>
+          <a:prstGeom prst="rect">
+            <a:avLst/>
+          </a:prstGeom>
+        </p:spPr>
+      </p:pic>
+      <p:sp>
+        <p:nvSpPr>
+          <p:cNvPr id="2" name="TextBox 1">
+            <a:extLst>
+              <a:ext uri="{FF2B5EF4-FFF2-40B4-BE49-F238E27FC236}">
+                <a16:creationId xmlns:a16="http://schemas.microsoft.com/office/drawing/2014/main" id="{F4910E87-1813-18B1-877C-70B031777E44}"/>
+              </a:ext>
+            </a:extLst>
+          </p:cNvPr>
+          <p:cNvSpPr txBox="1"/>
+          <p:nvPr/>
+        </p:nvSpPr>
+        <p:spPr>
+          <a:xfrm>
+            <a:off x="942387" y="1352030"/>
+            <a:ext cx="10237694" cy="369332"/>
+          </a:xfrm>
+          <a:prstGeom prst="rect">
+            <a:avLst/>
+          </a:prstGeom>
+          <a:noFill/>
+        </p:spPr>
+        <p:txBody>
+          <a:bodyPr wrap="square" rtlCol="0">
+            <a:spAutoFit/>
+          </a:bodyPr>
+          <a:lstStyle/>
+          <a:p>
+            <a:r>
+              <a:rPr lang="ko-KR" altLang="en-US" dirty="0">
+                <a:latin typeface="나눔스퀘어 Light" panose="020B0600000101010101" pitchFamily="50" charset="-127"/>
+                <a:ea typeface="나눔스퀘어 Light" panose="020B0600000101010101" pitchFamily="50" charset="-127"/>
+              </a:rPr>
+              <a:t>만약 친구 이름 대신 숫자</a:t>
+            </a:r>
+            <a:r>
+              <a:rPr lang="en-US" altLang="ko-KR" dirty="0">
+                <a:latin typeface="나눔스퀘어 Light" panose="020B0600000101010101" pitchFamily="50" charset="-127"/>
+                <a:ea typeface="나눔스퀘어 Light" panose="020B0600000101010101" pitchFamily="50" charset="-127"/>
+              </a:rPr>
+              <a:t>(</a:t>
+            </a:r>
+            <a:r>
+              <a:rPr lang="ko-KR" altLang="en-US" dirty="0">
+                <a:latin typeface="나눔스퀘어 Light" panose="020B0600000101010101" pitchFamily="50" charset="-127"/>
+                <a:ea typeface="나눔스퀘어 Light" panose="020B0600000101010101" pitchFamily="50" charset="-127"/>
+              </a:rPr>
+              <a:t>정점 번호</a:t>
+            </a:r>
+            <a:r>
+              <a:rPr lang="en-US" altLang="ko-KR" dirty="0">
+                <a:latin typeface="나눔스퀘어 Light" panose="020B0600000101010101" pitchFamily="50" charset="-127"/>
+                <a:ea typeface="나눔스퀘어 Light" panose="020B0600000101010101" pitchFamily="50" charset="-127"/>
+              </a:rPr>
+              <a:t>)</a:t>
+            </a:r>
+            <a:r>
+              <a:rPr lang="ko-KR" altLang="en-US" dirty="0">
+                <a:latin typeface="나눔스퀘어 Light" panose="020B0600000101010101" pitchFamily="50" charset="-127"/>
+                <a:ea typeface="나눔스퀘어 Light" panose="020B0600000101010101" pitchFamily="50" charset="-127"/>
+              </a:rPr>
+              <a:t>가 주어진다면 친구 네트워크에 몇 명이 있는지는</a:t>
+            </a:r>
+          </a:p>
+        </p:txBody>
+      </p:sp>
+      <p:sp>
+        <p:nvSpPr>
+          <p:cNvPr id="4" name="TextBox 3">
+            <a:extLst>
+              <a:ext uri="{FF2B5EF4-FFF2-40B4-BE49-F238E27FC236}">
+                <a16:creationId xmlns:a16="http://schemas.microsoft.com/office/drawing/2014/main" id="{1A992C70-D9E8-2DD5-EF66-9BA53FF8D047}"/>
+              </a:ext>
+            </a:extLst>
+          </p:cNvPr>
+          <p:cNvSpPr txBox="1"/>
+          <p:nvPr/>
+        </p:nvSpPr>
+        <p:spPr>
+          <a:xfrm>
+            <a:off x="942387" y="1721362"/>
+            <a:ext cx="10237694" cy="369332"/>
+          </a:xfrm>
+          <a:prstGeom prst="rect">
+            <a:avLst/>
+          </a:prstGeom>
+          <a:noFill/>
+        </p:spPr>
+        <p:txBody>
+          <a:bodyPr wrap="square" rtlCol="0">
+            <a:spAutoFit/>
+          </a:bodyPr>
+          <a:lstStyle/>
+          <a:p>
+            <a:r>
+              <a:rPr lang="en-US" altLang="ko-KR" dirty="0">
+                <a:latin typeface="나눔스퀘어 Light" panose="020B0600000101010101" pitchFamily="50" charset="-127"/>
+                <a:ea typeface="나눔스퀘어 Light" panose="020B0600000101010101" pitchFamily="50" charset="-127"/>
+              </a:rPr>
+              <a:t>	Union Find</a:t>
+            </a:r>
+            <a:r>
+              <a:rPr lang="ko-KR" altLang="en-US" dirty="0">
+                <a:latin typeface="나눔스퀘어 Light" panose="020B0600000101010101" pitchFamily="50" charset="-127"/>
+                <a:ea typeface="나눔스퀘어 Light" panose="020B0600000101010101" pitchFamily="50" charset="-127"/>
+              </a:rPr>
+              <a:t>를 이용하여 구할 수 있어 보임</a:t>
+            </a:r>
+          </a:p>
+        </p:txBody>
+      </p:sp>
+      <p:sp>
+        <p:nvSpPr>
+          <p:cNvPr id="6" name="타원 5">
+            <a:extLst>
+              <a:ext uri="{FF2B5EF4-FFF2-40B4-BE49-F238E27FC236}">
+                <a16:creationId xmlns:a16="http://schemas.microsoft.com/office/drawing/2014/main" id="{488D57BE-13C8-7884-662C-B873541FD2C4}"/>
+              </a:ext>
+            </a:extLst>
+          </p:cNvPr>
+          <p:cNvSpPr/>
+          <p:nvPr/>
+        </p:nvSpPr>
+        <p:spPr>
+          <a:xfrm>
+            <a:off x="331694" y="2460026"/>
+            <a:ext cx="1440000" cy="1440000"/>
+          </a:xfrm>
+          <a:prstGeom prst="ellipse">
+            <a:avLst/>
+          </a:prstGeom>
+          <a:noFill/>
+          <a:ln w="19050">
+            <a:solidFill>
+              <a:schemeClr val="tx1"/>
+            </a:solidFill>
+          </a:ln>
+        </p:spPr>
+        <p:style>
+          <a:lnRef idx="2">
+            <a:schemeClr val="accent1">
+              <a:shade val="50000"/>
+            </a:schemeClr>
+          </a:lnRef>
+          <a:fillRef idx="1">
+            <a:schemeClr val="accent1"/>
+          </a:fillRef>
+          <a:effectRef idx="0">
+            <a:schemeClr val="accent1"/>
+          </a:effectRef>
+          <a:fontRef idx="minor">
+            <a:schemeClr val="lt1"/>
+          </a:fontRef>
+        </p:style>
+        <p:txBody>
+          <a:bodyPr rtlCol="0" anchor="ctr"/>
+          <a:lstStyle/>
+          <a:p>
+            <a:pPr algn="ctr"/>
+            <a:r>
+              <a:rPr lang="en-US" altLang="ko-KR" sz="1600" dirty="0">
+                <a:solidFill>
+                  <a:schemeClr val="tx1"/>
+                </a:solidFill>
+                <a:latin typeface="나눔스퀘어 Bold" panose="020B0600000101010101" pitchFamily="50" charset="-127"/>
+                <a:ea typeface="나눔스퀘어 Bold" panose="020B0600000101010101" pitchFamily="50" charset="-127"/>
+              </a:rPr>
+              <a:t>1</a:t>
+            </a:r>
+            <a:endParaRPr lang="ko-KR" altLang="en-US" sz="1600" dirty="0">
+              <a:solidFill>
+                <a:schemeClr val="tx1"/>
+              </a:solidFill>
+              <a:latin typeface="나눔스퀘어 Bold" panose="020B0600000101010101" pitchFamily="50" charset="-127"/>
+              <a:ea typeface="나눔스퀘어 Bold" panose="020B0600000101010101" pitchFamily="50" charset="-127"/>
+            </a:endParaRPr>
+          </a:p>
+        </p:txBody>
+      </p:sp>
+      <p:sp>
+        <p:nvSpPr>
+          <p:cNvPr id="9" name="타원 8">
+            <a:extLst>
+              <a:ext uri="{FF2B5EF4-FFF2-40B4-BE49-F238E27FC236}">
+                <a16:creationId xmlns:a16="http://schemas.microsoft.com/office/drawing/2014/main" id="{54A449CE-0F2D-CD70-7B15-933FE6DD1613}"/>
+              </a:ext>
+            </a:extLst>
+          </p:cNvPr>
+          <p:cNvSpPr/>
+          <p:nvPr/>
+        </p:nvSpPr>
+        <p:spPr>
+          <a:xfrm>
+            <a:off x="1562309" y="3900026"/>
+            <a:ext cx="1438502" cy="1438502"/>
+          </a:xfrm>
+          <a:prstGeom prst="ellipse">
+            <a:avLst/>
+          </a:prstGeom>
+          <a:noFill/>
+          <a:ln w="19050">
+            <a:solidFill>
+              <a:schemeClr val="tx1"/>
+            </a:solidFill>
+          </a:ln>
+        </p:spPr>
+        <p:style>
+          <a:lnRef idx="2">
+            <a:schemeClr val="accent1">
+              <a:shade val="50000"/>
+            </a:schemeClr>
+          </a:lnRef>
+          <a:fillRef idx="1">
+            <a:schemeClr val="accent1"/>
+          </a:fillRef>
+          <a:effectRef idx="0">
+            <a:schemeClr val="accent1"/>
+          </a:effectRef>
+          <a:fontRef idx="minor">
+            <a:schemeClr val="lt1"/>
+          </a:fontRef>
+        </p:style>
+        <p:txBody>
+          <a:bodyPr rtlCol="0" anchor="ctr"/>
+          <a:lstStyle/>
+          <a:p>
+            <a:pPr algn="ctr"/>
+            <a:r>
+              <a:rPr lang="en-US" altLang="ko-KR" sz="1600" dirty="0">
+                <a:solidFill>
+                  <a:schemeClr val="tx1"/>
+                </a:solidFill>
+                <a:latin typeface="나눔스퀘어 Bold" panose="020B0600000101010101" pitchFamily="50" charset="-127"/>
+                <a:ea typeface="나눔스퀘어 Bold" panose="020B0600000101010101" pitchFamily="50" charset="-127"/>
+              </a:rPr>
+              <a:t>2</a:t>
+            </a:r>
+            <a:endParaRPr lang="ko-KR" altLang="en-US" sz="1600" dirty="0">
+              <a:solidFill>
+                <a:schemeClr val="tx1"/>
+              </a:solidFill>
+              <a:latin typeface="나눔스퀘어 Bold" panose="020B0600000101010101" pitchFamily="50" charset="-127"/>
+              <a:ea typeface="나눔스퀘어 Bold" panose="020B0600000101010101" pitchFamily="50" charset="-127"/>
+            </a:endParaRPr>
+          </a:p>
+        </p:txBody>
+      </p:sp>
+      <p:sp>
+        <p:nvSpPr>
+          <p:cNvPr id="10" name="타원 9">
+            <a:extLst>
+              <a:ext uri="{FF2B5EF4-FFF2-40B4-BE49-F238E27FC236}">
+                <a16:creationId xmlns:a16="http://schemas.microsoft.com/office/drawing/2014/main" id="{AAF92695-3280-88A6-57CF-4058CF780634}"/>
+              </a:ext>
+            </a:extLst>
+          </p:cNvPr>
+          <p:cNvSpPr/>
+          <p:nvPr/>
+        </p:nvSpPr>
+        <p:spPr>
+          <a:xfrm>
+            <a:off x="2864131" y="2460026"/>
+            <a:ext cx="1440000" cy="1440000"/>
+          </a:xfrm>
+          <a:prstGeom prst="ellipse">
+            <a:avLst/>
+          </a:prstGeom>
+          <a:noFill/>
+          <a:ln w="19050">
+            <a:solidFill>
+              <a:schemeClr val="tx1"/>
+            </a:solidFill>
+          </a:ln>
+        </p:spPr>
+        <p:style>
+          <a:lnRef idx="2">
+            <a:schemeClr val="accent1">
+              <a:shade val="50000"/>
+            </a:schemeClr>
+          </a:lnRef>
+          <a:fillRef idx="1">
+            <a:schemeClr val="accent1"/>
+          </a:fillRef>
+          <a:effectRef idx="0">
+            <a:schemeClr val="accent1"/>
+          </a:effectRef>
+          <a:fontRef idx="minor">
+            <a:schemeClr val="lt1"/>
+          </a:fontRef>
+        </p:style>
+        <p:txBody>
+          <a:bodyPr rtlCol="0" anchor="ctr"/>
+          <a:lstStyle/>
+          <a:p>
+            <a:pPr algn="ctr"/>
+            <a:r>
+              <a:rPr lang="en-US" altLang="ko-KR" sz="1600" dirty="0">
+                <a:solidFill>
+                  <a:schemeClr val="tx1"/>
+                </a:solidFill>
+                <a:latin typeface="나눔스퀘어 Bold" panose="020B0600000101010101" pitchFamily="50" charset="-127"/>
+                <a:ea typeface="나눔스퀘어 Bold" panose="020B0600000101010101" pitchFamily="50" charset="-127"/>
+              </a:rPr>
+              <a:t>3</a:t>
+            </a:r>
+            <a:endParaRPr lang="ko-KR" altLang="en-US" sz="1600" dirty="0">
+              <a:solidFill>
+                <a:schemeClr val="tx1"/>
+              </a:solidFill>
+              <a:latin typeface="나눔스퀘어 Bold" panose="020B0600000101010101" pitchFamily="50" charset="-127"/>
+              <a:ea typeface="나눔스퀘어 Bold" panose="020B0600000101010101" pitchFamily="50" charset="-127"/>
+            </a:endParaRPr>
+          </a:p>
+        </p:txBody>
+      </p:sp>
+      <p:cxnSp>
+        <p:nvCxnSpPr>
+          <p:cNvPr id="11" name="직선 연결선 10">
+            <a:extLst>
+              <a:ext uri="{FF2B5EF4-FFF2-40B4-BE49-F238E27FC236}">
+                <a16:creationId xmlns:a16="http://schemas.microsoft.com/office/drawing/2014/main" id="{A13C7717-EE99-467E-CEF5-28226D81D4F8}"/>
+              </a:ext>
+            </a:extLst>
+          </p:cNvPr>
+          <p:cNvCxnSpPr>
+            <a:cxnSpLocks/>
+            <a:stCxn id="9" idx="1"/>
+            <a:endCxn id="6" idx="5"/>
+          </p:cNvCxnSpPr>
+          <p:nvPr/>
+        </p:nvCxnSpPr>
+        <p:spPr>
+          <a:xfrm flipH="1" flipV="1">
+            <a:off x="1560811" y="3689143"/>
+            <a:ext cx="212162" cy="421547"/>
+          </a:xfrm>
+          <a:prstGeom prst="line">
+            <a:avLst/>
+          </a:prstGeom>
+          <a:ln w="19050">
+            <a:solidFill>
+              <a:schemeClr val="tx1"/>
+            </a:solidFill>
+          </a:ln>
+        </p:spPr>
+        <p:style>
+          <a:lnRef idx="1">
+            <a:schemeClr val="accent1"/>
+          </a:lnRef>
+          <a:fillRef idx="0">
+            <a:schemeClr val="accent1"/>
+          </a:fillRef>
+          <a:effectRef idx="0">
+            <a:schemeClr val="accent1"/>
+          </a:effectRef>
+          <a:fontRef idx="minor">
+            <a:schemeClr val="tx1"/>
+          </a:fontRef>
+        </p:style>
+      </p:cxnSp>
+      <p:cxnSp>
+        <p:nvCxnSpPr>
+          <p:cNvPr id="12" name="직선 연결선 11">
+            <a:extLst>
+              <a:ext uri="{FF2B5EF4-FFF2-40B4-BE49-F238E27FC236}">
+                <a16:creationId xmlns:a16="http://schemas.microsoft.com/office/drawing/2014/main" id="{93572616-B2B5-AC7A-9B9C-D492AF20BBA0}"/>
+              </a:ext>
+            </a:extLst>
+          </p:cNvPr>
+          <p:cNvCxnSpPr>
+            <a:cxnSpLocks/>
+            <a:stCxn id="9" idx="7"/>
+            <a:endCxn id="10" idx="3"/>
+          </p:cNvCxnSpPr>
+          <p:nvPr/>
+        </p:nvCxnSpPr>
+        <p:spPr>
+          <a:xfrm flipV="1">
+            <a:off x="2790147" y="3689143"/>
+            <a:ext cx="284867" cy="421547"/>
+          </a:xfrm>
+          <a:prstGeom prst="line">
+            <a:avLst/>
+          </a:prstGeom>
+          <a:ln w="19050">
+            <a:solidFill>
+              <a:schemeClr val="tx1"/>
+            </a:solidFill>
+          </a:ln>
+        </p:spPr>
+        <p:style>
+          <a:lnRef idx="1">
+            <a:schemeClr val="accent1"/>
+          </a:lnRef>
+          <a:fillRef idx="0">
+            <a:schemeClr val="accent1"/>
+          </a:fillRef>
+          <a:effectRef idx="0">
+            <a:schemeClr val="accent1"/>
+          </a:effectRef>
+          <a:fontRef idx="minor">
+            <a:schemeClr val="tx1"/>
+          </a:fontRef>
+        </p:style>
+      </p:cxnSp>
+      <p:sp>
+        <p:nvSpPr>
+          <p:cNvPr id="13" name="타원 12">
+            <a:extLst>
+              <a:ext uri="{FF2B5EF4-FFF2-40B4-BE49-F238E27FC236}">
+                <a16:creationId xmlns:a16="http://schemas.microsoft.com/office/drawing/2014/main" id="{A954D908-D88A-9EFE-E5CA-12420BDFECC8}"/>
+              </a:ext>
+            </a:extLst>
+          </p:cNvPr>
+          <p:cNvSpPr/>
+          <p:nvPr/>
+        </p:nvSpPr>
+        <p:spPr>
+          <a:xfrm>
+            <a:off x="4093248" y="3899916"/>
+            <a:ext cx="1440000" cy="1440000"/>
+          </a:xfrm>
+          <a:prstGeom prst="ellipse">
+            <a:avLst/>
+          </a:prstGeom>
+          <a:noFill/>
+          <a:ln w="19050">
+            <a:solidFill>
+              <a:schemeClr val="tx1"/>
+            </a:solidFill>
+          </a:ln>
+        </p:spPr>
+        <p:style>
+          <a:lnRef idx="2">
+            <a:schemeClr val="accent1">
+              <a:shade val="50000"/>
+            </a:schemeClr>
+          </a:lnRef>
+          <a:fillRef idx="1">
+            <a:schemeClr val="accent1"/>
+          </a:fillRef>
+          <a:effectRef idx="0">
+            <a:schemeClr val="accent1"/>
+          </a:effectRef>
+          <a:fontRef idx="minor">
+            <a:schemeClr val="lt1"/>
+          </a:fontRef>
+        </p:style>
+        <p:txBody>
+          <a:bodyPr rtlCol="0" anchor="ctr"/>
+          <a:lstStyle/>
+          <a:p>
+            <a:pPr algn="ctr"/>
+            <a:r>
+              <a:rPr lang="en-US" altLang="ko-KR" sz="1600" dirty="0">
+                <a:solidFill>
+                  <a:schemeClr val="tx1"/>
+                </a:solidFill>
+                <a:latin typeface="나눔스퀘어 Bold" panose="020B0600000101010101" pitchFamily="50" charset="-127"/>
+                <a:ea typeface="나눔스퀘어 Bold" panose="020B0600000101010101" pitchFamily="50" charset="-127"/>
+              </a:rPr>
+              <a:t>4</a:t>
+            </a:r>
+            <a:endParaRPr lang="ko-KR" altLang="en-US" sz="1600" dirty="0">
+              <a:solidFill>
+                <a:schemeClr val="tx1"/>
+              </a:solidFill>
+              <a:latin typeface="나눔스퀘어 Bold" panose="020B0600000101010101" pitchFamily="50" charset="-127"/>
+              <a:ea typeface="나눔스퀘어 Bold" panose="020B0600000101010101" pitchFamily="50" charset="-127"/>
+            </a:endParaRPr>
+          </a:p>
+        </p:txBody>
+      </p:sp>
+      <p:cxnSp>
+        <p:nvCxnSpPr>
+          <p:cNvPr id="14" name="직선 연결선 13">
+            <a:extLst>
+              <a:ext uri="{FF2B5EF4-FFF2-40B4-BE49-F238E27FC236}">
+                <a16:creationId xmlns:a16="http://schemas.microsoft.com/office/drawing/2014/main" id="{2004841C-5699-9087-20FB-6B2AD4B28FFB}"/>
+              </a:ext>
+            </a:extLst>
+          </p:cNvPr>
+          <p:cNvCxnSpPr>
+            <a:cxnSpLocks/>
+            <a:stCxn id="13" idx="1"/>
+            <a:endCxn id="10" idx="5"/>
+          </p:cNvCxnSpPr>
+          <p:nvPr/>
+        </p:nvCxnSpPr>
+        <p:spPr>
+          <a:xfrm flipH="1" flipV="1">
+            <a:off x="4093248" y="3689143"/>
+            <a:ext cx="210883" cy="421656"/>
+          </a:xfrm>
+          <a:prstGeom prst="line">
+            <a:avLst/>
+          </a:prstGeom>
+          <a:ln w="19050">
+            <a:solidFill>
+              <a:schemeClr val="tx1"/>
+            </a:solidFill>
+          </a:ln>
+        </p:spPr>
+        <p:style>
+          <a:lnRef idx="1">
+            <a:schemeClr val="accent1"/>
+          </a:lnRef>
+          <a:fillRef idx="0">
+            <a:schemeClr val="accent1"/>
+          </a:fillRef>
+          <a:effectRef idx="0">
+            <a:schemeClr val="accent1"/>
+          </a:effectRef>
+          <a:fontRef idx="minor">
+            <a:schemeClr val="tx1"/>
+          </a:fontRef>
+        </p:style>
+      </p:cxnSp>
+      <p:sp>
+        <p:nvSpPr>
+          <p:cNvPr id="15" name="TextBox 14">
+            <a:extLst>
+              <a:ext uri="{FF2B5EF4-FFF2-40B4-BE49-F238E27FC236}">
+                <a16:creationId xmlns:a16="http://schemas.microsoft.com/office/drawing/2014/main" id="{B357D837-4F8F-4E2E-D2BA-1CC01EAEF5EA}"/>
+              </a:ext>
+            </a:extLst>
+          </p:cNvPr>
+          <p:cNvSpPr txBox="1"/>
+          <p:nvPr/>
+        </p:nvSpPr>
+        <p:spPr>
+          <a:xfrm>
+            <a:off x="1038489" y="3840952"/>
+            <a:ext cx="890197" cy="369332"/>
+          </a:xfrm>
+          <a:prstGeom prst="rect">
+            <a:avLst/>
+          </a:prstGeom>
+          <a:noFill/>
+        </p:spPr>
+        <p:txBody>
+          <a:bodyPr wrap="square" rtlCol="0">
+            <a:spAutoFit/>
+          </a:bodyPr>
+          <a:lstStyle/>
+          <a:p>
+            <a:pPr algn="ctr"/>
+            <a:r>
+              <a:rPr lang="ko-KR" altLang="en-US" dirty="0">
+                <a:solidFill>
+                  <a:srgbClr val="FF0000"/>
+                </a:solidFill>
+                <a:latin typeface="나눔스퀘어 Bold" panose="020B0600000101010101" pitchFamily="50" charset="-127"/>
+                <a:ea typeface="나눔스퀘어 Bold" panose="020B0600000101010101" pitchFamily="50" charset="-127"/>
+              </a:rPr>
+              <a:t>①</a:t>
+            </a:r>
+          </a:p>
+        </p:txBody>
+      </p:sp>
+      <p:sp>
+        <p:nvSpPr>
+          <p:cNvPr id="16" name="TextBox 15">
+            <a:extLst>
+              <a:ext uri="{FF2B5EF4-FFF2-40B4-BE49-F238E27FC236}">
+                <a16:creationId xmlns:a16="http://schemas.microsoft.com/office/drawing/2014/main" id="{D294356A-A8EC-4097-E290-D99AC1C42EC1}"/>
+              </a:ext>
+            </a:extLst>
+          </p:cNvPr>
+          <p:cNvSpPr txBox="1"/>
+          <p:nvPr/>
+        </p:nvSpPr>
+        <p:spPr>
+          <a:xfrm>
+            <a:off x="2309039" y="3607350"/>
+            <a:ext cx="890197" cy="369332"/>
+          </a:xfrm>
+          <a:prstGeom prst="rect">
+            <a:avLst/>
+          </a:prstGeom>
+          <a:noFill/>
+        </p:spPr>
+        <p:txBody>
+          <a:bodyPr wrap="square" rtlCol="0">
+            <a:spAutoFit/>
+          </a:bodyPr>
+          <a:lstStyle/>
+          <a:p>
+            <a:pPr algn="ctr"/>
+            <a:r>
+              <a:rPr lang="ko-KR" altLang="en-US" dirty="0">
+                <a:solidFill>
+                  <a:srgbClr val="FF0000"/>
+                </a:solidFill>
+                <a:latin typeface="나눔스퀘어 Bold" panose="020B0600000101010101" pitchFamily="50" charset="-127"/>
+                <a:ea typeface="나눔스퀘어 Bold" panose="020B0600000101010101" pitchFamily="50" charset="-127"/>
+              </a:rPr>
+              <a:t>②</a:t>
+            </a:r>
+          </a:p>
+        </p:txBody>
+      </p:sp>
+      <p:sp>
+        <p:nvSpPr>
+          <p:cNvPr id="17" name="TextBox 16">
+            <a:extLst>
+              <a:ext uri="{FF2B5EF4-FFF2-40B4-BE49-F238E27FC236}">
+                <a16:creationId xmlns:a16="http://schemas.microsoft.com/office/drawing/2014/main" id="{5EDA8677-C346-0A6C-A80A-D55832848E64}"/>
+              </a:ext>
+            </a:extLst>
+          </p:cNvPr>
+          <p:cNvSpPr txBox="1"/>
+          <p:nvPr/>
+        </p:nvSpPr>
+        <p:spPr>
+          <a:xfrm>
+            <a:off x="3615598" y="3802215"/>
+            <a:ext cx="890197" cy="369332"/>
+          </a:xfrm>
+          <a:prstGeom prst="rect">
+            <a:avLst/>
+          </a:prstGeom>
+          <a:noFill/>
+        </p:spPr>
+        <p:txBody>
+          <a:bodyPr wrap="square" rtlCol="0">
+            <a:spAutoFit/>
+          </a:bodyPr>
+          <a:lstStyle/>
+          <a:p>
+            <a:pPr algn="ctr"/>
+            <a:r>
+              <a:rPr lang="ko-KR" altLang="en-US" dirty="0">
+                <a:solidFill>
+                  <a:srgbClr val="FF0000"/>
+                </a:solidFill>
+                <a:latin typeface="나눔스퀘어 Bold" panose="020B0600000101010101" pitchFamily="50" charset="-127"/>
+                <a:ea typeface="나눔스퀘어 Bold" panose="020B0600000101010101" pitchFamily="50" charset="-127"/>
+              </a:rPr>
+              <a:t>③</a:t>
+            </a:r>
+          </a:p>
+        </p:txBody>
+      </p:sp>
+      <p:pic>
+        <p:nvPicPr>
+          <p:cNvPr id="18" name="그림 17">
+            <a:extLst>
+              <a:ext uri="{FF2B5EF4-FFF2-40B4-BE49-F238E27FC236}">
+                <a16:creationId xmlns:a16="http://schemas.microsoft.com/office/drawing/2014/main" id="{C08DF4AE-4287-481E-6702-EB5ECA6C1351}"/>
+              </a:ext>
+            </a:extLst>
+          </p:cNvPr>
+          <p:cNvPicPr>
+            <a:picLocks noChangeAspect="1"/>
+          </p:cNvPicPr>
+          <p:nvPr/>
+        </p:nvPicPr>
+        <p:blipFill>
+          <a:blip r:embed="rId3"/>
+          <a:stretch>
+            <a:fillRect/>
+          </a:stretch>
+        </p:blipFill>
+        <p:spPr>
+          <a:xfrm>
+            <a:off x="6966006" y="1928688"/>
+            <a:ext cx="4214075" cy="4728520"/>
+          </a:xfrm>
+          <a:prstGeom prst="rect">
+            <a:avLst/>
+          </a:prstGeom>
+        </p:spPr>
+      </p:pic>
+    </p:spTree>
+    <p:extLst>
+      <p:ext uri="{BB962C8B-B14F-4D97-AF65-F5344CB8AC3E}">
+        <p14:creationId xmlns:p14="http://schemas.microsoft.com/office/powerpoint/2010/main" val="3887978597"/>
+      </p:ext>
+    </p:extLst>
+  </p:cSld>
+  <p:clrMapOvr>
+    <a:masterClrMapping/>
+  </p:clrMapOvr>
+</p:sld>
+</file>
+
+<file path=ppt/slides/slide24.xml><?xml version="1.0" encoding="utf-8"?>
+<p:sld xmlns:a="http://schemas.openxmlformats.org/drawingml/2006/main" xmlns:r="http://schemas.openxmlformats.org/officeDocument/2006/relationships" xmlns:p="http://schemas.openxmlformats.org/presentationml/2006/main">
+  <p:cSld>
+    <p:spTree>
+      <p:nvGrpSpPr>
+        <p:cNvPr id="1" name=""/>
+        <p:cNvGrpSpPr/>
+        <p:nvPr/>
+      </p:nvGrpSpPr>
+      <p:grpSpPr>
+        <a:xfrm>
+          <a:off x="0" y="0"/>
+          <a:ext cx="0" cy="0"/>
+          <a:chOff x="0" y="0"/>
+          <a:chExt cx="0" cy="0"/>
+        </a:xfrm>
+      </p:grpSpPr>
+      <p:cxnSp>
+        <p:nvCxnSpPr>
+          <p:cNvPr id="5" name="직선 연결선 4">
+            <a:extLst>
+              <a:ext uri="{FF2B5EF4-FFF2-40B4-BE49-F238E27FC236}">
+                <a16:creationId xmlns:a16="http://schemas.microsoft.com/office/drawing/2014/main" id="{164C2827-EFCE-69A4-D037-1A218415F568}"/>
+              </a:ext>
+            </a:extLst>
+          </p:cNvPr>
+          <p:cNvCxnSpPr/>
+          <p:nvPr/>
+        </p:nvCxnSpPr>
+        <p:spPr>
+          <a:xfrm>
+            <a:off x="0" y="887505"/>
+            <a:ext cx="10237694" cy="0"/>
+          </a:xfrm>
+          <a:prstGeom prst="line">
+            <a:avLst/>
+          </a:prstGeom>
+          <a:ln w="76200">
+            <a:solidFill>
+              <a:schemeClr val="tx1">
+                <a:lumMod val="75000"/>
+                <a:lumOff val="25000"/>
+              </a:schemeClr>
+            </a:solidFill>
+          </a:ln>
+        </p:spPr>
+        <p:style>
+          <a:lnRef idx="1">
+            <a:schemeClr val="accent1"/>
+          </a:lnRef>
+          <a:fillRef idx="0">
+            <a:schemeClr val="accent1"/>
+          </a:fillRef>
+          <a:effectRef idx="0">
+            <a:schemeClr val="accent1"/>
+          </a:effectRef>
+          <a:fontRef idx="minor">
+            <a:schemeClr val="tx1"/>
+          </a:fontRef>
+        </p:style>
+      </p:cxnSp>
+      <p:sp>
+        <p:nvSpPr>
+          <p:cNvPr id="8" name="TextBox 7">
+            <a:extLst>
+              <a:ext uri="{FF2B5EF4-FFF2-40B4-BE49-F238E27FC236}">
+                <a16:creationId xmlns:a16="http://schemas.microsoft.com/office/drawing/2014/main" id="{C1B467EB-524B-46DA-BB98-9E2C915734A1}"/>
+              </a:ext>
+            </a:extLst>
+          </p:cNvPr>
+          <p:cNvSpPr txBox="1"/>
+          <p:nvPr/>
+        </p:nvSpPr>
+        <p:spPr>
+          <a:xfrm>
+            <a:off x="331694" y="177505"/>
+            <a:ext cx="6086923" cy="523220"/>
+          </a:xfrm>
+          <a:prstGeom prst="rect">
+            <a:avLst/>
+          </a:prstGeom>
+          <a:noFill/>
+        </p:spPr>
+        <p:txBody>
+          <a:bodyPr wrap="none" rtlCol="0">
+            <a:spAutoFit/>
+          </a:bodyPr>
+          <a:lstStyle/>
+          <a:p>
+            <a:r>
+              <a:rPr lang="en-US" altLang="ko-KR" sz="2800" dirty="0">
+                <a:latin typeface="나눔스퀘어 Bold" panose="020B0600000101010101" pitchFamily="50" charset="-127"/>
+                <a:ea typeface="나눔스퀘어 Bold" panose="020B0600000101010101" pitchFamily="50" charset="-127"/>
+              </a:rPr>
+              <a:t>Hash Set / Map – 4195 </a:t>
+            </a:r>
+            <a:r>
+              <a:rPr lang="ko-KR" altLang="en-US" sz="2800" dirty="0">
+                <a:latin typeface="나눔스퀘어 Bold" panose="020B0600000101010101" pitchFamily="50" charset="-127"/>
+                <a:ea typeface="나눔스퀘어 Bold" panose="020B0600000101010101" pitchFamily="50" charset="-127"/>
+              </a:rPr>
+              <a:t>친구 네트워크</a:t>
+            </a:r>
+          </a:p>
+        </p:txBody>
+      </p:sp>
+      <p:pic>
+        <p:nvPicPr>
+          <p:cNvPr id="7" name="그림 6">
+            <a:extLst>
+              <a:ext uri="{FF2B5EF4-FFF2-40B4-BE49-F238E27FC236}">
+                <a16:creationId xmlns:a16="http://schemas.microsoft.com/office/drawing/2014/main" id="{79A01965-A88F-2D7F-635E-2C0150FC2BCA}"/>
+              </a:ext>
+            </a:extLst>
+          </p:cNvPr>
+          <p:cNvPicPr>
+            <a:picLocks noChangeAspect="1"/>
+          </p:cNvPicPr>
+          <p:nvPr/>
+        </p:nvPicPr>
+        <p:blipFill>
+          <a:blip r:embed="rId2"/>
+          <a:stretch>
+            <a:fillRect/>
+          </a:stretch>
+        </p:blipFill>
+        <p:spPr>
+          <a:xfrm>
+            <a:off x="6290011" y="300983"/>
+            <a:ext cx="257211" cy="276264"/>
+          </a:xfrm>
+          <a:prstGeom prst="rect">
+            <a:avLst/>
+          </a:prstGeom>
+        </p:spPr>
+      </p:pic>
+      <p:sp>
+        <p:nvSpPr>
+          <p:cNvPr id="2" name="TextBox 1">
+            <a:extLst>
+              <a:ext uri="{FF2B5EF4-FFF2-40B4-BE49-F238E27FC236}">
+                <a16:creationId xmlns:a16="http://schemas.microsoft.com/office/drawing/2014/main" id="{F4910E87-1813-18B1-877C-70B031777E44}"/>
+              </a:ext>
+            </a:extLst>
+          </p:cNvPr>
+          <p:cNvSpPr txBox="1"/>
+          <p:nvPr/>
+        </p:nvSpPr>
+        <p:spPr>
+          <a:xfrm>
+            <a:off x="942387" y="1352030"/>
+            <a:ext cx="10237694" cy="369332"/>
+          </a:xfrm>
+          <a:prstGeom prst="rect">
+            <a:avLst/>
+          </a:prstGeom>
+          <a:noFill/>
+        </p:spPr>
+        <p:txBody>
+          <a:bodyPr wrap="square" rtlCol="0">
+            <a:spAutoFit/>
+          </a:bodyPr>
+          <a:lstStyle/>
+          <a:p>
+            <a:r>
+              <a:rPr lang="ko-KR" altLang="en-US" dirty="0">
+                <a:latin typeface="나눔스퀘어 Light" panose="020B0600000101010101" pitchFamily="50" charset="-127"/>
+                <a:ea typeface="나눔스퀘어 Light" panose="020B0600000101010101" pitchFamily="50" charset="-127"/>
+              </a:rPr>
+              <a:t>그렇다면 이름</a:t>
+            </a:r>
+            <a:r>
+              <a:rPr lang="en-US" altLang="ko-KR" dirty="0">
+                <a:latin typeface="나눔스퀘어 Light" panose="020B0600000101010101" pitchFamily="50" charset="-127"/>
+                <a:ea typeface="나눔스퀘어 Light" panose="020B0600000101010101" pitchFamily="50" charset="-127"/>
+              </a:rPr>
+              <a:t>(key)</a:t>
+            </a:r>
+            <a:r>
+              <a:rPr lang="ko-KR" altLang="en-US" dirty="0">
+                <a:latin typeface="나눔스퀘어 Light" panose="020B0600000101010101" pitchFamily="50" charset="-127"/>
+                <a:ea typeface="나눔스퀘어 Light" panose="020B0600000101010101" pitchFamily="50" charset="-127"/>
+              </a:rPr>
+              <a:t>을 통해서 정점 번호</a:t>
+            </a:r>
+            <a:r>
+              <a:rPr lang="en-US" altLang="ko-KR" dirty="0">
+                <a:latin typeface="나눔스퀘어 Light" panose="020B0600000101010101" pitchFamily="50" charset="-127"/>
+                <a:ea typeface="나눔스퀘어 Light" panose="020B0600000101010101" pitchFamily="50" charset="-127"/>
+              </a:rPr>
+              <a:t>(value)</a:t>
+            </a:r>
+            <a:r>
+              <a:rPr lang="ko-KR" altLang="en-US" dirty="0">
+                <a:latin typeface="나눔스퀘어 Light" panose="020B0600000101010101" pitchFamily="50" charset="-127"/>
+                <a:ea typeface="나눔스퀘어 Light" panose="020B0600000101010101" pitchFamily="50" charset="-127"/>
+              </a:rPr>
+              <a:t>로 바꿔줄 수 있는 자료구조가 있다면</a:t>
+            </a:r>
+            <a:r>
+              <a:rPr lang="en-US" altLang="ko-KR" dirty="0">
+                <a:latin typeface="나눔스퀘어 Light" panose="020B0600000101010101" pitchFamily="50" charset="-127"/>
+                <a:ea typeface="나눔스퀘어 Light" panose="020B0600000101010101" pitchFamily="50" charset="-127"/>
+              </a:rPr>
+              <a:t>? </a:t>
+            </a:r>
+            <a:r>
+              <a:rPr lang="ko-KR" altLang="en-US" dirty="0">
+                <a:latin typeface="나눔스퀘어 Light" panose="020B0600000101010101" pitchFamily="50" charset="-127"/>
+                <a:ea typeface="나눔스퀘어 Light" panose="020B0600000101010101" pitchFamily="50" charset="-127"/>
+              </a:rPr>
+              <a:t>→ </a:t>
+            </a:r>
+            <a:r>
+              <a:rPr lang="en-US" altLang="ko-KR" dirty="0">
+                <a:latin typeface="나눔스퀘어 Light" panose="020B0600000101010101" pitchFamily="50" charset="-127"/>
+                <a:ea typeface="나눔스퀘어 Light" panose="020B0600000101010101" pitchFamily="50" charset="-127"/>
+              </a:rPr>
+              <a:t>(Hash) Map</a:t>
+            </a:r>
+            <a:endParaRPr lang="ko-KR" altLang="en-US" dirty="0">
+              <a:latin typeface="나눔스퀘어 Light" panose="020B0600000101010101" pitchFamily="50" charset="-127"/>
+              <a:ea typeface="나눔스퀘어 Light" panose="020B0600000101010101" pitchFamily="50" charset="-127"/>
+            </a:endParaRPr>
+          </a:p>
+        </p:txBody>
+      </p:sp>
+      <p:sp>
+        <p:nvSpPr>
+          <p:cNvPr id="4" name="TextBox 3">
+            <a:extLst>
+              <a:ext uri="{FF2B5EF4-FFF2-40B4-BE49-F238E27FC236}">
+                <a16:creationId xmlns:a16="http://schemas.microsoft.com/office/drawing/2014/main" id="{1A992C70-D9E8-2DD5-EF66-9BA53FF8D047}"/>
+              </a:ext>
+            </a:extLst>
+          </p:cNvPr>
+          <p:cNvSpPr txBox="1"/>
+          <p:nvPr/>
+        </p:nvSpPr>
+        <p:spPr>
+          <a:xfrm>
+            <a:off x="942387" y="1721362"/>
+            <a:ext cx="10237694" cy="369332"/>
+          </a:xfrm>
+          <a:prstGeom prst="rect">
+            <a:avLst/>
+          </a:prstGeom>
+          <a:noFill/>
+        </p:spPr>
+        <p:txBody>
+          <a:bodyPr wrap="square" rtlCol="0">
+            <a:spAutoFit/>
+          </a:bodyPr>
+          <a:lstStyle/>
+          <a:p>
+            <a:r>
+              <a:rPr lang="en-US" altLang="ko-KR" dirty="0">
+                <a:latin typeface="나눔스퀘어 Light" panose="020B0600000101010101" pitchFamily="50" charset="-127"/>
+                <a:ea typeface="나눔스퀘어 Light" panose="020B0600000101010101" pitchFamily="50" charset="-127"/>
+              </a:rPr>
+              <a:t>	</a:t>
+            </a:r>
+            <a:r>
+              <a:rPr lang="ko-KR" altLang="en-US" dirty="0">
+                <a:latin typeface="나눔스퀘어 Light" panose="020B0600000101010101" pitchFamily="50" charset="-127"/>
+                <a:ea typeface="나눔스퀘어 Light" panose="020B0600000101010101" pitchFamily="50" charset="-127"/>
+              </a:rPr>
+              <a:t>그 부분만 빼면 </a:t>
+            </a:r>
+            <a:r>
+              <a:rPr lang="en-US" altLang="ko-KR" dirty="0">
+                <a:latin typeface="나눔스퀘어 Light" panose="020B0600000101010101" pitchFamily="50" charset="-127"/>
+                <a:ea typeface="나눔스퀘어 Light" panose="020B0600000101010101" pitchFamily="50" charset="-127"/>
+              </a:rPr>
+              <a:t>Union Find</a:t>
+            </a:r>
+            <a:r>
+              <a:rPr lang="ko-KR" altLang="en-US" dirty="0">
+                <a:latin typeface="나눔스퀘어 Light" panose="020B0600000101010101" pitchFamily="50" charset="-127"/>
+                <a:ea typeface="나눔스퀘어 Light" panose="020B0600000101010101" pitchFamily="50" charset="-127"/>
+              </a:rPr>
+              <a:t>의 크기를 구하는 문제가 됨</a:t>
+            </a:r>
+          </a:p>
+        </p:txBody>
+      </p:sp>
+      <p:sp>
+        <p:nvSpPr>
+          <p:cNvPr id="6" name="타원 5">
+            <a:extLst>
+              <a:ext uri="{FF2B5EF4-FFF2-40B4-BE49-F238E27FC236}">
+                <a16:creationId xmlns:a16="http://schemas.microsoft.com/office/drawing/2014/main" id="{488D57BE-13C8-7884-662C-B873541FD2C4}"/>
+              </a:ext>
+            </a:extLst>
+          </p:cNvPr>
+          <p:cNvSpPr/>
+          <p:nvPr/>
+        </p:nvSpPr>
+        <p:spPr>
+          <a:xfrm>
+            <a:off x="6789055" y="2460026"/>
+            <a:ext cx="1440000" cy="1440000"/>
+          </a:xfrm>
+          <a:prstGeom prst="ellipse">
+            <a:avLst/>
+          </a:prstGeom>
+          <a:noFill/>
+          <a:ln w="19050">
+            <a:solidFill>
+              <a:schemeClr val="tx1"/>
+            </a:solidFill>
+          </a:ln>
+        </p:spPr>
+        <p:style>
+          <a:lnRef idx="2">
+            <a:schemeClr val="accent1">
+              <a:shade val="50000"/>
+            </a:schemeClr>
+          </a:lnRef>
+          <a:fillRef idx="1">
+            <a:schemeClr val="accent1"/>
+          </a:fillRef>
+          <a:effectRef idx="0">
+            <a:schemeClr val="accent1"/>
+          </a:effectRef>
+          <a:fontRef idx="minor">
+            <a:schemeClr val="lt1"/>
+          </a:fontRef>
+        </p:style>
+        <p:txBody>
+          <a:bodyPr rtlCol="0" anchor="ctr"/>
+          <a:lstStyle/>
+          <a:p>
+            <a:pPr algn="ctr"/>
+            <a:r>
+              <a:rPr lang="en-US" altLang="ko-KR" sz="1600" dirty="0">
+                <a:solidFill>
+                  <a:schemeClr val="tx1"/>
+                </a:solidFill>
+                <a:latin typeface="나눔스퀘어 Bold" panose="020B0600000101010101" pitchFamily="50" charset="-127"/>
+                <a:ea typeface="나눔스퀘어 Bold" panose="020B0600000101010101" pitchFamily="50" charset="-127"/>
+              </a:rPr>
+              <a:t>1</a:t>
+            </a:r>
+            <a:endParaRPr lang="ko-KR" altLang="en-US" sz="1600" dirty="0">
+              <a:solidFill>
+                <a:schemeClr val="tx1"/>
+              </a:solidFill>
+              <a:latin typeface="나눔스퀘어 Bold" panose="020B0600000101010101" pitchFamily="50" charset="-127"/>
+              <a:ea typeface="나눔스퀘어 Bold" panose="020B0600000101010101" pitchFamily="50" charset="-127"/>
+            </a:endParaRPr>
+          </a:p>
+        </p:txBody>
+      </p:sp>
+      <p:sp>
+        <p:nvSpPr>
+          <p:cNvPr id="9" name="타원 8">
+            <a:extLst>
+              <a:ext uri="{FF2B5EF4-FFF2-40B4-BE49-F238E27FC236}">
+                <a16:creationId xmlns:a16="http://schemas.microsoft.com/office/drawing/2014/main" id="{54A449CE-0F2D-CD70-7B15-933FE6DD1613}"/>
+              </a:ext>
+            </a:extLst>
+          </p:cNvPr>
+          <p:cNvSpPr/>
+          <p:nvPr/>
+        </p:nvSpPr>
+        <p:spPr>
+          <a:xfrm>
+            <a:off x="8019670" y="3900026"/>
+            <a:ext cx="1438502" cy="1438502"/>
+          </a:xfrm>
+          <a:prstGeom prst="ellipse">
+            <a:avLst/>
+          </a:prstGeom>
+          <a:noFill/>
+          <a:ln w="19050">
+            <a:solidFill>
+              <a:schemeClr val="tx1"/>
+            </a:solidFill>
+          </a:ln>
+        </p:spPr>
+        <p:style>
+          <a:lnRef idx="2">
+            <a:schemeClr val="accent1">
+              <a:shade val="50000"/>
+            </a:schemeClr>
+          </a:lnRef>
+          <a:fillRef idx="1">
+            <a:schemeClr val="accent1"/>
+          </a:fillRef>
+          <a:effectRef idx="0">
+            <a:schemeClr val="accent1"/>
+          </a:effectRef>
+          <a:fontRef idx="minor">
+            <a:schemeClr val="lt1"/>
+          </a:fontRef>
+        </p:style>
+        <p:txBody>
+          <a:bodyPr rtlCol="0" anchor="ctr"/>
+          <a:lstStyle/>
+          <a:p>
+            <a:pPr algn="ctr"/>
+            <a:r>
+              <a:rPr lang="en-US" altLang="ko-KR" sz="1600" dirty="0">
+                <a:solidFill>
+                  <a:schemeClr val="tx1"/>
+                </a:solidFill>
+                <a:latin typeface="나눔스퀘어 Bold" panose="020B0600000101010101" pitchFamily="50" charset="-127"/>
+                <a:ea typeface="나눔스퀘어 Bold" panose="020B0600000101010101" pitchFamily="50" charset="-127"/>
+              </a:rPr>
+              <a:t>2</a:t>
+            </a:r>
+            <a:endParaRPr lang="ko-KR" altLang="en-US" sz="1600" dirty="0">
+              <a:solidFill>
+                <a:schemeClr val="tx1"/>
+              </a:solidFill>
+              <a:latin typeface="나눔스퀘어 Bold" panose="020B0600000101010101" pitchFamily="50" charset="-127"/>
+              <a:ea typeface="나눔스퀘어 Bold" panose="020B0600000101010101" pitchFamily="50" charset="-127"/>
+            </a:endParaRPr>
+          </a:p>
+        </p:txBody>
+      </p:sp>
+      <p:sp>
+        <p:nvSpPr>
+          <p:cNvPr id="10" name="타원 9">
+            <a:extLst>
+              <a:ext uri="{FF2B5EF4-FFF2-40B4-BE49-F238E27FC236}">
+                <a16:creationId xmlns:a16="http://schemas.microsoft.com/office/drawing/2014/main" id="{AAF92695-3280-88A6-57CF-4058CF780634}"/>
+              </a:ext>
+            </a:extLst>
+          </p:cNvPr>
+          <p:cNvSpPr/>
+          <p:nvPr/>
+        </p:nvSpPr>
+        <p:spPr>
+          <a:xfrm>
+            <a:off x="9321492" y="2460026"/>
+            <a:ext cx="1440000" cy="1440000"/>
+          </a:xfrm>
+          <a:prstGeom prst="ellipse">
+            <a:avLst/>
+          </a:prstGeom>
+          <a:noFill/>
+          <a:ln w="19050">
+            <a:solidFill>
+              <a:schemeClr val="tx1"/>
+            </a:solidFill>
+          </a:ln>
+        </p:spPr>
+        <p:style>
+          <a:lnRef idx="2">
+            <a:schemeClr val="accent1">
+              <a:shade val="50000"/>
+            </a:schemeClr>
+          </a:lnRef>
+          <a:fillRef idx="1">
+            <a:schemeClr val="accent1"/>
+          </a:fillRef>
+          <a:effectRef idx="0">
+            <a:schemeClr val="accent1"/>
+          </a:effectRef>
+          <a:fontRef idx="minor">
+            <a:schemeClr val="lt1"/>
+          </a:fontRef>
+        </p:style>
+        <p:txBody>
+          <a:bodyPr rtlCol="0" anchor="ctr"/>
+          <a:lstStyle/>
+          <a:p>
+            <a:pPr algn="ctr"/>
+            <a:r>
+              <a:rPr lang="en-US" altLang="ko-KR" sz="1600" dirty="0">
+                <a:solidFill>
+                  <a:schemeClr val="tx1"/>
+                </a:solidFill>
+                <a:latin typeface="나눔스퀘어 Bold" panose="020B0600000101010101" pitchFamily="50" charset="-127"/>
+                <a:ea typeface="나눔스퀘어 Bold" panose="020B0600000101010101" pitchFamily="50" charset="-127"/>
+              </a:rPr>
+              <a:t>3</a:t>
+            </a:r>
+            <a:endParaRPr lang="ko-KR" altLang="en-US" sz="1600" dirty="0">
+              <a:solidFill>
+                <a:schemeClr val="tx1"/>
+              </a:solidFill>
+              <a:latin typeface="나눔스퀘어 Bold" panose="020B0600000101010101" pitchFamily="50" charset="-127"/>
+              <a:ea typeface="나눔스퀘어 Bold" panose="020B0600000101010101" pitchFamily="50" charset="-127"/>
+            </a:endParaRPr>
+          </a:p>
+        </p:txBody>
+      </p:sp>
+      <p:cxnSp>
+        <p:nvCxnSpPr>
+          <p:cNvPr id="11" name="직선 연결선 10">
+            <a:extLst>
+              <a:ext uri="{FF2B5EF4-FFF2-40B4-BE49-F238E27FC236}">
+                <a16:creationId xmlns:a16="http://schemas.microsoft.com/office/drawing/2014/main" id="{A13C7717-EE99-467E-CEF5-28226D81D4F8}"/>
+              </a:ext>
+            </a:extLst>
+          </p:cNvPr>
+          <p:cNvCxnSpPr>
+            <a:cxnSpLocks/>
+            <a:stCxn id="9" idx="1"/>
+            <a:endCxn id="6" idx="5"/>
+          </p:cNvCxnSpPr>
+          <p:nvPr/>
+        </p:nvCxnSpPr>
+        <p:spPr>
+          <a:xfrm flipH="1" flipV="1">
+            <a:off x="8018172" y="3689143"/>
+            <a:ext cx="212162" cy="421547"/>
+          </a:xfrm>
+          <a:prstGeom prst="line">
+            <a:avLst/>
+          </a:prstGeom>
+          <a:ln w="19050">
+            <a:solidFill>
+              <a:schemeClr val="tx1"/>
+            </a:solidFill>
+          </a:ln>
+        </p:spPr>
+        <p:style>
+          <a:lnRef idx="1">
+            <a:schemeClr val="accent1"/>
+          </a:lnRef>
+          <a:fillRef idx="0">
+            <a:schemeClr val="accent1"/>
+          </a:fillRef>
+          <a:effectRef idx="0">
+            <a:schemeClr val="accent1"/>
+          </a:effectRef>
+          <a:fontRef idx="minor">
+            <a:schemeClr val="tx1"/>
+          </a:fontRef>
+        </p:style>
+      </p:cxnSp>
+      <p:cxnSp>
+        <p:nvCxnSpPr>
+          <p:cNvPr id="12" name="직선 연결선 11">
+            <a:extLst>
+              <a:ext uri="{FF2B5EF4-FFF2-40B4-BE49-F238E27FC236}">
+                <a16:creationId xmlns:a16="http://schemas.microsoft.com/office/drawing/2014/main" id="{93572616-B2B5-AC7A-9B9C-D492AF20BBA0}"/>
+              </a:ext>
+            </a:extLst>
+          </p:cNvPr>
+          <p:cNvCxnSpPr>
+            <a:cxnSpLocks/>
+            <a:stCxn id="9" idx="7"/>
+            <a:endCxn id="10" idx="3"/>
+          </p:cNvCxnSpPr>
+          <p:nvPr/>
+        </p:nvCxnSpPr>
+        <p:spPr>
+          <a:xfrm flipV="1">
+            <a:off x="9247508" y="3689143"/>
+            <a:ext cx="284867" cy="421547"/>
+          </a:xfrm>
+          <a:prstGeom prst="line">
+            <a:avLst/>
+          </a:prstGeom>
+          <a:ln w="19050">
+            <a:solidFill>
+              <a:schemeClr val="tx1"/>
+            </a:solidFill>
+          </a:ln>
+        </p:spPr>
+        <p:style>
+          <a:lnRef idx="1">
+            <a:schemeClr val="accent1"/>
+          </a:lnRef>
+          <a:fillRef idx="0">
+            <a:schemeClr val="accent1"/>
+          </a:fillRef>
+          <a:effectRef idx="0">
+            <a:schemeClr val="accent1"/>
+          </a:effectRef>
+          <a:fontRef idx="minor">
+            <a:schemeClr val="tx1"/>
+          </a:fontRef>
+        </p:style>
+      </p:cxnSp>
+      <p:sp>
+        <p:nvSpPr>
+          <p:cNvPr id="13" name="타원 12">
+            <a:extLst>
+              <a:ext uri="{FF2B5EF4-FFF2-40B4-BE49-F238E27FC236}">
+                <a16:creationId xmlns:a16="http://schemas.microsoft.com/office/drawing/2014/main" id="{A954D908-D88A-9EFE-E5CA-12420BDFECC8}"/>
+              </a:ext>
+            </a:extLst>
+          </p:cNvPr>
+          <p:cNvSpPr/>
+          <p:nvPr/>
+        </p:nvSpPr>
+        <p:spPr>
+          <a:xfrm>
+            <a:off x="10550609" y="3899916"/>
+            <a:ext cx="1440000" cy="1440000"/>
+          </a:xfrm>
+          <a:prstGeom prst="ellipse">
+            <a:avLst/>
+          </a:prstGeom>
+          <a:noFill/>
+          <a:ln w="19050">
+            <a:solidFill>
+              <a:schemeClr val="tx1"/>
+            </a:solidFill>
+          </a:ln>
+        </p:spPr>
+        <p:style>
+          <a:lnRef idx="2">
+            <a:schemeClr val="accent1">
+              <a:shade val="50000"/>
+            </a:schemeClr>
+          </a:lnRef>
+          <a:fillRef idx="1">
+            <a:schemeClr val="accent1"/>
+          </a:fillRef>
+          <a:effectRef idx="0">
+            <a:schemeClr val="accent1"/>
+          </a:effectRef>
+          <a:fontRef idx="minor">
+            <a:schemeClr val="lt1"/>
+          </a:fontRef>
+        </p:style>
+        <p:txBody>
+          <a:bodyPr rtlCol="0" anchor="ctr"/>
+          <a:lstStyle/>
+          <a:p>
+            <a:pPr algn="ctr"/>
+            <a:r>
+              <a:rPr lang="en-US" altLang="ko-KR" sz="1600" dirty="0">
+                <a:solidFill>
+                  <a:schemeClr val="tx1"/>
+                </a:solidFill>
+                <a:latin typeface="나눔스퀘어 Bold" panose="020B0600000101010101" pitchFamily="50" charset="-127"/>
+                <a:ea typeface="나눔스퀘어 Bold" panose="020B0600000101010101" pitchFamily="50" charset="-127"/>
+              </a:rPr>
+              <a:t>4</a:t>
+            </a:r>
+            <a:endParaRPr lang="ko-KR" altLang="en-US" sz="1600" dirty="0">
+              <a:solidFill>
+                <a:schemeClr val="tx1"/>
+              </a:solidFill>
+              <a:latin typeface="나눔스퀘어 Bold" panose="020B0600000101010101" pitchFamily="50" charset="-127"/>
+              <a:ea typeface="나눔스퀘어 Bold" panose="020B0600000101010101" pitchFamily="50" charset="-127"/>
+            </a:endParaRPr>
+          </a:p>
+        </p:txBody>
+      </p:sp>
+      <p:cxnSp>
+        <p:nvCxnSpPr>
+          <p:cNvPr id="14" name="직선 연결선 13">
+            <a:extLst>
+              <a:ext uri="{FF2B5EF4-FFF2-40B4-BE49-F238E27FC236}">
+                <a16:creationId xmlns:a16="http://schemas.microsoft.com/office/drawing/2014/main" id="{2004841C-5699-9087-20FB-6B2AD4B28FFB}"/>
+              </a:ext>
+            </a:extLst>
+          </p:cNvPr>
+          <p:cNvCxnSpPr>
+            <a:cxnSpLocks/>
+            <a:stCxn id="13" idx="1"/>
+            <a:endCxn id="10" idx="5"/>
+          </p:cNvCxnSpPr>
+          <p:nvPr/>
+        </p:nvCxnSpPr>
+        <p:spPr>
+          <a:xfrm flipH="1" flipV="1">
+            <a:off x="10550609" y="3689143"/>
+            <a:ext cx="210883" cy="421656"/>
+          </a:xfrm>
+          <a:prstGeom prst="line">
+            <a:avLst/>
+          </a:prstGeom>
+          <a:ln w="19050">
+            <a:solidFill>
+              <a:schemeClr val="tx1"/>
+            </a:solidFill>
+          </a:ln>
+        </p:spPr>
+        <p:style>
+          <a:lnRef idx="1">
+            <a:schemeClr val="accent1"/>
+          </a:lnRef>
+          <a:fillRef idx="0">
+            <a:schemeClr val="accent1"/>
+          </a:fillRef>
+          <a:effectRef idx="0">
+            <a:schemeClr val="accent1"/>
+          </a:effectRef>
+          <a:fontRef idx="minor">
+            <a:schemeClr val="tx1"/>
+          </a:fontRef>
+        </p:style>
+      </p:cxnSp>
+      <p:sp>
+        <p:nvSpPr>
+          <p:cNvPr id="15" name="TextBox 14">
+            <a:extLst>
+              <a:ext uri="{FF2B5EF4-FFF2-40B4-BE49-F238E27FC236}">
+                <a16:creationId xmlns:a16="http://schemas.microsoft.com/office/drawing/2014/main" id="{B357D837-4F8F-4E2E-D2BA-1CC01EAEF5EA}"/>
+              </a:ext>
+            </a:extLst>
+          </p:cNvPr>
+          <p:cNvSpPr txBox="1"/>
+          <p:nvPr/>
+        </p:nvSpPr>
+        <p:spPr>
+          <a:xfrm>
+            <a:off x="7495850" y="3840952"/>
+            <a:ext cx="890197" cy="369332"/>
+          </a:xfrm>
+          <a:prstGeom prst="rect">
+            <a:avLst/>
+          </a:prstGeom>
+          <a:noFill/>
+        </p:spPr>
+        <p:txBody>
+          <a:bodyPr wrap="square" rtlCol="0">
+            <a:spAutoFit/>
+          </a:bodyPr>
+          <a:lstStyle/>
+          <a:p>
+            <a:pPr algn="ctr"/>
+            <a:r>
+              <a:rPr lang="ko-KR" altLang="en-US" dirty="0">
+                <a:solidFill>
+                  <a:srgbClr val="FF0000"/>
+                </a:solidFill>
+                <a:latin typeface="나눔스퀘어 Bold" panose="020B0600000101010101" pitchFamily="50" charset="-127"/>
+                <a:ea typeface="나눔스퀘어 Bold" panose="020B0600000101010101" pitchFamily="50" charset="-127"/>
+              </a:rPr>
+              <a:t>①</a:t>
+            </a:r>
+          </a:p>
+        </p:txBody>
+      </p:sp>
+      <p:sp>
+        <p:nvSpPr>
+          <p:cNvPr id="16" name="TextBox 15">
+            <a:extLst>
+              <a:ext uri="{FF2B5EF4-FFF2-40B4-BE49-F238E27FC236}">
+                <a16:creationId xmlns:a16="http://schemas.microsoft.com/office/drawing/2014/main" id="{D294356A-A8EC-4097-E290-D99AC1C42EC1}"/>
+              </a:ext>
+            </a:extLst>
+          </p:cNvPr>
+          <p:cNvSpPr txBox="1"/>
+          <p:nvPr/>
+        </p:nvSpPr>
+        <p:spPr>
+          <a:xfrm>
+            <a:off x="8766400" y="3607350"/>
+            <a:ext cx="890197" cy="369332"/>
+          </a:xfrm>
+          <a:prstGeom prst="rect">
+            <a:avLst/>
+          </a:prstGeom>
+          <a:noFill/>
+        </p:spPr>
+        <p:txBody>
+          <a:bodyPr wrap="square" rtlCol="0">
+            <a:spAutoFit/>
+          </a:bodyPr>
+          <a:lstStyle/>
+          <a:p>
+            <a:pPr algn="ctr"/>
+            <a:r>
+              <a:rPr lang="ko-KR" altLang="en-US" dirty="0">
+                <a:solidFill>
+                  <a:srgbClr val="FF0000"/>
+                </a:solidFill>
+                <a:latin typeface="나눔스퀘어 Bold" panose="020B0600000101010101" pitchFamily="50" charset="-127"/>
+                <a:ea typeface="나눔스퀘어 Bold" panose="020B0600000101010101" pitchFamily="50" charset="-127"/>
+              </a:rPr>
+              <a:t>②</a:t>
+            </a:r>
+          </a:p>
+        </p:txBody>
+      </p:sp>
+      <p:sp>
+        <p:nvSpPr>
+          <p:cNvPr id="17" name="TextBox 16">
+            <a:extLst>
+              <a:ext uri="{FF2B5EF4-FFF2-40B4-BE49-F238E27FC236}">
+                <a16:creationId xmlns:a16="http://schemas.microsoft.com/office/drawing/2014/main" id="{5EDA8677-C346-0A6C-A80A-D55832848E64}"/>
+              </a:ext>
+            </a:extLst>
+          </p:cNvPr>
+          <p:cNvSpPr txBox="1"/>
+          <p:nvPr/>
+        </p:nvSpPr>
+        <p:spPr>
+          <a:xfrm>
+            <a:off x="10072959" y="3802215"/>
+            <a:ext cx="890197" cy="369332"/>
+          </a:xfrm>
+          <a:prstGeom prst="rect">
+            <a:avLst/>
+          </a:prstGeom>
+          <a:noFill/>
+        </p:spPr>
+        <p:txBody>
+          <a:bodyPr wrap="square" rtlCol="0">
+            <a:spAutoFit/>
+          </a:bodyPr>
+          <a:lstStyle/>
+          <a:p>
+            <a:pPr algn="ctr"/>
+            <a:r>
+              <a:rPr lang="ko-KR" altLang="en-US" dirty="0">
+                <a:solidFill>
+                  <a:srgbClr val="FF0000"/>
+                </a:solidFill>
+                <a:latin typeface="나눔스퀘어 Bold" panose="020B0600000101010101" pitchFamily="50" charset="-127"/>
+                <a:ea typeface="나눔스퀘어 Bold" panose="020B0600000101010101" pitchFamily="50" charset="-127"/>
+              </a:rPr>
+              <a:t>③</a:t>
+            </a:r>
+          </a:p>
+        </p:txBody>
+      </p:sp>
+      <p:sp>
+        <p:nvSpPr>
+          <p:cNvPr id="30" name="타원 29">
+            <a:extLst>
+              <a:ext uri="{FF2B5EF4-FFF2-40B4-BE49-F238E27FC236}">
+                <a16:creationId xmlns:a16="http://schemas.microsoft.com/office/drawing/2014/main" id="{DF07B3E0-A974-0447-5081-32906C8212DF}"/>
+              </a:ext>
+            </a:extLst>
+          </p:cNvPr>
+          <p:cNvSpPr/>
+          <p:nvPr/>
+        </p:nvSpPr>
+        <p:spPr>
+          <a:xfrm>
+            <a:off x="331694" y="2460026"/>
+            <a:ext cx="1440000" cy="1440000"/>
+          </a:xfrm>
+          <a:prstGeom prst="ellipse">
+            <a:avLst/>
+          </a:prstGeom>
+          <a:noFill/>
+          <a:ln w="19050">
+            <a:solidFill>
+              <a:schemeClr val="tx1"/>
+            </a:solidFill>
+          </a:ln>
+        </p:spPr>
+        <p:style>
+          <a:lnRef idx="2">
+            <a:schemeClr val="accent1">
+              <a:shade val="50000"/>
+            </a:schemeClr>
+          </a:lnRef>
+          <a:fillRef idx="1">
+            <a:schemeClr val="accent1"/>
+          </a:fillRef>
+          <a:effectRef idx="0">
+            <a:schemeClr val="accent1"/>
+          </a:effectRef>
+          <a:fontRef idx="minor">
+            <a:schemeClr val="lt1"/>
+          </a:fontRef>
+        </p:style>
+        <p:txBody>
+          <a:bodyPr rtlCol="0" anchor="ctr"/>
+          <a:lstStyle/>
+          <a:p>
+            <a:pPr algn="ctr"/>
+            <a:r>
+              <a:rPr lang="en-US" altLang="ko-KR" sz="1600" dirty="0">
+                <a:solidFill>
+                  <a:schemeClr val="tx1"/>
+                </a:solidFill>
+                <a:latin typeface="나눔스퀘어 Bold" panose="020B0600000101010101" pitchFamily="50" charset="-127"/>
+                <a:ea typeface="나눔스퀘어 Bold" panose="020B0600000101010101" pitchFamily="50" charset="-127"/>
+              </a:rPr>
+              <a:t>Fred</a:t>
+            </a:r>
+            <a:endParaRPr lang="ko-KR" altLang="en-US" sz="1600" dirty="0">
+              <a:solidFill>
+                <a:schemeClr val="tx1"/>
+              </a:solidFill>
+              <a:latin typeface="나눔스퀘어 Bold" panose="020B0600000101010101" pitchFamily="50" charset="-127"/>
+              <a:ea typeface="나눔스퀘어 Bold" panose="020B0600000101010101" pitchFamily="50" charset="-127"/>
+            </a:endParaRPr>
+          </a:p>
+        </p:txBody>
+      </p:sp>
+      <p:sp>
+        <p:nvSpPr>
+          <p:cNvPr id="31" name="타원 30">
+            <a:extLst>
+              <a:ext uri="{FF2B5EF4-FFF2-40B4-BE49-F238E27FC236}">
+                <a16:creationId xmlns:a16="http://schemas.microsoft.com/office/drawing/2014/main" id="{BAEF5E86-992A-E70A-4182-1DF88E9894A3}"/>
+              </a:ext>
+            </a:extLst>
+          </p:cNvPr>
+          <p:cNvSpPr/>
+          <p:nvPr/>
+        </p:nvSpPr>
+        <p:spPr>
+          <a:xfrm>
+            <a:off x="1562309" y="3900026"/>
+            <a:ext cx="1438502" cy="1438502"/>
+          </a:xfrm>
+          <a:prstGeom prst="ellipse">
+            <a:avLst/>
+          </a:prstGeom>
+          <a:noFill/>
+          <a:ln w="19050">
+            <a:solidFill>
+              <a:schemeClr val="tx1"/>
+            </a:solidFill>
+          </a:ln>
+        </p:spPr>
+        <p:style>
+          <a:lnRef idx="2">
+            <a:schemeClr val="accent1">
+              <a:shade val="50000"/>
+            </a:schemeClr>
+          </a:lnRef>
+          <a:fillRef idx="1">
+            <a:schemeClr val="accent1"/>
+          </a:fillRef>
+          <a:effectRef idx="0">
+            <a:schemeClr val="accent1"/>
+          </a:effectRef>
+          <a:fontRef idx="minor">
+            <a:schemeClr val="lt1"/>
+          </a:fontRef>
+        </p:style>
+        <p:txBody>
+          <a:bodyPr rtlCol="0" anchor="ctr"/>
+          <a:lstStyle/>
+          <a:p>
+            <a:pPr algn="ctr"/>
+            <a:r>
+              <a:rPr lang="en-US" altLang="ko-KR" sz="1600" dirty="0">
+                <a:solidFill>
+                  <a:schemeClr val="tx1"/>
+                </a:solidFill>
+                <a:latin typeface="나눔스퀘어 Bold" panose="020B0600000101010101" pitchFamily="50" charset="-127"/>
+                <a:ea typeface="나눔스퀘어 Bold" panose="020B0600000101010101" pitchFamily="50" charset="-127"/>
+              </a:rPr>
+              <a:t>Barney</a:t>
+            </a:r>
+            <a:endParaRPr lang="ko-KR" altLang="en-US" sz="1600" dirty="0">
+              <a:solidFill>
+                <a:schemeClr val="tx1"/>
+              </a:solidFill>
+              <a:latin typeface="나눔스퀘어 Bold" panose="020B0600000101010101" pitchFamily="50" charset="-127"/>
+              <a:ea typeface="나눔스퀘어 Bold" panose="020B0600000101010101" pitchFamily="50" charset="-127"/>
+            </a:endParaRPr>
+          </a:p>
+        </p:txBody>
+      </p:sp>
+      <p:sp>
+        <p:nvSpPr>
+          <p:cNvPr id="32" name="타원 31">
+            <a:extLst>
+              <a:ext uri="{FF2B5EF4-FFF2-40B4-BE49-F238E27FC236}">
+                <a16:creationId xmlns:a16="http://schemas.microsoft.com/office/drawing/2014/main" id="{20DAFC4A-24B5-DE5B-6E82-BEA771219D21}"/>
+              </a:ext>
+            </a:extLst>
+          </p:cNvPr>
+          <p:cNvSpPr/>
+          <p:nvPr/>
+        </p:nvSpPr>
+        <p:spPr>
+          <a:xfrm>
+            <a:off x="2864131" y="2460026"/>
+            <a:ext cx="1440000" cy="1440000"/>
+          </a:xfrm>
+          <a:prstGeom prst="ellipse">
+            <a:avLst/>
+          </a:prstGeom>
+          <a:noFill/>
+          <a:ln w="19050">
+            <a:solidFill>
+              <a:schemeClr val="tx1"/>
+            </a:solidFill>
+          </a:ln>
+        </p:spPr>
+        <p:style>
+          <a:lnRef idx="2">
+            <a:schemeClr val="accent1">
+              <a:shade val="50000"/>
+            </a:schemeClr>
+          </a:lnRef>
+          <a:fillRef idx="1">
+            <a:schemeClr val="accent1"/>
+          </a:fillRef>
+          <a:effectRef idx="0">
+            <a:schemeClr val="accent1"/>
+          </a:effectRef>
+          <a:fontRef idx="minor">
+            <a:schemeClr val="lt1"/>
+          </a:fontRef>
+        </p:style>
+        <p:txBody>
+          <a:bodyPr rtlCol="0" anchor="ctr"/>
+          <a:lstStyle/>
+          <a:p>
+            <a:pPr algn="ctr"/>
+            <a:r>
+              <a:rPr lang="en-US" altLang="ko-KR" sz="1600" dirty="0">
+                <a:solidFill>
+                  <a:schemeClr val="tx1"/>
+                </a:solidFill>
+                <a:latin typeface="나눔스퀘어 Bold" panose="020B0600000101010101" pitchFamily="50" charset="-127"/>
+                <a:ea typeface="나눔스퀘어 Bold" panose="020B0600000101010101" pitchFamily="50" charset="-127"/>
+              </a:rPr>
+              <a:t>Betty</a:t>
+            </a:r>
+            <a:endParaRPr lang="ko-KR" altLang="en-US" sz="1600" dirty="0">
+              <a:solidFill>
+                <a:schemeClr val="tx1"/>
+              </a:solidFill>
+              <a:latin typeface="나눔스퀘어 Bold" panose="020B0600000101010101" pitchFamily="50" charset="-127"/>
+              <a:ea typeface="나눔스퀘어 Bold" panose="020B0600000101010101" pitchFamily="50" charset="-127"/>
+            </a:endParaRPr>
+          </a:p>
+        </p:txBody>
+      </p:sp>
+      <p:cxnSp>
+        <p:nvCxnSpPr>
+          <p:cNvPr id="33" name="직선 연결선 32">
+            <a:extLst>
+              <a:ext uri="{FF2B5EF4-FFF2-40B4-BE49-F238E27FC236}">
+                <a16:creationId xmlns:a16="http://schemas.microsoft.com/office/drawing/2014/main" id="{3163CCA7-7E70-A7A8-E083-D1E89AEAA8FC}"/>
+              </a:ext>
+            </a:extLst>
+          </p:cNvPr>
+          <p:cNvCxnSpPr>
+            <a:cxnSpLocks/>
+            <a:stCxn id="31" idx="1"/>
+            <a:endCxn id="30" idx="5"/>
+          </p:cNvCxnSpPr>
+          <p:nvPr/>
+        </p:nvCxnSpPr>
+        <p:spPr>
+          <a:xfrm flipH="1" flipV="1">
+            <a:off x="1560811" y="3689143"/>
+            <a:ext cx="212162" cy="421547"/>
+          </a:xfrm>
+          <a:prstGeom prst="line">
+            <a:avLst/>
+          </a:prstGeom>
+          <a:ln w="19050">
+            <a:solidFill>
+              <a:schemeClr val="tx1"/>
+            </a:solidFill>
+          </a:ln>
+        </p:spPr>
+        <p:style>
+          <a:lnRef idx="1">
+            <a:schemeClr val="accent1"/>
+          </a:lnRef>
+          <a:fillRef idx="0">
+            <a:schemeClr val="accent1"/>
+          </a:fillRef>
+          <a:effectRef idx="0">
+            <a:schemeClr val="accent1"/>
+          </a:effectRef>
+          <a:fontRef idx="minor">
+            <a:schemeClr val="tx1"/>
+          </a:fontRef>
+        </p:style>
+      </p:cxnSp>
+      <p:cxnSp>
+        <p:nvCxnSpPr>
+          <p:cNvPr id="34" name="직선 연결선 33">
+            <a:extLst>
+              <a:ext uri="{FF2B5EF4-FFF2-40B4-BE49-F238E27FC236}">
+                <a16:creationId xmlns:a16="http://schemas.microsoft.com/office/drawing/2014/main" id="{55BB27B4-C50C-37F8-6F39-237B5422E565}"/>
+              </a:ext>
+            </a:extLst>
+          </p:cNvPr>
+          <p:cNvCxnSpPr>
+            <a:cxnSpLocks/>
+            <a:stCxn id="31" idx="7"/>
+            <a:endCxn id="32" idx="3"/>
+          </p:cNvCxnSpPr>
+          <p:nvPr/>
+        </p:nvCxnSpPr>
+        <p:spPr>
+          <a:xfrm flipV="1">
+            <a:off x="2790147" y="3689143"/>
+            <a:ext cx="284867" cy="421547"/>
+          </a:xfrm>
+          <a:prstGeom prst="line">
+            <a:avLst/>
+          </a:prstGeom>
+          <a:ln w="19050">
+            <a:solidFill>
+              <a:schemeClr val="tx1"/>
+            </a:solidFill>
+          </a:ln>
+        </p:spPr>
+        <p:style>
+          <a:lnRef idx="1">
+            <a:schemeClr val="accent1"/>
+          </a:lnRef>
+          <a:fillRef idx="0">
+            <a:schemeClr val="accent1"/>
+          </a:fillRef>
+          <a:effectRef idx="0">
+            <a:schemeClr val="accent1"/>
+          </a:effectRef>
+          <a:fontRef idx="minor">
+            <a:schemeClr val="tx1"/>
+          </a:fontRef>
+        </p:style>
+      </p:cxnSp>
+      <p:sp>
+        <p:nvSpPr>
+          <p:cNvPr id="35" name="타원 34">
+            <a:extLst>
+              <a:ext uri="{FF2B5EF4-FFF2-40B4-BE49-F238E27FC236}">
+                <a16:creationId xmlns:a16="http://schemas.microsoft.com/office/drawing/2014/main" id="{2A790561-1A9C-BCEC-A263-D7ABA689721C}"/>
+              </a:ext>
+            </a:extLst>
+          </p:cNvPr>
+          <p:cNvSpPr/>
+          <p:nvPr/>
+        </p:nvSpPr>
+        <p:spPr>
+          <a:xfrm>
+            <a:off x="4093248" y="3899916"/>
+            <a:ext cx="1440000" cy="1440000"/>
+          </a:xfrm>
+          <a:prstGeom prst="ellipse">
+            <a:avLst/>
+          </a:prstGeom>
+          <a:noFill/>
+          <a:ln w="19050">
+            <a:solidFill>
+              <a:schemeClr val="tx1"/>
+            </a:solidFill>
+          </a:ln>
+        </p:spPr>
+        <p:style>
+          <a:lnRef idx="2">
+            <a:schemeClr val="accent1">
+              <a:shade val="50000"/>
+            </a:schemeClr>
+          </a:lnRef>
+          <a:fillRef idx="1">
+            <a:schemeClr val="accent1"/>
+          </a:fillRef>
+          <a:effectRef idx="0">
+            <a:schemeClr val="accent1"/>
+          </a:effectRef>
+          <a:fontRef idx="minor">
+            <a:schemeClr val="lt1"/>
+          </a:fontRef>
+        </p:style>
+        <p:txBody>
+          <a:bodyPr rtlCol="0" anchor="ctr"/>
+          <a:lstStyle/>
+          <a:p>
+            <a:pPr algn="ctr"/>
+            <a:r>
+              <a:rPr lang="en-US" altLang="ko-KR" sz="1600" dirty="0">
+                <a:solidFill>
+                  <a:schemeClr val="tx1"/>
+                </a:solidFill>
+                <a:latin typeface="나눔스퀘어 Bold" panose="020B0600000101010101" pitchFamily="50" charset="-127"/>
+                <a:ea typeface="나눔스퀘어 Bold" panose="020B0600000101010101" pitchFamily="50" charset="-127"/>
+              </a:rPr>
+              <a:t>Wilma</a:t>
+            </a:r>
+            <a:endParaRPr lang="ko-KR" altLang="en-US" sz="1600" dirty="0">
+              <a:solidFill>
+                <a:schemeClr val="tx1"/>
+              </a:solidFill>
+              <a:latin typeface="나눔스퀘어 Bold" panose="020B0600000101010101" pitchFamily="50" charset="-127"/>
+              <a:ea typeface="나눔스퀘어 Bold" panose="020B0600000101010101" pitchFamily="50" charset="-127"/>
+            </a:endParaRPr>
+          </a:p>
+        </p:txBody>
+      </p:sp>
+      <p:cxnSp>
+        <p:nvCxnSpPr>
+          <p:cNvPr id="36" name="직선 연결선 35">
+            <a:extLst>
+              <a:ext uri="{FF2B5EF4-FFF2-40B4-BE49-F238E27FC236}">
+                <a16:creationId xmlns:a16="http://schemas.microsoft.com/office/drawing/2014/main" id="{D54C743D-EF19-9089-E7F8-4DEE2437F0B6}"/>
+              </a:ext>
+            </a:extLst>
+          </p:cNvPr>
+          <p:cNvCxnSpPr>
+            <a:cxnSpLocks/>
+            <a:stCxn id="35" idx="1"/>
+            <a:endCxn id="32" idx="5"/>
+          </p:cNvCxnSpPr>
+          <p:nvPr/>
+        </p:nvCxnSpPr>
+        <p:spPr>
+          <a:xfrm flipH="1" flipV="1">
+            <a:off x="4093248" y="3689143"/>
+            <a:ext cx="210883" cy="421656"/>
+          </a:xfrm>
+          <a:prstGeom prst="line">
+            <a:avLst/>
+          </a:prstGeom>
+          <a:ln w="19050">
+            <a:solidFill>
+              <a:schemeClr val="tx1"/>
+            </a:solidFill>
+          </a:ln>
+        </p:spPr>
+        <p:style>
+          <a:lnRef idx="1">
+            <a:schemeClr val="accent1"/>
+          </a:lnRef>
+          <a:fillRef idx="0">
+            <a:schemeClr val="accent1"/>
+          </a:fillRef>
+          <a:effectRef idx="0">
+            <a:schemeClr val="accent1"/>
+          </a:effectRef>
+          <a:fontRef idx="minor">
+            <a:schemeClr val="tx1"/>
+          </a:fontRef>
+        </p:style>
+      </p:cxnSp>
+      <p:sp>
+        <p:nvSpPr>
+          <p:cNvPr id="37" name="TextBox 36">
+            <a:extLst>
+              <a:ext uri="{FF2B5EF4-FFF2-40B4-BE49-F238E27FC236}">
+                <a16:creationId xmlns:a16="http://schemas.microsoft.com/office/drawing/2014/main" id="{0984C927-DE82-AC4E-D692-9C687A907C06}"/>
+              </a:ext>
+            </a:extLst>
+          </p:cNvPr>
+          <p:cNvSpPr txBox="1"/>
+          <p:nvPr/>
+        </p:nvSpPr>
+        <p:spPr>
+          <a:xfrm>
+            <a:off x="1038489" y="3840952"/>
+            <a:ext cx="890197" cy="369332"/>
+          </a:xfrm>
+          <a:prstGeom prst="rect">
+            <a:avLst/>
+          </a:prstGeom>
+          <a:noFill/>
+        </p:spPr>
+        <p:txBody>
+          <a:bodyPr wrap="square" rtlCol="0">
+            <a:spAutoFit/>
+          </a:bodyPr>
+          <a:lstStyle/>
+          <a:p>
+            <a:pPr algn="ctr"/>
+            <a:r>
+              <a:rPr lang="ko-KR" altLang="en-US" dirty="0">
+                <a:solidFill>
+                  <a:srgbClr val="FF0000"/>
+                </a:solidFill>
+                <a:latin typeface="나눔스퀘어 Bold" panose="020B0600000101010101" pitchFamily="50" charset="-127"/>
+                <a:ea typeface="나눔스퀘어 Bold" panose="020B0600000101010101" pitchFamily="50" charset="-127"/>
+              </a:rPr>
+              <a:t>①</a:t>
+            </a:r>
+          </a:p>
+        </p:txBody>
+      </p:sp>
+      <p:sp>
+        <p:nvSpPr>
+          <p:cNvPr id="38" name="TextBox 37">
+            <a:extLst>
+              <a:ext uri="{FF2B5EF4-FFF2-40B4-BE49-F238E27FC236}">
+                <a16:creationId xmlns:a16="http://schemas.microsoft.com/office/drawing/2014/main" id="{7D9B894E-CAC9-28D5-DF7D-56F8C1AD3338}"/>
+              </a:ext>
+            </a:extLst>
+          </p:cNvPr>
+          <p:cNvSpPr txBox="1"/>
+          <p:nvPr/>
+        </p:nvSpPr>
+        <p:spPr>
+          <a:xfrm>
+            <a:off x="2309039" y="3607350"/>
+            <a:ext cx="890197" cy="369332"/>
+          </a:xfrm>
+          <a:prstGeom prst="rect">
+            <a:avLst/>
+          </a:prstGeom>
+          <a:noFill/>
+        </p:spPr>
+        <p:txBody>
+          <a:bodyPr wrap="square" rtlCol="0">
+            <a:spAutoFit/>
+          </a:bodyPr>
+          <a:lstStyle/>
+          <a:p>
+            <a:pPr algn="ctr"/>
+            <a:r>
+              <a:rPr lang="ko-KR" altLang="en-US" dirty="0">
+                <a:solidFill>
+                  <a:srgbClr val="FF0000"/>
+                </a:solidFill>
+                <a:latin typeface="나눔스퀘어 Bold" panose="020B0600000101010101" pitchFamily="50" charset="-127"/>
+                <a:ea typeface="나눔스퀘어 Bold" panose="020B0600000101010101" pitchFamily="50" charset="-127"/>
+              </a:rPr>
+              <a:t>②</a:t>
+            </a:r>
+          </a:p>
+        </p:txBody>
+      </p:sp>
+      <p:sp>
+        <p:nvSpPr>
+          <p:cNvPr id="39" name="TextBox 38">
+            <a:extLst>
+              <a:ext uri="{FF2B5EF4-FFF2-40B4-BE49-F238E27FC236}">
+                <a16:creationId xmlns:a16="http://schemas.microsoft.com/office/drawing/2014/main" id="{8D5C8C3D-8278-4C7A-B5F0-4088A61C82E5}"/>
+              </a:ext>
+            </a:extLst>
+          </p:cNvPr>
+          <p:cNvSpPr txBox="1"/>
+          <p:nvPr/>
+        </p:nvSpPr>
+        <p:spPr>
+          <a:xfrm>
+            <a:off x="3615598" y="3802215"/>
+            <a:ext cx="890197" cy="369332"/>
+          </a:xfrm>
+          <a:prstGeom prst="rect">
+            <a:avLst/>
+          </a:prstGeom>
+          <a:noFill/>
+        </p:spPr>
+        <p:txBody>
+          <a:bodyPr wrap="square" rtlCol="0">
+            <a:spAutoFit/>
+          </a:bodyPr>
+          <a:lstStyle/>
+          <a:p>
+            <a:pPr algn="ctr"/>
+            <a:r>
+              <a:rPr lang="ko-KR" altLang="en-US" dirty="0">
+                <a:solidFill>
+                  <a:srgbClr val="FF0000"/>
+                </a:solidFill>
+                <a:latin typeface="나눔스퀘어 Bold" panose="020B0600000101010101" pitchFamily="50" charset="-127"/>
+                <a:ea typeface="나눔스퀘어 Bold" panose="020B0600000101010101" pitchFamily="50" charset="-127"/>
+              </a:rPr>
+              <a:t>③</a:t>
+            </a:r>
+          </a:p>
+        </p:txBody>
+      </p:sp>
+      <p:sp>
+        <p:nvSpPr>
+          <p:cNvPr id="40" name="화살표: 오른쪽 39">
+            <a:extLst>
+              <a:ext uri="{FF2B5EF4-FFF2-40B4-BE49-F238E27FC236}">
+                <a16:creationId xmlns:a16="http://schemas.microsoft.com/office/drawing/2014/main" id="{9530FBD3-7700-4758-D2B7-1352DEF3FC6D}"/>
+              </a:ext>
+            </a:extLst>
+          </p:cNvPr>
+          <p:cNvSpPr/>
+          <p:nvPr/>
+        </p:nvSpPr>
+        <p:spPr>
+          <a:xfrm>
+            <a:off x="5705213" y="3339602"/>
+            <a:ext cx="1169097" cy="929756"/>
+          </a:xfrm>
+          <a:prstGeom prst="rightArrow">
+            <a:avLst/>
+          </a:prstGeom>
+        </p:spPr>
+        <p:style>
+          <a:lnRef idx="2">
+            <a:schemeClr val="accent1">
+              <a:shade val="50000"/>
+            </a:schemeClr>
+          </a:lnRef>
+          <a:fillRef idx="1">
+            <a:schemeClr val="accent1"/>
+          </a:fillRef>
+          <a:effectRef idx="0">
+            <a:schemeClr val="accent1"/>
+          </a:effectRef>
+          <a:fontRef idx="minor">
+            <a:schemeClr val="lt1"/>
+          </a:fontRef>
+        </p:style>
+        <p:txBody>
+          <a:bodyPr rtlCol="0" anchor="ctr"/>
+          <a:lstStyle/>
+          <a:p>
+            <a:pPr algn="ctr"/>
+            <a:endParaRPr lang="ko-KR" altLang="en-US"/>
+          </a:p>
+        </p:txBody>
+      </p:sp>
+    </p:spTree>
+    <p:extLst>
+      <p:ext uri="{BB962C8B-B14F-4D97-AF65-F5344CB8AC3E}">
+        <p14:creationId xmlns:p14="http://schemas.microsoft.com/office/powerpoint/2010/main" val="3069520440"/>
+      </p:ext>
+    </p:extLst>
+  </p:cSld>
+  <p:clrMapOvr>
+    <a:masterClrMapping/>
+  </p:clrMapOvr>
+</p:sld>
+</file>
+
+<file path=ppt/slides/slide25.xml><?xml version="1.0" encoding="utf-8"?>
+<p:sld xmlns:a="http://schemas.openxmlformats.org/drawingml/2006/main" xmlns:r="http://schemas.openxmlformats.org/officeDocument/2006/relationships" xmlns:p="http://schemas.openxmlformats.org/presentationml/2006/main">
+  <p:cSld>
+    <p:spTree>
+      <p:nvGrpSpPr>
+        <p:cNvPr id="1" name=""/>
+        <p:cNvGrpSpPr/>
+        <p:nvPr/>
+      </p:nvGrpSpPr>
+      <p:grpSpPr>
+        <a:xfrm>
+          <a:off x="0" y="0"/>
+          <a:ext cx="0" cy="0"/>
+          <a:chOff x="0" y="0"/>
+          <a:chExt cx="0" cy="0"/>
+        </a:xfrm>
+      </p:grpSpPr>
+      <p:cxnSp>
+        <p:nvCxnSpPr>
+          <p:cNvPr id="5" name="직선 연결선 4">
+            <a:extLst>
+              <a:ext uri="{FF2B5EF4-FFF2-40B4-BE49-F238E27FC236}">
+                <a16:creationId xmlns:a16="http://schemas.microsoft.com/office/drawing/2014/main" id="{164C2827-EFCE-69A4-D037-1A218415F568}"/>
+              </a:ext>
+            </a:extLst>
+          </p:cNvPr>
+          <p:cNvCxnSpPr/>
+          <p:nvPr/>
+        </p:nvCxnSpPr>
+        <p:spPr>
+          <a:xfrm>
+            <a:off x="0" y="887505"/>
+            <a:ext cx="10237694" cy="0"/>
+          </a:xfrm>
+          <a:prstGeom prst="line">
+            <a:avLst/>
+          </a:prstGeom>
+          <a:ln w="76200">
+            <a:solidFill>
+              <a:schemeClr val="tx1">
+                <a:lumMod val="75000"/>
+                <a:lumOff val="25000"/>
+              </a:schemeClr>
+            </a:solidFill>
+          </a:ln>
+        </p:spPr>
+        <p:style>
+          <a:lnRef idx="1">
+            <a:schemeClr val="accent1"/>
+          </a:lnRef>
+          <a:fillRef idx="0">
+            <a:schemeClr val="accent1"/>
+          </a:fillRef>
+          <a:effectRef idx="0">
+            <a:schemeClr val="accent1"/>
+          </a:effectRef>
+          <a:fontRef idx="minor">
+            <a:schemeClr val="tx1"/>
+          </a:fontRef>
+        </p:style>
+      </p:cxnSp>
+      <p:sp>
+        <p:nvSpPr>
+          <p:cNvPr id="6" name="TextBox 5">
+            <a:extLst>
+              <a:ext uri="{FF2B5EF4-FFF2-40B4-BE49-F238E27FC236}">
+                <a16:creationId xmlns:a16="http://schemas.microsoft.com/office/drawing/2014/main" id="{908ED9B9-09D3-CFA8-625A-6F9BB9B6BD23}"/>
+              </a:ext>
+            </a:extLst>
+          </p:cNvPr>
+          <p:cNvSpPr txBox="1"/>
+          <p:nvPr/>
+        </p:nvSpPr>
+        <p:spPr>
+          <a:xfrm>
+            <a:off x="331694" y="177505"/>
+            <a:ext cx="2006190" cy="523220"/>
+          </a:xfrm>
+          <a:prstGeom prst="rect">
+            <a:avLst/>
+          </a:prstGeom>
+          <a:noFill/>
+        </p:spPr>
+        <p:txBody>
+          <a:bodyPr wrap="none" rtlCol="0">
+            <a:spAutoFit/>
+          </a:bodyPr>
+          <a:lstStyle/>
+          <a:p>
+            <a:r>
+              <a:rPr lang="en-US" altLang="ko-KR" sz="2800" dirty="0">
+                <a:latin typeface="나눔스퀘어 Bold" panose="020B0600000101010101" pitchFamily="50" charset="-127"/>
+                <a:ea typeface="나눔스퀘어 Bold" panose="020B0600000101010101" pitchFamily="50" charset="-127"/>
+              </a:rPr>
+              <a:t>Homework</a:t>
+            </a:r>
+            <a:endParaRPr lang="ko-KR" altLang="en-US" sz="2800" dirty="0">
+              <a:latin typeface="나눔스퀘어 Bold" panose="020B0600000101010101" pitchFamily="50" charset="-127"/>
+              <a:ea typeface="나눔스퀘어 Bold" panose="020B0600000101010101" pitchFamily="50" charset="-127"/>
+            </a:endParaRPr>
+          </a:p>
+        </p:txBody>
+      </p:sp>
+      <p:sp>
+        <p:nvSpPr>
+          <p:cNvPr id="7" name="TextBox 6">
+            <a:extLst>
+              <a:ext uri="{FF2B5EF4-FFF2-40B4-BE49-F238E27FC236}">
+                <a16:creationId xmlns:a16="http://schemas.microsoft.com/office/drawing/2014/main" id="{DD092523-43DA-0A5F-0C04-8239F4BF07FC}"/>
+              </a:ext>
+            </a:extLst>
+          </p:cNvPr>
+          <p:cNvSpPr txBox="1"/>
+          <p:nvPr/>
+        </p:nvSpPr>
+        <p:spPr>
+          <a:xfrm>
+            <a:off x="942387" y="1661364"/>
+            <a:ext cx="10237694" cy="369332"/>
+          </a:xfrm>
+          <a:prstGeom prst="rect">
+            <a:avLst/>
+          </a:prstGeom>
+          <a:noFill/>
+        </p:spPr>
+        <p:txBody>
+          <a:bodyPr wrap="square" rtlCol="0">
+            <a:spAutoFit/>
+          </a:bodyPr>
+          <a:lstStyle/>
+          <a:p>
+            <a:r>
+              <a:rPr lang="en-US" altLang="ko-KR" dirty="0">
+                <a:latin typeface="나눔스퀘어 Light" panose="020B0600000101010101" pitchFamily="50" charset="-127"/>
+                <a:ea typeface="나눔스퀘어 Light" panose="020B0600000101010101" pitchFamily="50" charset="-127"/>
+              </a:rPr>
+              <a:t>1. 2776 </a:t>
+            </a:r>
+            <a:r>
+              <a:rPr lang="ko-KR" altLang="en-US" dirty="0" err="1">
+                <a:latin typeface="나눔스퀘어 Light" panose="020B0600000101010101" pitchFamily="50" charset="-127"/>
+                <a:ea typeface="나눔스퀘어 Light" panose="020B0600000101010101" pitchFamily="50" charset="-127"/>
+              </a:rPr>
+              <a:t>암기왕</a:t>
+            </a:r>
+            <a:endParaRPr lang="ko-KR" altLang="en-US" dirty="0">
+              <a:latin typeface="나눔스퀘어 Light" panose="020B0600000101010101" pitchFamily="50" charset="-127"/>
+              <a:ea typeface="나눔스퀘어 Light" panose="020B0600000101010101" pitchFamily="50" charset="-127"/>
+            </a:endParaRPr>
+          </a:p>
+        </p:txBody>
+      </p:sp>
+      <p:sp>
+        <p:nvSpPr>
+          <p:cNvPr id="8" name="TextBox 7">
+            <a:extLst>
+              <a:ext uri="{FF2B5EF4-FFF2-40B4-BE49-F238E27FC236}">
+                <a16:creationId xmlns:a16="http://schemas.microsoft.com/office/drawing/2014/main" id="{80045CCB-6E92-45F3-05E2-D9718BBAEE86}"/>
+              </a:ext>
+            </a:extLst>
+          </p:cNvPr>
+          <p:cNvSpPr txBox="1"/>
+          <p:nvPr/>
+        </p:nvSpPr>
+        <p:spPr>
+          <a:xfrm>
+            <a:off x="942387" y="2422219"/>
+            <a:ext cx="10237694" cy="369332"/>
+          </a:xfrm>
+          <a:prstGeom prst="rect">
+            <a:avLst/>
+          </a:prstGeom>
+          <a:noFill/>
+        </p:spPr>
+        <p:txBody>
+          <a:bodyPr wrap="square" rtlCol="0">
+            <a:spAutoFit/>
+          </a:bodyPr>
+          <a:lstStyle/>
+          <a:p>
+            <a:r>
+              <a:rPr lang="en-US" altLang="ko-KR" dirty="0">
+                <a:latin typeface="나눔스퀘어 Light" panose="020B0600000101010101" pitchFamily="50" charset="-127"/>
+                <a:ea typeface="나눔스퀘어 Light" panose="020B0600000101010101" pitchFamily="50" charset="-127"/>
+              </a:rPr>
+              <a:t>2. 25325 </a:t>
+            </a:r>
+            <a:r>
+              <a:rPr lang="ko-KR" altLang="en-US" dirty="0">
+                <a:latin typeface="나눔스퀘어 Light" panose="020B0600000101010101" pitchFamily="50" charset="-127"/>
+                <a:ea typeface="나눔스퀘어 Light" panose="020B0600000101010101" pitchFamily="50" charset="-127"/>
+              </a:rPr>
+              <a:t>학생 인기도 측정</a:t>
+            </a:r>
+          </a:p>
+        </p:txBody>
+      </p:sp>
+      <p:sp>
+        <p:nvSpPr>
+          <p:cNvPr id="9" name="TextBox 8">
+            <a:extLst>
+              <a:ext uri="{FF2B5EF4-FFF2-40B4-BE49-F238E27FC236}">
+                <a16:creationId xmlns:a16="http://schemas.microsoft.com/office/drawing/2014/main" id="{F3F091EF-3E70-16E8-983D-D9C14C2EAD61}"/>
+              </a:ext>
+            </a:extLst>
+          </p:cNvPr>
+          <p:cNvSpPr txBox="1"/>
+          <p:nvPr/>
+        </p:nvSpPr>
+        <p:spPr>
+          <a:xfrm>
+            <a:off x="942387" y="1190024"/>
+            <a:ext cx="8553305" cy="369332"/>
+          </a:xfrm>
+          <a:prstGeom prst="rect">
+            <a:avLst/>
+          </a:prstGeom>
+          <a:noFill/>
+        </p:spPr>
+        <p:txBody>
+          <a:bodyPr wrap="square" rtlCol="0">
+            <a:spAutoFit/>
+          </a:bodyPr>
+          <a:lstStyle/>
+          <a:p>
+            <a:r>
+              <a:rPr lang="ko-KR" altLang="en-US" dirty="0">
+                <a:latin typeface="나눔스퀘어 Bold" panose="020B0600000101010101" pitchFamily="50" charset="-127"/>
+                <a:ea typeface="나눔스퀘어 Bold" panose="020B0600000101010101" pitchFamily="50" charset="-127"/>
+              </a:rPr>
+              <a:t>아래 문제들에 대해 스스로 생각하고 풀어보세요</a:t>
+            </a:r>
+            <a:r>
+              <a:rPr lang="en-US" altLang="ko-KR" dirty="0">
+                <a:latin typeface="나눔스퀘어 Bold" panose="020B0600000101010101" pitchFamily="50" charset="-127"/>
+                <a:ea typeface="나눔스퀘어 Bold" panose="020B0600000101010101" pitchFamily="50" charset="-127"/>
+              </a:rPr>
+              <a:t>.</a:t>
+            </a:r>
+            <a:r>
+              <a:rPr lang="ko-KR" altLang="en-US" dirty="0">
+                <a:latin typeface="나눔스퀘어 Bold" panose="020B0600000101010101" pitchFamily="50" charset="-127"/>
+                <a:ea typeface="나눔스퀘어 Bold" panose="020B0600000101010101" pitchFamily="50" charset="-127"/>
+              </a:rPr>
+              <a:t> </a:t>
+            </a:r>
+            <a:r>
+              <a:rPr lang="en-US" altLang="ko-KR" dirty="0">
+                <a:latin typeface="나눔스퀘어 Bold" panose="020B0600000101010101" pitchFamily="50" charset="-127"/>
+                <a:ea typeface="나눔스퀘어 Bold" panose="020B0600000101010101" pitchFamily="50" charset="-127"/>
+              </a:rPr>
+              <a:t>(</a:t>
+            </a:r>
+            <a:r>
+              <a:rPr lang="ko-KR" altLang="en-US" dirty="0">
+                <a:latin typeface="나눔스퀘어 Bold" panose="020B0600000101010101" pitchFamily="50" charset="-127"/>
+                <a:ea typeface="나눔스퀘어 Bold" panose="020B0600000101010101" pitchFamily="50" charset="-127"/>
+              </a:rPr>
+              <a:t>해설은 따로 진행하진 않겠습니다</a:t>
+            </a:r>
+            <a:r>
+              <a:rPr lang="en-US" altLang="ko-KR" dirty="0">
+                <a:latin typeface="나눔스퀘어 Bold" panose="020B0600000101010101" pitchFamily="50" charset="-127"/>
+                <a:ea typeface="나눔스퀘어 Bold" panose="020B0600000101010101" pitchFamily="50" charset="-127"/>
+              </a:rPr>
+              <a:t>.)</a:t>
+            </a:r>
+            <a:endParaRPr lang="ko-KR" altLang="en-US" dirty="0">
+              <a:latin typeface="나눔스퀘어 Bold" panose="020B0600000101010101" pitchFamily="50" charset="-127"/>
+              <a:ea typeface="나눔스퀘어 Bold" panose="020B0600000101010101" pitchFamily="50" charset="-127"/>
+            </a:endParaRPr>
+          </a:p>
+        </p:txBody>
+      </p:sp>
+      <p:sp>
+        <p:nvSpPr>
+          <p:cNvPr id="2" name="TextBox 1">
+            <a:extLst>
+              <a:ext uri="{FF2B5EF4-FFF2-40B4-BE49-F238E27FC236}">
+                <a16:creationId xmlns:a16="http://schemas.microsoft.com/office/drawing/2014/main" id="{807C3CD1-8E1B-427F-230D-9C7C2837C1F2}"/>
+              </a:ext>
+            </a:extLst>
+          </p:cNvPr>
+          <p:cNvSpPr txBox="1"/>
+          <p:nvPr/>
+        </p:nvSpPr>
+        <p:spPr>
+          <a:xfrm>
+            <a:off x="942387" y="2792356"/>
+            <a:ext cx="10237694" cy="369332"/>
+          </a:xfrm>
+          <a:prstGeom prst="rect">
+            <a:avLst/>
+          </a:prstGeom>
+          <a:noFill/>
+        </p:spPr>
+        <p:txBody>
+          <a:bodyPr wrap="square" rtlCol="0">
+            <a:spAutoFit/>
+          </a:bodyPr>
+          <a:lstStyle/>
+          <a:p>
+            <a:r>
+              <a:rPr lang="en-US" altLang="ko-KR" dirty="0">
+                <a:latin typeface="나눔스퀘어 Light" panose="020B0600000101010101" pitchFamily="50" charset="-127"/>
+                <a:ea typeface="나눔스퀘어 Light" panose="020B0600000101010101" pitchFamily="50" charset="-127"/>
+              </a:rPr>
+              <a:t>3. 10546 </a:t>
+            </a:r>
+            <a:r>
+              <a:rPr lang="ko-KR" altLang="en-US" dirty="0">
+                <a:latin typeface="나눔스퀘어 Light" panose="020B0600000101010101" pitchFamily="50" charset="-127"/>
+                <a:ea typeface="나눔스퀘어 Light" panose="020B0600000101010101" pitchFamily="50" charset="-127"/>
+              </a:rPr>
+              <a:t>배부른 </a:t>
+            </a:r>
+            <a:r>
+              <a:rPr lang="ko-KR" altLang="en-US" dirty="0" err="1">
+                <a:latin typeface="나눔스퀘어 Light" panose="020B0600000101010101" pitchFamily="50" charset="-127"/>
+                <a:ea typeface="나눔스퀘어 Light" panose="020B0600000101010101" pitchFamily="50" charset="-127"/>
+              </a:rPr>
+              <a:t>마라토너</a:t>
+            </a:r>
+            <a:endParaRPr lang="ko-KR" altLang="en-US" dirty="0">
+              <a:latin typeface="나눔스퀘어 Light" panose="020B0600000101010101" pitchFamily="50" charset="-127"/>
+              <a:ea typeface="나눔스퀘어 Light" panose="020B0600000101010101" pitchFamily="50" charset="-127"/>
+            </a:endParaRPr>
+          </a:p>
+        </p:txBody>
+      </p:sp>
+      <p:sp>
+        <p:nvSpPr>
+          <p:cNvPr id="15" name="TextBox 14">
+            <a:extLst>
+              <a:ext uri="{FF2B5EF4-FFF2-40B4-BE49-F238E27FC236}">
+                <a16:creationId xmlns:a16="http://schemas.microsoft.com/office/drawing/2014/main" id="{E5047E6E-1B8F-56C4-3638-635617F6F7C1}"/>
+              </a:ext>
+            </a:extLst>
+          </p:cNvPr>
+          <p:cNvSpPr txBox="1"/>
+          <p:nvPr/>
+        </p:nvSpPr>
+        <p:spPr>
+          <a:xfrm>
+            <a:off x="942387" y="4295125"/>
+            <a:ext cx="10237694" cy="369332"/>
+          </a:xfrm>
+          <a:prstGeom prst="rect">
+            <a:avLst/>
+          </a:prstGeom>
+          <a:noFill/>
+        </p:spPr>
+        <p:txBody>
+          <a:bodyPr wrap="square" rtlCol="0">
+            <a:spAutoFit/>
+          </a:bodyPr>
+          <a:lstStyle/>
+          <a:p>
+            <a:r>
+              <a:rPr lang="ko-KR" altLang="en-US" dirty="0" err="1">
+                <a:latin typeface="나눔스퀘어 Bold" panose="020B0600000101010101" pitchFamily="50" charset="-127"/>
+                <a:ea typeface="나눔스퀘어 Bold" panose="020B0600000101010101" pitchFamily="50" charset="-127"/>
+              </a:rPr>
+              <a:t>파이썬이나</a:t>
+            </a:r>
+            <a:r>
+              <a:rPr lang="ko-KR" altLang="en-US" dirty="0">
+                <a:latin typeface="나눔스퀘어 Bold" panose="020B0600000101010101" pitchFamily="50" charset="-127"/>
+                <a:ea typeface="나눔스퀘어 Bold" panose="020B0600000101010101" pitchFamily="50" charset="-127"/>
+              </a:rPr>
+              <a:t> 자바스크립트에선 </a:t>
+            </a:r>
+            <a:r>
+              <a:rPr lang="en-US" altLang="ko-KR" dirty="0">
+                <a:latin typeface="나눔스퀘어 Bold" panose="020B0600000101010101" pitchFamily="50" charset="-127"/>
+                <a:ea typeface="나눔스퀘어 Bold" panose="020B0600000101010101" pitchFamily="50" charset="-127"/>
+              </a:rPr>
+              <a:t>Map </a:t>
+            </a:r>
+            <a:r>
+              <a:rPr lang="ko-KR" altLang="en-US" dirty="0">
+                <a:latin typeface="나눔스퀘어 Bold" panose="020B0600000101010101" pitchFamily="50" charset="-127"/>
+                <a:ea typeface="나눔스퀘어 Bold" panose="020B0600000101010101" pitchFamily="50" charset="-127"/>
+              </a:rPr>
+              <a:t>대신 </a:t>
+            </a:r>
+            <a:r>
+              <a:rPr lang="en-US" altLang="ko-KR" dirty="0">
+                <a:latin typeface="나눔스퀘어 Bold" panose="020B0600000101010101" pitchFamily="50" charset="-127"/>
+                <a:ea typeface="나눔스퀘어 Bold" panose="020B0600000101010101" pitchFamily="50" charset="-127"/>
+              </a:rPr>
+              <a:t>Dictionary</a:t>
+            </a:r>
+            <a:r>
+              <a:rPr lang="ko-KR" altLang="en-US" dirty="0">
+                <a:latin typeface="나눔스퀘어 Bold" panose="020B0600000101010101" pitchFamily="50" charset="-127"/>
+                <a:ea typeface="나눔스퀘어 Bold" panose="020B0600000101010101" pitchFamily="50" charset="-127"/>
+              </a:rPr>
+              <a:t>를 사용함</a:t>
+            </a:r>
+          </a:p>
+        </p:txBody>
+      </p:sp>
+      <p:sp>
+        <p:nvSpPr>
+          <p:cNvPr id="13" name="TextBox 12">
+            <a:extLst>
+              <a:ext uri="{FF2B5EF4-FFF2-40B4-BE49-F238E27FC236}">
+                <a16:creationId xmlns:a16="http://schemas.microsoft.com/office/drawing/2014/main" id="{ADE67B37-472D-41D3-D2AA-141A208BD34D}"/>
+              </a:ext>
+            </a:extLst>
+          </p:cNvPr>
+          <p:cNvSpPr txBox="1"/>
+          <p:nvPr/>
+        </p:nvSpPr>
+        <p:spPr>
+          <a:xfrm>
+            <a:off x="942387" y="3529556"/>
+            <a:ext cx="10237694" cy="369332"/>
+          </a:xfrm>
+          <a:prstGeom prst="rect">
+            <a:avLst/>
+          </a:prstGeom>
+          <a:noFill/>
+        </p:spPr>
+        <p:txBody>
+          <a:bodyPr wrap="square" rtlCol="0">
+            <a:spAutoFit/>
+          </a:bodyPr>
+          <a:lstStyle/>
+          <a:p>
+            <a:r>
+              <a:rPr lang="en-US" altLang="ko-KR" dirty="0">
+                <a:latin typeface="나눔스퀘어 Light" panose="020B0600000101010101" pitchFamily="50" charset="-127"/>
+                <a:ea typeface="나눔스퀘어 Light" panose="020B0600000101010101" pitchFamily="50" charset="-127"/>
+              </a:rPr>
+              <a:t>5. 20920 </a:t>
+            </a:r>
+            <a:r>
+              <a:rPr lang="ko-KR" altLang="en-US" dirty="0" err="1">
+                <a:latin typeface="나눔스퀘어 Light" panose="020B0600000101010101" pitchFamily="50" charset="-127"/>
+                <a:ea typeface="나눔스퀘어 Light" panose="020B0600000101010101" pitchFamily="50" charset="-127"/>
+              </a:rPr>
+              <a:t>영단어</a:t>
+            </a:r>
+            <a:r>
+              <a:rPr lang="ko-KR" altLang="en-US" dirty="0">
+                <a:latin typeface="나눔스퀘어 Light" panose="020B0600000101010101" pitchFamily="50" charset="-127"/>
+                <a:ea typeface="나눔스퀘어 Light" panose="020B0600000101010101" pitchFamily="50" charset="-127"/>
+              </a:rPr>
+              <a:t> 암기는 괴로워</a:t>
+            </a:r>
+          </a:p>
+        </p:txBody>
+      </p:sp>
+      <p:sp>
+        <p:nvSpPr>
+          <p:cNvPr id="19" name="TextBox 18">
+            <a:extLst>
+              <a:ext uri="{FF2B5EF4-FFF2-40B4-BE49-F238E27FC236}">
+                <a16:creationId xmlns:a16="http://schemas.microsoft.com/office/drawing/2014/main" id="{54E021EF-EEAD-A03E-5A1E-A3D4535D88A0}"/>
+              </a:ext>
+            </a:extLst>
+          </p:cNvPr>
+          <p:cNvSpPr txBox="1"/>
+          <p:nvPr/>
+        </p:nvSpPr>
+        <p:spPr>
+          <a:xfrm>
+            <a:off x="942387" y="3160875"/>
+            <a:ext cx="10237694" cy="369332"/>
+          </a:xfrm>
+          <a:prstGeom prst="rect">
+            <a:avLst/>
+          </a:prstGeom>
+          <a:noFill/>
+        </p:spPr>
+        <p:txBody>
+          <a:bodyPr wrap="square" rtlCol="0">
+            <a:spAutoFit/>
+          </a:bodyPr>
+          <a:lstStyle/>
+          <a:p>
+            <a:r>
+              <a:rPr lang="en-US" altLang="ko-KR" dirty="0">
+                <a:latin typeface="나눔스퀘어 Light" panose="020B0600000101010101" pitchFamily="50" charset="-127"/>
+                <a:ea typeface="나눔스퀘어 Light" panose="020B0600000101010101" pitchFamily="50" charset="-127"/>
+              </a:rPr>
+              <a:t>4. 25192 </a:t>
+            </a:r>
+            <a:r>
+              <a:rPr lang="ko-KR" altLang="en-US" dirty="0">
+                <a:latin typeface="나눔스퀘어 Light" panose="020B0600000101010101" pitchFamily="50" charset="-127"/>
+                <a:ea typeface="나눔스퀘어 Light" panose="020B0600000101010101" pitchFamily="50" charset="-127"/>
+              </a:rPr>
+              <a:t>인사성 밝은 곰곰이</a:t>
+            </a:r>
+          </a:p>
+        </p:txBody>
+      </p:sp>
+      <p:sp>
+        <p:nvSpPr>
+          <p:cNvPr id="3" name="TextBox 2">
+            <a:extLst>
+              <a:ext uri="{FF2B5EF4-FFF2-40B4-BE49-F238E27FC236}">
+                <a16:creationId xmlns:a16="http://schemas.microsoft.com/office/drawing/2014/main" id="{7BC93172-266E-5D72-FCAC-DF5D9114B768}"/>
+              </a:ext>
+            </a:extLst>
+          </p:cNvPr>
+          <p:cNvSpPr txBox="1"/>
+          <p:nvPr/>
+        </p:nvSpPr>
+        <p:spPr>
+          <a:xfrm>
+            <a:off x="942387" y="2023865"/>
+            <a:ext cx="10237694" cy="369332"/>
+          </a:xfrm>
+          <a:prstGeom prst="rect">
+            <a:avLst/>
+          </a:prstGeom>
+          <a:noFill/>
+        </p:spPr>
+        <p:txBody>
+          <a:bodyPr wrap="square" rtlCol="0">
+            <a:spAutoFit/>
+          </a:bodyPr>
+          <a:lstStyle/>
+          <a:p>
+            <a:r>
+              <a:rPr lang="en-US" altLang="ko-KR" dirty="0">
+                <a:latin typeface="나눔스퀘어 Light" panose="020B0600000101010101" pitchFamily="50" charset="-127"/>
+                <a:ea typeface="나눔스퀘어 Light" panose="020B0600000101010101" pitchFamily="50" charset="-127"/>
+              </a:rPr>
+              <a:t>	1920 </a:t>
+            </a:r>
+            <a:r>
+              <a:rPr lang="ko-KR" altLang="en-US" dirty="0">
+                <a:latin typeface="나눔스퀘어 Light" panose="020B0600000101010101" pitchFamily="50" charset="-127"/>
+                <a:ea typeface="나눔스퀘어 Light" panose="020B0600000101010101" pitchFamily="50" charset="-127"/>
+              </a:rPr>
+              <a:t>수 찾기 와 동일한 문제</a:t>
+            </a:r>
+          </a:p>
+        </p:txBody>
+      </p:sp>
+      <p:sp>
+        <p:nvSpPr>
+          <p:cNvPr id="10" name="TextBox 9">
+            <a:extLst>
+              <a:ext uri="{FF2B5EF4-FFF2-40B4-BE49-F238E27FC236}">
+                <a16:creationId xmlns:a16="http://schemas.microsoft.com/office/drawing/2014/main" id="{7A899444-ECDC-2943-B269-4219F11F3E88}"/>
+              </a:ext>
+            </a:extLst>
+          </p:cNvPr>
+          <p:cNvSpPr txBox="1"/>
+          <p:nvPr/>
+        </p:nvSpPr>
+        <p:spPr>
+          <a:xfrm>
+            <a:off x="942387" y="4664457"/>
+            <a:ext cx="10237694" cy="369332"/>
+          </a:xfrm>
+          <a:prstGeom prst="rect">
+            <a:avLst/>
+          </a:prstGeom>
+          <a:noFill/>
+        </p:spPr>
+        <p:txBody>
+          <a:bodyPr wrap="square" rtlCol="0">
+            <a:spAutoFit/>
+          </a:bodyPr>
+          <a:lstStyle/>
+          <a:p>
+            <a:r>
+              <a:rPr lang="en-US" altLang="ko-KR" dirty="0" err="1">
+                <a:hlinkClick r:id="rId2"/>
+              </a:rPr>
+              <a:t>tmi</a:t>
+            </a:r>
+            <a:r>
+              <a:rPr lang="en-US" altLang="ko-KR" dirty="0">
+                <a:hlinkClick r:id="rId2"/>
+              </a:rPr>
+              <a:t>/Map vs Dictionary at main · jaehoo1/</a:t>
+            </a:r>
+            <a:r>
+              <a:rPr lang="en-US" altLang="ko-KR" dirty="0" err="1">
+                <a:hlinkClick r:id="rId2"/>
+              </a:rPr>
+              <a:t>tmi</a:t>
+            </a:r>
+            <a:r>
+              <a:rPr lang="en-US" altLang="ko-KR" dirty="0">
+                <a:hlinkClick r:id="rId2"/>
+              </a:rPr>
+              <a:t> (github.com)</a:t>
+            </a:r>
+            <a:endParaRPr lang="ko-KR" altLang="en-US" dirty="0">
+              <a:latin typeface="나눔스퀘어 Bold" panose="020B0600000101010101" pitchFamily="50" charset="-127"/>
+              <a:ea typeface="나눔스퀘어 Bold" panose="020B0600000101010101" pitchFamily="50" charset="-127"/>
+            </a:endParaRPr>
+          </a:p>
+        </p:txBody>
+      </p:sp>
+      <p:sp>
+        <p:nvSpPr>
+          <p:cNvPr id="12" name="TextBox 11">
+            <a:extLst>
+              <a:ext uri="{FF2B5EF4-FFF2-40B4-BE49-F238E27FC236}">
+                <a16:creationId xmlns:a16="http://schemas.microsoft.com/office/drawing/2014/main" id="{E11ABC82-D2F3-E4D1-29CC-7B44F9C5ACA6}"/>
+              </a:ext>
+            </a:extLst>
+          </p:cNvPr>
+          <p:cNvSpPr txBox="1"/>
+          <p:nvPr/>
+        </p:nvSpPr>
+        <p:spPr>
+          <a:xfrm>
+            <a:off x="942387" y="5398630"/>
+            <a:ext cx="10237694" cy="369332"/>
+          </a:xfrm>
+          <a:prstGeom prst="rect">
+            <a:avLst/>
+          </a:prstGeom>
+          <a:noFill/>
+        </p:spPr>
+        <p:txBody>
+          <a:bodyPr wrap="square" rtlCol="0">
+            <a:spAutoFit/>
+          </a:bodyPr>
+          <a:lstStyle/>
+          <a:p>
+            <a:pPr algn="r"/>
+            <a:r>
+              <a:rPr lang="ko-KR" altLang="en-US" dirty="0">
+                <a:latin typeface="나눔스퀘어 Bold" panose="020B0600000101010101" pitchFamily="50" charset="-127"/>
+                <a:ea typeface="나눔스퀘어 Bold" panose="020B0600000101010101" pitchFamily="50" charset="-127"/>
+              </a:rPr>
+              <a:t>지금껏 정말 어려운 내용들</a:t>
+            </a:r>
+            <a:r>
+              <a:rPr lang="en-US" altLang="ko-KR" dirty="0">
+                <a:latin typeface="나눔스퀘어 Bold" panose="020B0600000101010101" pitchFamily="50" charset="-127"/>
+                <a:ea typeface="나눔스퀘어 Bold" panose="020B0600000101010101" pitchFamily="50" charset="-127"/>
+              </a:rPr>
+              <a:t>, </a:t>
+            </a:r>
+            <a:r>
+              <a:rPr lang="ko-KR" altLang="en-US" dirty="0">
+                <a:latin typeface="나눔스퀘어 Bold" panose="020B0600000101010101" pitchFamily="50" charset="-127"/>
+                <a:ea typeface="나눔스퀘어 Bold" panose="020B0600000101010101" pitchFamily="50" charset="-127"/>
+              </a:rPr>
+              <a:t>아무것도 모르고 못 가르치는 학부생 따라오시느라 수고하셨습니다</a:t>
+            </a:r>
+            <a:r>
+              <a:rPr lang="en-US" altLang="ko-KR" dirty="0">
+                <a:latin typeface="나눔스퀘어 Bold" panose="020B0600000101010101" pitchFamily="50" charset="-127"/>
+                <a:ea typeface="나눔스퀘어 Bold" panose="020B0600000101010101" pitchFamily="50" charset="-127"/>
+              </a:rPr>
+              <a:t>.</a:t>
+            </a:r>
+            <a:endParaRPr lang="ko-KR" altLang="en-US" dirty="0">
+              <a:latin typeface="나눔스퀘어 Bold" panose="020B0600000101010101" pitchFamily="50" charset="-127"/>
+              <a:ea typeface="나눔스퀘어 Bold" panose="020B0600000101010101" pitchFamily="50" charset="-127"/>
+            </a:endParaRPr>
+          </a:p>
+        </p:txBody>
+      </p:sp>
+      <p:sp>
+        <p:nvSpPr>
+          <p:cNvPr id="16" name="TextBox 15">
+            <a:extLst>
+              <a:ext uri="{FF2B5EF4-FFF2-40B4-BE49-F238E27FC236}">
+                <a16:creationId xmlns:a16="http://schemas.microsoft.com/office/drawing/2014/main" id="{37871075-3369-F0F9-AA8B-94B69F23FED3}"/>
+              </a:ext>
+            </a:extLst>
+          </p:cNvPr>
+          <p:cNvSpPr txBox="1"/>
+          <p:nvPr/>
+        </p:nvSpPr>
+        <p:spPr>
+          <a:xfrm>
+            <a:off x="942387" y="5767962"/>
+            <a:ext cx="10237694" cy="369332"/>
+          </a:xfrm>
+          <a:prstGeom prst="rect">
+            <a:avLst/>
+          </a:prstGeom>
+          <a:noFill/>
+        </p:spPr>
+        <p:txBody>
+          <a:bodyPr wrap="square" rtlCol="0">
+            <a:spAutoFit/>
+          </a:bodyPr>
+          <a:lstStyle/>
+          <a:p>
+            <a:pPr algn="r"/>
+            <a:r>
+              <a:rPr lang="ko-KR" altLang="en-US" dirty="0">
+                <a:latin typeface="나눔스퀘어 Bold" panose="020B0600000101010101" pitchFamily="50" charset="-127"/>
+                <a:ea typeface="나눔스퀘어 Bold" panose="020B0600000101010101" pitchFamily="50" charset="-127"/>
+              </a:rPr>
+              <a:t>배운 기초 내용들을 바탕으로 더욱 어려운 문제들</a:t>
+            </a:r>
+            <a:r>
+              <a:rPr lang="en-US" altLang="ko-KR" dirty="0">
+                <a:latin typeface="나눔스퀘어 Bold" panose="020B0600000101010101" pitchFamily="50" charset="-127"/>
+                <a:ea typeface="나눔스퀘어 Bold" panose="020B0600000101010101" pitchFamily="50" charset="-127"/>
+              </a:rPr>
+              <a:t>, </a:t>
+            </a:r>
+            <a:r>
+              <a:rPr lang="ko-KR" altLang="en-US" dirty="0">
+                <a:latin typeface="나눔스퀘어 Bold" panose="020B0600000101010101" pitchFamily="50" charset="-127"/>
+                <a:ea typeface="나눔스퀘어 Bold" panose="020B0600000101010101" pitchFamily="50" charset="-127"/>
+              </a:rPr>
+              <a:t>심화 알고리즘을 꾸준히 </a:t>
+            </a:r>
+            <a:r>
+              <a:rPr lang="ko-KR" altLang="en-US" dirty="0" err="1">
+                <a:latin typeface="나눔스퀘어 Bold" panose="020B0600000101010101" pitchFamily="50" charset="-127"/>
+                <a:ea typeface="나눔스퀘어 Bold" panose="020B0600000101010101" pitchFamily="50" charset="-127"/>
+              </a:rPr>
+              <a:t>익혀가시길</a:t>
+            </a:r>
+            <a:r>
+              <a:rPr lang="ko-KR" altLang="en-US" dirty="0">
+                <a:latin typeface="나눔스퀘어 Bold" panose="020B0600000101010101" pitchFamily="50" charset="-127"/>
+                <a:ea typeface="나눔스퀘어 Bold" panose="020B0600000101010101" pitchFamily="50" charset="-127"/>
+              </a:rPr>
+              <a:t> 바랍니다</a:t>
+            </a:r>
+            <a:r>
+              <a:rPr lang="en-US" altLang="ko-KR" dirty="0">
+                <a:latin typeface="나눔스퀘어 Bold" panose="020B0600000101010101" pitchFamily="50" charset="-127"/>
+                <a:ea typeface="나눔스퀘어 Bold" panose="020B0600000101010101" pitchFamily="50" charset="-127"/>
+              </a:rPr>
+              <a:t>.</a:t>
+            </a:r>
+            <a:endParaRPr lang="ko-KR" altLang="en-US" dirty="0">
+              <a:latin typeface="나눔스퀘어 Bold" panose="020B0600000101010101" pitchFamily="50" charset="-127"/>
+              <a:ea typeface="나눔스퀘어 Bold" panose="020B0600000101010101" pitchFamily="50" charset="-127"/>
+            </a:endParaRPr>
+          </a:p>
+        </p:txBody>
+      </p:sp>
+      <p:sp>
+        <p:nvSpPr>
+          <p:cNvPr id="21" name="TextBox 20">
+            <a:extLst>
+              <a:ext uri="{FF2B5EF4-FFF2-40B4-BE49-F238E27FC236}">
+                <a16:creationId xmlns:a16="http://schemas.microsoft.com/office/drawing/2014/main" id="{A6730898-2323-56C7-E687-23D94C8C55E6}"/>
+              </a:ext>
+            </a:extLst>
+          </p:cNvPr>
+          <p:cNvSpPr txBox="1"/>
+          <p:nvPr/>
+        </p:nvSpPr>
+        <p:spPr>
+          <a:xfrm>
+            <a:off x="942387" y="6137294"/>
+            <a:ext cx="10237694" cy="369332"/>
+          </a:xfrm>
+          <a:prstGeom prst="rect">
+            <a:avLst/>
+          </a:prstGeom>
+          <a:noFill/>
+        </p:spPr>
+        <p:txBody>
+          <a:bodyPr wrap="square" rtlCol="0">
+            <a:spAutoFit/>
+          </a:bodyPr>
+          <a:lstStyle/>
+          <a:p>
+            <a:pPr algn="r"/>
+            <a:r>
+              <a:rPr lang="ko-KR" altLang="en-US" dirty="0">
+                <a:latin typeface="나눔스퀘어 Bold" panose="020B0600000101010101" pitchFamily="50" charset="-127"/>
+                <a:ea typeface="나눔스퀘어 Bold" panose="020B0600000101010101" pitchFamily="50" charset="-127"/>
+              </a:rPr>
+              <a:t>감사합니다</a:t>
+            </a:r>
+            <a:r>
+              <a:rPr lang="en-US" altLang="ko-KR" dirty="0">
+                <a:latin typeface="나눔스퀘어 Bold" panose="020B0600000101010101" pitchFamily="50" charset="-127"/>
+                <a:ea typeface="나눔스퀘어 Bold" panose="020B0600000101010101" pitchFamily="50" charset="-127"/>
+              </a:rPr>
+              <a:t>.</a:t>
+            </a:r>
+            <a:endParaRPr lang="ko-KR" altLang="en-US" dirty="0">
+              <a:latin typeface="나눔스퀘어 Bold" panose="020B0600000101010101" pitchFamily="50" charset="-127"/>
+              <a:ea typeface="나눔스퀘어 Bold" panose="020B0600000101010101" pitchFamily="50" charset="-127"/>
+            </a:endParaRPr>
+          </a:p>
+        </p:txBody>
+      </p:sp>
+    </p:spTree>
+    <p:extLst>
+      <p:ext uri="{BB962C8B-B14F-4D97-AF65-F5344CB8AC3E}">
+        <p14:creationId xmlns:p14="http://schemas.microsoft.com/office/powerpoint/2010/main" val="732558497"/>
       </p:ext>
     </p:extLst>
   </p:cSld>
